--- a/Documents/SpikeGLX_Slides.pptx
+++ b/Documents/SpikeGLX_Slides.pptx
@@ -7,6 +7,8 @@
   <p:sldIdLst>
     <p:sldId id="256" r:id="rId2"/>
     <p:sldId id="257" r:id="rId3"/>
+    <p:sldId id="258" r:id="rId4"/>
+    <p:sldId id="259" r:id="rId5"/>
   </p:sldIdLst>
   <p:sldSz cx="12192000" cy="6858000"/>
   <p:notesSz cx="6858000" cy="9144000"/>
@@ -105,7 +107,4170 @@
       </a:defRPr>
     </a:lvl9pPr>
   </p:defaultTextStyle>
+  <p:extLst>
+    <p:ext uri="{EFAFB233-063F-42B5-8137-9DF3F51BA10A}">
+      <p15:sldGuideLst xmlns:p15="http://schemas.microsoft.com/office/powerpoint/2012/main"/>
+    </p:ext>
+  </p:extLst>
 </p:presentation>
+</file>
+
+<file path=ppt/diagrams/colors1.xml><?xml version="1.0" encoding="utf-8"?>
+<dgm:colorsDef xmlns:dgm="http://schemas.openxmlformats.org/drawingml/2006/diagram" xmlns:a="http://schemas.openxmlformats.org/drawingml/2006/main" uniqueId="urn:microsoft.com/office/officeart/2005/8/colors/accent1_2">
+  <dgm:title val=""/>
+  <dgm:desc val=""/>
+  <dgm:catLst>
+    <dgm:cat type="accent1" pri="11200"/>
+  </dgm:catLst>
+  <dgm:styleLbl name="node0">
+    <dgm:fillClrLst meth="repeat">
+      <a:schemeClr val="accent1"/>
+    </dgm:fillClrLst>
+    <dgm:linClrLst meth="repeat">
+      <a:schemeClr val="lt1"/>
+    </dgm:linClrLst>
+    <dgm:effectClrLst/>
+    <dgm:txLinClrLst/>
+    <dgm:txFillClrLst/>
+    <dgm:txEffectClrLst/>
+  </dgm:styleLbl>
+  <dgm:styleLbl name="alignNode1">
+    <dgm:fillClrLst meth="repeat">
+      <a:schemeClr val="accent1"/>
+    </dgm:fillClrLst>
+    <dgm:linClrLst meth="repeat">
+      <a:schemeClr val="accent1"/>
+    </dgm:linClrLst>
+    <dgm:effectClrLst/>
+    <dgm:txLinClrLst/>
+    <dgm:txFillClrLst/>
+    <dgm:txEffectClrLst/>
+  </dgm:styleLbl>
+  <dgm:styleLbl name="node1">
+    <dgm:fillClrLst meth="repeat">
+      <a:schemeClr val="accent1"/>
+    </dgm:fillClrLst>
+    <dgm:linClrLst meth="repeat">
+      <a:schemeClr val="lt1"/>
+    </dgm:linClrLst>
+    <dgm:effectClrLst/>
+    <dgm:txLinClrLst/>
+    <dgm:txFillClrLst/>
+    <dgm:txEffectClrLst/>
+  </dgm:styleLbl>
+  <dgm:styleLbl name="lnNode1">
+    <dgm:fillClrLst meth="repeat">
+      <a:schemeClr val="accent1"/>
+    </dgm:fillClrLst>
+    <dgm:linClrLst meth="repeat">
+      <a:schemeClr val="lt1"/>
+    </dgm:linClrLst>
+    <dgm:effectClrLst/>
+    <dgm:txLinClrLst/>
+    <dgm:txFillClrLst/>
+    <dgm:txEffectClrLst/>
+  </dgm:styleLbl>
+  <dgm:styleLbl name="vennNode1">
+    <dgm:fillClrLst meth="repeat">
+      <a:schemeClr val="accent1">
+        <a:alpha val="50000"/>
+      </a:schemeClr>
+    </dgm:fillClrLst>
+    <dgm:linClrLst meth="repeat">
+      <a:schemeClr val="lt1"/>
+    </dgm:linClrLst>
+    <dgm:effectClrLst/>
+    <dgm:txLinClrLst/>
+    <dgm:txFillClrLst/>
+    <dgm:txEffectClrLst/>
+  </dgm:styleLbl>
+  <dgm:styleLbl name="node2">
+    <dgm:fillClrLst meth="repeat">
+      <a:schemeClr val="accent1"/>
+    </dgm:fillClrLst>
+    <dgm:linClrLst meth="repeat">
+      <a:schemeClr val="lt1"/>
+    </dgm:linClrLst>
+    <dgm:effectClrLst/>
+    <dgm:txLinClrLst/>
+    <dgm:txFillClrLst/>
+    <dgm:txEffectClrLst/>
+  </dgm:styleLbl>
+  <dgm:styleLbl name="node3">
+    <dgm:fillClrLst meth="repeat">
+      <a:schemeClr val="accent1"/>
+    </dgm:fillClrLst>
+    <dgm:linClrLst meth="repeat">
+      <a:schemeClr val="lt1"/>
+    </dgm:linClrLst>
+    <dgm:effectClrLst/>
+    <dgm:txLinClrLst/>
+    <dgm:txFillClrLst/>
+    <dgm:txEffectClrLst/>
+  </dgm:styleLbl>
+  <dgm:styleLbl name="node4">
+    <dgm:fillClrLst meth="repeat">
+      <a:schemeClr val="accent1"/>
+    </dgm:fillClrLst>
+    <dgm:linClrLst meth="repeat">
+      <a:schemeClr val="lt1"/>
+    </dgm:linClrLst>
+    <dgm:effectClrLst/>
+    <dgm:txLinClrLst/>
+    <dgm:txFillClrLst/>
+    <dgm:txEffectClrLst/>
+  </dgm:styleLbl>
+  <dgm:styleLbl name="fgImgPlace1">
+    <dgm:fillClrLst meth="repeat">
+      <a:schemeClr val="accent1">
+        <a:tint val="50000"/>
+      </a:schemeClr>
+    </dgm:fillClrLst>
+    <dgm:linClrLst meth="repeat">
+      <a:schemeClr val="lt1"/>
+    </dgm:linClrLst>
+    <dgm:effectClrLst/>
+    <dgm:txLinClrLst/>
+    <dgm:txFillClrLst meth="repeat">
+      <a:schemeClr val="lt1"/>
+    </dgm:txFillClrLst>
+    <dgm:txEffectClrLst/>
+  </dgm:styleLbl>
+  <dgm:styleLbl name="alignImgPlace1">
+    <dgm:fillClrLst meth="repeat">
+      <a:schemeClr val="accent1">
+        <a:tint val="50000"/>
+      </a:schemeClr>
+    </dgm:fillClrLst>
+    <dgm:linClrLst meth="repeat">
+      <a:schemeClr val="lt1"/>
+    </dgm:linClrLst>
+    <dgm:effectClrLst/>
+    <dgm:txLinClrLst/>
+    <dgm:txFillClrLst meth="repeat">
+      <a:schemeClr val="lt1"/>
+    </dgm:txFillClrLst>
+    <dgm:txEffectClrLst/>
+  </dgm:styleLbl>
+  <dgm:styleLbl name="bgImgPlace1">
+    <dgm:fillClrLst meth="repeat">
+      <a:schemeClr val="accent1">
+        <a:tint val="50000"/>
+      </a:schemeClr>
+    </dgm:fillClrLst>
+    <dgm:linClrLst meth="repeat">
+      <a:schemeClr val="lt1"/>
+    </dgm:linClrLst>
+    <dgm:effectClrLst/>
+    <dgm:txLinClrLst/>
+    <dgm:txFillClrLst meth="repeat">
+      <a:schemeClr val="lt1"/>
+    </dgm:txFillClrLst>
+    <dgm:txEffectClrLst/>
+  </dgm:styleLbl>
+  <dgm:styleLbl name="sibTrans2D1">
+    <dgm:fillClrLst meth="repeat">
+      <a:schemeClr val="accent1">
+        <a:tint val="60000"/>
+      </a:schemeClr>
+    </dgm:fillClrLst>
+    <dgm:linClrLst meth="repeat">
+      <a:schemeClr val="accent1">
+        <a:tint val="60000"/>
+      </a:schemeClr>
+    </dgm:linClrLst>
+    <dgm:effectClrLst/>
+    <dgm:txLinClrLst/>
+    <dgm:txFillClrLst/>
+    <dgm:txEffectClrLst/>
+  </dgm:styleLbl>
+  <dgm:styleLbl name="fgSibTrans2D1">
+    <dgm:fillClrLst meth="repeat">
+      <a:schemeClr val="accent1">
+        <a:tint val="60000"/>
+      </a:schemeClr>
+    </dgm:fillClrLst>
+    <dgm:linClrLst meth="repeat">
+      <a:schemeClr val="accent1">
+        <a:tint val="60000"/>
+      </a:schemeClr>
+    </dgm:linClrLst>
+    <dgm:effectClrLst/>
+    <dgm:txLinClrLst/>
+    <dgm:txFillClrLst/>
+    <dgm:txEffectClrLst/>
+  </dgm:styleLbl>
+  <dgm:styleLbl name="bgSibTrans2D1">
+    <dgm:fillClrLst meth="repeat">
+      <a:schemeClr val="accent1">
+        <a:tint val="60000"/>
+      </a:schemeClr>
+    </dgm:fillClrLst>
+    <dgm:linClrLst meth="repeat">
+      <a:schemeClr val="accent1">
+        <a:tint val="60000"/>
+      </a:schemeClr>
+    </dgm:linClrLst>
+    <dgm:effectClrLst/>
+    <dgm:txLinClrLst/>
+    <dgm:txFillClrLst/>
+    <dgm:txEffectClrLst/>
+  </dgm:styleLbl>
+  <dgm:styleLbl name="sibTrans1D1">
+    <dgm:fillClrLst meth="repeat">
+      <a:schemeClr val="accent1"/>
+    </dgm:fillClrLst>
+    <dgm:linClrLst meth="repeat">
+      <a:schemeClr val="accent1"/>
+    </dgm:linClrLst>
+    <dgm:effectClrLst/>
+    <dgm:txLinClrLst/>
+    <dgm:txFillClrLst meth="repeat">
+      <a:schemeClr val="tx1"/>
+    </dgm:txFillClrLst>
+    <dgm:txEffectClrLst/>
+  </dgm:styleLbl>
+  <dgm:styleLbl name="callout">
+    <dgm:fillClrLst meth="repeat">
+      <a:schemeClr val="accent1"/>
+    </dgm:fillClrLst>
+    <dgm:linClrLst meth="repeat">
+      <a:schemeClr val="accent1">
+        <a:tint val="50000"/>
+      </a:schemeClr>
+    </dgm:linClrLst>
+    <dgm:effectClrLst/>
+    <dgm:txLinClrLst/>
+    <dgm:txFillClrLst meth="repeat">
+      <a:schemeClr val="tx1"/>
+    </dgm:txFillClrLst>
+    <dgm:txEffectClrLst/>
+  </dgm:styleLbl>
+  <dgm:styleLbl name="asst0">
+    <dgm:fillClrLst meth="repeat">
+      <a:schemeClr val="accent1"/>
+    </dgm:fillClrLst>
+    <dgm:linClrLst meth="repeat">
+      <a:schemeClr val="lt1"/>
+    </dgm:linClrLst>
+    <dgm:effectClrLst/>
+    <dgm:txLinClrLst/>
+    <dgm:txFillClrLst/>
+    <dgm:txEffectClrLst/>
+  </dgm:styleLbl>
+  <dgm:styleLbl name="asst1">
+    <dgm:fillClrLst meth="repeat">
+      <a:schemeClr val="accent1"/>
+    </dgm:fillClrLst>
+    <dgm:linClrLst meth="repeat">
+      <a:schemeClr val="lt1"/>
+    </dgm:linClrLst>
+    <dgm:effectClrLst/>
+    <dgm:txLinClrLst/>
+    <dgm:txFillClrLst/>
+    <dgm:txEffectClrLst/>
+  </dgm:styleLbl>
+  <dgm:styleLbl name="asst2">
+    <dgm:fillClrLst meth="repeat">
+      <a:schemeClr val="accent1"/>
+    </dgm:fillClrLst>
+    <dgm:linClrLst meth="repeat">
+      <a:schemeClr val="lt1"/>
+    </dgm:linClrLst>
+    <dgm:effectClrLst/>
+    <dgm:txLinClrLst/>
+    <dgm:txFillClrLst/>
+    <dgm:txEffectClrLst/>
+  </dgm:styleLbl>
+  <dgm:styleLbl name="asst3">
+    <dgm:fillClrLst meth="repeat">
+      <a:schemeClr val="accent1"/>
+    </dgm:fillClrLst>
+    <dgm:linClrLst meth="repeat">
+      <a:schemeClr val="lt1"/>
+    </dgm:linClrLst>
+    <dgm:effectClrLst/>
+    <dgm:txLinClrLst/>
+    <dgm:txFillClrLst/>
+    <dgm:txEffectClrLst/>
+  </dgm:styleLbl>
+  <dgm:styleLbl name="asst4">
+    <dgm:fillClrLst meth="repeat">
+      <a:schemeClr val="accent1"/>
+    </dgm:fillClrLst>
+    <dgm:linClrLst meth="repeat">
+      <a:schemeClr val="lt1"/>
+    </dgm:linClrLst>
+    <dgm:effectClrLst/>
+    <dgm:txLinClrLst/>
+    <dgm:txFillClrLst/>
+    <dgm:txEffectClrLst/>
+  </dgm:styleLbl>
+  <dgm:styleLbl name="parChTrans2D1">
+    <dgm:fillClrLst meth="repeat">
+      <a:schemeClr val="accent1">
+        <a:tint val="60000"/>
+      </a:schemeClr>
+    </dgm:fillClrLst>
+    <dgm:linClrLst meth="repeat">
+      <a:schemeClr val="accent1">
+        <a:tint val="60000"/>
+      </a:schemeClr>
+    </dgm:linClrLst>
+    <dgm:effectClrLst/>
+    <dgm:txLinClrLst/>
+    <dgm:txFillClrLst meth="repeat">
+      <a:schemeClr val="lt1"/>
+    </dgm:txFillClrLst>
+    <dgm:txEffectClrLst/>
+  </dgm:styleLbl>
+  <dgm:styleLbl name="parChTrans2D2">
+    <dgm:fillClrLst meth="repeat">
+      <a:schemeClr val="accent1"/>
+    </dgm:fillClrLst>
+    <dgm:linClrLst meth="repeat">
+      <a:schemeClr val="accent1"/>
+    </dgm:linClrLst>
+    <dgm:effectClrLst/>
+    <dgm:txLinClrLst/>
+    <dgm:txFillClrLst meth="repeat">
+      <a:schemeClr val="lt1"/>
+    </dgm:txFillClrLst>
+    <dgm:txEffectClrLst/>
+  </dgm:styleLbl>
+  <dgm:styleLbl name="parChTrans2D3">
+    <dgm:fillClrLst meth="repeat">
+      <a:schemeClr val="accent1"/>
+    </dgm:fillClrLst>
+    <dgm:linClrLst meth="repeat">
+      <a:schemeClr val="accent1"/>
+    </dgm:linClrLst>
+    <dgm:effectClrLst/>
+    <dgm:txLinClrLst/>
+    <dgm:txFillClrLst meth="repeat">
+      <a:schemeClr val="lt1"/>
+    </dgm:txFillClrLst>
+    <dgm:txEffectClrLst/>
+  </dgm:styleLbl>
+  <dgm:styleLbl name="parChTrans2D4">
+    <dgm:fillClrLst meth="repeat">
+      <a:schemeClr val="accent1"/>
+    </dgm:fillClrLst>
+    <dgm:linClrLst meth="repeat">
+      <a:schemeClr val="accent1"/>
+    </dgm:linClrLst>
+    <dgm:effectClrLst/>
+    <dgm:txLinClrLst/>
+    <dgm:txFillClrLst meth="repeat">
+      <a:schemeClr val="lt1"/>
+    </dgm:txFillClrLst>
+    <dgm:txEffectClrLst/>
+  </dgm:styleLbl>
+  <dgm:styleLbl name="parChTrans1D1">
+    <dgm:fillClrLst meth="repeat">
+      <a:schemeClr val="accent1"/>
+    </dgm:fillClrLst>
+    <dgm:linClrLst meth="repeat">
+      <a:schemeClr val="accent1">
+        <a:shade val="60000"/>
+      </a:schemeClr>
+    </dgm:linClrLst>
+    <dgm:effectClrLst/>
+    <dgm:txLinClrLst/>
+    <dgm:txFillClrLst meth="repeat">
+      <a:schemeClr val="tx1"/>
+    </dgm:txFillClrLst>
+    <dgm:txEffectClrLst/>
+  </dgm:styleLbl>
+  <dgm:styleLbl name="parChTrans1D2">
+    <dgm:fillClrLst meth="repeat">
+      <a:schemeClr val="accent1"/>
+    </dgm:fillClrLst>
+    <dgm:linClrLst meth="repeat">
+      <a:schemeClr val="accent1">
+        <a:shade val="60000"/>
+      </a:schemeClr>
+    </dgm:linClrLst>
+    <dgm:effectClrLst/>
+    <dgm:txLinClrLst/>
+    <dgm:txFillClrLst meth="repeat">
+      <a:schemeClr val="tx1"/>
+    </dgm:txFillClrLst>
+    <dgm:txEffectClrLst/>
+  </dgm:styleLbl>
+  <dgm:styleLbl name="parChTrans1D3">
+    <dgm:fillClrLst meth="repeat">
+      <a:schemeClr val="accent1"/>
+    </dgm:fillClrLst>
+    <dgm:linClrLst meth="repeat">
+      <a:schemeClr val="accent1">
+        <a:shade val="80000"/>
+      </a:schemeClr>
+    </dgm:linClrLst>
+    <dgm:effectClrLst/>
+    <dgm:txLinClrLst/>
+    <dgm:txFillClrLst meth="repeat">
+      <a:schemeClr val="tx1"/>
+    </dgm:txFillClrLst>
+    <dgm:txEffectClrLst/>
+  </dgm:styleLbl>
+  <dgm:styleLbl name="parChTrans1D4">
+    <dgm:fillClrLst meth="repeat">
+      <a:schemeClr val="accent1"/>
+    </dgm:fillClrLst>
+    <dgm:linClrLst meth="repeat">
+      <a:schemeClr val="accent1">
+        <a:shade val="80000"/>
+      </a:schemeClr>
+    </dgm:linClrLst>
+    <dgm:effectClrLst/>
+    <dgm:txLinClrLst/>
+    <dgm:txFillClrLst meth="repeat">
+      <a:schemeClr val="tx1"/>
+    </dgm:txFillClrLst>
+    <dgm:txEffectClrLst/>
+  </dgm:styleLbl>
+  <dgm:styleLbl name="fgAcc1">
+    <dgm:fillClrLst meth="repeat">
+      <a:schemeClr val="lt1">
+        <a:alpha val="90000"/>
+      </a:schemeClr>
+    </dgm:fillClrLst>
+    <dgm:linClrLst meth="repeat">
+      <a:schemeClr val="accent1"/>
+    </dgm:linClrLst>
+    <dgm:effectClrLst/>
+    <dgm:txLinClrLst/>
+    <dgm:txFillClrLst meth="repeat">
+      <a:schemeClr val="dk1"/>
+    </dgm:txFillClrLst>
+    <dgm:txEffectClrLst/>
+  </dgm:styleLbl>
+  <dgm:styleLbl name="conFgAcc1">
+    <dgm:fillClrLst meth="repeat">
+      <a:schemeClr val="lt1">
+        <a:alpha val="90000"/>
+      </a:schemeClr>
+    </dgm:fillClrLst>
+    <dgm:linClrLst meth="repeat">
+      <a:schemeClr val="accent1"/>
+    </dgm:linClrLst>
+    <dgm:effectClrLst/>
+    <dgm:txLinClrLst/>
+    <dgm:txFillClrLst meth="repeat">
+      <a:schemeClr val="dk1"/>
+    </dgm:txFillClrLst>
+    <dgm:txEffectClrLst/>
+  </dgm:styleLbl>
+  <dgm:styleLbl name="alignAcc1">
+    <dgm:fillClrLst meth="repeat">
+      <a:schemeClr val="lt1">
+        <a:alpha val="90000"/>
+      </a:schemeClr>
+    </dgm:fillClrLst>
+    <dgm:linClrLst meth="repeat">
+      <a:schemeClr val="accent1"/>
+    </dgm:linClrLst>
+    <dgm:effectClrLst/>
+    <dgm:txLinClrLst/>
+    <dgm:txFillClrLst meth="repeat">
+      <a:schemeClr val="dk1"/>
+    </dgm:txFillClrLst>
+    <dgm:txEffectClrLst/>
+  </dgm:styleLbl>
+  <dgm:styleLbl name="trAlignAcc1">
+    <dgm:fillClrLst meth="repeat">
+      <a:schemeClr val="lt1">
+        <a:alpha val="40000"/>
+      </a:schemeClr>
+    </dgm:fillClrLst>
+    <dgm:linClrLst meth="repeat">
+      <a:schemeClr val="accent1"/>
+    </dgm:linClrLst>
+    <dgm:effectClrLst/>
+    <dgm:txLinClrLst/>
+    <dgm:txFillClrLst meth="repeat">
+      <a:schemeClr val="dk1"/>
+    </dgm:txFillClrLst>
+    <dgm:txEffectClrLst/>
+  </dgm:styleLbl>
+  <dgm:styleLbl name="bgAcc1">
+    <dgm:fillClrLst meth="repeat">
+      <a:schemeClr val="lt1">
+        <a:alpha val="90000"/>
+      </a:schemeClr>
+    </dgm:fillClrLst>
+    <dgm:linClrLst meth="repeat">
+      <a:schemeClr val="accent1"/>
+    </dgm:linClrLst>
+    <dgm:effectClrLst/>
+    <dgm:txLinClrLst/>
+    <dgm:txFillClrLst meth="repeat">
+      <a:schemeClr val="dk1"/>
+    </dgm:txFillClrLst>
+    <dgm:txEffectClrLst/>
+  </dgm:styleLbl>
+  <dgm:styleLbl name="solidFgAcc1">
+    <dgm:fillClrLst meth="repeat">
+      <a:schemeClr val="lt1"/>
+    </dgm:fillClrLst>
+    <dgm:linClrLst meth="repeat">
+      <a:schemeClr val="accent1"/>
+    </dgm:linClrLst>
+    <dgm:effectClrLst/>
+    <dgm:txLinClrLst/>
+    <dgm:txFillClrLst meth="repeat">
+      <a:schemeClr val="dk1"/>
+    </dgm:txFillClrLst>
+    <dgm:txEffectClrLst/>
+  </dgm:styleLbl>
+  <dgm:styleLbl name="solidAlignAcc1">
+    <dgm:fillClrLst meth="repeat">
+      <a:schemeClr val="lt1"/>
+    </dgm:fillClrLst>
+    <dgm:linClrLst meth="repeat">
+      <a:schemeClr val="accent1"/>
+    </dgm:linClrLst>
+    <dgm:effectClrLst/>
+    <dgm:txLinClrLst/>
+    <dgm:txFillClrLst meth="repeat">
+      <a:schemeClr val="dk1"/>
+    </dgm:txFillClrLst>
+    <dgm:txEffectClrLst/>
+  </dgm:styleLbl>
+  <dgm:styleLbl name="solidBgAcc1">
+    <dgm:fillClrLst meth="repeat">
+      <a:schemeClr val="lt1"/>
+    </dgm:fillClrLst>
+    <dgm:linClrLst meth="repeat">
+      <a:schemeClr val="accent1"/>
+    </dgm:linClrLst>
+    <dgm:effectClrLst/>
+    <dgm:txLinClrLst/>
+    <dgm:txFillClrLst meth="repeat">
+      <a:schemeClr val="dk1"/>
+    </dgm:txFillClrLst>
+    <dgm:txEffectClrLst/>
+  </dgm:styleLbl>
+  <dgm:styleLbl name="fgAccFollowNode1">
+    <dgm:fillClrLst meth="repeat">
+      <a:schemeClr val="accent1">
+        <a:alpha val="90000"/>
+        <a:tint val="40000"/>
+      </a:schemeClr>
+    </dgm:fillClrLst>
+    <dgm:linClrLst meth="repeat">
+      <a:schemeClr val="accent1">
+        <a:alpha val="90000"/>
+        <a:tint val="40000"/>
+      </a:schemeClr>
+    </dgm:linClrLst>
+    <dgm:effectClrLst/>
+    <dgm:txLinClrLst/>
+    <dgm:txFillClrLst meth="repeat">
+      <a:schemeClr val="dk1"/>
+    </dgm:txFillClrLst>
+    <dgm:txEffectClrLst/>
+  </dgm:styleLbl>
+  <dgm:styleLbl name="alignAccFollowNode1">
+    <dgm:fillClrLst meth="repeat">
+      <a:schemeClr val="accent1">
+        <a:alpha val="90000"/>
+        <a:tint val="40000"/>
+      </a:schemeClr>
+    </dgm:fillClrLst>
+    <dgm:linClrLst meth="repeat">
+      <a:schemeClr val="accent1">
+        <a:alpha val="90000"/>
+        <a:tint val="40000"/>
+      </a:schemeClr>
+    </dgm:linClrLst>
+    <dgm:effectClrLst/>
+    <dgm:txLinClrLst/>
+    <dgm:txFillClrLst meth="repeat">
+      <a:schemeClr val="dk1"/>
+    </dgm:txFillClrLst>
+    <dgm:txEffectClrLst/>
+  </dgm:styleLbl>
+  <dgm:styleLbl name="bgAccFollowNode1">
+    <dgm:fillClrLst meth="repeat">
+      <a:schemeClr val="accent1">
+        <a:alpha val="90000"/>
+        <a:tint val="40000"/>
+      </a:schemeClr>
+    </dgm:fillClrLst>
+    <dgm:linClrLst meth="repeat">
+      <a:schemeClr val="accent1">
+        <a:alpha val="90000"/>
+        <a:tint val="40000"/>
+      </a:schemeClr>
+    </dgm:linClrLst>
+    <dgm:effectClrLst/>
+    <dgm:txLinClrLst/>
+    <dgm:txFillClrLst meth="repeat">
+      <a:schemeClr val="dk1"/>
+    </dgm:txFillClrLst>
+    <dgm:txEffectClrLst/>
+  </dgm:styleLbl>
+  <dgm:styleLbl name="fgAcc0">
+    <dgm:fillClrLst meth="repeat">
+      <a:schemeClr val="lt1">
+        <a:alpha val="90000"/>
+      </a:schemeClr>
+    </dgm:fillClrLst>
+    <dgm:linClrLst meth="repeat">
+      <a:schemeClr val="accent1"/>
+    </dgm:linClrLst>
+    <dgm:effectClrLst/>
+    <dgm:txLinClrLst/>
+    <dgm:txFillClrLst meth="repeat">
+      <a:schemeClr val="dk1"/>
+    </dgm:txFillClrLst>
+    <dgm:txEffectClrLst/>
+  </dgm:styleLbl>
+  <dgm:styleLbl name="fgAcc2">
+    <dgm:fillClrLst meth="repeat">
+      <a:schemeClr val="lt1">
+        <a:alpha val="90000"/>
+      </a:schemeClr>
+    </dgm:fillClrLst>
+    <dgm:linClrLst meth="repeat">
+      <a:schemeClr val="accent1"/>
+    </dgm:linClrLst>
+    <dgm:effectClrLst/>
+    <dgm:txLinClrLst/>
+    <dgm:txFillClrLst meth="repeat">
+      <a:schemeClr val="dk1"/>
+    </dgm:txFillClrLst>
+    <dgm:txEffectClrLst/>
+  </dgm:styleLbl>
+  <dgm:styleLbl name="fgAcc3">
+    <dgm:fillClrLst meth="repeat">
+      <a:schemeClr val="lt1">
+        <a:alpha val="90000"/>
+      </a:schemeClr>
+    </dgm:fillClrLst>
+    <dgm:linClrLst meth="repeat">
+      <a:schemeClr val="accent1"/>
+    </dgm:linClrLst>
+    <dgm:effectClrLst/>
+    <dgm:txLinClrLst/>
+    <dgm:txFillClrLst meth="repeat">
+      <a:schemeClr val="dk1"/>
+    </dgm:txFillClrLst>
+    <dgm:txEffectClrLst/>
+  </dgm:styleLbl>
+  <dgm:styleLbl name="fgAcc4">
+    <dgm:fillClrLst meth="repeat">
+      <a:schemeClr val="lt1">
+        <a:alpha val="90000"/>
+      </a:schemeClr>
+    </dgm:fillClrLst>
+    <dgm:linClrLst meth="repeat">
+      <a:schemeClr val="accent1"/>
+    </dgm:linClrLst>
+    <dgm:effectClrLst/>
+    <dgm:txLinClrLst/>
+    <dgm:txFillClrLst meth="repeat">
+      <a:schemeClr val="dk1"/>
+    </dgm:txFillClrLst>
+    <dgm:txEffectClrLst/>
+  </dgm:styleLbl>
+  <dgm:styleLbl name="bgShp">
+    <dgm:fillClrLst meth="repeat">
+      <a:schemeClr val="accent1">
+        <a:tint val="40000"/>
+      </a:schemeClr>
+    </dgm:fillClrLst>
+    <dgm:linClrLst meth="repeat">
+      <a:schemeClr val="accent1"/>
+    </dgm:linClrLst>
+    <dgm:effectClrLst/>
+    <dgm:txLinClrLst/>
+    <dgm:txFillClrLst meth="repeat">
+      <a:schemeClr val="dk1"/>
+    </dgm:txFillClrLst>
+    <dgm:txEffectClrLst/>
+  </dgm:styleLbl>
+  <dgm:styleLbl name="dkBgShp">
+    <dgm:fillClrLst meth="repeat">
+      <a:schemeClr val="accent1">
+        <a:shade val="80000"/>
+      </a:schemeClr>
+    </dgm:fillClrLst>
+    <dgm:linClrLst meth="repeat">
+      <a:schemeClr val="accent1"/>
+    </dgm:linClrLst>
+    <dgm:effectClrLst/>
+    <dgm:txLinClrLst/>
+    <dgm:txFillClrLst meth="repeat">
+      <a:schemeClr val="lt1"/>
+    </dgm:txFillClrLst>
+    <dgm:txEffectClrLst/>
+  </dgm:styleLbl>
+  <dgm:styleLbl name="trBgShp">
+    <dgm:fillClrLst meth="repeat">
+      <a:schemeClr val="accent1">
+        <a:tint val="50000"/>
+        <a:alpha val="40000"/>
+      </a:schemeClr>
+    </dgm:fillClrLst>
+    <dgm:linClrLst meth="repeat">
+      <a:schemeClr val="accent1"/>
+    </dgm:linClrLst>
+    <dgm:effectClrLst/>
+    <dgm:txLinClrLst/>
+    <dgm:txFillClrLst meth="repeat">
+      <a:schemeClr val="lt1"/>
+    </dgm:txFillClrLst>
+    <dgm:txEffectClrLst/>
+  </dgm:styleLbl>
+  <dgm:styleLbl name="fgShp">
+    <dgm:fillClrLst meth="repeat">
+      <a:schemeClr val="accent1">
+        <a:tint val="60000"/>
+      </a:schemeClr>
+    </dgm:fillClrLst>
+    <dgm:linClrLst meth="repeat">
+      <a:schemeClr val="lt1"/>
+    </dgm:linClrLst>
+    <dgm:effectClrLst/>
+    <dgm:txLinClrLst/>
+    <dgm:txFillClrLst meth="repeat">
+      <a:schemeClr val="dk1"/>
+    </dgm:txFillClrLst>
+    <dgm:txEffectClrLst/>
+  </dgm:styleLbl>
+  <dgm:styleLbl name="revTx">
+    <dgm:fillClrLst meth="repeat">
+      <a:schemeClr val="lt1">
+        <a:alpha val="0"/>
+      </a:schemeClr>
+    </dgm:fillClrLst>
+    <dgm:linClrLst meth="repeat">
+      <a:schemeClr val="dk1">
+        <a:alpha val="0"/>
+      </a:schemeClr>
+    </dgm:linClrLst>
+    <dgm:effectClrLst/>
+    <dgm:txLinClrLst/>
+    <dgm:txFillClrLst meth="repeat">
+      <a:schemeClr val="tx1"/>
+    </dgm:txFillClrLst>
+    <dgm:txEffectClrLst/>
+  </dgm:styleLbl>
+</dgm:colorsDef>
+</file>
+
+<file path=ppt/diagrams/data1.xml><?xml version="1.0" encoding="utf-8"?>
+<dgm:dataModel xmlns:dgm="http://schemas.openxmlformats.org/drawingml/2006/diagram" xmlns:a="http://schemas.openxmlformats.org/drawingml/2006/main">
+  <dgm:ptLst>
+    <dgm:pt modelId="{03856155-FD83-4713-9AF9-E4718D3AA998}" type="doc">
+      <dgm:prSet loTypeId="urn:microsoft.com/office/officeart/2005/8/layout/cycle5" loCatId="cycle" qsTypeId="urn:microsoft.com/office/officeart/2005/8/quickstyle/simple1" qsCatId="simple" csTypeId="urn:microsoft.com/office/officeart/2005/8/colors/accent1_2" csCatId="accent1" phldr="1"/>
+      <dgm:spPr/>
+      <dgm:t>
+        <a:bodyPr/>
+        <a:lstStyle/>
+        <a:p>
+          <a:endParaRPr lang="en-US"/>
+        </a:p>
+      </dgm:t>
+    </dgm:pt>
+    <dgm:pt modelId="{6C3F9F05-B43B-40E8-BFDD-EC3D1468D41A}">
+      <dgm:prSet phldrT="[Text]"/>
+      <dgm:spPr/>
+      <dgm:t>
+        <a:bodyPr/>
+        <a:lstStyle/>
+        <a:p>
+          <a:r>
+            <a:rPr lang="en-US" dirty="0" err="1" smtClean="0"/>
+            <a:t>Config</a:t>
+          </a:r>
+          <a:r>
+            <a:rPr lang="en-US" dirty="0" smtClean="0"/>
+            <a:t>/daq.ini</a:t>
+          </a:r>
+          <a:endParaRPr lang="en-US" dirty="0"/>
+        </a:p>
+      </dgm:t>
+    </dgm:pt>
+    <dgm:pt modelId="{B27DAD33-BFC7-4B05-8479-F1B1FCC33D66}" type="parTrans" cxnId="{70D199B0-8C16-49F9-AF55-CA819389AFE8}">
+      <dgm:prSet/>
+      <dgm:spPr/>
+      <dgm:t>
+        <a:bodyPr/>
+        <a:lstStyle/>
+        <a:p>
+          <a:endParaRPr lang="en-US"/>
+        </a:p>
+      </dgm:t>
+    </dgm:pt>
+    <dgm:pt modelId="{890A1CAE-14CF-44EE-AC24-1D853B2BC391}" type="sibTrans" cxnId="{70D199B0-8C16-49F9-AF55-CA819389AFE8}">
+      <dgm:prSet/>
+      <dgm:spPr/>
+      <dgm:t>
+        <a:bodyPr/>
+        <a:lstStyle/>
+        <a:p>
+          <a:endParaRPr lang="en-US"/>
+        </a:p>
+      </dgm:t>
+    </dgm:pt>
+    <dgm:pt modelId="{E4472888-8A20-4028-9CA2-0B8F5DB31481}">
+      <dgm:prSet phldrT="[Text]"/>
+      <dgm:spPr/>
+      <dgm:t>
+        <a:bodyPr/>
+        <a:lstStyle/>
+        <a:p>
+          <a:r>
+            <a:rPr lang="en-US" dirty="0" smtClean="0"/>
+            <a:t>'q' validated or not</a:t>
+          </a:r>
+          <a:endParaRPr lang="en-US" dirty="0"/>
+        </a:p>
+      </dgm:t>
+    </dgm:pt>
+    <dgm:pt modelId="{32BD52D1-1E37-420B-BB4D-6D6851BC4CC2}" type="parTrans" cxnId="{B42B4717-4061-4B4F-A450-B8E32B283404}">
+      <dgm:prSet/>
+      <dgm:spPr/>
+      <dgm:t>
+        <a:bodyPr/>
+        <a:lstStyle/>
+        <a:p>
+          <a:endParaRPr lang="en-US"/>
+        </a:p>
+      </dgm:t>
+    </dgm:pt>
+    <dgm:pt modelId="{436D76AA-D018-40C7-B2B6-C2E37535B278}" type="sibTrans" cxnId="{B42B4717-4061-4B4F-A450-B8E32B283404}">
+      <dgm:prSet/>
+      <dgm:spPr/>
+      <dgm:t>
+        <a:bodyPr/>
+        <a:lstStyle/>
+        <a:p>
+          <a:endParaRPr lang="en-US"/>
+        </a:p>
+      </dgm:t>
+    </dgm:pt>
+    <dgm:pt modelId="{EDA8B896-F0FD-4978-B6A1-EC50209721D9}">
+      <dgm:prSet phldrT="[Text]"/>
+      <dgm:spPr>
+        <a:solidFill>
+          <a:srgbClr val="92D050"/>
+        </a:solidFill>
+      </dgm:spPr>
+      <dgm:t>
+        <a:bodyPr/>
+        <a:lstStyle/>
+        <a:p>
+          <a:r>
+            <a:rPr lang="en-US" dirty="0" smtClean="0"/>
+            <a:t>Run allowed or not</a:t>
+          </a:r>
+          <a:endParaRPr lang="en-US" dirty="0"/>
+        </a:p>
+      </dgm:t>
+    </dgm:pt>
+    <dgm:pt modelId="{FFDC1CE0-200D-4C23-9609-5031C0FBA976}" type="parTrans" cxnId="{4B4AA789-A0E4-47E3-B2B1-649283FADACD}">
+      <dgm:prSet/>
+      <dgm:spPr/>
+      <dgm:t>
+        <a:bodyPr/>
+        <a:lstStyle/>
+        <a:p>
+          <a:endParaRPr lang="en-US"/>
+        </a:p>
+      </dgm:t>
+    </dgm:pt>
+    <dgm:pt modelId="{BF1C2905-CE93-4516-B70C-189AD7005E7C}" type="sibTrans" cxnId="{4B4AA789-A0E4-47E3-B2B1-649283FADACD}">
+      <dgm:prSet/>
+      <dgm:spPr/>
+      <dgm:t>
+        <a:bodyPr/>
+        <a:lstStyle/>
+        <a:p>
+          <a:endParaRPr lang="en-US"/>
+        </a:p>
+      </dgm:t>
+    </dgm:pt>
+    <dgm:pt modelId="{B6B769E9-E02F-4898-AB69-3BA0407E0A85}">
+      <dgm:prSet phldrT="[Text]"/>
+      <dgm:spPr/>
+      <dgm:t>
+        <a:bodyPr/>
+        <a:lstStyle/>
+        <a:p>
+          <a:r>
+            <a:rPr lang="en-US" dirty="0" smtClean="0"/>
+            <a:t>'q' -&gt; </a:t>
+          </a:r>
+          <a:r>
+            <a:rPr lang="en-US" dirty="0" err="1" smtClean="0"/>
+            <a:t>acceptedParams</a:t>
+          </a:r>
+          <a:endParaRPr lang="en-US" dirty="0"/>
+        </a:p>
+      </dgm:t>
+    </dgm:pt>
+    <dgm:pt modelId="{5F25B11C-3796-4095-A817-D4BBAA4D479A}" type="parTrans" cxnId="{E3527DCA-9112-4174-B161-4A619E910D59}">
+      <dgm:prSet/>
+      <dgm:spPr/>
+      <dgm:t>
+        <a:bodyPr/>
+        <a:lstStyle/>
+        <a:p>
+          <a:endParaRPr lang="en-US"/>
+        </a:p>
+      </dgm:t>
+    </dgm:pt>
+    <dgm:pt modelId="{21AEB157-FA0E-4CF2-9DA9-4BC968C595CE}" type="sibTrans" cxnId="{E3527DCA-9112-4174-B161-4A619E910D59}">
+      <dgm:prSet/>
+      <dgm:spPr/>
+      <dgm:t>
+        <a:bodyPr/>
+        <a:lstStyle/>
+        <a:p>
+          <a:endParaRPr lang="en-US"/>
+        </a:p>
+      </dgm:t>
+    </dgm:pt>
+    <dgm:pt modelId="{4F356653-CF12-457B-A6AE-91C70D8227D8}">
+      <dgm:prSet phldrT="[Text]"/>
+      <dgm:spPr/>
+      <dgm:t>
+        <a:bodyPr/>
+        <a:lstStyle/>
+        <a:p>
+          <a:r>
+            <a:rPr lang="en-US" dirty="0" err="1" smtClean="0"/>
+            <a:t>acceptedParamss</a:t>
+          </a:r>
+          <a:r>
+            <a:rPr lang="en-US" dirty="0" smtClean="0"/>
+            <a:t> -&gt; </a:t>
+          </a:r>
+          <a:r>
+            <a:rPr lang="en-US" dirty="0" err="1" smtClean="0"/>
+            <a:t>ini</a:t>
+          </a:r>
+          <a:endParaRPr lang="en-US" dirty="0"/>
+        </a:p>
+      </dgm:t>
+    </dgm:pt>
+    <dgm:pt modelId="{375AFA30-60DE-4F1C-8A5B-CBC6A26014D2}" type="parTrans" cxnId="{80F7A33F-3146-4DA6-B491-65FD7C85C331}">
+      <dgm:prSet/>
+      <dgm:spPr/>
+      <dgm:t>
+        <a:bodyPr/>
+        <a:lstStyle/>
+        <a:p>
+          <a:endParaRPr lang="en-US"/>
+        </a:p>
+      </dgm:t>
+    </dgm:pt>
+    <dgm:pt modelId="{4F0C91A0-58A1-465D-857D-C8A674C10576}" type="sibTrans" cxnId="{80F7A33F-3146-4DA6-B491-65FD7C85C331}">
+      <dgm:prSet/>
+      <dgm:spPr/>
+      <dgm:t>
+        <a:bodyPr/>
+        <a:lstStyle/>
+        <a:p>
+          <a:endParaRPr lang="en-US"/>
+        </a:p>
+      </dgm:t>
+    </dgm:pt>
+    <dgm:pt modelId="{2080C862-7E6C-4F1F-AFBF-2E2902FB1520}">
+      <dgm:prSet/>
+      <dgm:spPr/>
+      <dgm:t>
+        <a:bodyPr/>
+        <a:lstStyle/>
+        <a:p>
+          <a:r>
+            <a:rPr lang="en-US" dirty="0" err="1" smtClean="0"/>
+            <a:t>ini</a:t>
+          </a:r>
+          <a:r>
+            <a:rPr lang="en-US" dirty="0" smtClean="0"/>
+            <a:t> -&gt; '</a:t>
+          </a:r>
+          <a:r>
+            <a:rPr lang="en-US" dirty="0" err="1" smtClean="0"/>
+            <a:t>acceptedParams</a:t>
+          </a:r>
+          <a:r>
+            <a:rPr lang="en-US" dirty="0" smtClean="0"/>
+            <a:t>'</a:t>
+          </a:r>
+          <a:endParaRPr lang="en-US" dirty="0"/>
+        </a:p>
+      </dgm:t>
+    </dgm:pt>
+    <dgm:pt modelId="{5D99F448-622E-4CB4-AB14-1EEDBF6F09C1}" type="parTrans" cxnId="{207EF459-7E57-45CE-9B99-D09925D05B1B}">
+      <dgm:prSet/>
+      <dgm:spPr/>
+      <dgm:t>
+        <a:bodyPr/>
+        <a:lstStyle/>
+        <a:p>
+          <a:endParaRPr lang="en-US"/>
+        </a:p>
+      </dgm:t>
+    </dgm:pt>
+    <dgm:pt modelId="{FA896EF7-C2FC-45A5-ABDB-9E9203C1C26D}" type="sibTrans" cxnId="{207EF459-7E57-45CE-9B99-D09925D05B1B}">
+      <dgm:prSet/>
+      <dgm:spPr/>
+      <dgm:t>
+        <a:bodyPr/>
+        <a:lstStyle/>
+        <a:p>
+          <a:endParaRPr lang="en-US"/>
+        </a:p>
+      </dgm:t>
+    </dgm:pt>
+    <dgm:pt modelId="{193121EA-438B-45F7-BBFA-010B738E9B0E}">
+      <dgm:prSet/>
+      <dgm:spPr/>
+      <dgm:t>
+        <a:bodyPr/>
+        <a:lstStyle/>
+        <a:p>
+          <a:r>
+            <a:rPr lang="en-US" dirty="0" smtClean="0"/>
+            <a:t>Dialog -&gt; prospective copy 'q'</a:t>
+          </a:r>
+          <a:endParaRPr lang="en-US" dirty="0"/>
+        </a:p>
+      </dgm:t>
+    </dgm:pt>
+    <dgm:pt modelId="{F5B4D204-0426-417F-926F-C8CCA795C96A}" type="parTrans" cxnId="{AD92E854-4FEA-447E-9ABA-A3C980B260AC}">
+      <dgm:prSet/>
+      <dgm:spPr/>
+      <dgm:t>
+        <a:bodyPr/>
+        <a:lstStyle/>
+        <a:p>
+          <a:endParaRPr lang="en-US"/>
+        </a:p>
+      </dgm:t>
+    </dgm:pt>
+    <dgm:pt modelId="{F10F8C1D-637D-488C-B89F-B031744428CF}" type="sibTrans" cxnId="{AD92E854-4FEA-447E-9ABA-A3C980B260AC}">
+      <dgm:prSet/>
+      <dgm:spPr/>
+      <dgm:t>
+        <a:bodyPr/>
+        <a:lstStyle/>
+        <a:p>
+          <a:endParaRPr lang="en-US"/>
+        </a:p>
+      </dgm:t>
+    </dgm:pt>
+    <dgm:pt modelId="{AEB32098-7C9F-48D8-89DE-9170880230C5}">
+      <dgm:prSet/>
+      <dgm:spPr/>
+      <dgm:t>
+        <a:bodyPr/>
+        <a:lstStyle/>
+        <a:p>
+          <a:r>
+            <a:rPr lang="en-US" dirty="0" smtClean="0"/>
+            <a:t>Click 'Validate' or 'OK'</a:t>
+          </a:r>
+          <a:endParaRPr lang="en-US" dirty="0"/>
+        </a:p>
+      </dgm:t>
+    </dgm:pt>
+    <dgm:pt modelId="{C7200D9D-044D-44CE-A094-05A515E423C3}" type="parTrans" cxnId="{BFE60520-8AB8-493B-9484-605BF43B8364}">
+      <dgm:prSet/>
+      <dgm:spPr/>
+      <dgm:t>
+        <a:bodyPr/>
+        <a:lstStyle/>
+        <a:p>
+          <a:endParaRPr lang="en-US"/>
+        </a:p>
+      </dgm:t>
+    </dgm:pt>
+    <dgm:pt modelId="{A899D67C-7716-47C8-9DA1-C79EBDE78DB8}" type="sibTrans" cxnId="{BFE60520-8AB8-493B-9484-605BF43B8364}">
+      <dgm:prSet/>
+      <dgm:spPr/>
+      <dgm:t>
+        <a:bodyPr/>
+        <a:lstStyle/>
+        <a:p>
+          <a:endParaRPr lang="en-US"/>
+        </a:p>
+      </dgm:t>
+    </dgm:pt>
+    <dgm:pt modelId="{D8939093-7012-4B04-B1F3-FECD08C5F035}">
+      <dgm:prSet/>
+      <dgm:spPr/>
+      <dgm:t>
+        <a:bodyPr/>
+        <a:lstStyle/>
+        <a:p>
+          <a:r>
+            <a:rPr lang="en-US" dirty="0" smtClean="0"/>
+            <a:t>User edits dialog</a:t>
+          </a:r>
+          <a:endParaRPr lang="en-US" dirty="0"/>
+        </a:p>
+      </dgm:t>
+    </dgm:pt>
+    <dgm:pt modelId="{7DD1768E-6A4E-456C-A564-F10FFAD6F693}" type="parTrans" cxnId="{56ED8FC2-32FE-4D1D-931E-76D1300E2B23}">
+      <dgm:prSet/>
+      <dgm:spPr/>
+      <dgm:t>
+        <a:bodyPr/>
+        <a:lstStyle/>
+        <a:p>
+          <a:endParaRPr lang="en-US"/>
+        </a:p>
+      </dgm:t>
+    </dgm:pt>
+    <dgm:pt modelId="{1D8B955D-F526-44D8-A748-077ACB1FABEB}" type="sibTrans" cxnId="{56ED8FC2-32FE-4D1D-931E-76D1300E2B23}">
+      <dgm:prSet/>
+      <dgm:spPr/>
+      <dgm:t>
+        <a:bodyPr/>
+        <a:lstStyle/>
+        <a:p>
+          <a:endParaRPr lang="en-US"/>
+        </a:p>
+      </dgm:t>
+    </dgm:pt>
+    <dgm:pt modelId="{DA8E319D-10EB-4D28-87C3-6923014961E0}">
+      <dgm:prSet/>
+      <dgm:spPr/>
+      <dgm:t>
+        <a:bodyPr/>
+        <a:lstStyle/>
+        <a:p>
+          <a:r>
+            <a:rPr lang="en-US" dirty="0" err="1" smtClean="0"/>
+            <a:t>AcceptedParams</a:t>
+          </a:r>
+          <a:r>
+            <a:rPr lang="en-US" dirty="0" smtClean="0"/>
+            <a:t> -&gt; dialog</a:t>
+          </a:r>
+          <a:endParaRPr lang="en-US" dirty="0"/>
+        </a:p>
+      </dgm:t>
+    </dgm:pt>
+    <dgm:pt modelId="{D943BC09-C8B3-417F-83B3-DB628A293072}" type="parTrans" cxnId="{9A148673-3CA1-4C87-BBAD-B08156253F75}">
+      <dgm:prSet/>
+      <dgm:spPr/>
+      <dgm:t>
+        <a:bodyPr/>
+        <a:lstStyle/>
+        <a:p>
+          <a:endParaRPr lang="en-US"/>
+        </a:p>
+      </dgm:t>
+    </dgm:pt>
+    <dgm:pt modelId="{59044B2F-4A23-4BB1-90AB-9D1398B1496E}" type="sibTrans" cxnId="{9A148673-3CA1-4C87-BBAD-B08156253F75}">
+      <dgm:prSet/>
+      <dgm:spPr/>
+      <dgm:t>
+        <a:bodyPr/>
+        <a:lstStyle/>
+        <a:p>
+          <a:endParaRPr lang="en-US"/>
+        </a:p>
+      </dgm:t>
+    </dgm:pt>
+    <dgm:pt modelId="{A7D02A33-AD42-4595-8E88-6800AB198885}" type="pres">
+      <dgm:prSet presAssocID="{03856155-FD83-4713-9AF9-E4718D3AA998}" presName="cycle" presStyleCnt="0">
+        <dgm:presLayoutVars>
+          <dgm:dir/>
+          <dgm:resizeHandles val="exact"/>
+        </dgm:presLayoutVars>
+      </dgm:prSet>
+      <dgm:spPr/>
+      <dgm:t>
+        <a:bodyPr/>
+        <a:lstStyle/>
+        <a:p>
+          <a:endParaRPr lang="en-US"/>
+        </a:p>
+      </dgm:t>
+    </dgm:pt>
+    <dgm:pt modelId="{6DC8EF65-B572-4F2D-A52C-CE07C0D0B097}" type="pres">
+      <dgm:prSet presAssocID="{6C3F9F05-B43B-40E8-BFDD-EC3D1468D41A}" presName="node" presStyleLbl="node1" presStyleIdx="0" presStyleCnt="10">
+        <dgm:presLayoutVars>
+          <dgm:bulletEnabled val="1"/>
+        </dgm:presLayoutVars>
+      </dgm:prSet>
+      <dgm:spPr/>
+      <dgm:t>
+        <a:bodyPr/>
+        <a:lstStyle/>
+        <a:p>
+          <a:endParaRPr lang="en-US"/>
+        </a:p>
+      </dgm:t>
+    </dgm:pt>
+    <dgm:pt modelId="{50BF18FF-241D-4501-AD00-4FF52192A1FF}" type="pres">
+      <dgm:prSet presAssocID="{6C3F9F05-B43B-40E8-BFDD-EC3D1468D41A}" presName="spNode" presStyleCnt="0"/>
+      <dgm:spPr/>
+    </dgm:pt>
+    <dgm:pt modelId="{80F63A13-3458-4BC4-877A-FFFC5C29D88C}" type="pres">
+      <dgm:prSet presAssocID="{890A1CAE-14CF-44EE-AC24-1D853B2BC391}" presName="sibTrans" presStyleLbl="sibTrans1D1" presStyleIdx="0" presStyleCnt="10"/>
+      <dgm:spPr/>
+      <dgm:t>
+        <a:bodyPr/>
+        <a:lstStyle/>
+        <a:p>
+          <a:endParaRPr lang="en-US"/>
+        </a:p>
+      </dgm:t>
+    </dgm:pt>
+    <dgm:pt modelId="{423C6284-D53E-4FC3-BCD8-B367E087B638}" type="pres">
+      <dgm:prSet presAssocID="{2080C862-7E6C-4F1F-AFBF-2E2902FB1520}" presName="node" presStyleLbl="node1" presStyleIdx="1" presStyleCnt="10">
+        <dgm:presLayoutVars>
+          <dgm:bulletEnabled val="1"/>
+        </dgm:presLayoutVars>
+      </dgm:prSet>
+      <dgm:spPr/>
+      <dgm:t>
+        <a:bodyPr/>
+        <a:lstStyle/>
+        <a:p>
+          <a:endParaRPr lang="en-US"/>
+        </a:p>
+      </dgm:t>
+    </dgm:pt>
+    <dgm:pt modelId="{C1A9F3FF-0913-493A-8F3C-AA502155BF7F}" type="pres">
+      <dgm:prSet presAssocID="{2080C862-7E6C-4F1F-AFBF-2E2902FB1520}" presName="spNode" presStyleCnt="0"/>
+      <dgm:spPr/>
+    </dgm:pt>
+    <dgm:pt modelId="{AE913CEE-1D65-4B6C-9F39-8D5747D9AB39}" type="pres">
+      <dgm:prSet presAssocID="{FA896EF7-C2FC-45A5-ABDB-9E9203C1C26D}" presName="sibTrans" presStyleLbl="sibTrans1D1" presStyleIdx="1" presStyleCnt="10"/>
+      <dgm:spPr/>
+      <dgm:t>
+        <a:bodyPr/>
+        <a:lstStyle/>
+        <a:p>
+          <a:endParaRPr lang="en-US"/>
+        </a:p>
+      </dgm:t>
+    </dgm:pt>
+    <dgm:pt modelId="{A5272672-B605-463A-A750-79E4FB3C3471}" type="pres">
+      <dgm:prSet presAssocID="{DA8E319D-10EB-4D28-87C3-6923014961E0}" presName="node" presStyleLbl="node1" presStyleIdx="2" presStyleCnt="10">
+        <dgm:presLayoutVars>
+          <dgm:bulletEnabled val="1"/>
+        </dgm:presLayoutVars>
+      </dgm:prSet>
+      <dgm:spPr/>
+      <dgm:t>
+        <a:bodyPr/>
+        <a:lstStyle/>
+        <a:p>
+          <a:endParaRPr lang="en-US"/>
+        </a:p>
+      </dgm:t>
+    </dgm:pt>
+    <dgm:pt modelId="{2D2B04A0-0564-42B2-AB97-4C9CED74CE36}" type="pres">
+      <dgm:prSet presAssocID="{DA8E319D-10EB-4D28-87C3-6923014961E0}" presName="spNode" presStyleCnt="0"/>
+      <dgm:spPr/>
+    </dgm:pt>
+    <dgm:pt modelId="{E329EB8D-25D1-4CF8-9E89-DA5E4297C762}" type="pres">
+      <dgm:prSet presAssocID="{59044B2F-4A23-4BB1-90AB-9D1398B1496E}" presName="sibTrans" presStyleLbl="sibTrans1D1" presStyleIdx="2" presStyleCnt="10"/>
+      <dgm:spPr/>
+      <dgm:t>
+        <a:bodyPr/>
+        <a:lstStyle/>
+        <a:p>
+          <a:endParaRPr lang="en-US"/>
+        </a:p>
+      </dgm:t>
+    </dgm:pt>
+    <dgm:pt modelId="{7D4EC07D-5DC0-4ACE-A8DC-78C510BB4C5F}" type="pres">
+      <dgm:prSet presAssocID="{D8939093-7012-4B04-B1F3-FECD08C5F035}" presName="node" presStyleLbl="node1" presStyleIdx="3" presStyleCnt="10">
+        <dgm:presLayoutVars>
+          <dgm:bulletEnabled val="1"/>
+        </dgm:presLayoutVars>
+      </dgm:prSet>
+      <dgm:spPr/>
+      <dgm:t>
+        <a:bodyPr/>
+        <a:lstStyle/>
+        <a:p>
+          <a:endParaRPr lang="en-US"/>
+        </a:p>
+      </dgm:t>
+    </dgm:pt>
+    <dgm:pt modelId="{3C7E05BA-2026-4017-B28C-5EBF1A425E93}" type="pres">
+      <dgm:prSet presAssocID="{D8939093-7012-4B04-B1F3-FECD08C5F035}" presName="spNode" presStyleCnt="0"/>
+      <dgm:spPr/>
+    </dgm:pt>
+    <dgm:pt modelId="{08039230-DCC5-489F-ACC4-6F6A5DB5D99B}" type="pres">
+      <dgm:prSet presAssocID="{1D8B955D-F526-44D8-A748-077ACB1FABEB}" presName="sibTrans" presStyleLbl="sibTrans1D1" presStyleIdx="3" presStyleCnt="10"/>
+      <dgm:spPr/>
+      <dgm:t>
+        <a:bodyPr/>
+        <a:lstStyle/>
+        <a:p>
+          <a:endParaRPr lang="en-US"/>
+        </a:p>
+      </dgm:t>
+    </dgm:pt>
+    <dgm:pt modelId="{BCDE08F8-C06F-4B44-B2EE-92F85A2B69F8}" type="pres">
+      <dgm:prSet presAssocID="{AEB32098-7C9F-48D8-89DE-9170880230C5}" presName="node" presStyleLbl="node1" presStyleIdx="4" presStyleCnt="10">
+        <dgm:presLayoutVars>
+          <dgm:bulletEnabled val="1"/>
+        </dgm:presLayoutVars>
+      </dgm:prSet>
+      <dgm:spPr/>
+      <dgm:t>
+        <a:bodyPr/>
+        <a:lstStyle/>
+        <a:p>
+          <a:endParaRPr lang="en-US"/>
+        </a:p>
+      </dgm:t>
+    </dgm:pt>
+    <dgm:pt modelId="{61244863-5DB2-419B-8CA4-2BE787AF4C7A}" type="pres">
+      <dgm:prSet presAssocID="{AEB32098-7C9F-48D8-89DE-9170880230C5}" presName="spNode" presStyleCnt="0"/>
+      <dgm:spPr/>
+    </dgm:pt>
+    <dgm:pt modelId="{DCC6D925-71BB-4DCC-A014-CB2B86572910}" type="pres">
+      <dgm:prSet presAssocID="{A899D67C-7716-47C8-9DA1-C79EBDE78DB8}" presName="sibTrans" presStyleLbl="sibTrans1D1" presStyleIdx="4" presStyleCnt="10"/>
+      <dgm:spPr/>
+      <dgm:t>
+        <a:bodyPr/>
+        <a:lstStyle/>
+        <a:p>
+          <a:endParaRPr lang="en-US"/>
+        </a:p>
+      </dgm:t>
+    </dgm:pt>
+    <dgm:pt modelId="{16882C59-B268-41FC-9990-81A25A600BEE}" type="pres">
+      <dgm:prSet presAssocID="{193121EA-438B-45F7-BBFA-010B738E9B0E}" presName="node" presStyleLbl="node1" presStyleIdx="5" presStyleCnt="10">
+        <dgm:presLayoutVars>
+          <dgm:bulletEnabled val="1"/>
+        </dgm:presLayoutVars>
+      </dgm:prSet>
+      <dgm:spPr/>
+      <dgm:t>
+        <a:bodyPr/>
+        <a:lstStyle/>
+        <a:p>
+          <a:endParaRPr lang="en-US"/>
+        </a:p>
+      </dgm:t>
+    </dgm:pt>
+    <dgm:pt modelId="{021B95AE-C5D6-44DC-A3B9-A6C39683D279}" type="pres">
+      <dgm:prSet presAssocID="{193121EA-438B-45F7-BBFA-010B738E9B0E}" presName="spNode" presStyleCnt="0"/>
+      <dgm:spPr/>
+    </dgm:pt>
+    <dgm:pt modelId="{5CB85373-6BA3-4F1F-B1C9-491DF3A35B7B}" type="pres">
+      <dgm:prSet presAssocID="{F10F8C1D-637D-488C-B89F-B031744428CF}" presName="sibTrans" presStyleLbl="sibTrans1D1" presStyleIdx="5" presStyleCnt="10"/>
+      <dgm:spPr/>
+      <dgm:t>
+        <a:bodyPr/>
+        <a:lstStyle/>
+        <a:p>
+          <a:endParaRPr lang="en-US"/>
+        </a:p>
+      </dgm:t>
+    </dgm:pt>
+    <dgm:pt modelId="{ECCF82E3-B19F-4805-8882-198E38A67B08}" type="pres">
+      <dgm:prSet presAssocID="{E4472888-8A20-4028-9CA2-0B8F5DB31481}" presName="node" presStyleLbl="node1" presStyleIdx="6" presStyleCnt="10">
+        <dgm:presLayoutVars>
+          <dgm:bulletEnabled val="1"/>
+        </dgm:presLayoutVars>
+      </dgm:prSet>
+      <dgm:spPr/>
+      <dgm:t>
+        <a:bodyPr/>
+        <a:lstStyle/>
+        <a:p>
+          <a:endParaRPr lang="en-US"/>
+        </a:p>
+      </dgm:t>
+    </dgm:pt>
+    <dgm:pt modelId="{17FA7264-97A4-4D61-9FE9-EE34B8C19C00}" type="pres">
+      <dgm:prSet presAssocID="{E4472888-8A20-4028-9CA2-0B8F5DB31481}" presName="spNode" presStyleCnt="0"/>
+      <dgm:spPr/>
+    </dgm:pt>
+    <dgm:pt modelId="{C857321C-82F6-47AE-8F34-CA012320824C}" type="pres">
+      <dgm:prSet presAssocID="{436D76AA-D018-40C7-B2B6-C2E37535B278}" presName="sibTrans" presStyleLbl="sibTrans1D1" presStyleIdx="6" presStyleCnt="10"/>
+      <dgm:spPr/>
+      <dgm:t>
+        <a:bodyPr/>
+        <a:lstStyle/>
+        <a:p>
+          <a:endParaRPr lang="en-US"/>
+        </a:p>
+      </dgm:t>
+    </dgm:pt>
+    <dgm:pt modelId="{311A1E75-4CD5-4938-8DA2-A907DD3520BD}" type="pres">
+      <dgm:prSet presAssocID="{EDA8B896-F0FD-4978-B6A1-EC50209721D9}" presName="node" presStyleLbl="node1" presStyleIdx="7" presStyleCnt="10">
+        <dgm:presLayoutVars>
+          <dgm:bulletEnabled val="1"/>
+        </dgm:presLayoutVars>
+      </dgm:prSet>
+      <dgm:spPr/>
+      <dgm:t>
+        <a:bodyPr/>
+        <a:lstStyle/>
+        <a:p>
+          <a:endParaRPr lang="en-US"/>
+        </a:p>
+      </dgm:t>
+    </dgm:pt>
+    <dgm:pt modelId="{E1CCEABE-67B6-4578-BB15-99B7D6638EEC}" type="pres">
+      <dgm:prSet presAssocID="{EDA8B896-F0FD-4978-B6A1-EC50209721D9}" presName="spNode" presStyleCnt="0"/>
+      <dgm:spPr/>
+    </dgm:pt>
+    <dgm:pt modelId="{B1068590-0A17-40B2-9E1B-1BF12816E82A}" type="pres">
+      <dgm:prSet presAssocID="{BF1C2905-CE93-4516-B70C-189AD7005E7C}" presName="sibTrans" presStyleLbl="sibTrans1D1" presStyleIdx="7" presStyleCnt="10"/>
+      <dgm:spPr/>
+      <dgm:t>
+        <a:bodyPr/>
+        <a:lstStyle/>
+        <a:p>
+          <a:endParaRPr lang="en-US"/>
+        </a:p>
+      </dgm:t>
+    </dgm:pt>
+    <dgm:pt modelId="{252C3583-709E-4580-90E6-3DC9BBA0A288}" type="pres">
+      <dgm:prSet presAssocID="{B6B769E9-E02F-4898-AB69-3BA0407E0A85}" presName="node" presStyleLbl="node1" presStyleIdx="8" presStyleCnt="10">
+        <dgm:presLayoutVars>
+          <dgm:bulletEnabled val="1"/>
+        </dgm:presLayoutVars>
+      </dgm:prSet>
+      <dgm:spPr/>
+      <dgm:t>
+        <a:bodyPr/>
+        <a:lstStyle/>
+        <a:p>
+          <a:endParaRPr lang="en-US"/>
+        </a:p>
+      </dgm:t>
+    </dgm:pt>
+    <dgm:pt modelId="{4DB8526E-1A73-43A4-A7BC-18DF77CDDF7B}" type="pres">
+      <dgm:prSet presAssocID="{B6B769E9-E02F-4898-AB69-3BA0407E0A85}" presName="spNode" presStyleCnt="0"/>
+      <dgm:spPr/>
+    </dgm:pt>
+    <dgm:pt modelId="{86101FBB-20CA-4FAC-A504-1608BAA82236}" type="pres">
+      <dgm:prSet presAssocID="{21AEB157-FA0E-4CF2-9DA9-4BC968C595CE}" presName="sibTrans" presStyleLbl="sibTrans1D1" presStyleIdx="8" presStyleCnt="10"/>
+      <dgm:spPr/>
+      <dgm:t>
+        <a:bodyPr/>
+        <a:lstStyle/>
+        <a:p>
+          <a:endParaRPr lang="en-US"/>
+        </a:p>
+      </dgm:t>
+    </dgm:pt>
+    <dgm:pt modelId="{5F779E80-FDAE-4F20-B301-9490AB785C0F}" type="pres">
+      <dgm:prSet presAssocID="{4F356653-CF12-457B-A6AE-91C70D8227D8}" presName="node" presStyleLbl="node1" presStyleIdx="9" presStyleCnt="10">
+        <dgm:presLayoutVars>
+          <dgm:bulletEnabled val="1"/>
+        </dgm:presLayoutVars>
+      </dgm:prSet>
+      <dgm:spPr/>
+      <dgm:t>
+        <a:bodyPr/>
+        <a:lstStyle/>
+        <a:p>
+          <a:endParaRPr lang="en-US"/>
+        </a:p>
+      </dgm:t>
+    </dgm:pt>
+    <dgm:pt modelId="{45DEBF0B-5E05-492A-A5D8-C4A1CB04A20F}" type="pres">
+      <dgm:prSet presAssocID="{4F356653-CF12-457B-A6AE-91C70D8227D8}" presName="spNode" presStyleCnt="0"/>
+      <dgm:spPr/>
+    </dgm:pt>
+    <dgm:pt modelId="{01FFCFA0-8857-4F17-8842-FF5F726FD243}" type="pres">
+      <dgm:prSet presAssocID="{4F0C91A0-58A1-465D-857D-C8A674C10576}" presName="sibTrans" presStyleLbl="sibTrans1D1" presStyleIdx="9" presStyleCnt="10"/>
+      <dgm:spPr/>
+      <dgm:t>
+        <a:bodyPr/>
+        <a:lstStyle/>
+        <a:p>
+          <a:endParaRPr lang="en-US"/>
+        </a:p>
+      </dgm:t>
+    </dgm:pt>
+  </dgm:ptLst>
+  <dgm:cxnLst>
+    <dgm:cxn modelId="{29C8283C-1378-4A7C-AD9A-C519E8A171A8}" type="presOf" srcId="{890A1CAE-14CF-44EE-AC24-1D853B2BC391}" destId="{80F63A13-3458-4BC4-877A-FFFC5C29D88C}" srcOrd="0" destOrd="0" presId="urn:microsoft.com/office/officeart/2005/8/layout/cycle5"/>
+    <dgm:cxn modelId="{A8CD65D7-637F-4280-A178-62D43F4B83D2}" type="presOf" srcId="{4F356653-CF12-457B-A6AE-91C70D8227D8}" destId="{5F779E80-FDAE-4F20-B301-9490AB785C0F}" srcOrd="0" destOrd="0" presId="urn:microsoft.com/office/officeart/2005/8/layout/cycle5"/>
+    <dgm:cxn modelId="{7D95A2BC-AA72-43BA-A88F-832D77FF21EA}" type="presOf" srcId="{21AEB157-FA0E-4CF2-9DA9-4BC968C595CE}" destId="{86101FBB-20CA-4FAC-A504-1608BAA82236}" srcOrd="0" destOrd="0" presId="urn:microsoft.com/office/officeart/2005/8/layout/cycle5"/>
+    <dgm:cxn modelId="{AD92E854-4FEA-447E-9ABA-A3C980B260AC}" srcId="{03856155-FD83-4713-9AF9-E4718D3AA998}" destId="{193121EA-438B-45F7-BBFA-010B738E9B0E}" srcOrd="5" destOrd="0" parTransId="{F5B4D204-0426-417F-926F-C8CCA795C96A}" sibTransId="{F10F8C1D-637D-488C-B89F-B031744428CF}"/>
+    <dgm:cxn modelId="{B42B4717-4061-4B4F-A450-B8E32B283404}" srcId="{03856155-FD83-4713-9AF9-E4718D3AA998}" destId="{E4472888-8A20-4028-9CA2-0B8F5DB31481}" srcOrd="6" destOrd="0" parTransId="{32BD52D1-1E37-420B-BB4D-6D6851BC4CC2}" sibTransId="{436D76AA-D018-40C7-B2B6-C2E37535B278}"/>
+    <dgm:cxn modelId="{B04F8951-5A8D-494D-8D6D-661EF51B16DD}" type="presOf" srcId="{AEB32098-7C9F-48D8-89DE-9170880230C5}" destId="{BCDE08F8-C06F-4B44-B2EE-92F85A2B69F8}" srcOrd="0" destOrd="0" presId="urn:microsoft.com/office/officeart/2005/8/layout/cycle5"/>
+    <dgm:cxn modelId="{BFE60520-8AB8-493B-9484-605BF43B8364}" srcId="{03856155-FD83-4713-9AF9-E4718D3AA998}" destId="{AEB32098-7C9F-48D8-89DE-9170880230C5}" srcOrd="4" destOrd="0" parTransId="{C7200D9D-044D-44CE-A094-05A515E423C3}" sibTransId="{A899D67C-7716-47C8-9DA1-C79EBDE78DB8}"/>
+    <dgm:cxn modelId="{DC5F285C-886E-4D85-B5A5-9F3EA1D9E5E4}" type="presOf" srcId="{6C3F9F05-B43B-40E8-BFDD-EC3D1468D41A}" destId="{6DC8EF65-B572-4F2D-A52C-CE07C0D0B097}" srcOrd="0" destOrd="0" presId="urn:microsoft.com/office/officeart/2005/8/layout/cycle5"/>
+    <dgm:cxn modelId="{22EBB236-B982-48CC-88C2-1037EC39B0F5}" type="presOf" srcId="{436D76AA-D018-40C7-B2B6-C2E37535B278}" destId="{C857321C-82F6-47AE-8F34-CA012320824C}" srcOrd="0" destOrd="0" presId="urn:microsoft.com/office/officeart/2005/8/layout/cycle5"/>
+    <dgm:cxn modelId="{CA1C151A-D25D-45F2-A8C1-760B1819E926}" type="presOf" srcId="{DA8E319D-10EB-4D28-87C3-6923014961E0}" destId="{A5272672-B605-463A-A750-79E4FB3C3471}" srcOrd="0" destOrd="0" presId="urn:microsoft.com/office/officeart/2005/8/layout/cycle5"/>
+    <dgm:cxn modelId="{C8B43369-5531-48B7-B2C4-3CEC54E2C192}" type="presOf" srcId="{B6B769E9-E02F-4898-AB69-3BA0407E0A85}" destId="{252C3583-709E-4580-90E6-3DC9BBA0A288}" srcOrd="0" destOrd="0" presId="urn:microsoft.com/office/officeart/2005/8/layout/cycle5"/>
+    <dgm:cxn modelId="{A049F59C-9CD3-44C7-B003-A43FB8E9CDD8}" type="presOf" srcId="{4F0C91A0-58A1-465D-857D-C8A674C10576}" destId="{01FFCFA0-8857-4F17-8842-FF5F726FD243}" srcOrd="0" destOrd="0" presId="urn:microsoft.com/office/officeart/2005/8/layout/cycle5"/>
+    <dgm:cxn modelId="{C337ECC9-56AA-4193-83CC-DA356B76D8C3}" type="presOf" srcId="{03856155-FD83-4713-9AF9-E4718D3AA998}" destId="{A7D02A33-AD42-4595-8E88-6800AB198885}" srcOrd="0" destOrd="0" presId="urn:microsoft.com/office/officeart/2005/8/layout/cycle5"/>
+    <dgm:cxn modelId="{81978479-BF12-4E6F-9792-28993E530DEB}" type="presOf" srcId="{A899D67C-7716-47C8-9DA1-C79EBDE78DB8}" destId="{DCC6D925-71BB-4DCC-A014-CB2B86572910}" srcOrd="0" destOrd="0" presId="urn:microsoft.com/office/officeart/2005/8/layout/cycle5"/>
+    <dgm:cxn modelId="{B966C768-7C4F-448A-8EF3-649F94120F96}" type="presOf" srcId="{E4472888-8A20-4028-9CA2-0B8F5DB31481}" destId="{ECCF82E3-B19F-4805-8882-198E38A67B08}" srcOrd="0" destOrd="0" presId="urn:microsoft.com/office/officeart/2005/8/layout/cycle5"/>
+    <dgm:cxn modelId="{9A148673-3CA1-4C87-BBAD-B08156253F75}" srcId="{03856155-FD83-4713-9AF9-E4718D3AA998}" destId="{DA8E319D-10EB-4D28-87C3-6923014961E0}" srcOrd="2" destOrd="0" parTransId="{D943BC09-C8B3-417F-83B3-DB628A293072}" sibTransId="{59044B2F-4A23-4BB1-90AB-9D1398B1496E}"/>
+    <dgm:cxn modelId="{E3527DCA-9112-4174-B161-4A619E910D59}" srcId="{03856155-FD83-4713-9AF9-E4718D3AA998}" destId="{B6B769E9-E02F-4898-AB69-3BA0407E0A85}" srcOrd="8" destOrd="0" parTransId="{5F25B11C-3796-4095-A817-D4BBAA4D479A}" sibTransId="{21AEB157-FA0E-4CF2-9DA9-4BC968C595CE}"/>
+    <dgm:cxn modelId="{4B4AA789-A0E4-47E3-B2B1-649283FADACD}" srcId="{03856155-FD83-4713-9AF9-E4718D3AA998}" destId="{EDA8B896-F0FD-4978-B6A1-EC50209721D9}" srcOrd="7" destOrd="0" parTransId="{FFDC1CE0-200D-4C23-9609-5031C0FBA976}" sibTransId="{BF1C2905-CE93-4516-B70C-189AD7005E7C}"/>
+    <dgm:cxn modelId="{70D199B0-8C16-49F9-AF55-CA819389AFE8}" srcId="{03856155-FD83-4713-9AF9-E4718D3AA998}" destId="{6C3F9F05-B43B-40E8-BFDD-EC3D1468D41A}" srcOrd="0" destOrd="0" parTransId="{B27DAD33-BFC7-4B05-8479-F1B1FCC33D66}" sibTransId="{890A1CAE-14CF-44EE-AC24-1D853B2BC391}"/>
+    <dgm:cxn modelId="{207EF459-7E57-45CE-9B99-D09925D05B1B}" srcId="{03856155-FD83-4713-9AF9-E4718D3AA998}" destId="{2080C862-7E6C-4F1F-AFBF-2E2902FB1520}" srcOrd="1" destOrd="0" parTransId="{5D99F448-622E-4CB4-AB14-1EEDBF6F09C1}" sibTransId="{FA896EF7-C2FC-45A5-ABDB-9E9203C1C26D}"/>
+    <dgm:cxn modelId="{9562C3FD-1B72-44B2-860C-4983E32313E4}" type="presOf" srcId="{F10F8C1D-637D-488C-B89F-B031744428CF}" destId="{5CB85373-6BA3-4F1F-B1C9-491DF3A35B7B}" srcOrd="0" destOrd="0" presId="urn:microsoft.com/office/officeart/2005/8/layout/cycle5"/>
+    <dgm:cxn modelId="{80F7A33F-3146-4DA6-B491-65FD7C85C331}" srcId="{03856155-FD83-4713-9AF9-E4718D3AA998}" destId="{4F356653-CF12-457B-A6AE-91C70D8227D8}" srcOrd="9" destOrd="0" parTransId="{375AFA30-60DE-4F1C-8A5B-CBC6A26014D2}" sibTransId="{4F0C91A0-58A1-465D-857D-C8A674C10576}"/>
+    <dgm:cxn modelId="{56ED8FC2-32FE-4D1D-931E-76D1300E2B23}" srcId="{03856155-FD83-4713-9AF9-E4718D3AA998}" destId="{D8939093-7012-4B04-B1F3-FECD08C5F035}" srcOrd="3" destOrd="0" parTransId="{7DD1768E-6A4E-456C-A564-F10FFAD6F693}" sibTransId="{1D8B955D-F526-44D8-A748-077ACB1FABEB}"/>
+    <dgm:cxn modelId="{0F5FB227-49AE-4403-91A2-F84CB1B8C0A0}" type="presOf" srcId="{BF1C2905-CE93-4516-B70C-189AD7005E7C}" destId="{B1068590-0A17-40B2-9E1B-1BF12816E82A}" srcOrd="0" destOrd="0" presId="urn:microsoft.com/office/officeart/2005/8/layout/cycle5"/>
+    <dgm:cxn modelId="{0208559C-A5EA-48C5-AF01-37F0CB492E2D}" type="presOf" srcId="{D8939093-7012-4B04-B1F3-FECD08C5F035}" destId="{7D4EC07D-5DC0-4ACE-A8DC-78C510BB4C5F}" srcOrd="0" destOrd="0" presId="urn:microsoft.com/office/officeart/2005/8/layout/cycle5"/>
+    <dgm:cxn modelId="{E35B0136-7B6B-4D2A-AD4C-F832D79E70FD}" type="presOf" srcId="{EDA8B896-F0FD-4978-B6A1-EC50209721D9}" destId="{311A1E75-4CD5-4938-8DA2-A907DD3520BD}" srcOrd="0" destOrd="0" presId="urn:microsoft.com/office/officeart/2005/8/layout/cycle5"/>
+    <dgm:cxn modelId="{592D64B0-F70E-4D96-AAC3-300E1F29836C}" type="presOf" srcId="{59044B2F-4A23-4BB1-90AB-9D1398B1496E}" destId="{E329EB8D-25D1-4CF8-9E89-DA5E4297C762}" srcOrd="0" destOrd="0" presId="urn:microsoft.com/office/officeart/2005/8/layout/cycle5"/>
+    <dgm:cxn modelId="{03655993-DD39-422A-BE41-36C14C95FD60}" type="presOf" srcId="{2080C862-7E6C-4F1F-AFBF-2E2902FB1520}" destId="{423C6284-D53E-4FC3-BCD8-B367E087B638}" srcOrd="0" destOrd="0" presId="urn:microsoft.com/office/officeart/2005/8/layout/cycle5"/>
+    <dgm:cxn modelId="{DFF0F2CE-EB2A-48DE-A600-943FADE7917E}" type="presOf" srcId="{193121EA-438B-45F7-BBFA-010B738E9B0E}" destId="{16882C59-B268-41FC-9990-81A25A600BEE}" srcOrd="0" destOrd="0" presId="urn:microsoft.com/office/officeart/2005/8/layout/cycle5"/>
+    <dgm:cxn modelId="{BB41C61A-3212-474B-B0D2-7AB1F5FA0156}" type="presOf" srcId="{1D8B955D-F526-44D8-A748-077ACB1FABEB}" destId="{08039230-DCC5-489F-ACC4-6F6A5DB5D99B}" srcOrd="0" destOrd="0" presId="urn:microsoft.com/office/officeart/2005/8/layout/cycle5"/>
+    <dgm:cxn modelId="{6E0657E2-416A-4638-BC62-FA1A2B50082B}" type="presOf" srcId="{FA896EF7-C2FC-45A5-ABDB-9E9203C1C26D}" destId="{AE913CEE-1D65-4B6C-9F39-8D5747D9AB39}" srcOrd="0" destOrd="0" presId="urn:microsoft.com/office/officeart/2005/8/layout/cycle5"/>
+    <dgm:cxn modelId="{A27447DD-21BC-4359-A0AD-806B80D4C02D}" type="presParOf" srcId="{A7D02A33-AD42-4595-8E88-6800AB198885}" destId="{6DC8EF65-B572-4F2D-A52C-CE07C0D0B097}" srcOrd="0" destOrd="0" presId="urn:microsoft.com/office/officeart/2005/8/layout/cycle5"/>
+    <dgm:cxn modelId="{E100BC63-A74A-4995-88DC-7206ACDC38CA}" type="presParOf" srcId="{A7D02A33-AD42-4595-8E88-6800AB198885}" destId="{50BF18FF-241D-4501-AD00-4FF52192A1FF}" srcOrd="1" destOrd="0" presId="urn:microsoft.com/office/officeart/2005/8/layout/cycle5"/>
+    <dgm:cxn modelId="{D707C463-AEA9-4EA8-9B77-BE0D204EE80A}" type="presParOf" srcId="{A7D02A33-AD42-4595-8E88-6800AB198885}" destId="{80F63A13-3458-4BC4-877A-FFFC5C29D88C}" srcOrd="2" destOrd="0" presId="urn:microsoft.com/office/officeart/2005/8/layout/cycle5"/>
+    <dgm:cxn modelId="{D20B8C49-68E6-4445-BF1F-20DC2FF49F0C}" type="presParOf" srcId="{A7D02A33-AD42-4595-8E88-6800AB198885}" destId="{423C6284-D53E-4FC3-BCD8-B367E087B638}" srcOrd="3" destOrd="0" presId="urn:microsoft.com/office/officeart/2005/8/layout/cycle5"/>
+    <dgm:cxn modelId="{DCC7BF56-D6CE-4C16-86B4-6ADC3D81075A}" type="presParOf" srcId="{A7D02A33-AD42-4595-8E88-6800AB198885}" destId="{C1A9F3FF-0913-493A-8F3C-AA502155BF7F}" srcOrd="4" destOrd="0" presId="urn:microsoft.com/office/officeart/2005/8/layout/cycle5"/>
+    <dgm:cxn modelId="{E1A31590-DAD0-400D-9DF4-68E070851424}" type="presParOf" srcId="{A7D02A33-AD42-4595-8E88-6800AB198885}" destId="{AE913CEE-1D65-4B6C-9F39-8D5747D9AB39}" srcOrd="5" destOrd="0" presId="urn:microsoft.com/office/officeart/2005/8/layout/cycle5"/>
+    <dgm:cxn modelId="{E69695FD-0AAA-4BCE-8AFD-BFB1594F3AA0}" type="presParOf" srcId="{A7D02A33-AD42-4595-8E88-6800AB198885}" destId="{A5272672-B605-463A-A750-79E4FB3C3471}" srcOrd="6" destOrd="0" presId="urn:microsoft.com/office/officeart/2005/8/layout/cycle5"/>
+    <dgm:cxn modelId="{70E162C1-0664-414C-A110-8C5FDD461B63}" type="presParOf" srcId="{A7D02A33-AD42-4595-8E88-6800AB198885}" destId="{2D2B04A0-0564-42B2-AB97-4C9CED74CE36}" srcOrd="7" destOrd="0" presId="urn:microsoft.com/office/officeart/2005/8/layout/cycle5"/>
+    <dgm:cxn modelId="{8D03B757-FE8A-4358-BD90-6A7036D5787A}" type="presParOf" srcId="{A7D02A33-AD42-4595-8E88-6800AB198885}" destId="{E329EB8D-25D1-4CF8-9E89-DA5E4297C762}" srcOrd="8" destOrd="0" presId="urn:microsoft.com/office/officeart/2005/8/layout/cycle5"/>
+    <dgm:cxn modelId="{B85365FE-8C53-4B43-944D-131FE9289CDE}" type="presParOf" srcId="{A7D02A33-AD42-4595-8E88-6800AB198885}" destId="{7D4EC07D-5DC0-4ACE-A8DC-78C510BB4C5F}" srcOrd="9" destOrd="0" presId="urn:microsoft.com/office/officeart/2005/8/layout/cycle5"/>
+    <dgm:cxn modelId="{2C15A62E-9A81-4A26-84BB-AB758AFA7477}" type="presParOf" srcId="{A7D02A33-AD42-4595-8E88-6800AB198885}" destId="{3C7E05BA-2026-4017-B28C-5EBF1A425E93}" srcOrd="10" destOrd="0" presId="urn:microsoft.com/office/officeart/2005/8/layout/cycle5"/>
+    <dgm:cxn modelId="{1E673165-4FC2-4374-B9A5-23A540E17675}" type="presParOf" srcId="{A7D02A33-AD42-4595-8E88-6800AB198885}" destId="{08039230-DCC5-489F-ACC4-6F6A5DB5D99B}" srcOrd="11" destOrd="0" presId="urn:microsoft.com/office/officeart/2005/8/layout/cycle5"/>
+    <dgm:cxn modelId="{ED87C1AD-3098-44DA-B35D-A115FD45B587}" type="presParOf" srcId="{A7D02A33-AD42-4595-8E88-6800AB198885}" destId="{BCDE08F8-C06F-4B44-B2EE-92F85A2B69F8}" srcOrd="12" destOrd="0" presId="urn:microsoft.com/office/officeart/2005/8/layout/cycle5"/>
+    <dgm:cxn modelId="{F375D26A-D661-4999-BA1B-D6E3C37AC201}" type="presParOf" srcId="{A7D02A33-AD42-4595-8E88-6800AB198885}" destId="{61244863-5DB2-419B-8CA4-2BE787AF4C7A}" srcOrd="13" destOrd="0" presId="urn:microsoft.com/office/officeart/2005/8/layout/cycle5"/>
+    <dgm:cxn modelId="{166120FF-7F25-4D5F-BDDF-26F2E5A6D26D}" type="presParOf" srcId="{A7D02A33-AD42-4595-8E88-6800AB198885}" destId="{DCC6D925-71BB-4DCC-A014-CB2B86572910}" srcOrd="14" destOrd="0" presId="urn:microsoft.com/office/officeart/2005/8/layout/cycle5"/>
+    <dgm:cxn modelId="{7AFF4C6B-D0E3-45ED-9C38-56FED53F1848}" type="presParOf" srcId="{A7D02A33-AD42-4595-8E88-6800AB198885}" destId="{16882C59-B268-41FC-9990-81A25A600BEE}" srcOrd="15" destOrd="0" presId="urn:microsoft.com/office/officeart/2005/8/layout/cycle5"/>
+    <dgm:cxn modelId="{6A08E36F-6702-4B29-BCC5-C27C56655D3B}" type="presParOf" srcId="{A7D02A33-AD42-4595-8E88-6800AB198885}" destId="{021B95AE-C5D6-44DC-A3B9-A6C39683D279}" srcOrd="16" destOrd="0" presId="urn:microsoft.com/office/officeart/2005/8/layout/cycle5"/>
+    <dgm:cxn modelId="{01DA8D63-0465-4A85-A6C5-A19B0CF60D08}" type="presParOf" srcId="{A7D02A33-AD42-4595-8E88-6800AB198885}" destId="{5CB85373-6BA3-4F1F-B1C9-491DF3A35B7B}" srcOrd="17" destOrd="0" presId="urn:microsoft.com/office/officeart/2005/8/layout/cycle5"/>
+    <dgm:cxn modelId="{4D29D7EE-FEC3-4EC3-90BE-42A5CB608982}" type="presParOf" srcId="{A7D02A33-AD42-4595-8E88-6800AB198885}" destId="{ECCF82E3-B19F-4805-8882-198E38A67B08}" srcOrd="18" destOrd="0" presId="urn:microsoft.com/office/officeart/2005/8/layout/cycle5"/>
+    <dgm:cxn modelId="{8372473B-5B7E-4651-BB9E-B551280F1810}" type="presParOf" srcId="{A7D02A33-AD42-4595-8E88-6800AB198885}" destId="{17FA7264-97A4-4D61-9FE9-EE34B8C19C00}" srcOrd="19" destOrd="0" presId="urn:microsoft.com/office/officeart/2005/8/layout/cycle5"/>
+    <dgm:cxn modelId="{99E49781-F108-40E7-AE45-AB10A830B39E}" type="presParOf" srcId="{A7D02A33-AD42-4595-8E88-6800AB198885}" destId="{C857321C-82F6-47AE-8F34-CA012320824C}" srcOrd="20" destOrd="0" presId="urn:microsoft.com/office/officeart/2005/8/layout/cycle5"/>
+    <dgm:cxn modelId="{53549F3B-9D4E-4C50-9C41-E4942A8E846A}" type="presParOf" srcId="{A7D02A33-AD42-4595-8E88-6800AB198885}" destId="{311A1E75-4CD5-4938-8DA2-A907DD3520BD}" srcOrd="21" destOrd="0" presId="urn:microsoft.com/office/officeart/2005/8/layout/cycle5"/>
+    <dgm:cxn modelId="{32E3F3FA-1C96-4986-BEE0-1B394D230735}" type="presParOf" srcId="{A7D02A33-AD42-4595-8E88-6800AB198885}" destId="{E1CCEABE-67B6-4578-BB15-99B7D6638EEC}" srcOrd="22" destOrd="0" presId="urn:microsoft.com/office/officeart/2005/8/layout/cycle5"/>
+    <dgm:cxn modelId="{D4031DAF-41BE-48D7-8BA7-72F4132A4CAF}" type="presParOf" srcId="{A7D02A33-AD42-4595-8E88-6800AB198885}" destId="{B1068590-0A17-40B2-9E1B-1BF12816E82A}" srcOrd="23" destOrd="0" presId="urn:microsoft.com/office/officeart/2005/8/layout/cycle5"/>
+    <dgm:cxn modelId="{503E1204-B0C3-48EB-8D5D-257AEC5CF38B}" type="presParOf" srcId="{A7D02A33-AD42-4595-8E88-6800AB198885}" destId="{252C3583-709E-4580-90E6-3DC9BBA0A288}" srcOrd="24" destOrd="0" presId="urn:microsoft.com/office/officeart/2005/8/layout/cycle5"/>
+    <dgm:cxn modelId="{FD8051E6-0823-4E73-95EA-3DD1B94CF521}" type="presParOf" srcId="{A7D02A33-AD42-4595-8E88-6800AB198885}" destId="{4DB8526E-1A73-43A4-A7BC-18DF77CDDF7B}" srcOrd="25" destOrd="0" presId="urn:microsoft.com/office/officeart/2005/8/layout/cycle5"/>
+    <dgm:cxn modelId="{9554CF2E-7300-4C77-87C3-67E1AF5309CB}" type="presParOf" srcId="{A7D02A33-AD42-4595-8E88-6800AB198885}" destId="{86101FBB-20CA-4FAC-A504-1608BAA82236}" srcOrd="26" destOrd="0" presId="urn:microsoft.com/office/officeart/2005/8/layout/cycle5"/>
+    <dgm:cxn modelId="{1AC2067A-A2E5-4B60-95B3-497D8DFCE002}" type="presParOf" srcId="{A7D02A33-AD42-4595-8E88-6800AB198885}" destId="{5F779E80-FDAE-4F20-B301-9490AB785C0F}" srcOrd="27" destOrd="0" presId="urn:microsoft.com/office/officeart/2005/8/layout/cycle5"/>
+    <dgm:cxn modelId="{83D5D88A-A3C0-4E63-AC01-C4AB6F8D652D}" type="presParOf" srcId="{A7D02A33-AD42-4595-8E88-6800AB198885}" destId="{45DEBF0B-5E05-492A-A5D8-C4A1CB04A20F}" srcOrd="28" destOrd="0" presId="urn:microsoft.com/office/officeart/2005/8/layout/cycle5"/>
+    <dgm:cxn modelId="{1AE24876-2A1E-46DE-9157-2D02DB2C5F68}" type="presParOf" srcId="{A7D02A33-AD42-4595-8E88-6800AB198885}" destId="{01FFCFA0-8857-4F17-8842-FF5F726FD243}" srcOrd="29" destOrd="0" presId="urn:microsoft.com/office/officeart/2005/8/layout/cycle5"/>
+  </dgm:cxnLst>
+  <dgm:bg/>
+  <dgm:whole/>
+  <dgm:extLst>
+    <a:ext uri="http://schemas.microsoft.com/office/drawing/2008/diagram">
+      <dsp:dataModelExt xmlns:dsp="http://schemas.microsoft.com/office/drawing/2008/diagram" relId="rId6" minVer="http://schemas.openxmlformats.org/drawingml/2006/diagram"/>
+    </a:ext>
+  </dgm:extLst>
+</dgm:dataModel>
+</file>
+
+<file path=ppt/diagrams/drawing1.xml><?xml version="1.0" encoding="utf-8"?>
+<dsp:drawing xmlns:dgm="http://schemas.openxmlformats.org/drawingml/2006/diagram" xmlns:dsp="http://schemas.microsoft.com/office/drawing/2008/diagram" xmlns:a="http://schemas.openxmlformats.org/drawingml/2006/main">
+  <dsp:spTree>
+    <dsp:nvGrpSpPr>
+      <dsp:cNvPr id="0" name=""/>
+      <dsp:cNvGrpSpPr/>
+    </dsp:nvGrpSpPr>
+    <dsp:grpSpPr/>
+    <dsp:sp modelId="{6DC8EF65-B572-4F2D-A52C-CE07C0D0B097}">
+      <dsp:nvSpPr>
+        <dsp:cNvPr id="0" name=""/>
+        <dsp:cNvSpPr/>
+      </dsp:nvSpPr>
+      <dsp:spPr>
+        <a:xfrm>
+          <a:off x="2862126" y="439"/>
+          <a:ext cx="832385" cy="541050"/>
+        </a:xfrm>
+        <a:prstGeom prst="roundRect">
+          <a:avLst/>
+        </a:prstGeom>
+        <a:solidFill>
+          <a:schemeClr val="accent1">
+            <a:hueOff val="0"/>
+            <a:satOff val="0"/>
+            <a:lumOff val="0"/>
+            <a:alphaOff val="0"/>
+          </a:schemeClr>
+        </a:solidFill>
+        <a:ln w="12700" cap="flat" cmpd="sng" algn="ctr">
+          <a:solidFill>
+            <a:schemeClr val="lt1">
+              <a:hueOff val="0"/>
+              <a:satOff val="0"/>
+              <a:lumOff val="0"/>
+              <a:alphaOff val="0"/>
+            </a:schemeClr>
+          </a:solidFill>
+          <a:prstDash val="solid"/>
+          <a:miter lim="800000"/>
+        </a:ln>
+        <a:effectLst/>
+      </dsp:spPr>
+      <dsp:style>
+        <a:lnRef idx="2">
+          <a:scrgbClr r="0" g="0" b="0"/>
+        </a:lnRef>
+        <a:fillRef idx="1">
+          <a:scrgbClr r="0" g="0" b="0"/>
+        </a:fillRef>
+        <a:effectRef idx="0">
+          <a:scrgbClr r="0" g="0" b="0"/>
+        </a:effectRef>
+        <a:fontRef idx="minor">
+          <a:schemeClr val="lt1"/>
+        </a:fontRef>
+      </dsp:style>
+      <dsp:txBody>
+        <a:bodyPr spcFirstLastPara="0" vert="horz" wrap="square" lIns="26670" tIns="26670" rIns="26670" bIns="26670" numCol="1" spcCol="1270" anchor="ctr" anchorCtr="0">
+          <a:noAutofit/>
+        </a:bodyPr>
+        <a:lstStyle/>
+        <a:p>
+          <a:pPr lvl="0" algn="ctr" defTabSz="311150">
+            <a:lnSpc>
+              <a:spcPct val="90000"/>
+            </a:lnSpc>
+            <a:spcBef>
+              <a:spcPct val="0"/>
+            </a:spcBef>
+            <a:spcAft>
+              <a:spcPct val="35000"/>
+            </a:spcAft>
+          </a:pPr>
+          <a:r>
+            <a:rPr lang="en-US" sz="700" kern="1200" dirty="0" err="1" smtClean="0"/>
+            <a:t>Config</a:t>
+          </a:r>
+          <a:r>
+            <a:rPr lang="en-US" sz="700" kern="1200" dirty="0" smtClean="0"/>
+            <a:t>/daq.ini</a:t>
+          </a:r>
+          <a:endParaRPr lang="en-US" sz="700" kern="1200" dirty="0"/>
+        </a:p>
+      </dsp:txBody>
+      <dsp:txXfrm>
+        <a:off x="2888538" y="26851"/>
+        <a:ext cx="779561" cy="488226"/>
+      </dsp:txXfrm>
+    </dsp:sp>
+    <dsp:sp modelId="{80F63A13-3458-4BC4-877A-FFFC5C29D88C}">
+      <dsp:nvSpPr>
+        <dsp:cNvPr id="0" name=""/>
+        <dsp:cNvSpPr/>
+      </dsp:nvSpPr>
+      <dsp:spPr>
+        <a:xfrm>
+          <a:off x="1024402" y="270965"/>
+          <a:ext cx="4507832" cy="4507832"/>
+        </a:xfrm>
+        <a:custGeom>
+          <a:avLst/>
+          <a:gdLst/>
+          <a:ahLst/>
+          <a:cxnLst/>
+          <a:rect l="0" t="0" r="0" b="0"/>
+          <a:pathLst>
+            <a:path>
+              <a:moveTo>
+                <a:pt x="2770967" y="60107"/>
+              </a:moveTo>
+              <a:arcTo wR="2253916" hR="2253916" stAng="16995709" swAng="473485"/>
+            </a:path>
+          </a:pathLst>
+        </a:custGeom>
+        <a:noFill/>
+        <a:ln w="6350" cap="flat" cmpd="sng" algn="ctr">
+          <a:solidFill>
+            <a:schemeClr val="accent1">
+              <a:hueOff val="0"/>
+              <a:satOff val="0"/>
+              <a:lumOff val="0"/>
+              <a:alphaOff val="0"/>
+            </a:schemeClr>
+          </a:solidFill>
+          <a:prstDash val="solid"/>
+          <a:miter lim="800000"/>
+          <a:tailEnd type="arrow"/>
+        </a:ln>
+        <a:effectLst/>
+      </dsp:spPr>
+      <dsp:style>
+        <a:lnRef idx="1">
+          <a:scrgbClr r="0" g="0" b="0"/>
+        </a:lnRef>
+        <a:fillRef idx="0">
+          <a:scrgbClr r="0" g="0" b="0"/>
+        </a:fillRef>
+        <a:effectRef idx="0">
+          <a:scrgbClr r="0" g="0" b="0"/>
+        </a:effectRef>
+        <a:fontRef idx="minor"/>
+      </dsp:style>
+    </dsp:sp>
+    <dsp:sp modelId="{423C6284-D53E-4FC3-BCD8-B367E087B638}">
+      <dsp:nvSpPr>
+        <dsp:cNvPr id="0" name=""/>
+        <dsp:cNvSpPr/>
+      </dsp:nvSpPr>
+      <dsp:spPr>
+        <a:xfrm>
+          <a:off x="4186945" y="430899"/>
+          <a:ext cx="832385" cy="541050"/>
+        </a:xfrm>
+        <a:prstGeom prst="roundRect">
+          <a:avLst/>
+        </a:prstGeom>
+        <a:solidFill>
+          <a:schemeClr val="accent1">
+            <a:hueOff val="0"/>
+            <a:satOff val="0"/>
+            <a:lumOff val="0"/>
+            <a:alphaOff val="0"/>
+          </a:schemeClr>
+        </a:solidFill>
+        <a:ln w="12700" cap="flat" cmpd="sng" algn="ctr">
+          <a:solidFill>
+            <a:schemeClr val="lt1">
+              <a:hueOff val="0"/>
+              <a:satOff val="0"/>
+              <a:lumOff val="0"/>
+              <a:alphaOff val="0"/>
+            </a:schemeClr>
+          </a:solidFill>
+          <a:prstDash val="solid"/>
+          <a:miter lim="800000"/>
+        </a:ln>
+        <a:effectLst/>
+      </dsp:spPr>
+      <dsp:style>
+        <a:lnRef idx="2">
+          <a:scrgbClr r="0" g="0" b="0"/>
+        </a:lnRef>
+        <a:fillRef idx="1">
+          <a:scrgbClr r="0" g="0" b="0"/>
+        </a:fillRef>
+        <a:effectRef idx="0">
+          <a:scrgbClr r="0" g="0" b="0"/>
+        </a:effectRef>
+        <a:fontRef idx="minor">
+          <a:schemeClr val="lt1"/>
+        </a:fontRef>
+      </dsp:style>
+      <dsp:txBody>
+        <a:bodyPr spcFirstLastPara="0" vert="horz" wrap="square" lIns="26670" tIns="26670" rIns="26670" bIns="26670" numCol="1" spcCol="1270" anchor="ctr" anchorCtr="0">
+          <a:noAutofit/>
+        </a:bodyPr>
+        <a:lstStyle/>
+        <a:p>
+          <a:pPr lvl="0" algn="ctr" defTabSz="311150">
+            <a:lnSpc>
+              <a:spcPct val="90000"/>
+            </a:lnSpc>
+            <a:spcBef>
+              <a:spcPct val="0"/>
+            </a:spcBef>
+            <a:spcAft>
+              <a:spcPct val="35000"/>
+            </a:spcAft>
+          </a:pPr>
+          <a:r>
+            <a:rPr lang="en-US" sz="700" kern="1200" dirty="0" err="1" smtClean="0"/>
+            <a:t>ini</a:t>
+          </a:r>
+          <a:r>
+            <a:rPr lang="en-US" sz="700" kern="1200" dirty="0" smtClean="0"/>
+            <a:t> -&gt; '</a:t>
+          </a:r>
+          <a:r>
+            <a:rPr lang="en-US" sz="700" kern="1200" dirty="0" err="1" smtClean="0"/>
+            <a:t>acceptedParams</a:t>
+          </a:r>
+          <a:r>
+            <a:rPr lang="en-US" sz="700" kern="1200" dirty="0" smtClean="0"/>
+            <a:t>'</a:t>
+          </a:r>
+          <a:endParaRPr lang="en-US" sz="700" kern="1200" dirty="0"/>
+        </a:p>
+      </dsp:txBody>
+      <dsp:txXfrm>
+        <a:off x="4213357" y="457311"/>
+        <a:ext cx="779561" cy="488226"/>
+      </dsp:txXfrm>
+    </dsp:sp>
+    <dsp:sp modelId="{AE913CEE-1D65-4B6C-9F39-8D5747D9AB39}">
+      <dsp:nvSpPr>
+        <dsp:cNvPr id="0" name=""/>
+        <dsp:cNvSpPr/>
+      </dsp:nvSpPr>
+      <dsp:spPr>
+        <a:xfrm>
+          <a:off x="1024402" y="270965"/>
+          <a:ext cx="4507832" cy="4507832"/>
+        </a:xfrm>
+        <a:custGeom>
+          <a:avLst/>
+          <a:gdLst/>
+          <a:ahLst/>
+          <a:cxnLst/>
+          <a:rect l="0" t="0" r="0" b="0"/>
+          <a:pathLst>
+            <a:path>
+              <a:moveTo>
+                <a:pt x="3982113" y="807031"/>
+              </a:moveTo>
+              <a:arcTo wR="2253916" hR="2253916" stAng="19203791" swAng="654989"/>
+            </a:path>
+          </a:pathLst>
+        </a:custGeom>
+        <a:noFill/>
+        <a:ln w="6350" cap="flat" cmpd="sng" algn="ctr">
+          <a:solidFill>
+            <a:schemeClr val="accent1">
+              <a:hueOff val="0"/>
+              <a:satOff val="0"/>
+              <a:lumOff val="0"/>
+              <a:alphaOff val="0"/>
+            </a:schemeClr>
+          </a:solidFill>
+          <a:prstDash val="solid"/>
+          <a:miter lim="800000"/>
+          <a:tailEnd type="arrow"/>
+        </a:ln>
+        <a:effectLst/>
+      </dsp:spPr>
+      <dsp:style>
+        <a:lnRef idx="1">
+          <a:scrgbClr r="0" g="0" b="0"/>
+        </a:lnRef>
+        <a:fillRef idx="0">
+          <a:scrgbClr r="0" g="0" b="0"/>
+        </a:fillRef>
+        <a:effectRef idx="0">
+          <a:scrgbClr r="0" g="0" b="0"/>
+        </a:effectRef>
+        <a:fontRef idx="minor"/>
+      </dsp:style>
+    </dsp:sp>
+    <dsp:sp modelId="{A5272672-B605-463A-A750-79E4FB3C3471}">
+      <dsp:nvSpPr>
+        <dsp:cNvPr id="0" name=""/>
+        <dsp:cNvSpPr/>
+      </dsp:nvSpPr>
+      <dsp:spPr>
+        <a:xfrm>
+          <a:off x="5005728" y="1557857"/>
+          <a:ext cx="832385" cy="541050"/>
+        </a:xfrm>
+        <a:prstGeom prst="roundRect">
+          <a:avLst/>
+        </a:prstGeom>
+        <a:solidFill>
+          <a:schemeClr val="accent1">
+            <a:hueOff val="0"/>
+            <a:satOff val="0"/>
+            <a:lumOff val="0"/>
+            <a:alphaOff val="0"/>
+          </a:schemeClr>
+        </a:solidFill>
+        <a:ln w="12700" cap="flat" cmpd="sng" algn="ctr">
+          <a:solidFill>
+            <a:schemeClr val="lt1">
+              <a:hueOff val="0"/>
+              <a:satOff val="0"/>
+              <a:lumOff val="0"/>
+              <a:alphaOff val="0"/>
+            </a:schemeClr>
+          </a:solidFill>
+          <a:prstDash val="solid"/>
+          <a:miter lim="800000"/>
+        </a:ln>
+        <a:effectLst/>
+      </dsp:spPr>
+      <dsp:style>
+        <a:lnRef idx="2">
+          <a:scrgbClr r="0" g="0" b="0"/>
+        </a:lnRef>
+        <a:fillRef idx="1">
+          <a:scrgbClr r="0" g="0" b="0"/>
+        </a:fillRef>
+        <a:effectRef idx="0">
+          <a:scrgbClr r="0" g="0" b="0"/>
+        </a:effectRef>
+        <a:fontRef idx="minor">
+          <a:schemeClr val="lt1"/>
+        </a:fontRef>
+      </dsp:style>
+      <dsp:txBody>
+        <a:bodyPr spcFirstLastPara="0" vert="horz" wrap="square" lIns="26670" tIns="26670" rIns="26670" bIns="26670" numCol="1" spcCol="1270" anchor="ctr" anchorCtr="0">
+          <a:noAutofit/>
+        </a:bodyPr>
+        <a:lstStyle/>
+        <a:p>
+          <a:pPr lvl="0" algn="ctr" defTabSz="311150">
+            <a:lnSpc>
+              <a:spcPct val="90000"/>
+            </a:lnSpc>
+            <a:spcBef>
+              <a:spcPct val="0"/>
+            </a:spcBef>
+            <a:spcAft>
+              <a:spcPct val="35000"/>
+            </a:spcAft>
+          </a:pPr>
+          <a:r>
+            <a:rPr lang="en-US" sz="700" kern="1200" dirty="0" err="1" smtClean="0"/>
+            <a:t>AcceptedParams</a:t>
+          </a:r>
+          <a:r>
+            <a:rPr lang="en-US" sz="700" kern="1200" dirty="0" smtClean="0"/>
+            <a:t> -&gt; dialog</a:t>
+          </a:r>
+          <a:endParaRPr lang="en-US" sz="700" kern="1200" dirty="0"/>
+        </a:p>
+      </dsp:txBody>
+      <dsp:txXfrm>
+        <a:off x="5032140" y="1584269"/>
+        <a:ext cx="779561" cy="488226"/>
+      </dsp:txXfrm>
+    </dsp:sp>
+    <dsp:sp modelId="{E329EB8D-25D1-4CF8-9E89-DA5E4297C762}">
+      <dsp:nvSpPr>
+        <dsp:cNvPr id="0" name=""/>
+        <dsp:cNvSpPr/>
+      </dsp:nvSpPr>
+      <dsp:spPr>
+        <a:xfrm>
+          <a:off x="1024402" y="270965"/>
+          <a:ext cx="4507832" cy="4507832"/>
+        </a:xfrm>
+        <a:custGeom>
+          <a:avLst/>
+          <a:gdLst/>
+          <a:ahLst/>
+          <a:cxnLst/>
+          <a:rect l="0" t="0" r="0" b="0"/>
+          <a:pathLst>
+            <a:path>
+              <a:moveTo>
+                <a:pt x="4493064" y="1996319"/>
+              </a:moveTo>
+              <a:arcTo wR="2253916" hR="2253916" stAng="21206244" swAng="787512"/>
+            </a:path>
+          </a:pathLst>
+        </a:custGeom>
+        <a:noFill/>
+        <a:ln w="6350" cap="flat" cmpd="sng" algn="ctr">
+          <a:solidFill>
+            <a:schemeClr val="accent1">
+              <a:hueOff val="0"/>
+              <a:satOff val="0"/>
+              <a:lumOff val="0"/>
+              <a:alphaOff val="0"/>
+            </a:schemeClr>
+          </a:solidFill>
+          <a:prstDash val="solid"/>
+          <a:miter lim="800000"/>
+          <a:tailEnd type="arrow"/>
+        </a:ln>
+        <a:effectLst/>
+      </dsp:spPr>
+      <dsp:style>
+        <a:lnRef idx="1">
+          <a:scrgbClr r="0" g="0" b="0"/>
+        </a:lnRef>
+        <a:fillRef idx="0">
+          <a:scrgbClr r="0" g="0" b="0"/>
+        </a:fillRef>
+        <a:effectRef idx="0">
+          <a:scrgbClr r="0" g="0" b="0"/>
+        </a:effectRef>
+        <a:fontRef idx="minor"/>
+      </dsp:style>
+    </dsp:sp>
+    <dsp:sp modelId="{7D4EC07D-5DC0-4ACE-A8DC-78C510BB4C5F}">
+      <dsp:nvSpPr>
+        <dsp:cNvPr id="0" name=""/>
+        <dsp:cNvSpPr/>
+      </dsp:nvSpPr>
+      <dsp:spPr>
+        <a:xfrm>
+          <a:off x="5005728" y="2950854"/>
+          <a:ext cx="832385" cy="541050"/>
+        </a:xfrm>
+        <a:prstGeom prst="roundRect">
+          <a:avLst/>
+        </a:prstGeom>
+        <a:solidFill>
+          <a:schemeClr val="accent1">
+            <a:hueOff val="0"/>
+            <a:satOff val="0"/>
+            <a:lumOff val="0"/>
+            <a:alphaOff val="0"/>
+          </a:schemeClr>
+        </a:solidFill>
+        <a:ln w="12700" cap="flat" cmpd="sng" algn="ctr">
+          <a:solidFill>
+            <a:schemeClr val="lt1">
+              <a:hueOff val="0"/>
+              <a:satOff val="0"/>
+              <a:lumOff val="0"/>
+              <a:alphaOff val="0"/>
+            </a:schemeClr>
+          </a:solidFill>
+          <a:prstDash val="solid"/>
+          <a:miter lim="800000"/>
+        </a:ln>
+        <a:effectLst/>
+      </dsp:spPr>
+      <dsp:style>
+        <a:lnRef idx="2">
+          <a:scrgbClr r="0" g="0" b="0"/>
+        </a:lnRef>
+        <a:fillRef idx="1">
+          <a:scrgbClr r="0" g="0" b="0"/>
+        </a:fillRef>
+        <a:effectRef idx="0">
+          <a:scrgbClr r="0" g="0" b="0"/>
+        </a:effectRef>
+        <a:fontRef idx="minor">
+          <a:schemeClr val="lt1"/>
+        </a:fontRef>
+      </dsp:style>
+      <dsp:txBody>
+        <a:bodyPr spcFirstLastPara="0" vert="horz" wrap="square" lIns="26670" tIns="26670" rIns="26670" bIns="26670" numCol="1" spcCol="1270" anchor="ctr" anchorCtr="0">
+          <a:noAutofit/>
+        </a:bodyPr>
+        <a:lstStyle/>
+        <a:p>
+          <a:pPr lvl="0" algn="ctr" defTabSz="311150">
+            <a:lnSpc>
+              <a:spcPct val="90000"/>
+            </a:lnSpc>
+            <a:spcBef>
+              <a:spcPct val="0"/>
+            </a:spcBef>
+            <a:spcAft>
+              <a:spcPct val="35000"/>
+            </a:spcAft>
+          </a:pPr>
+          <a:r>
+            <a:rPr lang="en-US" sz="700" kern="1200" dirty="0" smtClean="0"/>
+            <a:t>User edits dialog</a:t>
+          </a:r>
+          <a:endParaRPr lang="en-US" sz="700" kern="1200" dirty="0"/>
+        </a:p>
+      </dsp:txBody>
+      <dsp:txXfrm>
+        <a:off x="5032140" y="2977266"/>
+        <a:ext cx="779561" cy="488226"/>
+      </dsp:txXfrm>
+    </dsp:sp>
+    <dsp:sp modelId="{08039230-DCC5-489F-ACC4-6F6A5DB5D99B}">
+      <dsp:nvSpPr>
+        <dsp:cNvPr id="0" name=""/>
+        <dsp:cNvSpPr/>
+      </dsp:nvSpPr>
+      <dsp:spPr>
+        <a:xfrm>
+          <a:off x="1024402" y="270965"/>
+          <a:ext cx="4507832" cy="4507832"/>
+        </a:xfrm>
+        <a:custGeom>
+          <a:avLst/>
+          <a:gdLst/>
+          <a:ahLst/>
+          <a:cxnLst/>
+          <a:rect l="0" t="0" r="0" b="0"/>
+          <a:pathLst>
+            <a:path>
+              <a:moveTo>
+                <a:pt x="4224848" y="3347336"/>
+              </a:moveTo>
+              <a:arcTo wR="2253916" hR="2253916" stAng="1741220" swAng="654989"/>
+            </a:path>
+          </a:pathLst>
+        </a:custGeom>
+        <a:noFill/>
+        <a:ln w="6350" cap="flat" cmpd="sng" algn="ctr">
+          <a:solidFill>
+            <a:schemeClr val="accent1">
+              <a:hueOff val="0"/>
+              <a:satOff val="0"/>
+              <a:lumOff val="0"/>
+              <a:alphaOff val="0"/>
+            </a:schemeClr>
+          </a:solidFill>
+          <a:prstDash val="solid"/>
+          <a:miter lim="800000"/>
+          <a:tailEnd type="arrow"/>
+        </a:ln>
+        <a:effectLst/>
+      </dsp:spPr>
+      <dsp:style>
+        <a:lnRef idx="1">
+          <a:scrgbClr r="0" g="0" b="0"/>
+        </a:lnRef>
+        <a:fillRef idx="0">
+          <a:scrgbClr r="0" g="0" b="0"/>
+        </a:fillRef>
+        <a:effectRef idx="0">
+          <a:scrgbClr r="0" g="0" b="0"/>
+        </a:effectRef>
+        <a:fontRef idx="minor"/>
+      </dsp:style>
+    </dsp:sp>
+    <dsp:sp modelId="{BCDE08F8-C06F-4B44-B2EE-92F85A2B69F8}">
+      <dsp:nvSpPr>
+        <dsp:cNvPr id="0" name=""/>
+        <dsp:cNvSpPr/>
+      </dsp:nvSpPr>
+      <dsp:spPr>
+        <a:xfrm>
+          <a:off x="4186945" y="4077812"/>
+          <a:ext cx="832385" cy="541050"/>
+        </a:xfrm>
+        <a:prstGeom prst="roundRect">
+          <a:avLst/>
+        </a:prstGeom>
+        <a:solidFill>
+          <a:schemeClr val="accent1">
+            <a:hueOff val="0"/>
+            <a:satOff val="0"/>
+            <a:lumOff val="0"/>
+            <a:alphaOff val="0"/>
+          </a:schemeClr>
+        </a:solidFill>
+        <a:ln w="12700" cap="flat" cmpd="sng" algn="ctr">
+          <a:solidFill>
+            <a:schemeClr val="lt1">
+              <a:hueOff val="0"/>
+              <a:satOff val="0"/>
+              <a:lumOff val="0"/>
+              <a:alphaOff val="0"/>
+            </a:schemeClr>
+          </a:solidFill>
+          <a:prstDash val="solid"/>
+          <a:miter lim="800000"/>
+        </a:ln>
+        <a:effectLst/>
+      </dsp:spPr>
+      <dsp:style>
+        <a:lnRef idx="2">
+          <a:scrgbClr r="0" g="0" b="0"/>
+        </a:lnRef>
+        <a:fillRef idx="1">
+          <a:scrgbClr r="0" g="0" b="0"/>
+        </a:fillRef>
+        <a:effectRef idx="0">
+          <a:scrgbClr r="0" g="0" b="0"/>
+        </a:effectRef>
+        <a:fontRef idx="minor">
+          <a:schemeClr val="lt1"/>
+        </a:fontRef>
+      </dsp:style>
+      <dsp:txBody>
+        <a:bodyPr spcFirstLastPara="0" vert="horz" wrap="square" lIns="26670" tIns="26670" rIns="26670" bIns="26670" numCol="1" spcCol="1270" anchor="ctr" anchorCtr="0">
+          <a:noAutofit/>
+        </a:bodyPr>
+        <a:lstStyle/>
+        <a:p>
+          <a:pPr lvl="0" algn="ctr" defTabSz="311150">
+            <a:lnSpc>
+              <a:spcPct val="90000"/>
+            </a:lnSpc>
+            <a:spcBef>
+              <a:spcPct val="0"/>
+            </a:spcBef>
+            <a:spcAft>
+              <a:spcPct val="35000"/>
+            </a:spcAft>
+          </a:pPr>
+          <a:r>
+            <a:rPr lang="en-US" sz="700" kern="1200" dirty="0" smtClean="0"/>
+            <a:t>Click 'Validate' or 'OK'</a:t>
+          </a:r>
+          <a:endParaRPr lang="en-US" sz="700" kern="1200" dirty="0"/>
+        </a:p>
+      </dsp:txBody>
+      <dsp:txXfrm>
+        <a:off x="4213357" y="4104224"/>
+        <a:ext cx="779561" cy="488226"/>
+      </dsp:txXfrm>
+    </dsp:sp>
+    <dsp:sp modelId="{DCC6D925-71BB-4DCC-A014-CB2B86572910}">
+      <dsp:nvSpPr>
+        <dsp:cNvPr id="0" name=""/>
+        <dsp:cNvSpPr/>
+      </dsp:nvSpPr>
+      <dsp:spPr>
+        <a:xfrm>
+          <a:off x="1024402" y="270965"/>
+          <a:ext cx="4507832" cy="4507832"/>
+        </a:xfrm>
+        <a:custGeom>
+          <a:avLst/>
+          <a:gdLst/>
+          <a:ahLst/>
+          <a:cxnLst/>
+          <a:rect l="0" t="0" r="0" b="0"/>
+          <a:pathLst>
+            <a:path>
+              <a:moveTo>
+                <a:pt x="3067272" y="4355961"/>
+              </a:moveTo>
+              <a:arcTo wR="2253916" hR="2253916" stAng="4130806" swAng="473485"/>
+            </a:path>
+          </a:pathLst>
+        </a:custGeom>
+        <a:noFill/>
+        <a:ln w="6350" cap="flat" cmpd="sng" algn="ctr">
+          <a:solidFill>
+            <a:schemeClr val="accent1">
+              <a:hueOff val="0"/>
+              <a:satOff val="0"/>
+              <a:lumOff val="0"/>
+              <a:alphaOff val="0"/>
+            </a:schemeClr>
+          </a:solidFill>
+          <a:prstDash val="solid"/>
+          <a:miter lim="800000"/>
+          <a:tailEnd type="arrow"/>
+        </a:ln>
+        <a:effectLst/>
+      </dsp:spPr>
+      <dsp:style>
+        <a:lnRef idx="1">
+          <a:scrgbClr r="0" g="0" b="0"/>
+        </a:lnRef>
+        <a:fillRef idx="0">
+          <a:scrgbClr r="0" g="0" b="0"/>
+        </a:fillRef>
+        <a:effectRef idx="0">
+          <a:scrgbClr r="0" g="0" b="0"/>
+        </a:effectRef>
+        <a:fontRef idx="minor"/>
+      </dsp:style>
+    </dsp:sp>
+    <dsp:sp modelId="{16882C59-B268-41FC-9990-81A25A600BEE}">
+      <dsp:nvSpPr>
+        <dsp:cNvPr id="0" name=""/>
+        <dsp:cNvSpPr/>
+      </dsp:nvSpPr>
+      <dsp:spPr>
+        <a:xfrm>
+          <a:off x="2862126" y="4508272"/>
+          <a:ext cx="832385" cy="541050"/>
+        </a:xfrm>
+        <a:prstGeom prst="roundRect">
+          <a:avLst/>
+        </a:prstGeom>
+        <a:solidFill>
+          <a:schemeClr val="accent1">
+            <a:hueOff val="0"/>
+            <a:satOff val="0"/>
+            <a:lumOff val="0"/>
+            <a:alphaOff val="0"/>
+          </a:schemeClr>
+        </a:solidFill>
+        <a:ln w="12700" cap="flat" cmpd="sng" algn="ctr">
+          <a:solidFill>
+            <a:schemeClr val="lt1">
+              <a:hueOff val="0"/>
+              <a:satOff val="0"/>
+              <a:lumOff val="0"/>
+              <a:alphaOff val="0"/>
+            </a:schemeClr>
+          </a:solidFill>
+          <a:prstDash val="solid"/>
+          <a:miter lim="800000"/>
+        </a:ln>
+        <a:effectLst/>
+      </dsp:spPr>
+      <dsp:style>
+        <a:lnRef idx="2">
+          <a:scrgbClr r="0" g="0" b="0"/>
+        </a:lnRef>
+        <a:fillRef idx="1">
+          <a:scrgbClr r="0" g="0" b="0"/>
+        </a:fillRef>
+        <a:effectRef idx="0">
+          <a:scrgbClr r="0" g="0" b="0"/>
+        </a:effectRef>
+        <a:fontRef idx="minor">
+          <a:schemeClr val="lt1"/>
+        </a:fontRef>
+      </dsp:style>
+      <dsp:txBody>
+        <a:bodyPr spcFirstLastPara="0" vert="horz" wrap="square" lIns="26670" tIns="26670" rIns="26670" bIns="26670" numCol="1" spcCol="1270" anchor="ctr" anchorCtr="0">
+          <a:noAutofit/>
+        </a:bodyPr>
+        <a:lstStyle/>
+        <a:p>
+          <a:pPr lvl="0" algn="ctr" defTabSz="311150">
+            <a:lnSpc>
+              <a:spcPct val="90000"/>
+            </a:lnSpc>
+            <a:spcBef>
+              <a:spcPct val="0"/>
+            </a:spcBef>
+            <a:spcAft>
+              <a:spcPct val="35000"/>
+            </a:spcAft>
+          </a:pPr>
+          <a:r>
+            <a:rPr lang="en-US" sz="700" kern="1200" dirty="0" smtClean="0"/>
+            <a:t>Dialog -&gt; prospective copy 'q'</a:t>
+          </a:r>
+          <a:endParaRPr lang="en-US" sz="700" kern="1200" dirty="0"/>
+        </a:p>
+      </dsp:txBody>
+      <dsp:txXfrm>
+        <a:off x="2888538" y="4534684"/>
+        <a:ext cx="779561" cy="488226"/>
+      </dsp:txXfrm>
+    </dsp:sp>
+    <dsp:sp modelId="{5CB85373-6BA3-4F1F-B1C9-491DF3A35B7B}">
+      <dsp:nvSpPr>
+        <dsp:cNvPr id="0" name=""/>
+        <dsp:cNvSpPr/>
+      </dsp:nvSpPr>
+      <dsp:spPr>
+        <a:xfrm>
+          <a:off x="1024402" y="270965"/>
+          <a:ext cx="4507832" cy="4507832"/>
+        </a:xfrm>
+        <a:custGeom>
+          <a:avLst/>
+          <a:gdLst/>
+          <a:ahLst/>
+          <a:cxnLst/>
+          <a:rect l="0" t="0" r="0" b="0"/>
+          <a:pathLst>
+            <a:path>
+              <a:moveTo>
+                <a:pt x="1736865" y="4447725"/>
+              </a:moveTo>
+              <a:arcTo wR="2253916" hR="2253916" stAng="6195709" swAng="473485"/>
+            </a:path>
+          </a:pathLst>
+        </a:custGeom>
+        <a:noFill/>
+        <a:ln w="6350" cap="flat" cmpd="sng" algn="ctr">
+          <a:solidFill>
+            <a:schemeClr val="accent1">
+              <a:hueOff val="0"/>
+              <a:satOff val="0"/>
+              <a:lumOff val="0"/>
+              <a:alphaOff val="0"/>
+            </a:schemeClr>
+          </a:solidFill>
+          <a:prstDash val="solid"/>
+          <a:miter lim="800000"/>
+          <a:tailEnd type="arrow"/>
+        </a:ln>
+        <a:effectLst/>
+      </dsp:spPr>
+      <dsp:style>
+        <a:lnRef idx="1">
+          <a:scrgbClr r="0" g="0" b="0"/>
+        </a:lnRef>
+        <a:fillRef idx="0">
+          <a:scrgbClr r="0" g="0" b="0"/>
+        </a:fillRef>
+        <a:effectRef idx="0">
+          <a:scrgbClr r="0" g="0" b="0"/>
+        </a:effectRef>
+        <a:fontRef idx="minor"/>
+      </dsp:style>
+    </dsp:sp>
+    <dsp:sp modelId="{ECCF82E3-B19F-4805-8882-198E38A67B08}">
+      <dsp:nvSpPr>
+        <dsp:cNvPr id="0" name=""/>
+        <dsp:cNvSpPr/>
+      </dsp:nvSpPr>
+      <dsp:spPr>
+        <a:xfrm>
+          <a:off x="1537307" y="4077812"/>
+          <a:ext cx="832385" cy="541050"/>
+        </a:xfrm>
+        <a:prstGeom prst="roundRect">
+          <a:avLst/>
+        </a:prstGeom>
+        <a:solidFill>
+          <a:schemeClr val="accent1">
+            <a:hueOff val="0"/>
+            <a:satOff val="0"/>
+            <a:lumOff val="0"/>
+            <a:alphaOff val="0"/>
+          </a:schemeClr>
+        </a:solidFill>
+        <a:ln w="12700" cap="flat" cmpd="sng" algn="ctr">
+          <a:solidFill>
+            <a:schemeClr val="lt1">
+              <a:hueOff val="0"/>
+              <a:satOff val="0"/>
+              <a:lumOff val="0"/>
+              <a:alphaOff val="0"/>
+            </a:schemeClr>
+          </a:solidFill>
+          <a:prstDash val="solid"/>
+          <a:miter lim="800000"/>
+        </a:ln>
+        <a:effectLst/>
+      </dsp:spPr>
+      <dsp:style>
+        <a:lnRef idx="2">
+          <a:scrgbClr r="0" g="0" b="0"/>
+        </a:lnRef>
+        <a:fillRef idx="1">
+          <a:scrgbClr r="0" g="0" b="0"/>
+        </a:fillRef>
+        <a:effectRef idx="0">
+          <a:scrgbClr r="0" g="0" b="0"/>
+        </a:effectRef>
+        <a:fontRef idx="minor">
+          <a:schemeClr val="lt1"/>
+        </a:fontRef>
+      </dsp:style>
+      <dsp:txBody>
+        <a:bodyPr spcFirstLastPara="0" vert="horz" wrap="square" lIns="26670" tIns="26670" rIns="26670" bIns="26670" numCol="1" spcCol="1270" anchor="ctr" anchorCtr="0">
+          <a:noAutofit/>
+        </a:bodyPr>
+        <a:lstStyle/>
+        <a:p>
+          <a:pPr lvl="0" algn="ctr" defTabSz="311150">
+            <a:lnSpc>
+              <a:spcPct val="90000"/>
+            </a:lnSpc>
+            <a:spcBef>
+              <a:spcPct val="0"/>
+            </a:spcBef>
+            <a:spcAft>
+              <a:spcPct val="35000"/>
+            </a:spcAft>
+          </a:pPr>
+          <a:r>
+            <a:rPr lang="en-US" sz="700" kern="1200" dirty="0" smtClean="0"/>
+            <a:t>'q' validated or not</a:t>
+          </a:r>
+          <a:endParaRPr lang="en-US" sz="700" kern="1200" dirty="0"/>
+        </a:p>
+      </dsp:txBody>
+      <dsp:txXfrm>
+        <a:off x="1563719" y="4104224"/>
+        <a:ext cx="779561" cy="488226"/>
+      </dsp:txXfrm>
+    </dsp:sp>
+    <dsp:sp modelId="{C857321C-82F6-47AE-8F34-CA012320824C}">
+      <dsp:nvSpPr>
+        <dsp:cNvPr id="0" name=""/>
+        <dsp:cNvSpPr/>
+      </dsp:nvSpPr>
+      <dsp:spPr>
+        <a:xfrm>
+          <a:off x="1024402" y="270965"/>
+          <a:ext cx="4507832" cy="4507832"/>
+        </a:xfrm>
+        <a:custGeom>
+          <a:avLst/>
+          <a:gdLst/>
+          <a:ahLst/>
+          <a:cxnLst/>
+          <a:rect l="0" t="0" r="0" b="0"/>
+          <a:pathLst>
+            <a:path>
+              <a:moveTo>
+                <a:pt x="525719" y="3700801"/>
+              </a:moveTo>
+              <a:arcTo wR="2253916" hR="2253916" stAng="8403791" swAng="654989"/>
+            </a:path>
+          </a:pathLst>
+        </a:custGeom>
+        <a:noFill/>
+        <a:ln w="6350" cap="flat" cmpd="sng" algn="ctr">
+          <a:solidFill>
+            <a:schemeClr val="accent1">
+              <a:hueOff val="0"/>
+              <a:satOff val="0"/>
+              <a:lumOff val="0"/>
+              <a:alphaOff val="0"/>
+            </a:schemeClr>
+          </a:solidFill>
+          <a:prstDash val="solid"/>
+          <a:miter lim="800000"/>
+          <a:tailEnd type="arrow"/>
+        </a:ln>
+        <a:effectLst/>
+      </dsp:spPr>
+      <dsp:style>
+        <a:lnRef idx="1">
+          <a:scrgbClr r="0" g="0" b="0"/>
+        </a:lnRef>
+        <a:fillRef idx="0">
+          <a:scrgbClr r="0" g="0" b="0"/>
+        </a:fillRef>
+        <a:effectRef idx="0">
+          <a:scrgbClr r="0" g="0" b="0"/>
+        </a:effectRef>
+        <a:fontRef idx="minor"/>
+      </dsp:style>
+    </dsp:sp>
+    <dsp:sp modelId="{311A1E75-4CD5-4938-8DA2-A907DD3520BD}">
+      <dsp:nvSpPr>
+        <dsp:cNvPr id="0" name=""/>
+        <dsp:cNvSpPr/>
+      </dsp:nvSpPr>
+      <dsp:spPr>
+        <a:xfrm>
+          <a:off x="718524" y="2950854"/>
+          <a:ext cx="832385" cy="541050"/>
+        </a:xfrm>
+        <a:prstGeom prst="roundRect">
+          <a:avLst/>
+        </a:prstGeom>
+        <a:solidFill>
+          <a:srgbClr val="92D050"/>
+        </a:solidFill>
+        <a:ln w="12700" cap="flat" cmpd="sng" algn="ctr">
+          <a:solidFill>
+            <a:schemeClr val="lt1">
+              <a:hueOff val="0"/>
+              <a:satOff val="0"/>
+              <a:lumOff val="0"/>
+              <a:alphaOff val="0"/>
+            </a:schemeClr>
+          </a:solidFill>
+          <a:prstDash val="solid"/>
+          <a:miter lim="800000"/>
+        </a:ln>
+        <a:effectLst/>
+      </dsp:spPr>
+      <dsp:style>
+        <a:lnRef idx="2">
+          <a:scrgbClr r="0" g="0" b="0"/>
+        </a:lnRef>
+        <a:fillRef idx="1">
+          <a:scrgbClr r="0" g="0" b="0"/>
+        </a:fillRef>
+        <a:effectRef idx="0">
+          <a:scrgbClr r="0" g="0" b="0"/>
+        </a:effectRef>
+        <a:fontRef idx="minor">
+          <a:schemeClr val="lt1"/>
+        </a:fontRef>
+      </dsp:style>
+      <dsp:txBody>
+        <a:bodyPr spcFirstLastPara="0" vert="horz" wrap="square" lIns="26670" tIns="26670" rIns="26670" bIns="26670" numCol="1" spcCol="1270" anchor="ctr" anchorCtr="0">
+          <a:noAutofit/>
+        </a:bodyPr>
+        <a:lstStyle/>
+        <a:p>
+          <a:pPr lvl="0" algn="ctr" defTabSz="311150">
+            <a:lnSpc>
+              <a:spcPct val="90000"/>
+            </a:lnSpc>
+            <a:spcBef>
+              <a:spcPct val="0"/>
+            </a:spcBef>
+            <a:spcAft>
+              <a:spcPct val="35000"/>
+            </a:spcAft>
+          </a:pPr>
+          <a:r>
+            <a:rPr lang="en-US" sz="700" kern="1200" dirty="0" smtClean="0"/>
+            <a:t>Run allowed or not</a:t>
+          </a:r>
+          <a:endParaRPr lang="en-US" sz="700" kern="1200" dirty="0"/>
+        </a:p>
+      </dsp:txBody>
+      <dsp:txXfrm>
+        <a:off x="744936" y="2977266"/>
+        <a:ext cx="779561" cy="488226"/>
+      </dsp:txXfrm>
+    </dsp:sp>
+    <dsp:sp modelId="{B1068590-0A17-40B2-9E1B-1BF12816E82A}">
+      <dsp:nvSpPr>
+        <dsp:cNvPr id="0" name=""/>
+        <dsp:cNvSpPr/>
+      </dsp:nvSpPr>
+      <dsp:spPr>
+        <a:xfrm>
+          <a:off x="1024402" y="270965"/>
+          <a:ext cx="4507832" cy="4507832"/>
+        </a:xfrm>
+        <a:custGeom>
+          <a:avLst/>
+          <a:gdLst/>
+          <a:ahLst/>
+          <a:cxnLst/>
+          <a:rect l="0" t="0" r="0" b="0"/>
+          <a:pathLst>
+            <a:path>
+              <a:moveTo>
+                <a:pt x="14768" y="2511513"/>
+              </a:moveTo>
+              <a:arcTo wR="2253916" hR="2253916" stAng="10406244" swAng="787512"/>
+            </a:path>
+          </a:pathLst>
+        </a:custGeom>
+        <a:noFill/>
+        <a:ln w="6350" cap="flat" cmpd="sng" algn="ctr">
+          <a:solidFill>
+            <a:schemeClr val="accent1">
+              <a:hueOff val="0"/>
+              <a:satOff val="0"/>
+              <a:lumOff val="0"/>
+              <a:alphaOff val="0"/>
+            </a:schemeClr>
+          </a:solidFill>
+          <a:prstDash val="solid"/>
+          <a:miter lim="800000"/>
+          <a:tailEnd type="arrow"/>
+        </a:ln>
+        <a:effectLst/>
+      </dsp:spPr>
+      <dsp:style>
+        <a:lnRef idx="1">
+          <a:scrgbClr r="0" g="0" b="0"/>
+        </a:lnRef>
+        <a:fillRef idx="0">
+          <a:scrgbClr r="0" g="0" b="0"/>
+        </a:fillRef>
+        <a:effectRef idx="0">
+          <a:scrgbClr r="0" g="0" b="0"/>
+        </a:effectRef>
+        <a:fontRef idx="minor"/>
+      </dsp:style>
+    </dsp:sp>
+    <dsp:sp modelId="{252C3583-709E-4580-90E6-3DC9BBA0A288}">
+      <dsp:nvSpPr>
+        <dsp:cNvPr id="0" name=""/>
+        <dsp:cNvSpPr/>
+      </dsp:nvSpPr>
+      <dsp:spPr>
+        <a:xfrm>
+          <a:off x="718524" y="1557857"/>
+          <a:ext cx="832385" cy="541050"/>
+        </a:xfrm>
+        <a:prstGeom prst="roundRect">
+          <a:avLst/>
+        </a:prstGeom>
+        <a:solidFill>
+          <a:schemeClr val="accent1">
+            <a:hueOff val="0"/>
+            <a:satOff val="0"/>
+            <a:lumOff val="0"/>
+            <a:alphaOff val="0"/>
+          </a:schemeClr>
+        </a:solidFill>
+        <a:ln w="12700" cap="flat" cmpd="sng" algn="ctr">
+          <a:solidFill>
+            <a:schemeClr val="lt1">
+              <a:hueOff val="0"/>
+              <a:satOff val="0"/>
+              <a:lumOff val="0"/>
+              <a:alphaOff val="0"/>
+            </a:schemeClr>
+          </a:solidFill>
+          <a:prstDash val="solid"/>
+          <a:miter lim="800000"/>
+        </a:ln>
+        <a:effectLst/>
+      </dsp:spPr>
+      <dsp:style>
+        <a:lnRef idx="2">
+          <a:scrgbClr r="0" g="0" b="0"/>
+        </a:lnRef>
+        <a:fillRef idx="1">
+          <a:scrgbClr r="0" g="0" b="0"/>
+        </a:fillRef>
+        <a:effectRef idx="0">
+          <a:scrgbClr r="0" g="0" b="0"/>
+        </a:effectRef>
+        <a:fontRef idx="minor">
+          <a:schemeClr val="lt1"/>
+        </a:fontRef>
+      </dsp:style>
+      <dsp:txBody>
+        <a:bodyPr spcFirstLastPara="0" vert="horz" wrap="square" lIns="26670" tIns="26670" rIns="26670" bIns="26670" numCol="1" spcCol="1270" anchor="ctr" anchorCtr="0">
+          <a:noAutofit/>
+        </a:bodyPr>
+        <a:lstStyle/>
+        <a:p>
+          <a:pPr lvl="0" algn="ctr" defTabSz="311150">
+            <a:lnSpc>
+              <a:spcPct val="90000"/>
+            </a:lnSpc>
+            <a:spcBef>
+              <a:spcPct val="0"/>
+            </a:spcBef>
+            <a:spcAft>
+              <a:spcPct val="35000"/>
+            </a:spcAft>
+          </a:pPr>
+          <a:r>
+            <a:rPr lang="en-US" sz="700" kern="1200" dirty="0" smtClean="0"/>
+            <a:t>'q' -&gt; </a:t>
+          </a:r>
+          <a:r>
+            <a:rPr lang="en-US" sz="700" kern="1200" dirty="0" err="1" smtClean="0"/>
+            <a:t>acceptedParams</a:t>
+          </a:r>
+          <a:endParaRPr lang="en-US" sz="700" kern="1200" dirty="0"/>
+        </a:p>
+      </dsp:txBody>
+      <dsp:txXfrm>
+        <a:off x="744936" y="1584269"/>
+        <a:ext cx="779561" cy="488226"/>
+      </dsp:txXfrm>
+    </dsp:sp>
+    <dsp:sp modelId="{86101FBB-20CA-4FAC-A504-1608BAA82236}">
+      <dsp:nvSpPr>
+        <dsp:cNvPr id="0" name=""/>
+        <dsp:cNvSpPr/>
+      </dsp:nvSpPr>
+      <dsp:spPr>
+        <a:xfrm>
+          <a:off x="1024402" y="270965"/>
+          <a:ext cx="4507832" cy="4507832"/>
+        </a:xfrm>
+        <a:custGeom>
+          <a:avLst/>
+          <a:gdLst/>
+          <a:ahLst/>
+          <a:cxnLst/>
+          <a:rect l="0" t="0" r="0" b="0"/>
+          <a:pathLst>
+            <a:path>
+              <a:moveTo>
+                <a:pt x="282984" y="1160496"/>
+              </a:moveTo>
+              <a:arcTo wR="2253916" hR="2253916" stAng="12541220" swAng="654989"/>
+            </a:path>
+          </a:pathLst>
+        </a:custGeom>
+        <a:noFill/>
+        <a:ln w="6350" cap="flat" cmpd="sng" algn="ctr">
+          <a:solidFill>
+            <a:schemeClr val="accent1">
+              <a:hueOff val="0"/>
+              <a:satOff val="0"/>
+              <a:lumOff val="0"/>
+              <a:alphaOff val="0"/>
+            </a:schemeClr>
+          </a:solidFill>
+          <a:prstDash val="solid"/>
+          <a:miter lim="800000"/>
+          <a:tailEnd type="arrow"/>
+        </a:ln>
+        <a:effectLst/>
+      </dsp:spPr>
+      <dsp:style>
+        <a:lnRef idx="1">
+          <a:scrgbClr r="0" g="0" b="0"/>
+        </a:lnRef>
+        <a:fillRef idx="0">
+          <a:scrgbClr r="0" g="0" b="0"/>
+        </a:fillRef>
+        <a:effectRef idx="0">
+          <a:scrgbClr r="0" g="0" b="0"/>
+        </a:effectRef>
+        <a:fontRef idx="minor"/>
+      </dsp:style>
+    </dsp:sp>
+    <dsp:sp modelId="{5F779E80-FDAE-4F20-B301-9490AB785C0F}">
+      <dsp:nvSpPr>
+        <dsp:cNvPr id="0" name=""/>
+        <dsp:cNvSpPr/>
+      </dsp:nvSpPr>
+      <dsp:spPr>
+        <a:xfrm>
+          <a:off x="1537307" y="430899"/>
+          <a:ext cx="832385" cy="541050"/>
+        </a:xfrm>
+        <a:prstGeom prst="roundRect">
+          <a:avLst/>
+        </a:prstGeom>
+        <a:solidFill>
+          <a:schemeClr val="accent1">
+            <a:hueOff val="0"/>
+            <a:satOff val="0"/>
+            <a:lumOff val="0"/>
+            <a:alphaOff val="0"/>
+          </a:schemeClr>
+        </a:solidFill>
+        <a:ln w="12700" cap="flat" cmpd="sng" algn="ctr">
+          <a:solidFill>
+            <a:schemeClr val="lt1">
+              <a:hueOff val="0"/>
+              <a:satOff val="0"/>
+              <a:lumOff val="0"/>
+              <a:alphaOff val="0"/>
+            </a:schemeClr>
+          </a:solidFill>
+          <a:prstDash val="solid"/>
+          <a:miter lim="800000"/>
+        </a:ln>
+        <a:effectLst/>
+      </dsp:spPr>
+      <dsp:style>
+        <a:lnRef idx="2">
+          <a:scrgbClr r="0" g="0" b="0"/>
+        </a:lnRef>
+        <a:fillRef idx="1">
+          <a:scrgbClr r="0" g="0" b="0"/>
+        </a:fillRef>
+        <a:effectRef idx="0">
+          <a:scrgbClr r="0" g="0" b="0"/>
+        </a:effectRef>
+        <a:fontRef idx="minor">
+          <a:schemeClr val="lt1"/>
+        </a:fontRef>
+      </dsp:style>
+      <dsp:txBody>
+        <a:bodyPr spcFirstLastPara="0" vert="horz" wrap="square" lIns="26670" tIns="26670" rIns="26670" bIns="26670" numCol="1" spcCol="1270" anchor="ctr" anchorCtr="0">
+          <a:noAutofit/>
+        </a:bodyPr>
+        <a:lstStyle/>
+        <a:p>
+          <a:pPr lvl="0" algn="ctr" defTabSz="311150">
+            <a:lnSpc>
+              <a:spcPct val="90000"/>
+            </a:lnSpc>
+            <a:spcBef>
+              <a:spcPct val="0"/>
+            </a:spcBef>
+            <a:spcAft>
+              <a:spcPct val="35000"/>
+            </a:spcAft>
+          </a:pPr>
+          <a:r>
+            <a:rPr lang="en-US" sz="700" kern="1200" dirty="0" err="1" smtClean="0"/>
+            <a:t>acceptedParamss</a:t>
+          </a:r>
+          <a:r>
+            <a:rPr lang="en-US" sz="700" kern="1200" dirty="0" smtClean="0"/>
+            <a:t> -&gt; </a:t>
+          </a:r>
+          <a:r>
+            <a:rPr lang="en-US" sz="700" kern="1200" dirty="0" err="1" smtClean="0"/>
+            <a:t>ini</a:t>
+          </a:r>
+          <a:endParaRPr lang="en-US" sz="700" kern="1200" dirty="0"/>
+        </a:p>
+      </dsp:txBody>
+      <dsp:txXfrm>
+        <a:off x="1563719" y="457311"/>
+        <a:ext cx="779561" cy="488226"/>
+      </dsp:txXfrm>
+    </dsp:sp>
+    <dsp:sp modelId="{01FFCFA0-8857-4F17-8842-FF5F726FD243}">
+      <dsp:nvSpPr>
+        <dsp:cNvPr id="0" name=""/>
+        <dsp:cNvSpPr/>
+      </dsp:nvSpPr>
+      <dsp:spPr>
+        <a:xfrm>
+          <a:off x="1024402" y="270965"/>
+          <a:ext cx="4507832" cy="4507832"/>
+        </a:xfrm>
+        <a:custGeom>
+          <a:avLst/>
+          <a:gdLst/>
+          <a:ahLst/>
+          <a:cxnLst/>
+          <a:rect l="0" t="0" r="0" b="0"/>
+          <a:pathLst>
+            <a:path>
+              <a:moveTo>
+                <a:pt x="1440560" y="151871"/>
+              </a:moveTo>
+              <a:arcTo wR="2253916" hR="2253916" stAng="14930806" swAng="473485"/>
+            </a:path>
+          </a:pathLst>
+        </a:custGeom>
+        <a:noFill/>
+        <a:ln w="6350" cap="flat" cmpd="sng" algn="ctr">
+          <a:solidFill>
+            <a:schemeClr val="accent1">
+              <a:hueOff val="0"/>
+              <a:satOff val="0"/>
+              <a:lumOff val="0"/>
+              <a:alphaOff val="0"/>
+            </a:schemeClr>
+          </a:solidFill>
+          <a:prstDash val="solid"/>
+          <a:miter lim="800000"/>
+          <a:tailEnd type="arrow"/>
+        </a:ln>
+        <a:effectLst/>
+      </dsp:spPr>
+      <dsp:style>
+        <a:lnRef idx="1">
+          <a:scrgbClr r="0" g="0" b="0"/>
+        </a:lnRef>
+        <a:fillRef idx="0">
+          <a:scrgbClr r="0" g="0" b="0"/>
+        </a:fillRef>
+        <a:effectRef idx="0">
+          <a:scrgbClr r="0" g="0" b="0"/>
+        </a:effectRef>
+        <a:fontRef idx="minor"/>
+      </dsp:style>
+    </dsp:sp>
+  </dsp:spTree>
+</dsp:drawing>
+</file>
+
+<file path=ppt/diagrams/layout1.xml><?xml version="1.0" encoding="utf-8"?>
+<dgm:layoutDef xmlns:dgm="http://schemas.openxmlformats.org/drawingml/2006/diagram" xmlns:a="http://schemas.openxmlformats.org/drawingml/2006/main" uniqueId="urn:microsoft.com/office/officeart/2005/8/layout/cycle5">
+  <dgm:title val=""/>
+  <dgm:desc val=""/>
+  <dgm:catLst>
+    <dgm:cat type="cycle" pri="3000"/>
+  </dgm:catLst>
+  <dgm:sampData>
+    <dgm:dataModel>
+      <dgm:ptLst>
+        <dgm:pt modelId="0" type="doc"/>
+        <dgm:pt modelId="1">
+          <dgm:prSet phldr="1"/>
+        </dgm:pt>
+        <dgm:pt modelId="2">
+          <dgm:prSet phldr="1"/>
+        </dgm:pt>
+        <dgm:pt modelId="3">
+          <dgm:prSet phldr="1"/>
+        </dgm:pt>
+        <dgm:pt modelId="4">
+          <dgm:prSet phldr="1"/>
+        </dgm:pt>
+        <dgm:pt modelId="5">
+          <dgm:prSet phldr="1"/>
+        </dgm:pt>
+      </dgm:ptLst>
+      <dgm:cxnLst>
+        <dgm:cxn modelId="6" srcId="0" destId="1" srcOrd="0" destOrd="0"/>
+        <dgm:cxn modelId="7" srcId="0" destId="2" srcOrd="1" destOrd="0"/>
+        <dgm:cxn modelId="8" srcId="0" destId="3" srcOrd="2" destOrd="0"/>
+        <dgm:cxn modelId="9" srcId="0" destId="4" srcOrd="3" destOrd="0"/>
+        <dgm:cxn modelId="10" srcId="0" destId="5" srcOrd="4" destOrd="0"/>
+      </dgm:cxnLst>
+      <dgm:bg/>
+      <dgm:whole/>
+    </dgm:dataModel>
+  </dgm:sampData>
+  <dgm:styleData>
+    <dgm:dataModel>
+      <dgm:ptLst>
+        <dgm:pt modelId="0" type="doc"/>
+        <dgm:pt modelId="1"/>
+        <dgm:pt modelId="2"/>
+        <dgm:pt modelId="3"/>
+      </dgm:ptLst>
+      <dgm:cxnLst>
+        <dgm:cxn modelId="4" srcId="0" destId="1" srcOrd="0" destOrd="0"/>
+        <dgm:cxn modelId="5" srcId="0" destId="2" srcOrd="1" destOrd="0"/>
+        <dgm:cxn modelId="6" srcId="0" destId="3" srcOrd="2" destOrd="0"/>
+      </dgm:cxnLst>
+      <dgm:bg/>
+      <dgm:whole/>
+    </dgm:dataModel>
+  </dgm:styleData>
+  <dgm:clrData>
+    <dgm:dataModel>
+      <dgm:ptLst>
+        <dgm:pt modelId="0" type="doc"/>
+        <dgm:pt modelId="1"/>
+        <dgm:pt modelId="2"/>
+        <dgm:pt modelId="3"/>
+        <dgm:pt modelId="4"/>
+        <dgm:pt modelId="5"/>
+        <dgm:pt modelId="6"/>
+      </dgm:ptLst>
+      <dgm:cxnLst>
+        <dgm:cxn modelId="7" srcId="0" destId="1" srcOrd="0" destOrd="0"/>
+        <dgm:cxn modelId="8" srcId="0" destId="2" srcOrd="1" destOrd="0"/>
+        <dgm:cxn modelId="9" srcId="0" destId="3" srcOrd="2" destOrd="0"/>
+        <dgm:cxn modelId="10" srcId="0" destId="4" srcOrd="3" destOrd="0"/>
+        <dgm:cxn modelId="11" srcId="0" destId="5" srcOrd="4" destOrd="0"/>
+        <dgm:cxn modelId="12" srcId="0" destId="6" srcOrd="5" destOrd="0"/>
+      </dgm:cxnLst>
+      <dgm:bg/>
+      <dgm:whole/>
+    </dgm:dataModel>
+  </dgm:clrData>
+  <dgm:layoutNode name="cycle">
+    <dgm:varLst>
+      <dgm:dir/>
+      <dgm:resizeHandles val="exact"/>
+    </dgm:varLst>
+    <dgm:choose name="Name0">
+      <dgm:if name="Name1" func="var" arg="dir" op="equ" val="norm">
+        <dgm:choose name="Name2">
+          <dgm:if name="Name3" axis="ch" ptType="node" func="cnt" op="gt" val="2">
+            <dgm:alg type="cycle">
+              <dgm:param type="stAng" val="0"/>
+              <dgm:param type="spanAng" val="360"/>
+            </dgm:alg>
+          </dgm:if>
+          <dgm:else name="Name4">
+            <dgm:alg type="cycle">
+              <dgm:param type="stAng" val="-90"/>
+              <dgm:param type="spanAng" val="360"/>
+            </dgm:alg>
+          </dgm:else>
+        </dgm:choose>
+      </dgm:if>
+      <dgm:else name="Name5">
+        <dgm:choose name="Name6">
+          <dgm:if name="Name7" axis="ch" ptType="node" func="cnt" op="gt" val="2">
+            <dgm:alg type="cycle">
+              <dgm:param type="stAng" val="0"/>
+              <dgm:param type="spanAng" val="-360"/>
+            </dgm:alg>
+          </dgm:if>
+          <dgm:else name="Name8">
+            <dgm:alg type="cycle">
+              <dgm:param type="stAng" val="90"/>
+              <dgm:param type="spanAng" val="-360"/>
+            </dgm:alg>
+          </dgm:else>
+        </dgm:choose>
+      </dgm:else>
+    </dgm:choose>
+    <dgm:shape xmlns:r="http://schemas.openxmlformats.org/officeDocument/2006/relationships" r:blip="">
+      <dgm:adjLst/>
+    </dgm:shape>
+    <dgm:presOf/>
+    <dgm:choose name="Name9">
+      <dgm:if name="Name10" func="var" arg="dir" op="equ" val="norm">
+        <dgm:constrLst>
+          <dgm:constr type="w" for="ch" forName="node" refType="w"/>
+          <dgm:constr type="w" for="ch" ptType="sibTrans" refType="w" refFor="ch" refForName="node" op="equ" fact="0.3"/>
+          <dgm:constr type="diam" for="ch" ptType="sibTrans" refType="diam" op="equ"/>
+          <dgm:constr type="sibSp" refType="w" refFor="ch" refForName="node" op="equ" fact="0.15"/>
+          <dgm:constr type="w" for="ch" forName="spNode" refType="sibSp" fact="1.6"/>
+          <dgm:constr type="primFontSz" for="ch" forName="node" op="equ" val="65"/>
+        </dgm:constrLst>
+      </dgm:if>
+      <dgm:else name="Name11">
+        <dgm:constrLst>
+          <dgm:constr type="w" for="ch" forName="node" refType="w"/>
+          <dgm:constr type="w" for="ch" ptType="sibTrans" refType="w" refFor="ch" refForName="node" op="equ" fact="0.3"/>
+          <dgm:constr type="diam" for="ch" ptType="sibTrans" refType="diam" fact="-1"/>
+          <dgm:constr type="diam" for="ch" refType="diam" op="equ" fact="-1"/>
+          <dgm:constr type="sibSp" refType="w" refFor="ch" refForName="node" op="equ" fact="0.15"/>
+          <dgm:constr type="w" for="ch" forName="spNode" refType="sibSp" fact="1.6"/>
+          <dgm:constr type="primFontSz" for="ch" forName="node" op="equ" val="65"/>
+        </dgm:constrLst>
+      </dgm:else>
+    </dgm:choose>
+    <dgm:ruleLst/>
+    <dgm:forEach name="Name12" axis="ch" ptType="node">
+      <dgm:layoutNode name="node">
+        <dgm:varLst>
+          <dgm:bulletEnabled val="1"/>
+        </dgm:varLst>
+        <dgm:alg type="tx"/>
+        <dgm:shape xmlns:r="http://schemas.openxmlformats.org/officeDocument/2006/relationships" type="roundRect" r:blip="">
+          <dgm:adjLst/>
+        </dgm:shape>
+        <dgm:presOf axis="desOrSelf" ptType="node"/>
+        <dgm:constrLst>
+          <dgm:constr type="h" refType="w" fact="0.65"/>
+          <dgm:constr type="tMarg" refType="primFontSz" fact="0.3"/>
+          <dgm:constr type="bMarg" refType="primFontSz" fact="0.3"/>
+          <dgm:constr type="lMarg" refType="primFontSz" fact="0.3"/>
+          <dgm:constr type="rMarg" refType="primFontSz" fact="0.3"/>
+        </dgm:constrLst>
+        <dgm:ruleLst>
+          <dgm:rule type="primFontSz" val="5" fact="NaN" max="NaN"/>
+        </dgm:ruleLst>
+      </dgm:layoutNode>
+      <dgm:choose name="Name13">
+        <dgm:if name="Name14" axis="par ch" ptType="doc node" func="cnt" op="gt" val="1">
+          <dgm:layoutNode name="spNode">
+            <dgm:alg type="sp"/>
+            <dgm:shape xmlns:r="http://schemas.openxmlformats.org/officeDocument/2006/relationships" r:blip="">
+              <dgm:adjLst/>
+            </dgm:shape>
+            <dgm:presOf/>
+            <dgm:constrLst>
+              <dgm:constr type="h" refType="w"/>
+            </dgm:constrLst>
+            <dgm:ruleLst/>
+          </dgm:layoutNode>
+          <dgm:forEach name="Name15" axis="followSib" ptType="sibTrans" hideLastTrans="0" cnt="1">
+            <dgm:layoutNode name="sibTrans">
+              <dgm:alg type="conn">
+                <dgm:param type="dim" val="1D"/>
+                <dgm:param type="connRout" val="curve"/>
+                <dgm:param type="begPts" val="radial"/>
+                <dgm:param type="endPts" val="radial"/>
+              </dgm:alg>
+              <dgm:shape xmlns:r="http://schemas.openxmlformats.org/officeDocument/2006/relationships" type="conn" r:blip="">
+                <dgm:adjLst/>
+              </dgm:shape>
+              <dgm:presOf axis="self"/>
+              <dgm:constrLst>
+                <dgm:constr type="h" refType="w" fact="0.65"/>
+                <dgm:constr type="connDist"/>
+                <dgm:constr type="begPad" refType="connDist" fact="0.2"/>
+                <dgm:constr type="endPad" refType="connDist" fact="0.2"/>
+              </dgm:constrLst>
+              <dgm:ruleLst/>
+            </dgm:layoutNode>
+          </dgm:forEach>
+        </dgm:if>
+        <dgm:else name="Name16"/>
+      </dgm:choose>
+    </dgm:forEach>
+  </dgm:layoutNode>
+</dgm:layoutDef>
+</file>
+
+<file path=ppt/diagrams/quickStyle1.xml><?xml version="1.0" encoding="utf-8"?>
+<dgm:styleDef xmlns:dgm="http://schemas.openxmlformats.org/drawingml/2006/diagram" xmlns:a="http://schemas.openxmlformats.org/drawingml/2006/main" uniqueId="urn:microsoft.com/office/officeart/2005/8/quickstyle/simple1">
+  <dgm:title val=""/>
+  <dgm:desc val=""/>
+  <dgm:catLst>
+    <dgm:cat type="simple" pri="10100"/>
+  </dgm:catLst>
+  <dgm:scene3d>
+    <a:camera prst="orthographicFront"/>
+    <a:lightRig rig="threePt" dir="t"/>
+  </dgm:scene3d>
+  <dgm:styleLbl name="node0">
+    <dgm:scene3d>
+      <a:camera prst="orthographicFront"/>
+      <a:lightRig rig="threePt" dir="t"/>
+    </dgm:scene3d>
+    <dgm:sp3d/>
+    <dgm:txPr/>
+    <dgm:style>
+      <a:lnRef idx="2">
+        <a:scrgbClr r="0" g="0" b="0"/>
+      </a:lnRef>
+      <a:fillRef idx="1">
+        <a:scrgbClr r="0" g="0" b="0"/>
+      </a:fillRef>
+      <a:effectRef idx="0">
+        <a:scrgbClr r="0" g="0" b="0"/>
+      </a:effectRef>
+      <a:fontRef idx="minor">
+        <a:schemeClr val="lt1"/>
+      </a:fontRef>
+    </dgm:style>
+  </dgm:styleLbl>
+  <dgm:styleLbl name="lnNode1">
+    <dgm:scene3d>
+      <a:camera prst="orthographicFront"/>
+      <a:lightRig rig="threePt" dir="t"/>
+    </dgm:scene3d>
+    <dgm:sp3d/>
+    <dgm:txPr/>
+    <dgm:style>
+      <a:lnRef idx="2">
+        <a:scrgbClr r="0" g="0" b="0"/>
+      </a:lnRef>
+      <a:fillRef idx="1">
+        <a:scrgbClr r="0" g="0" b="0"/>
+      </a:fillRef>
+      <a:effectRef idx="0">
+        <a:scrgbClr r="0" g="0" b="0"/>
+      </a:effectRef>
+      <a:fontRef idx="minor">
+        <a:schemeClr val="lt1"/>
+      </a:fontRef>
+    </dgm:style>
+  </dgm:styleLbl>
+  <dgm:styleLbl name="vennNode1">
+    <dgm:scene3d>
+      <a:camera prst="orthographicFront"/>
+      <a:lightRig rig="threePt" dir="t"/>
+    </dgm:scene3d>
+    <dgm:sp3d/>
+    <dgm:txPr/>
+    <dgm:style>
+      <a:lnRef idx="2">
+        <a:scrgbClr r="0" g="0" b="0"/>
+      </a:lnRef>
+      <a:fillRef idx="1">
+        <a:scrgbClr r="0" g="0" b="0"/>
+      </a:fillRef>
+      <a:effectRef idx="0">
+        <a:scrgbClr r="0" g="0" b="0"/>
+      </a:effectRef>
+      <a:fontRef idx="minor">
+        <a:schemeClr val="tx1"/>
+      </a:fontRef>
+    </dgm:style>
+  </dgm:styleLbl>
+  <dgm:styleLbl name="alignNode1">
+    <dgm:scene3d>
+      <a:camera prst="orthographicFront"/>
+      <a:lightRig rig="threePt" dir="t"/>
+    </dgm:scene3d>
+    <dgm:sp3d/>
+    <dgm:txPr/>
+    <dgm:style>
+      <a:lnRef idx="2">
+        <a:scrgbClr r="0" g="0" b="0"/>
+      </a:lnRef>
+      <a:fillRef idx="1">
+        <a:scrgbClr r="0" g="0" b="0"/>
+      </a:fillRef>
+      <a:effectRef idx="0">
+        <a:scrgbClr r="0" g="0" b="0"/>
+      </a:effectRef>
+      <a:fontRef idx="minor">
+        <a:schemeClr val="lt1"/>
+      </a:fontRef>
+    </dgm:style>
+  </dgm:styleLbl>
+  <dgm:styleLbl name="node1">
+    <dgm:scene3d>
+      <a:camera prst="orthographicFront"/>
+      <a:lightRig rig="threePt" dir="t"/>
+    </dgm:scene3d>
+    <dgm:sp3d/>
+    <dgm:txPr/>
+    <dgm:style>
+      <a:lnRef idx="2">
+        <a:scrgbClr r="0" g="0" b="0"/>
+      </a:lnRef>
+      <a:fillRef idx="1">
+        <a:scrgbClr r="0" g="0" b="0"/>
+      </a:fillRef>
+      <a:effectRef idx="0">
+        <a:scrgbClr r="0" g="0" b="0"/>
+      </a:effectRef>
+      <a:fontRef idx="minor">
+        <a:schemeClr val="lt1"/>
+      </a:fontRef>
+    </dgm:style>
+  </dgm:styleLbl>
+  <dgm:styleLbl name="node2">
+    <dgm:scene3d>
+      <a:camera prst="orthographicFront"/>
+      <a:lightRig rig="threePt" dir="t"/>
+    </dgm:scene3d>
+    <dgm:sp3d/>
+    <dgm:txPr/>
+    <dgm:style>
+      <a:lnRef idx="2">
+        <a:scrgbClr r="0" g="0" b="0"/>
+      </a:lnRef>
+      <a:fillRef idx="1">
+        <a:scrgbClr r="0" g="0" b="0"/>
+      </a:fillRef>
+      <a:effectRef idx="0">
+        <a:scrgbClr r="0" g="0" b="0"/>
+      </a:effectRef>
+      <a:fontRef idx="minor">
+        <a:schemeClr val="lt1"/>
+      </a:fontRef>
+    </dgm:style>
+  </dgm:styleLbl>
+  <dgm:styleLbl name="node3">
+    <dgm:scene3d>
+      <a:camera prst="orthographicFront"/>
+      <a:lightRig rig="threePt" dir="t"/>
+    </dgm:scene3d>
+    <dgm:sp3d/>
+    <dgm:txPr/>
+    <dgm:style>
+      <a:lnRef idx="2">
+        <a:scrgbClr r="0" g="0" b="0"/>
+      </a:lnRef>
+      <a:fillRef idx="1">
+        <a:scrgbClr r="0" g="0" b="0"/>
+      </a:fillRef>
+      <a:effectRef idx="0">
+        <a:scrgbClr r="0" g="0" b="0"/>
+      </a:effectRef>
+      <a:fontRef idx="minor">
+        <a:schemeClr val="lt1"/>
+      </a:fontRef>
+    </dgm:style>
+  </dgm:styleLbl>
+  <dgm:styleLbl name="node4">
+    <dgm:scene3d>
+      <a:camera prst="orthographicFront"/>
+      <a:lightRig rig="threePt" dir="t"/>
+    </dgm:scene3d>
+    <dgm:sp3d/>
+    <dgm:txPr/>
+    <dgm:style>
+      <a:lnRef idx="2">
+        <a:scrgbClr r="0" g="0" b="0"/>
+      </a:lnRef>
+      <a:fillRef idx="1">
+        <a:scrgbClr r="0" g="0" b="0"/>
+      </a:fillRef>
+      <a:effectRef idx="0">
+        <a:scrgbClr r="0" g="0" b="0"/>
+      </a:effectRef>
+      <a:fontRef idx="minor">
+        <a:schemeClr val="lt1"/>
+      </a:fontRef>
+    </dgm:style>
+  </dgm:styleLbl>
+  <dgm:styleLbl name="fgImgPlace1">
+    <dgm:scene3d>
+      <a:camera prst="orthographicFront"/>
+      <a:lightRig rig="threePt" dir="t"/>
+    </dgm:scene3d>
+    <dgm:sp3d/>
+    <dgm:txPr/>
+    <dgm:style>
+      <a:lnRef idx="2">
+        <a:scrgbClr r="0" g="0" b="0"/>
+      </a:lnRef>
+      <a:fillRef idx="1">
+        <a:scrgbClr r="0" g="0" b="0"/>
+      </a:fillRef>
+      <a:effectRef idx="0">
+        <a:scrgbClr r="0" g="0" b="0"/>
+      </a:effectRef>
+      <a:fontRef idx="minor"/>
+    </dgm:style>
+  </dgm:styleLbl>
+  <dgm:styleLbl name="alignImgPlace1">
+    <dgm:scene3d>
+      <a:camera prst="orthographicFront"/>
+      <a:lightRig rig="threePt" dir="t"/>
+    </dgm:scene3d>
+    <dgm:sp3d/>
+    <dgm:txPr/>
+    <dgm:style>
+      <a:lnRef idx="2">
+        <a:scrgbClr r="0" g="0" b="0"/>
+      </a:lnRef>
+      <a:fillRef idx="1">
+        <a:scrgbClr r="0" g="0" b="0"/>
+      </a:fillRef>
+      <a:effectRef idx="0">
+        <a:scrgbClr r="0" g="0" b="0"/>
+      </a:effectRef>
+      <a:fontRef idx="minor"/>
+    </dgm:style>
+  </dgm:styleLbl>
+  <dgm:styleLbl name="bgImgPlace1">
+    <dgm:scene3d>
+      <a:camera prst="orthographicFront"/>
+      <a:lightRig rig="threePt" dir="t"/>
+    </dgm:scene3d>
+    <dgm:sp3d/>
+    <dgm:txPr/>
+    <dgm:style>
+      <a:lnRef idx="2">
+        <a:scrgbClr r="0" g="0" b="0"/>
+      </a:lnRef>
+      <a:fillRef idx="1">
+        <a:scrgbClr r="0" g="0" b="0"/>
+      </a:fillRef>
+      <a:effectRef idx="0">
+        <a:scrgbClr r="0" g="0" b="0"/>
+      </a:effectRef>
+      <a:fontRef idx="minor"/>
+    </dgm:style>
+  </dgm:styleLbl>
+  <dgm:styleLbl name="sibTrans2D1">
+    <dgm:scene3d>
+      <a:camera prst="orthographicFront"/>
+      <a:lightRig rig="threePt" dir="t"/>
+    </dgm:scene3d>
+    <dgm:sp3d/>
+    <dgm:txPr/>
+    <dgm:style>
+      <a:lnRef idx="0">
+        <a:scrgbClr r="0" g="0" b="0"/>
+      </a:lnRef>
+      <a:fillRef idx="1">
+        <a:scrgbClr r="0" g="0" b="0"/>
+      </a:fillRef>
+      <a:effectRef idx="0">
+        <a:scrgbClr r="0" g="0" b="0"/>
+      </a:effectRef>
+      <a:fontRef idx="minor">
+        <a:schemeClr val="lt1"/>
+      </a:fontRef>
+    </dgm:style>
+  </dgm:styleLbl>
+  <dgm:styleLbl name="fgSibTrans2D1">
+    <dgm:scene3d>
+      <a:camera prst="orthographicFront"/>
+      <a:lightRig rig="threePt" dir="t"/>
+    </dgm:scene3d>
+    <dgm:sp3d/>
+    <dgm:txPr/>
+    <dgm:style>
+      <a:lnRef idx="0">
+        <a:scrgbClr r="0" g="0" b="0"/>
+      </a:lnRef>
+      <a:fillRef idx="1">
+        <a:scrgbClr r="0" g="0" b="0"/>
+      </a:fillRef>
+      <a:effectRef idx="0">
+        <a:scrgbClr r="0" g="0" b="0"/>
+      </a:effectRef>
+      <a:fontRef idx="minor">
+        <a:schemeClr val="lt1"/>
+      </a:fontRef>
+    </dgm:style>
+  </dgm:styleLbl>
+  <dgm:styleLbl name="bgSibTrans2D1">
+    <dgm:scene3d>
+      <a:camera prst="orthographicFront"/>
+      <a:lightRig rig="threePt" dir="t"/>
+    </dgm:scene3d>
+    <dgm:sp3d/>
+    <dgm:txPr/>
+    <dgm:style>
+      <a:lnRef idx="0">
+        <a:scrgbClr r="0" g="0" b="0"/>
+      </a:lnRef>
+      <a:fillRef idx="1">
+        <a:scrgbClr r="0" g="0" b="0"/>
+      </a:fillRef>
+      <a:effectRef idx="0">
+        <a:scrgbClr r="0" g="0" b="0"/>
+      </a:effectRef>
+      <a:fontRef idx="minor">
+        <a:schemeClr val="lt1"/>
+      </a:fontRef>
+    </dgm:style>
+  </dgm:styleLbl>
+  <dgm:styleLbl name="sibTrans1D1">
+    <dgm:scene3d>
+      <a:camera prst="orthographicFront"/>
+      <a:lightRig rig="threePt" dir="t"/>
+    </dgm:scene3d>
+    <dgm:sp3d/>
+    <dgm:txPr/>
+    <dgm:style>
+      <a:lnRef idx="1">
+        <a:scrgbClr r="0" g="0" b="0"/>
+      </a:lnRef>
+      <a:fillRef idx="0">
+        <a:scrgbClr r="0" g="0" b="0"/>
+      </a:fillRef>
+      <a:effectRef idx="0">
+        <a:scrgbClr r="0" g="0" b="0"/>
+      </a:effectRef>
+      <a:fontRef idx="minor"/>
+    </dgm:style>
+  </dgm:styleLbl>
+  <dgm:styleLbl name="callout">
+    <dgm:scene3d>
+      <a:camera prst="orthographicFront"/>
+      <a:lightRig rig="threePt" dir="t"/>
+    </dgm:scene3d>
+    <dgm:sp3d/>
+    <dgm:txPr/>
+    <dgm:style>
+      <a:lnRef idx="2">
+        <a:scrgbClr r="0" g="0" b="0"/>
+      </a:lnRef>
+      <a:fillRef idx="1">
+        <a:scrgbClr r="0" g="0" b="0"/>
+      </a:fillRef>
+      <a:effectRef idx="0">
+        <a:scrgbClr r="0" g="0" b="0"/>
+      </a:effectRef>
+      <a:fontRef idx="minor"/>
+    </dgm:style>
+  </dgm:styleLbl>
+  <dgm:styleLbl name="asst0">
+    <dgm:scene3d>
+      <a:camera prst="orthographicFront"/>
+      <a:lightRig rig="threePt" dir="t"/>
+    </dgm:scene3d>
+    <dgm:sp3d/>
+    <dgm:txPr/>
+    <dgm:style>
+      <a:lnRef idx="2">
+        <a:scrgbClr r="0" g="0" b="0"/>
+      </a:lnRef>
+      <a:fillRef idx="1">
+        <a:scrgbClr r="0" g="0" b="0"/>
+      </a:fillRef>
+      <a:effectRef idx="0">
+        <a:scrgbClr r="0" g="0" b="0"/>
+      </a:effectRef>
+      <a:fontRef idx="minor">
+        <a:schemeClr val="lt1"/>
+      </a:fontRef>
+    </dgm:style>
+  </dgm:styleLbl>
+  <dgm:styleLbl name="asst1">
+    <dgm:scene3d>
+      <a:camera prst="orthographicFront"/>
+      <a:lightRig rig="threePt" dir="t"/>
+    </dgm:scene3d>
+    <dgm:sp3d/>
+    <dgm:txPr/>
+    <dgm:style>
+      <a:lnRef idx="2">
+        <a:scrgbClr r="0" g="0" b="0"/>
+      </a:lnRef>
+      <a:fillRef idx="1">
+        <a:scrgbClr r="0" g="0" b="0"/>
+      </a:fillRef>
+      <a:effectRef idx="0">
+        <a:scrgbClr r="0" g="0" b="0"/>
+      </a:effectRef>
+      <a:fontRef idx="minor">
+        <a:schemeClr val="lt1"/>
+      </a:fontRef>
+    </dgm:style>
+  </dgm:styleLbl>
+  <dgm:styleLbl name="asst2">
+    <dgm:scene3d>
+      <a:camera prst="orthographicFront"/>
+      <a:lightRig rig="threePt" dir="t"/>
+    </dgm:scene3d>
+    <dgm:sp3d/>
+    <dgm:txPr/>
+    <dgm:style>
+      <a:lnRef idx="2">
+        <a:scrgbClr r="0" g="0" b="0"/>
+      </a:lnRef>
+      <a:fillRef idx="1">
+        <a:scrgbClr r="0" g="0" b="0"/>
+      </a:fillRef>
+      <a:effectRef idx="0">
+        <a:scrgbClr r="0" g="0" b="0"/>
+      </a:effectRef>
+      <a:fontRef idx="minor">
+        <a:schemeClr val="lt1"/>
+      </a:fontRef>
+    </dgm:style>
+  </dgm:styleLbl>
+  <dgm:styleLbl name="asst3">
+    <dgm:scene3d>
+      <a:camera prst="orthographicFront"/>
+      <a:lightRig rig="threePt" dir="t"/>
+    </dgm:scene3d>
+    <dgm:sp3d/>
+    <dgm:txPr/>
+    <dgm:style>
+      <a:lnRef idx="2">
+        <a:scrgbClr r="0" g="0" b="0"/>
+      </a:lnRef>
+      <a:fillRef idx="1">
+        <a:scrgbClr r="0" g="0" b="0"/>
+      </a:fillRef>
+      <a:effectRef idx="0">
+        <a:scrgbClr r="0" g="0" b="0"/>
+      </a:effectRef>
+      <a:fontRef idx="minor">
+        <a:schemeClr val="lt1"/>
+      </a:fontRef>
+    </dgm:style>
+  </dgm:styleLbl>
+  <dgm:styleLbl name="asst4">
+    <dgm:scene3d>
+      <a:camera prst="orthographicFront"/>
+      <a:lightRig rig="threePt" dir="t"/>
+    </dgm:scene3d>
+    <dgm:sp3d/>
+    <dgm:txPr/>
+    <dgm:style>
+      <a:lnRef idx="2">
+        <a:scrgbClr r="0" g="0" b="0"/>
+      </a:lnRef>
+      <a:fillRef idx="1">
+        <a:scrgbClr r="0" g="0" b="0"/>
+      </a:fillRef>
+      <a:effectRef idx="0">
+        <a:scrgbClr r="0" g="0" b="0"/>
+      </a:effectRef>
+      <a:fontRef idx="minor">
+        <a:schemeClr val="lt1"/>
+      </a:fontRef>
+    </dgm:style>
+  </dgm:styleLbl>
+  <dgm:styleLbl name="parChTrans2D1">
+    <dgm:scene3d>
+      <a:camera prst="orthographicFront"/>
+      <a:lightRig rig="threePt" dir="t"/>
+    </dgm:scene3d>
+    <dgm:sp3d/>
+    <dgm:txPr/>
+    <dgm:style>
+      <a:lnRef idx="2">
+        <a:scrgbClr r="0" g="0" b="0"/>
+      </a:lnRef>
+      <a:fillRef idx="1">
+        <a:scrgbClr r="0" g="0" b="0"/>
+      </a:fillRef>
+      <a:effectRef idx="0">
+        <a:scrgbClr r="0" g="0" b="0"/>
+      </a:effectRef>
+      <a:fontRef idx="minor">
+        <a:schemeClr val="lt1"/>
+      </a:fontRef>
+    </dgm:style>
+  </dgm:styleLbl>
+  <dgm:styleLbl name="parChTrans2D2">
+    <dgm:scene3d>
+      <a:camera prst="orthographicFront"/>
+      <a:lightRig rig="threePt" dir="t"/>
+    </dgm:scene3d>
+    <dgm:sp3d/>
+    <dgm:txPr/>
+    <dgm:style>
+      <a:lnRef idx="2">
+        <a:scrgbClr r="0" g="0" b="0"/>
+      </a:lnRef>
+      <a:fillRef idx="1">
+        <a:scrgbClr r="0" g="0" b="0"/>
+      </a:fillRef>
+      <a:effectRef idx="0">
+        <a:scrgbClr r="0" g="0" b="0"/>
+      </a:effectRef>
+      <a:fontRef idx="minor">
+        <a:schemeClr val="lt1"/>
+      </a:fontRef>
+    </dgm:style>
+  </dgm:styleLbl>
+  <dgm:styleLbl name="parChTrans2D3">
+    <dgm:scene3d>
+      <a:camera prst="orthographicFront"/>
+      <a:lightRig rig="threePt" dir="t"/>
+    </dgm:scene3d>
+    <dgm:sp3d/>
+    <dgm:txPr/>
+    <dgm:style>
+      <a:lnRef idx="2">
+        <a:scrgbClr r="0" g="0" b="0"/>
+      </a:lnRef>
+      <a:fillRef idx="1">
+        <a:scrgbClr r="0" g="0" b="0"/>
+      </a:fillRef>
+      <a:effectRef idx="0">
+        <a:scrgbClr r="0" g="0" b="0"/>
+      </a:effectRef>
+      <a:fontRef idx="minor">
+        <a:schemeClr val="lt1"/>
+      </a:fontRef>
+    </dgm:style>
+  </dgm:styleLbl>
+  <dgm:styleLbl name="parChTrans2D4">
+    <dgm:scene3d>
+      <a:camera prst="orthographicFront"/>
+      <a:lightRig rig="threePt" dir="t"/>
+    </dgm:scene3d>
+    <dgm:sp3d/>
+    <dgm:txPr/>
+    <dgm:style>
+      <a:lnRef idx="2">
+        <a:scrgbClr r="0" g="0" b="0"/>
+      </a:lnRef>
+      <a:fillRef idx="1">
+        <a:scrgbClr r="0" g="0" b="0"/>
+      </a:fillRef>
+      <a:effectRef idx="0">
+        <a:scrgbClr r="0" g="0" b="0"/>
+      </a:effectRef>
+      <a:fontRef idx="minor">
+        <a:schemeClr val="lt1"/>
+      </a:fontRef>
+    </dgm:style>
+  </dgm:styleLbl>
+  <dgm:styleLbl name="parChTrans1D1">
+    <dgm:scene3d>
+      <a:camera prst="orthographicFront"/>
+      <a:lightRig rig="threePt" dir="t"/>
+    </dgm:scene3d>
+    <dgm:sp3d/>
+    <dgm:txPr/>
+    <dgm:style>
+      <a:lnRef idx="2">
+        <a:scrgbClr r="0" g="0" b="0"/>
+      </a:lnRef>
+      <a:fillRef idx="0">
+        <a:scrgbClr r="0" g="0" b="0"/>
+      </a:fillRef>
+      <a:effectRef idx="0">
+        <a:scrgbClr r="0" g="0" b="0"/>
+      </a:effectRef>
+      <a:fontRef idx="minor"/>
+    </dgm:style>
+  </dgm:styleLbl>
+  <dgm:styleLbl name="parChTrans1D2">
+    <dgm:scene3d>
+      <a:camera prst="orthographicFront"/>
+      <a:lightRig rig="threePt" dir="t"/>
+    </dgm:scene3d>
+    <dgm:sp3d/>
+    <dgm:txPr/>
+    <dgm:style>
+      <a:lnRef idx="2">
+        <a:scrgbClr r="0" g="0" b="0"/>
+      </a:lnRef>
+      <a:fillRef idx="0">
+        <a:scrgbClr r="0" g="0" b="0"/>
+      </a:fillRef>
+      <a:effectRef idx="0">
+        <a:scrgbClr r="0" g="0" b="0"/>
+      </a:effectRef>
+      <a:fontRef idx="minor"/>
+    </dgm:style>
+  </dgm:styleLbl>
+  <dgm:styleLbl name="parChTrans1D3">
+    <dgm:scene3d>
+      <a:camera prst="orthographicFront"/>
+      <a:lightRig rig="threePt" dir="t"/>
+    </dgm:scene3d>
+    <dgm:sp3d/>
+    <dgm:txPr/>
+    <dgm:style>
+      <a:lnRef idx="2">
+        <a:scrgbClr r="0" g="0" b="0"/>
+      </a:lnRef>
+      <a:fillRef idx="0">
+        <a:scrgbClr r="0" g="0" b="0"/>
+      </a:fillRef>
+      <a:effectRef idx="0">
+        <a:scrgbClr r="0" g="0" b="0"/>
+      </a:effectRef>
+      <a:fontRef idx="minor"/>
+    </dgm:style>
+  </dgm:styleLbl>
+  <dgm:styleLbl name="parChTrans1D4">
+    <dgm:scene3d>
+      <a:camera prst="orthographicFront"/>
+      <a:lightRig rig="threePt" dir="t"/>
+    </dgm:scene3d>
+    <dgm:sp3d/>
+    <dgm:txPr/>
+    <dgm:style>
+      <a:lnRef idx="2">
+        <a:scrgbClr r="0" g="0" b="0"/>
+      </a:lnRef>
+      <a:fillRef idx="0">
+        <a:scrgbClr r="0" g="0" b="0"/>
+      </a:fillRef>
+      <a:effectRef idx="0">
+        <a:scrgbClr r="0" g="0" b="0"/>
+      </a:effectRef>
+      <a:fontRef idx="minor"/>
+    </dgm:style>
+  </dgm:styleLbl>
+  <dgm:styleLbl name="fgAcc1">
+    <dgm:scene3d>
+      <a:camera prst="orthographicFront"/>
+      <a:lightRig rig="threePt" dir="t"/>
+    </dgm:scene3d>
+    <dgm:sp3d/>
+    <dgm:txPr/>
+    <dgm:style>
+      <a:lnRef idx="2">
+        <a:scrgbClr r="0" g="0" b="0"/>
+      </a:lnRef>
+      <a:fillRef idx="1">
+        <a:scrgbClr r="0" g="0" b="0"/>
+      </a:fillRef>
+      <a:effectRef idx="0">
+        <a:scrgbClr r="0" g="0" b="0"/>
+      </a:effectRef>
+      <a:fontRef idx="minor"/>
+    </dgm:style>
+  </dgm:styleLbl>
+  <dgm:styleLbl name="conFgAcc1">
+    <dgm:scene3d>
+      <a:camera prst="orthographicFront"/>
+      <a:lightRig rig="threePt" dir="t"/>
+    </dgm:scene3d>
+    <dgm:sp3d/>
+    <dgm:txPr/>
+    <dgm:style>
+      <a:lnRef idx="2">
+        <a:scrgbClr r="0" g="0" b="0"/>
+      </a:lnRef>
+      <a:fillRef idx="1">
+        <a:scrgbClr r="0" g="0" b="0"/>
+      </a:fillRef>
+      <a:effectRef idx="0">
+        <a:scrgbClr r="0" g="0" b="0"/>
+      </a:effectRef>
+      <a:fontRef idx="minor"/>
+    </dgm:style>
+  </dgm:styleLbl>
+  <dgm:styleLbl name="alignAcc1">
+    <dgm:scene3d>
+      <a:camera prst="orthographicFront"/>
+      <a:lightRig rig="threePt" dir="t"/>
+    </dgm:scene3d>
+    <dgm:sp3d/>
+    <dgm:txPr/>
+    <dgm:style>
+      <a:lnRef idx="2">
+        <a:scrgbClr r="0" g="0" b="0"/>
+      </a:lnRef>
+      <a:fillRef idx="1">
+        <a:scrgbClr r="0" g="0" b="0"/>
+      </a:fillRef>
+      <a:effectRef idx="0">
+        <a:scrgbClr r="0" g="0" b="0"/>
+      </a:effectRef>
+      <a:fontRef idx="minor"/>
+    </dgm:style>
+  </dgm:styleLbl>
+  <dgm:styleLbl name="trAlignAcc1">
+    <dgm:scene3d>
+      <a:camera prst="orthographicFront"/>
+      <a:lightRig rig="threePt" dir="t"/>
+    </dgm:scene3d>
+    <dgm:sp3d/>
+    <dgm:txPr/>
+    <dgm:style>
+      <a:lnRef idx="1">
+        <a:scrgbClr r="0" g="0" b="0"/>
+      </a:lnRef>
+      <a:fillRef idx="1">
+        <a:scrgbClr r="0" g="0" b="0"/>
+      </a:fillRef>
+      <a:effectRef idx="0">
+        <a:scrgbClr r="0" g="0" b="0"/>
+      </a:effectRef>
+      <a:fontRef idx="minor"/>
+    </dgm:style>
+  </dgm:styleLbl>
+  <dgm:styleLbl name="bgAcc1">
+    <dgm:scene3d>
+      <a:camera prst="orthographicFront"/>
+      <a:lightRig rig="threePt" dir="t"/>
+    </dgm:scene3d>
+    <dgm:sp3d/>
+    <dgm:txPr/>
+    <dgm:style>
+      <a:lnRef idx="2">
+        <a:scrgbClr r="0" g="0" b="0"/>
+      </a:lnRef>
+      <a:fillRef idx="1">
+        <a:scrgbClr r="0" g="0" b="0"/>
+      </a:fillRef>
+      <a:effectRef idx="0">
+        <a:scrgbClr r="0" g="0" b="0"/>
+      </a:effectRef>
+      <a:fontRef idx="minor"/>
+    </dgm:style>
+  </dgm:styleLbl>
+  <dgm:styleLbl name="solidFgAcc1">
+    <dgm:scene3d>
+      <a:camera prst="orthographicFront"/>
+      <a:lightRig rig="threePt" dir="t"/>
+    </dgm:scene3d>
+    <dgm:sp3d/>
+    <dgm:txPr/>
+    <dgm:style>
+      <a:lnRef idx="2">
+        <a:scrgbClr r="0" g="0" b="0"/>
+      </a:lnRef>
+      <a:fillRef idx="1">
+        <a:scrgbClr r="0" g="0" b="0"/>
+      </a:fillRef>
+      <a:effectRef idx="0">
+        <a:scrgbClr r="0" g="0" b="0"/>
+      </a:effectRef>
+      <a:fontRef idx="minor"/>
+    </dgm:style>
+  </dgm:styleLbl>
+  <dgm:styleLbl name="solidAlignAcc1">
+    <dgm:scene3d>
+      <a:camera prst="orthographicFront"/>
+      <a:lightRig rig="threePt" dir="t"/>
+    </dgm:scene3d>
+    <dgm:sp3d/>
+    <dgm:txPr/>
+    <dgm:style>
+      <a:lnRef idx="2">
+        <a:scrgbClr r="0" g="0" b="0"/>
+      </a:lnRef>
+      <a:fillRef idx="1">
+        <a:scrgbClr r="0" g="0" b="0"/>
+      </a:fillRef>
+      <a:effectRef idx="0">
+        <a:scrgbClr r="0" g="0" b="0"/>
+      </a:effectRef>
+      <a:fontRef idx="minor"/>
+    </dgm:style>
+  </dgm:styleLbl>
+  <dgm:styleLbl name="solidBgAcc1">
+    <dgm:scene3d>
+      <a:camera prst="orthographicFront"/>
+      <a:lightRig rig="threePt" dir="t"/>
+    </dgm:scene3d>
+    <dgm:sp3d/>
+    <dgm:txPr/>
+    <dgm:style>
+      <a:lnRef idx="2">
+        <a:scrgbClr r="0" g="0" b="0"/>
+      </a:lnRef>
+      <a:fillRef idx="1">
+        <a:scrgbClr r="0" g="0" b="0"/>
+      </a:fillRef>
+      <a:effectRef idx="0">
+        <a:scrgbClr r="0" g="0" b="0"/>
+      </a:effectRef>
+      <a:fontRef idx="minor"/>
+    </dgm:style>
+  </dgm:styleLbl>
+  <dgm:styleLbl name="fgAccFollowNode1">
+    <dgm:scene3d>
+      <a:camera prst="orthographicFront"/>
+      <a:lightRig rig="threePt" dir="t"/>
+    </dgm:scene3d>
+    <dgm:sp3d/>
+    <dgm:txPr/>
+    <dgm:style>
+      <a:lnRef idx="2">
+        <a:scrgbClr r="0" g="0" b="0"/>
+      </a:lnRef>
+      <a:fillRef idx="1">
+        <a:scrgbClr r="0" g="0" b="0"/>
+      </a:fillRef>
+      <a:effectRef idx="0">
+        <a:scrgbClr r="0" g="0" b="0"/>
+      </a:effectRef>
+      <a:fontRef idx="minor"/>
+    </dgm:style>
+  </dgm:styleLbl>
+  <dgm:styleLbl name="alignAccFollowNode1">
+    <dgm:scene3d>
+      <a:camera prst="orthographicFront"/>
+      <a:lightRig rig="threePt" dir="t"/>
+    </dgm:scene3d>
+    <dgm:sp3d/>
+    <dgm:txPr/>
+    <dgm:style>
+      <a:lnRef idx="2">
+        <a:scrgbClr r="0" g="0" b="0"/>
+      </a:lnRef>
+      <a:fillRef idx="1">
+        <a:scrgbClr r="0" g="0" b="0"/>
+      </a:fillRef>
+      <a:effectRef idx="0">
+        <a:scrgbClr r="0" g="0" b="0"/>
+      </a:effectRef>
+      <a:fontRef idx="minor"/>
+    </dgm:style>
+  </dgm:styleLbl>
+  <dgm:styleLbl name="bgAccFollowNode1">
+    <dgm:scene3d>
+      <a:camera prst="orthographicFront"/>
+      <a:lightRig rig="threePt" dir="t"/>
+    </dgm:scene3d>
+    <dgm:sp3d/>
+    <dgm:txPr/>
+    <dgm:style>
+      <a:lnRef idx="2">
+        <a:scrgbClr r="0" g="0" b="0"/>
+      </a:lnRef>
+      <a:fillRef idx="1">
+        <a:scrgbClr r="0" g="0" b="0"/>
+      </a:fillRef>
+      <a:effectRef idx="0">
+        <a:scrgbClr r="0" g="0" b="0"/>
+      </a:effectRef>
+      <a:fontRef idx="minor"/>
+    </dgm:style>
+  </dgm:styleLbl>
+  <dgm:styleLbl name="fgAcc0">
+    <dgm:scene3d>
+      <a:camera prst="orthographicFront"/>
+      <a:lightRig rig="threePt" dir="t"/>
+    </dgm:scene3d>
+    <dgm:sp3d/>
+    <dgm:txPr/>
+    <dgm:style>
+      <a:lnRef idx="2">
+        <a:scrgbClr r="0" g="0" b="0"/>
+      </a:lnRef>
+      <a:fillRef idx="1">
+        <a:scrgbClr r="0" g="0" b="0"/>
+      </a:fillRef>
+      <a:effectRef idx="0">
+        <a:scrgbClr r="0" g="0" b="0"/>
+      </a:effectRef>
+      <a:fontRef idx="minor"/>
+    </dgm:style>
+  </dgm:styleLbl>
+  <dgm:styleLbl name="fgAcc2">
+    <dgm:scene3d>
+      <a:camera prst="orthographicFront"/>
+      <a:lightRig rig="threePt" dir="t"/>
+    </dgm:scene3d>
+    <dgm:sp3d/>
+    <dgm:txPr/>
+    <dgm:style>
+      <a:lnRef idx="2">
+        <a:scrgbClr r="0" g="0" b="0"/>
+      </a:lnRef>
+      <a:fillRef idx="1">
+        <a:scrgbClr r="0" g="0" b="0"/>
+      </a:fillRef>
+      <a:effectRef idx="0">
+        <a:scrgbClr r="0" g="0" b="0"/>
+      </a:effectRef>
+      <a:fontRef idx="minor"/>
+    </dgm:style>
+  </dgm:styleLbl>
+  <dgm:styleLbl name="fgAcc3">
+    <dgm:scene3d>
+      <a:camera prst="orthographicFront"/>
+      <a:lightRig rig="threePt" dir="t"/>
+    </dgm:scene3d>
+    <dgm:sp3d/>
+    <dgm:txPr/>
+    <dgm:style>
+      <a:lnRef idx="2">
+        <a:scrgbClr r="0" g="0" b="0"/>
+      </a:lnRef>
+      <a:fillRef idx="1">
+        <a:scrgbClr r="0" g="0" b="0"/>
+      </a:fillRef>
+      <a:effectRef idx="0">
+        <a:scrgbClr r="0" g="0" b="0"/>
+      </a:effectRef>
+      <a:fontRef idx="minor"/>
+    </dgm:style>
+  </dgm:styleLbl>
+  <dgm:styleLbl name="fgAcc4">
+    <dgm:scene3d>
+      <a:camera prst="orthographicFront"/>
+      <a:lightRig rig="threePt" dir="t"/>
+    </dgm:scene3d>
+    <dgm:sp3d/>
+    <dgm:txPr/>
+    <dgm:style>
+      <a:lnRef idx="2">
+        <a:scrgbClr r="0" g="0" b="0"/>
+      </a:lnRef>
+      <a:fillRef idx="1">
+        <a:scrgbClr r="0" g="0" b="0"/>
+      </a:fillRef>
+      <a:effectRef idx="0">
+        <a:scrgbClr r="0" g="0" b="0"/>
+      </a:effectRef>
+      <a:fontRef idx="minor"/>
+    </dgm:style>
+  </dgm:styleLbl>
+  <dgm:styleLbl name="bgShp">
+    <dgm:scene3d>
+      <a:camera prst="orthographicFront"/>
+      <a:lightRig rig="threePt" dir="t"/>
+    </dgm:scene3d>
+    <dgm:sp3d/>
+    <dgm:txPr/>
+    <dgm:style>
+      <a:lnRef idx="0">
+        <a:scrgbClr r="0" g="0" b="0"/>
+      </a:lnRef>
+      <a:fillRef idx="1">
+        <a:scrgbClr r="0" g="0" b="0"/>
+      </a:fillRef>
+      <a:effectRef idx="0">
+        <a:scrgbClr r="0" g="0" b="0"/>
+      </a:effectRef>
+      <a:fontRef idx="minor"/>
+    </dgm:style>
+  </dgm:styleLbl>
+  <dgm:styleLbl name="dkBgShp">
+    <dgm:scene3d>
+      <a:camera prst="orthographicFront"/>
+      <a:lightRig rig="threePt" dir="t"/>
+    </dgm:scene3d>
+    <dgm:sp3d/>
+    <dgm:txPr/>
+    <dgm:style>
+      <a:lnRef idx="0">
+        <a:scrgbClr r="0" g="0" b="0"/>
+      </a:lnRef>
+      <a:fillRef idx="1">
+        <a:scrgbClr r="0" g="0" b="0"/>
+      </a:fillRef>
+      <a:effectRef idx="0">
+        <a:scrgbClr r="0" g="0" b="0"/>
+      </a:effectRef>
+      <a:fontRef idx="minor"/>
+    </dgm:style>
+  </dgm:styleLbl>
+  <dgm:styleLbl name="trBgShp">
+    <dgm:scene3d>
+      <a:camera prst="orthographicFront"/>
+      <a:lightRig rig="threePt" dir="t"/>
+    </dgm:scene3d>
+    <dgm:sp3d/>
+    <dgm:txPr/>
+    <dgm:style>
+      <a:lnRef idx="0">
+        <a:scrgbClr r="0" g="0" b="0"/>
+      </a:lnRef>
+      <a:fillRef idx="1">
+        <a:scrgbClr r="0" g="0" b="0"/>
+      </a:fillRef>
+      <a:effectRef idx="0">
+        <a:scrgbClr r="0" g="0" b="0"/>
+      </a:effectRef>
+      <a:fontRef idx="minor"/>
+    </dgm:style>
+  </dgm:styleLbl>
+  <dgm:styleLbl name="fgShp">
+    <dgm:scene3d>
+      <a:camera prst="orthographicFront"/>
+      <a:lightRig rig="threePt" dir="t"/>
+    </dgm:scene3d>
+    <dgm:sp3d/>
+    <dgm:txPr/>
+    <dgm:style>
+      <a:lnRef idx="2">
+        <a:scrgbClr r="0" g="0" b="0"/>
+      </a:lnRef>
+      <a:fillRef idx="1">
+        <a:scrgbClr r="0" g="0" b="0"/>
+      </a:fillRef>
+      <a:effectRef idx="0">
+        <a:scrgbClr r="0" g="0" b="0"/>
+      </a:effectRef>
+      <a:fontRef idx="minor"/>
+    </dgm:style>
+  </dgm:styleLbl>
+  <dgm:styleLbl name="revTx">
+    <dgm:scene3d>
+      <a:camera prst="orthographicFront"/>
+      <a:lightRig rig="threePt" dir="t"/>
+    </dgm:scene3d>
+    <dgm:sp3d/>
+    <dgm:txPr/>
+    <dgm:style>
+      <a:lnRef idx="0">
+        <a:scrgbClr r="0" g="0" b="0"/>
+      </a:lnRef>
+      <a:fillRef idx="0">
+        <a:scrgbClr r="0" g="0" b="0"/>
+      </a:fillRef>
+      <a:effectRef idx="0">
+        <a:scrgbClr r="0" g="0" b="0"/>
+      </a:effectRef>
+      <a:fontRef idx="minor"/>
+    </dgm:style>
+  </dgm:styleLbl>
+</dgm:styleDef>
 </file>
 
 <file path=ppt/slideLayouts/slideLayout1.xml><?xml version="1.0" encoding="utf-8"?>
@@ -3027,6 +7192,13 @@
   <p:clrMapOvr>
     <a:masterClrMapping/>
   </p:clrMapOvr>
+  <p:timing>
+    <p:tnLst>
+      <p:par>
+        <p:cTn id="1" dur="indefinite" restart="never" nodeType="tmRoot"/>
+      </p:par>
+    </p:tnLst>
+  </p:timing>
 </p:sld>
 </file>
 
@@ -3396,6 +7568,1313 @@
   <p:clrMapOvr>
     <a:masterClrMapping/>
   </p:clrMapOvr>
+  <p:timing>
+    <p:tnLst>
+      <p:par>
+        <p:cTn id="1" dur="indefinite" restart="never" nodeType="tmRoot"/>
+      </p:par>
+    </p:tnLst>
+  </p:timing>
+</p:sld>
+</file>
+
+<file path=ppt/slides/slide3.xml><?xml version="1.0" encoding="utf-8"?>
+<p:sld xmlns:a="http://schemas.openxmlformats.org/drawingml/2006/main" xmlns:r="http://schemas.openxmlformats.org/officeDocument/2006/relationships" xmlns:p="http://schemas.openxmlformats.org/presentationml/2006/main">
+  <p:cSld>
+    <p:spTree>
+      <p:nvGrpSpPr>
+        <p:cNvPr id="1" name=""/>
+        <p:cNvGrpSpPr/>
+        <p:nvPr/>
+      </p:nvGrpSpPr>
+      <p:grpSpPr>
+        <a:xfrm>
+          <a:off x="0" y="0"/>
+          <a:ext cx="0" cy="0"/>
+          <a:chOff x="0" y="0"/>
+          <a:chExt cx="0" cy="0"/>
+        </a:xfrm>
+      </p:grpSpPr>
+      <p:sp>
+        <p:nvSpPr>
+          <p:cNvPr id="2" name="Title 1"/>
+          <p:cNvSpPr>
+            <a:spLocks noGrp="1"/>
+          </p:cNvSpPr>
+          <p:nvPr>
+            <p:ph type="title"/>
+          </p:nvPr>
+        </p:nvSpPr>
+        <p:spPr>
+          <a:xfrm>
+            <a:off x="124326" y="112295"/>
+            <a:ext cx="5318531" cy="720141"/>
+          </a:xfrm>
+        </p:spPr>
+        <p:txBody>
+          <a:bodyPr/>
+          <a:lstStyle/>
+          <a:p>
+            <a:r>
+              <a:rPr lang="en-US" dirty="0" smtClean="0"/>
+              <a:t>Settings: DAQ::Params</a:t>
+            </a:r>
+            <a:endParaRPr lang="en-US" dirty="0"/>
+          </a:p>
+        </p:txBody>
+      </p:sp>
+      <p:sp>
+        <p:nvSpPr>
+          <p:cNvPr id="12" name="TextBox 11"/>
+          <p:cNvSpPr txBox="1"/>
+          <p:nvPr/>
+        </p:nvSpPr>
+        <p:spPr>
+          <a:xfrm>
+            <a:off x="574222" y="1833216"/>
+            <a:ext cx="3962398" cy="2585323"/>
+          </a:xfrm>
+          <a:prstGeom prst="rect">
+            <a:avLst/>
+          </a:prstGeom>
+          <a:noFill/>
+        </p:spPr>
+        <p:txBody>
+          <a:bodyPr wrap="square" rtlCol="0">
+            <a:spAutoFit/>
+          </a:bodyPr>
+          <a:lstStyle/>
+          <a:p>
+            <a:pPr defTabSz="274320"/>
+            <a:r>
+              <a:rPr lang="en-US" dirty="0" smtClean="0"/>
+              <a:t>// Schematic – records &lt;&gt; editor tabs</a:t>
+            </a:r>
+          </a:p>
+          <a:p>
+            <a:pPr defTabSz="274320"/>
+            <a:endParaRPr lang="en-US" dirty="0" smtClean="0"/>
+          </a:p>
+          <a:p>
+            <a:pPr defTabSz="274320"/>
+            <a:r>
+              <a:rPr lang="en-US" dirty="0" err="1" smtClean="0"/>
+              <a:t>struct</a:t>
+            </a:r>
+            <a:r>
+              <a:rPr lang="en-US" dirty="0" smtClean="0"/>
+              <a:t> </a:t>
+            </a:r>
+            <a:r>
+              <a:rPr lang="en-US" dirty="0"/>
+              <a:t>Params </a:t>
+            </a:r>
+            <a:r>
+              <a:rPr lang="en-US" dirty="0" smtClean="0"/>
+              <a:t>{</a:t>
+            </a:r>
+          </a:p>
+          <a:p>
+            <a:pPr defTabSz="274320"/>
+            <a:r>
+              <a:rPr lang="en-US" dirty="0" smtClean="0"/>
+              <a:t>	</a:t>
+            </a:r>
+            <a:r>
+              <a:rPr lang="en-US" dirty="0" err="1" smtClean="0"/>
+              <a:t>CimCfg</a:t>
+            </a:r>
+            <a:r>
+              <a:rPr lang="en-US" dirty="0" smtClean="0"/>
+              <a:t>		</a:t>
+            </a:r>
+            <a:r>
+              <a:rPr lang="en-US" dirty="0" err="1" smtClean="0"/>
+              <a:t>im</a:t>
+            </a:r>
+            <a:r>
+              <a:rPr lang="en-US" dirty="0" smtClean="0"/>
+              <a:t>;	// imec stream</a:t>
+            </a:r>
+          </a:p>
+          <a:p>
+            <a:pPr defTabSz="274320"/>
+            <a:r>
+              <a:rPr lang="en-US" dirty="0"/>
+              <a:t>	</a:t>
+            </a:r>
+            <a:r>
+              <a:rPr lang="en-US" dirty="0" err="1" smtClean="0"/>
+              <a:t>CniCfg</a:t>
+            </a:r>
+            <a:r>
+              <a:rPr lang="en-US" dirty="0" smtClean="0"/>
+              <a:t>		</a:t>
+            </a:r>
+            <a:r>
+              <a:rPr lang="en-US" dirty="0" err="1" smtClean="0"/>
+              <a:t>ni</a:t>
+            </a:r>
+            <a:r>
+              <a:rPr lang="en-US" dirty="0" smtClean="0"/>
+              <a:t>;		// </a:t>
+            </a:r>
+            <a:r>
+              <a:rPr lang="en-US" dirty="0" err="1" smtClean="0"/>
+              <a:t>nidq</a:t>
+            </a:r>
+            <a:r>
+              <a:rPr lang="en-US" dirty="0" smtClean="0"/>
+              <a:t> stream</a:t>
+            </a:r>
+          </a:p>
+          <a:p>
+            <a:pPr defTabSz="274320"/>
+            <a:r>
+              <a:rPr lang="en-US" dirty="0" smtClean="0"/>
+              <a:t>	Trigger		</a:t>
+            </a:r>
+            <a:r>
+              <a:rPr lang="en-US" dirty="0" err="1" smtClean="0"/>
+              <a:t>trg</a:t>
+            </a:r>
+            <a:r>
+              <a:rPr lang="en-US" dirty="0" smtClean="0"/>
+              <a:t>;</a:t>
+            </a:r>
+          </a:p>
+          <a:p>
+            <a:pPr defTabSz="274320"/>
+            <a:r>
+              <a:rPr lang="en-US" dirty="0" smtClean="0"/>
+              <a:t>	Gate			gate;</a:t>
+            </a:r>
+          </a:p>
+          <a:p>
+            <a:pPr defTabSz="274320"/>
+            <a:r>
+              <a:rPr lang="en-US" dirty="0"/>
+              <a:t>	</a:t>
+            </a:r>
+            <a:r>
+              <a:rPr lang="en-US" dirty="0" err="1" smtClean="0"/>
+              <a:t>SeeNSave</a:t>
+            </a:r>
+            <a:r>
+              <a:rPr lang="en-US" dirty="0" smtClean="0"/>
+              <a:t>	</a:t>
+            </a:r>
+            <a:r>
+              <a:rPr lang="en-US" dirty="0" err="1" smtClean="0"/>
+              <a:t>sns</a:t>
+            </a:r>
+            <a:r>
+              <a:rPr lang="en-US" dirty="0" smtClean="0"/>
+              <a:t>;</a:t>
+            </a:r>
+          </a:p>
+          <a:p>
+            <a:pPr defTabSz="274320"/>
+            <a:r>
+              <a:rPr lang="en-US" dirty="0">
+                <a:latin typeface="Courier New" panose="02070309020205020404" pitchFamily="49" charset="0"/>
+                <a:cs typeface="Courier New" panose="02070309020205020404" pitchFamily="49" charset="0"/>
+              </a:rPr>
+              <a:t>}</a:t>
+            </a:r>
+          </a:p>
+        </p:txBody>
+      </p:sp>
+      <p:sp>
+        <p:nvSpPr>
+          <p:cNvPr id="26" name="TextBox 25"/>
+          <p:cNvSpPr txBox="1"/>
+          <p:nvPr/>
+        </p:nvSpPr>
+        <p:spPr>
+          <a:xfrm>
+            <a:off x="6950522" y="5757770"/>
+            <a:ext cx="3690259" cy="646331"/>
+          </a:xfrm>
+          <a:prstGeom prst="rect">
+            <a:avLst/>
+          </a:prstGeom>
+          <a:noFill/>
+        </p:spPr>
+        <p:txBody>
+          <a:bodyPr wrap="square" rtlCol="0">
+            <a:spAutoFit/>
+          </a:bodyPr>
+          <a:lstStyle/>
+          <a:p>
+            <a:r>
+              <a:rPr lang="en-US" sz="3600" dirty="0" smtClean="0"/>
+              <a:t>Settings lifecycle</a:t>
+            </a:r>
+            <a:endParaRPr lang="en-US" sz="3600" dirty="0"/>
+          </a:p>
+        </p:txBody>
+      </p:sp>
+      <p:sp>
+        <p:nvSpPr>
+          <p:cNvPr id="58" name="TextBox 57"/>
+          <p:cNvSpPr txBox="1"/>
+          <p:nvPr/>
+        </p:nvSpPr>
+        <p:spPr>
+          <a:xfrm>
+            <a:off x="574222" y="5005614"/>
+            <a:ext cx="3962398" cy="369332"/>
+          </a:xfrm>
+          <a:prstGeom prst="rect">
+            <a:avLst/>
+          </a:prstGeom>
+          <a:noFill/>
+        </p:spPr>
+        <p:txBody>
+          <a:bodyPr wrap="square" rtlCol="0">
+            <a:spAutoFit/>
+          </a:bodyPr>
+          <a:lstStyle/>
+          <a:p>
+            <a:r>
+              <a:rPr lang="en-US" i="1" dirty="0" smtClean="0">
+                <a:solidFill>
+                  <a:srgbClr val="00B0F0"/>
+                </a:solidFill>
+              </a:rPr>
+              <a:t>Working set &amp; disk copies always valid</a:t>
+            </a:r>
+            <a:endParaRPr lang="en-US" i="1" dirty="0">
+              <a:solidFill>
+                <a:srgbClr val="00B0F0"/>
+              </a:solidFill>
+            </a:endParaRPr>
+          </a:p>
+        </p:txBody>
+      </p:sp>
+      <p:graphicFrame>
+        <p:nvGraphicFramePr>
+          <p:cNvPr id="112" name="Diagram 111"/>
+          <p:cNvGraphicFramePr/>
+          <p:nvPr>
+            <p:extLst>
+              <p:ext uri="{D42A27DB-BD31-4B8C-83A1-F6EECF244321}">
+                <p14:modId xmlns:p14="http://schemas.microsoft.com/office/powerpoint/2010/main" val="86405848"/>
+              </p:ext>
+            </p:extLst>
+          </p:nvPr>
+        </p:nvGraphicFramePr>
+        <p:xfrm>
+          <a:off x="5254362" y="410151"/>
+          <a:ext cx="6556638" cy="5049763"/>
+        </p:xfrm>
+        <a:graphic>
+          <a:graphicData uri="http://schemas.openxmlformats.org/drawingml/2006/diagram">
+            <dgm:relIds xmlns:dgm="http://schemas.openxmlformats.org/drawingml/2006/diagram" xmlns:r="http://schemas.openxmlformats.org/officeDocument/2006/relationships" r:dm="rId2" r:lo="rId3" r:qs="rId4" r:cs="rId5"/>
+          </a:graphicData>
+        </a:graphic>
+      </p:graphicFrame>
+    </p:spTree>
+    <p:extLst>
+      <p:ext uri="{BB962C8B-B14F-4D97-AF65-F5344CB8AC3E}">
+        <p14:creationId xmlns:p14="http://schemas.microsoft.com/office/powerpoint/2010/main" val="2540635329"/>
+      </p:ext>
+    </p:extLst>
+  </p:cSld>
+  <p:clrMapOvr>
+    <a:masterClrMapping/>
+  </p:clrMapOvr>
+  <p:timing>
+    <p:tnLst>
+      <p:par>
+        <p:cTn id="1" dur="indefinite" restart="never" nodeType="tmRoot"/>
+      </p:par>
+    </p:tnLst>
+  </p:timing>
+</p:sld>
+</file>
+
+<file path=ppt/slides/slide4.xml><?xml version="1.0" encoding="utf-8"?>
+<p:sld xmlns:a="http://schemas.openxmlformats.org/drawingml/2006/main" xmlns:r="http://schemas.openxmlformats.org/officeDocument/2006/relationships" xmlns:p="http://schemas.openxmlformats.org/presentationml/2006/main">
+  <p:cSld>
+    <p:spTree>
+      <p:nvGrpSpPr>
+        <p:cNvPr id="1" name=""/>
+        <p:cNvGrpSpPr/>
+        <p:nvPr/>
+      </p:nvGrpSpPr>
+      <p:grpSpPr>
+        <a:xfrm>
+          <a:off x="0" y="0"/>
+          <a:ext cx="0" cy="0"/>
+          <a:chOff x="0" y="0"/>
+          <a:chExt cx="0" cy="0"/>
+        </a:xfrm>
+      </p:grpSpPr>
+      <p:sp>
+        <p:nvSpPr>
+          <p:cNvPr id="5" name="Title 4"/>
+          <p:cNvSpPr>
+            <a:spLocks noGrp="1"/>
+          </p:cNvSpPr>
+          <p:nvPr>
+            <p:ph type="title"/>
+          </p:nvPr>
+        </p:nvSpPr>
+        <p:spPr>
+          <a:xfrm>
+            <a:off x="141514" y="138385"/>
+            <a:ext cx="10199914" cy="640715"/>
+          </a:xfrm>
+        </p:spPr>
+        <p:txBody>
+          <a:bodyPr>
+            <a:normAutofit fontScale="90000"/>
+          </a:bodyPr>
+          <a:lstStyle/>
+          <a:p>
+            <a:r>
+              <a:rPr lang="en-US" dirty="0" smtClean="0"/>
+              <a:t>Components of a Stream, one per Sample Rate</a:t>
+            </a:r>
+            <a:endParaRPr lang="en-US" dirty="0"/>
+          </a:p>
+        </p:txBody>
+      </p:sp>
+      <p:sp>
+        <p:nvSpPr>
+          <p:cNvPr id="3" name="Flowchart: Alternate Process 2"/>
+          <p:cNvSpPr/>
+          <p:nvPr/>
+        </p:nvSpPr>
+        <p:spPr>
+          <a:xfrm>
+            <a:off x="3102429" y="1366157"/>
+            <a:ext cx="1828800" cy="685800"/>
+          </a:xfrm>
+          <a:prstGeom prst="flowChartAlternateProcess">
+            <a:avLst/>
+          </a:prstGeom>
+          <a:solidFill>
+            <a:schemeClr val="tx2">
+              <a:lumMod val="20000"/>
+              <a:lumOff val="80000"/>
+            </a:schemeClr>
+          </a:solidFill>
+        </p:spPr>
+        <p:style>
+          <a:lnRef idx="2">
+            <a:schemeClr val="accent1">
+              <a:shade val="50000"/>
+            </a:schemeClr>
+          </a:lnRef>
+          <a:fillRef idx="1">
+            <a:schemeClr val="accent1"/>
+          </a:fillRef>
+          <a:effectRef idx="0">
+            <a:schemeClr val="accent1"/>
+          </a:effectRef>
+          <a:fontRef idx="minor">
+            <a:schemeClr val="lt1"/>
+          </a:fontRef>
+        </p:style>
+        <p:txBody>
+          <a:bodyPr lIns="45720" rIns="45720" rtlCol="0" anchor="ctr"/>
+          <a:lstStyle/>
+          <a:p>
+            <a:pPr algn="ctr"/>
+            <a:r>
+              <a:rPr lang="en-US" dirty="0" smtClean="0">
+                <a:solidFill>
+                  <a:schemeClr val="tx1"/>
+                </a:solidFill>
+              </a:rPr>
+              <a:t>Simulated Reader</a:t>
+            </a:r>
+            <a:endParaRPr lang="en-US" dirty="0">
+              <a:solidFill>
+                <a:schemeClr val="tx1"/>
+              </a:solidFill>
+            </a:endParaRPr>
+          </a:p>
+        </p:txBody>
+      </p:sp>
+      <p:sp>
+        <p:nvSpPr>
+          <p:cNvPr id="4" name="Flowchart: Alternate Process 3"/>
+          <p:cNvSpPr/>
+          <p:nvPr/>
+        </p:nvSpPr>
+        <p:spPr>
+          <a:xfrm>
+            <a:off x="1125039" y="1366157"/>
+            <a:ext cx="1828800" cy="685800"/>
+          </a:xfrm>
+          <a:prstGeom prst="flowChartAlternateProcess">
+            <a:avLst/>
+          </a:prstGeom>
+          <a:solidFill>
+            <a:schemeClr val="tx2">
+              <a:lumMod val="20000"/>
+              <a:lumOff val="80000"/>
+            </a:schemeClr>
+          </a:solidFill>
+        </p:spPr>
+        <p:style>
+          <a:lnRef idx="2">
+            <a:schemeClr val="accent1">
+              <a:shade val="50000"/>
+            </a:schemeClr>
+          </a:lnRef>
+          <a:fillRef idx="1">
+            <a:schemeClr val="accent1"/>
+          </a:fillRef>
+          <a:effectRef idx="0">
+            <a:schemeClr val="accent1"/>
+          </a:effectRef>
+          <a:fontRef idx="minor">
+            <a:schemeClr val="lt1"/>
+          </a:fontRef>
+        </p:style>
+        <p:txBody>
+          <a:bodyPr lIns="45720" rIns="45720" rtlCol="0" anchor="ctr"/>
+          <a:lstStyle/>
+          <a:p>
+            <a:pPr algn="ctr"/>
+            <a:r>
+              <a:rPr lang="en-US" dirty="0" smtClean="0">
+                <a:solidFill>
+                  <a:schemeClr val="tx1"/>
+                </a:solidFill>
+              </a:rPr>
+              <a:t>Hardware Reader</a:t>
+            </a:r>
+            <a:endParaRPr lang="en-US" dirty="0">
+              <a:solidFill>
+                <a:schemeClr val="tx1"/>
+              </a:solidFill>
+            </a:endParaRPr>
+          </a:p>
+        </p:txBody>
+      </p:sp>
+      <p:sp>
+        <p:nvSpPr>
+          <p:cNvPr id="6" name="Flowchart: Alternate Process 5"/>
+          <p:cNvSpPr/>
+          <p:nvPr/>
+        </p:nvSpPr>
+        <p:spPr>
+          <a:xfrm>
+            <a:off x="2245179" y="2699657"/>
+            <a:ext cx="7410450" cy="685800"/>
+          </a:xfrm>
+          <a:prstGeom prst="flowChartAlternateProcess">
+            <a:avLst/>
+          </a:prstGeom>
+          <a:solidFill>
+            <a:schemeClr val="tx2">
+              <a:lumMod val="20000"/>
+              <a:lumOff val="80000"/>
+            </a:schemeClr>
+          </a:solidFill>
+        </p:spPr>
+        <p:style>
+          <a:lnRef idx="2">
+            <a:schemeClr val="accent1">
+              <a:shade val="50000"/>
+            </a:schemeClr>
+          </a:lnRef>
+          <a:fillRef idx="1">
+            <a:schemeClr val="accent1"/>
+          </a:fillRef>
+          <a:effectRef idx="0">
+            <a:schemeClr val="accent1"/>
+          </a:effectRef>
+          <a:fontRef idx="minor">
+            <a:schemeClr val="lt1"/>
+          </a:fontRef>
+        </p:style>
+        <p:txBody>
+          <a:bodyPr rtlCol="0" anchor="ctr"/>
+          <a:lstStyle/>
+          <a:p>
+            <a:r>
+              <a:rPr lang="en-US" dirty="0" smtClean="0">
+                <a:solidFill>
+                  <a:schemeClr val="tx1"/>
+                </a:solidFill>
+              </a:rPr>
+              <a:t>AIQ Data Stream (30 sec)</a:t>
+            </a:r>
+            <a:endParaRPr lang="en-US" dirty="0">
+              <a:solidFill>
+                <a:schemeClr val="tx1"/>
+              </a:solidFill>
+            </a:endParaRPr>
+          </a:p>
+        </p:txBody>
+      </p:sp>
+      <p:cxnSp>
+        <p:nvCxnSpPr>
+          <p:cNvPr id="7" name="Straight Arrow Connector 6"/>
+          <p:cNvCxnSpPr/>
+          <p:nvPr/>
+        </p:nvCxnSpPr>
+        <p:spPr>
+          <a:xfrm>
+            <a:off x="2154691" y="2166257"/>
+            <a:ext cx="323850" cy="457200"/>
+          </a:xfrm>
+          <a:prstGeom prst="straightConnector1">
+            <a:avLst/>
+          </a:prstGeom>
+          <a:ln w="19050">
+            <a:tailEnd type="arrow"/>
+          </a:ln>
+        </p:spPr>
+        <p:style>
+          <a:lnRef idx="1">
+            <a:schemeClr val="dk1"/>
+          </a:lnRef>
+          <a:fillRef idx="0">
+            <a:schemeClr val="dk1"/>
+          </a:fillRef>
+          <a:effectRef idx="0">
+            <a:schemeClr val="dk1"/>
+          </a:effectRef>
+          <a:fontRef idx="minor">
+            <a:schemeClr val="tx1"/>
+          </a:fontRef>
+        </p:style>
+      </p:cxnSp>
+      <p:cxnSp>
+        <p:nvCxnSpPr>
+          <p:cNvPr id="8" name="Straight Arrow Connector 7"/>
+          <p:cNvCxnSpPr/>
+          <p:nvPr/>
+        </p:nvCxnSpPr>
+        <p:spPr>
+          <a:xfrm flipH="1">
+            <a:off x="2478541" y="2156731"/>
+            <a:ext cx="1000126" cy="466725"/>
+          </a:xfrm>
+          <a:prstGeom prst="straightConnector1">
+            <a:avLst/>
+          </a:prstGeom>
+          <a:ln w="19050">
+            <a:tailEnd type="arrow"/>
+          </a:ln>
+        </p:spPr>
+        <p:style>
+          <a:lnRef idx="1">
+            <a:schemeClr val="dk1"/>
+          </a:lnRef>
+          <a:fillRef idx="0">
+            <a:schemeClr val="dk1"/>
+          </a:fillRef>
+          <a:effectRef idx="0">
+            <a:schemeClr val="dk1"/>
+          </a:effectRef>
+          <a:fontRef idx="minor">
+            <a:schemeClr val="tx1"/>
+          </a:fontRef>
+        </p:style>
+      </p:cxnSp>
+      <p:grpSp>
+        <p:nvGrpSpPr>
+          <p:cNvPr id="9" name="Group 8"/>
+          <p:cNvGrpSpPr/>
+          <p:nvPr/>
+        </p:nvGrpSpPr>
+        <p:grpSpPr>
+          <a:xfrm>
+            <a:off x="1502229" y="3537857"/>
+            <a:ext cx="1828800" cy="2346960"/>
+            <a:chOff x="457200" y="3276600"/>
+            <a:chExt cx="1828800" cy="2346960"/>
+          </a:xfrm>
+        </p:grpSpPr>
+        <p:grpSp>
+          <p:nvGrpSpPr>
+            <p:cNvPr id="10" name="Group 9"/>
+            <p:cNvGrpSpPr/>
+            <p:nvPr/>
+          </p:nvGrpSpPr>
+          <p:grpSpPr>
+            <a:xfrm>
+              <a:off x="457200" y="4495800"/>
+              <a:ext cx="1828800" cy="1127760"/>
+              <a:chOff x="457200" y="4587240"/>
+              <a:chExt cx="1828800" cy="1127760"/>
+            </a:xfrm>
+          </p:grpSpPr>
+          <p:cxnSp>
+            <p:nvCxnSpPr>
+              <p:cNvPr id="14" name="Straight Arrow Connector 13"/>
+              <p:cNvCxnSpPr/>
+              <p:nvPr/>
+            </p:nvCxnSpPr>
+            <p:spPr>
+              <a:xfrm>
+                <a:off x="1371600" y="4587240"/>
+                <a:ext cx="0" cy="365760"/>
+              </a:xfrm>
+              <a:prstGeom prst="straightConnector1">
+                <a:avLst/>
+              </a:prstGeom>
+              <a:ln w="19050">
+                <a:tailEnd type="arrow"/>
+              </a:ln>
+            </p:spPr>
+            <p:style>
+              <a:lnRef idx="1">
+                <a:schemeClr val="dk1"/>
+              </a:lnRef>
+              <a:fillRef idx="0">
+                <a:schemeClr val="dk1"/>
+              </a:fillRef>
+              <a:effectRef idx="0">
+                <a:schemeClr val="dk1"/>
+              </a:effectRef>
+              <a:fontRef idx="minor">
+                <a:schemeClr val="tx1"/>
+              </a:fontRef>
+            </p:style>
+          </p:cxnSp>
+          <p:sp>
+            <p:nvSpPr>
+              <p:cNvPr id="15" name="Flowchart: Alternate Process 14"/>
+              <p:cNvSpPr/>
+              <p:nvPr/>
+            </p:nvSpPr>
+            <p:spPr>
+              <a:xfrm>
+                <a:off x="457200" y="5029200"/>
+                <a:ext cx="1828800" cy="685800"/>
+              </a:xfrm>
+              <a:prstGeom prst="flowChartAlternateProcess">
+                <a:avLst/>
+              </a:prstGeom>
+              <a:solidFill>
+                <a:schemeClr val="tx2">
+                  <a:lumMod val="20000"/>
+                  <a:lumOff val="80000"/>
+                </a:schemeClr>
+              </a:solidFill>
+            </p:spPr>
+            <p:style>
+              <a:lnRef idx="2">
+                <a:schemeClr val="accent1">
+                  <a:shade val="50000"/>
+                </a:schemeClr>
+              </a:lnRef>
+              <a:fillRef idx="1">
+                <a:schemeClr val="accent1"/>
+              </a:fillRef>
+              <a:effectRef idx="0">
+                <a:schemeClr val="accent1"/>
+              </a:effectRef>
+              <a:fontRef idx="minor">
+                <a:schemeClr val="lt1"/>
+              </a:fontRef>
+            </p:style>
+            <p:txBody>
+              <a:bodyPr lIns="45720" rIns="45720" rtlCol="0" anchor="ctr"/>
+              <a:lstStyle/>
+              <a:p>
+                <a:pPr algn="ctr"/>
+                <a:r>
+                  <a:rPr lang="en-US" dirty="0" smtClean="0">
+                    <a:solidFill>
+                      <a:schemeClr val="tx1"/>
+                    </a:solidFill>
+                  </a:rPr>
+                  <a:t>Disk File</a:t>
+                </a:r>
+                <a:endParaRPr lang="en-US" dirty="0">
+                  <a:solidFill>
+                    <a:schemeClr val="tx1"/>
+                  </a:solidFill>
+                </a:endParaRPr>
+              </a:p>
+            </p:txBody>
+          </p:sp>
+        </p:grpSp>
+        <p:grpSp>
+          <p:nvGrpSpPr>
+            <p:cNvPr id="11" name="Group 10"/>
+            <p:cNvGrpSpPr/>
+            <p:nvPr/>
+          </p:nvGrpSpPr>
+          <p:grpSpPr>
+            <a:xfrm>
+              <a:off x="457200" y="3276600"/>
+              <a:ext cx="1828800" cy="1127760"/>
+              <a:chOff x="457200" y="3276600"/>
+              <a:chExt cx="1828800" cy="1127760"/>
+            </a:xfrm>
+          </p:grpSpPr>
+          <p:cxnSp>
+            <p:nvCxnSpPr>
+              <p:cNvPr id="12" name="Straight Arrow Connector 11"/>
+              <p:cNvCxnSpPr/>
+              <p:nvPr/>
+            </p:nvCxnSpPr>
+            <p:spPr>
+              <a:xfrm>
+                <a:off x="1371600" y="3276600"/>
+                <a:ext cx="0" cy="365760"/>
+              </a:xfrm>
+              <a:prstGeom prst="straightConnector1">
+                <a:avLst/>
+              </a:prstGeom>
+              <a:ln w="19050">
+                <a:tailEnd type="arrow"/>
+              </a:ln>
+            </p:spPr>
+            <p:style>
+              <a:lnRef idx="1">
+                <a:schemeClr val="dk1"/>
+              </a:lnRef>
+              <a:fillRef idx="0">
+                <a:schemeClr val="dk1"/>
+              </a:fillRef>
+              <a:effectRef idx="0">
+                <a:schemeClr val="dk1"/>
+              </a:effectRef>
+              <a:fontRef idx="minor">
+                <a:schemeClr val="tx1"/>
+              </a:fontRef>
+            </p:style>
+          </p:cxnSp>
+          <p:sp>
+            <p:nvSpPr>
+              <p:cNvPr id="13" name="Flowchart: Alternate Process 12"/>
+              <p:cNvSpPr/>
+              <p:nvPr/>
+            </p:nvSpPr>
+            <p:spPr>
+              <a:xfrm>
+                <a:off x="457200" y="3718560"/>
+                <a:ext cx="1828800" cy="685800"/>
+              </a:xfrm>
+              <a:prstGeom prst="flowChartAlternateProcess">
+                <a:avLst/>
+              </a:prstGeom>
+              <a:solidFill>
+                <a:schemeClr val="tx2">
+                  <a:lumMod val="20000"/>
+                  <a:lumOff val="80000"/>
+                </a:schemeClr>
+              </a:solidFill>
+            </p:spPr>
+            <p:style>
+              <a:lnRef idx="2">
+                <a:schemeClr val="accent1">
+                  <a:shade val="50000"/>
+                </a:schemeClr>
+              </a:lnRef>
+              <a:fillRef idx="1">
+                <a:schemeClr val="accent1"/>
+              </a:fillRef>
+              <a:effectRef idx="0">
+                <a:schemeClr val="accent1"/>
+              </a:effectRef>
+              <a:fontRef idx="minor">
+                <a:schemeClr val="lt1"/>
+              </a:fontRef>
+            </p:style>
+            <p:txBody>
+              <a:bodyPr lIns="45720" rIns="45720" rtlCol="0" anchor="ctr"/>
+              <a:lstStyle/>
+              <a:p>
+                <a:pPr algn="ctr"/>
+                <a:r>
+                  <a:rPr lang="en-US" dirty="0" smtClean="0">
+                    <a:solidFill>
+                      <a:schemeClr val="tx1"/>
+                    </a:solidFill>
+                  </a:rPr>
+                  <a:t>Trigger </a:t>
+                </a:r>
+              </a:p>
+              <a:p>
+                <a:pPr algn="ctr"/>
+                <a:r>
+                  <a:rPr lang="en-US" dirty="0" smtClean="0">
+                    <a:solidFill>
+                      <a:schemeClr val="tx1"/>
+                    </a:solidFill>
+                  </a:rPr>
+                  <a:t>(save file)</a:t>
+                </a:r>
+                <a:endParaRPr lang="en-US" dirty="0">
+                  <a:solidFill>
+                    <a:schemeClr val="tx1"/>
+                  </a:solidFill>
+                </a:endParaRPr>
+              </a:p>
+            </p:txBody>
+          </p:sp>
+        </p:grpSp>
+      </p:grpSp>
+      <p:grpSp>
+        <p:nvGrpSpPr>
+          <p:cNvPr id="16" name="Group 15"/>
+          <p:cNvGrpSpPr/>
+          <p:nvPr/>
+        </p:nvGrpSpPr>
+        <p:grpSpPr>
+          <a:xfrm>
+            <a:off x="3489778" y="3537857"/>
+            <a:ext cx="1828800" cy="1127760"/>
+            <a:chOff x="2444749" y="3276600"/>
+            <a:chExt cx="1828800" cy="1127760"/>
+          </a:xfrm>
+        </p:grpSpPr>
+        <p:sp>
+          <p:nvSpPr>
+            <p:cNvPr id="17" name="Flowchart: Alternate Process 16"/>
+            <p:cNvSpPr/>
+            <p:nvPr/>
+          </p:nvSpPr>
+          <p:spPr>
+            <a:xfrm>
+              <a:off x="2444749" y="3718560"/>
+              <a:ext cx="1828800" cy="685800"/>
+            </a:xfrm>
+            <a:prstGeom prst="flowChartAlternateProcess">
+              <a:avLst/>
+            </a:prstGeom>
+            <a:solidFill>
+              <a:schemeClr val="tx2">
+                <a:lumMod val="20000"/>
+                <a:lumOff val="80000"/>
+              </a:schemeClr>
+            </a:solidFill>
+          </p:spPr>
+          <p:style>
+            <a:lnRef idx="2">
+              <a:schemeClr val="accent1">
+                <a:shade val="50000"/>
+              </a:schemeClr>
+            </a:lnRef>
+            <a:fillRef idx="1">
+              <a:schemeClr val="accent1"/>
+            </a:fillRef>
+            <a:effectRef idx="0">
+              <a:schemeClr val="accent1"/>
+            </a:effectRef>
+            <a:fontRef idx="minor">
+              <a:schemeClr val="lt1"/>
+            </a:fontRef>
+          </p:style>
+          <p:txBody>
+            <a:bodyPr lIns="45720" rIns="45720" rtlCol="0" anchor="ctr"/>
+            <a:lstStyle/>
+            <a:p>
+              <a:pPr algn="ctr"/>
+              <a:r>
+                <a:rPr lang="en-US" dirty="0" smtClean="0">
+                  <a:solidFill>
+                    <a:schemeClr val="tx1"/>
+                  </a:solidFill>
+                </a:rPr>
+                <a:t>Analog Out</a:t>
+              </a:r>
+              <a:endParaRPr lang="en-US" dirty="0">
+                <a:solidFill>
+                  <a:schemeClr val="tx1"/>
+                </a:solidFill>
+              </a:endParaRPr>
+            </a:p>
+          </p:txBody>
+        </p:sp>
+        <p:cxnSp>
+          <p:nvCxnSpPr>
+            <p:cNvPr id="18" name="Straight Arrow Connector 17"/>
+            <p:cNvCxnSpPr/>
+            <p:nvPr/>
+          </p:nvCxnSpPr>
+          <p:spPr>
+            <a:xfrm>
+              <a:off x="3359149" y="3276600"/>
+              <a:ext cx="0" cy="365760"/>
+            </a:xfrm>
+            <a:prstGeom prst="straightConnector1">
+              <a:avLst/>
+            </a:prstGeom>
+            <a:ln w="19050">
+              <a:tailEnd type="arrow"/>
+            </a:ln>
+          </p:spPr>
+          <p:style>
+            <a:lnRef idx="1">
+              <a:schemeClr val="dk1"/>
+            </a:lnRef>
+            <a:fillRef idx="0">
+              <a:schemeClr val="dk1"/>
+            </a:fillRef>
+            <a:effectRef idx="0">
+              <a:schemeClr val="dk1"/>
+            </a:effectRef>
+            <a:fontRef idx="minor">
+              <a:schemeClr val="tx1"/>
+            </a:fontRef>
+          </p:style>
+        </p:cxnSp>
+      </p:grpSp>
+      <p:grpSp>
+        <p:nvGrpSpPr>
+          <p:cNvPr id="19" name="Group 18"/>
+          <p:cNvGrpSpPr/>
+          <p:nvPr/>
+        </p:nvGrpSpPr>
+        <p:grpSpPr>
+          <a:xfrm>
+            <a:off x="7464876" y="3537857"/>
+            <a:ext cx="1828800" cy="1127760"/>
+            <a:chOff x="6419847" y="3276600"/>
+            <a:chExt cx="1828800" cy="1127760"/>
+          </a:xfrm>
+        </p:grpSpPr>
+        <p:sp>
+          <p:nvSpPr>
+            <p:cNvPr id="20" name="Flowchart: Alternate Process 19"/>
+            <p:cNvSpPr/>
+            <p:nvPr/>
+          </p:nvSpPr>
+          <p:spPr>
+            <a:xfrm>
+              <a:off x="6419847" y="3718560"/>
+              <a:ext cx="1828800" cy="685800"/>
+            </a:xfrm>
+            <a:prstGeom prst="flowChartAlternateProcess">
+              <a:avLst/>
+            </a:prstGeom>
+            <a:solidFill>
+              <a:schemeClr val="tx2">
+                <a:lumMod val="20000"/>
+                <a:lumOff val="80000"/>
+              </a:schemeClr>
+            </a:solidFill>
+          </p:spPr>
+          <p:style>
+            <a:lnRef idx="2">
+              <a:schemeClr val="accent1">
+                <a:shade val="50000"/>
+              </a:schemeClr>
+            </a:lnRef>
+            <a:fillRef idx="1">
+              <a:schemeClr val="accent1"/>
+            </a:fillRef>
+            <a:effectRef idx="0">
+              <a:schemeClr val="accent1"/>
+            </a:effectRef>
+            <a:fontRef idx="minor">
+              <a:schemeClr val="lt1"/>
+            </a:fontRef>
+          </p:style>
+          <p:txBody>
+            <a:bodyPr lIns="45720" rIns="45720" rtlCol="0" anchor="ctr"/>
+            <a:lstStyle/>
+            <a:p>
+              <a:pPr algn="ctr"/>
+              <a:r>
+                <a:rPr lang="en-US" dirty="0" smtClean="0">
+                  <a:solidFill>
+                    <a:schemeClr val="tx1"/>
+                  </a:solidFill>
+                </a:rPr>
+                <a:t>Remote Fetch</a:t>
+              </a:r>
+              <a:endParaRPr lang="en-US" dirty="0">
+                <a:solidFill>
+                  <a:schemeClr val="tx1"/>
+                </a:solidFill>
+              </a:endParaRPr>
+            </a:p>
+          </p:txBody>
+        </p:sp>
+        <p:cxnSp>
+          <p:nvCxnSpPr>
+            <p:cNvPr id="21" name="Straight Arrow Connector 20"/>
+            <p:cNvCxnSpPr/>
+            <p:nvPr/>
+          </p:nvCxnSpPr>
+          <p:spPr>
+            <a:xfrm>
+              <a:off x="7334247" y="3276600"/>
+              <a:ext cx="0" cy="365760"/>
+            </a:xfrm>
+            <a:prstGeom prst="straightConnector1">
+              <a:avLst/>
+            </a:prstGeom>
+            <a:ln w="19050">
+              <a:tailEnd type="arrow"/>
+            </a:ln>
+          </p:spPr>
+          <p:style>
+            <a:lnRef idx="1">
+              <a:schemeClr val="dk1"/>
+            </a:lnRef>
+            <a:fillRef idx="0">
+              <a:schemeClr val="dk1"/>
+            </a:fillRef>
+            <a:effectRef idx="0">
+              <a:schemeClr val="dk1"/>
+            </a:effectRef>
+            <a:fontRef idx="minor">
+              <a:schemeClr val="tx1"/>
+            </a:fontRef>
+          </p:style>
+        </p:cxnSp>
+      </p:grpSp>
+      <p:grpSp>
+        <p:nvGrpSpPr>
+          <p:cNvPr id="22" name="Group 21"/>
+          <p:cNvGrpSpPr/>
+          <p:nvPr/>
+        </p:nvGrpSpPr>
+        <p:grpSpPr>
+          <a:xfrm>
+            <a:off x="5477327" y="3537857"/>
+            <a:ext cx="1828800" cy="2362200"/>
+            <a:chOff x="4439441" y="3276600"/>
+            <a:chExt cx="1828800" cy="2362200"/>
+          </a:xfrm>
+        </p:grpSpPr>
+        <p:grpSp>
+          <p:nvGrpSpPr>
+            <p:cNvPr id="23" name="Group 22"/>
+            <p:cNvGrpSpPr/>
+            <p:nvPr/>
+          </p:nvGrpSpPr>
+          <p:grpSpPr>
+            <a:xfrm>
+              <a:off x="4439441" y="3276600"/>
+              <a:ext cx="1828800" cy="1127760"/>
+              <a:chOff x="4446585" y="3276600"/>
+              <a:chExt cx="1828800" cy="1127760"/>
+            </a:xfrm>
+          </p:grpSpPr>
+          <p:sp>
+            <p:nvSpPr>
+              <p:cNvPr id="27" name="Flowchart: Alternate Process 26"/>
+              <p:cNvSpPr/>
+              <p:nvPr/>
+            </p:nvSpPr>
+            <p:spPr>
+              <a:xfrm>
+                <a:off x="4446585" y="3718560"/>
+                <a:ext cx="1828800" cy="685800"/>
+              </a:xfrm>
+              <a:prstGeom prst="flowChartAlternateProcess">
+                <a:avLst/>
+              </a:prstGeom>
+              <a:solidFill>
+                <a:schemeClr val="tx2">
+                  <a:lumMod val="20000"/>
+                  <a:lumOff val="80000"/>
+                </a:schemeClr>
+              </a:solidFill>
+            </p:spPr>
+            <p:style>
+              <a:lnRef idx="2">
+                <a:schemeClr val="accent1">
+                  <a:shade val="50000"/>
+                </a:schemeClr>
+              </a:lnRef>
+              <a:fillRef idx="1">
+                <a:schemeClr val="accent1"/>
+              </a:fillRef>
+              <a:effectRef idx="0">
+                <a:schemeClr val="accent1"/>
+              </a:effectRef>
+              <a:fontRef idx="minor">
+                <a:schemeClr val="lt1"/>
+              </a:fontRef>
+            </p:style>
+            <p:txBody>
+              <a:bodyPr lIns="45720" rIns="45720" rtlCol="0" anchor="ctr"/>
+              <a:lstStyle/>
+              <a:p>
+                <a:pPr algn="ctr"/>
+                <a:r>
+                  <a:rPr lang="en-US" dirty="0" smtClean="0">
+                    <a:solidFill>
+                      <a:schemeClr val="tx1"/>
+                    </a:solidFill>
+                  </a:rPr>
+                  <a:t>Graph Fetcher</a:t>
+                </a:r>
+                <a:endParaRPr lang="en-US" dirty="0">
+                  <a:solidFill>
+                    <a:schemeClr val="tx1"/>
+                  </a:solidFill>
+                </a:endParaRPr>
+              </a:p>
+            </p:txBody>
+          </p:sp>
+          <p:cxnSp>
+            <p:nvCxnSpPr>
+              <p:cNvPr id="28" name="Straight Arrow Connector 27"/>
+              <p:cNvCxnSpPr/>
+              <p:nvPr/>
+            </p:nvCxnSpPr>
+            <p:spPr>
+              <a:xfrm>
+                <a:off x="5346698" y="3276600"/>
+                <a:ext cx="0" cy="365760"/>
+              </a:xfrm>
+              <a:prstGeom prst="straightConnector1">
+                <a:avLst/>
+              </a:prstGeom>
+              <a:ln w="19050">
+                <a:tailEnd type="arrow"/>
+              </a:ln>
+            </p:spPr>
+            <p:style>
+              <a:lnRef idx="1">
+                <a:schemeClr val="dk1"/>
+              </a:lnRef>
+              <a:fillRef idx="0">
+                <a:schemeClr val="dk1"/>
+              </a:fillRef>
+              <a:effectRef idx="0">
+                <a:schemeClr val="dk1"/>
+              </a:effectRef>
+              <a:fontRef idx="minor">
+                <a:schemeClr val="tx1"/>
+              </a:fontRef>
+            </p:style>
+          </p:cxnSp>
+        </p:grpSp>
+        <p:grpSp>
+          <p:nvGrpSpPr>
+            <p:cNvPr id="24" name="Group 23"/>
+            <p:cNvGrpSpPr/>
+            <p:nvPr/>
+          </p:nvGrpSpPr>
+          <p:grpSpPr>
+            <a:xfrm>
+              <a:off x="4439441" y="4495800"/>
+              <a:ext cx="1828800" cy="1143000"/>
+              <a:chOff x="4460873" y="4572000"/>
+              <a:chExt cx="1828800" cy="1143000"/>
+            </a:xfrm>
+          </p:grpSpPr>
+          <p:cxnSp>
+            <p:nvCxnSpPr>
+              <p:cNvPr id="25" name="Straight Arrow Connector 24"/>
+              <p:cNvCxnSpPr/>
+              <p:nvPr/>
+            </p:nvCxnSpPr>
+            <p:spPr>
+              <a:xfrm>
+                <a:off x="5375270" y="4572000"/>
+                <a:ext cx="0" cy="365760"/>
+              </a:xfrm>
+              <a:prstGeom prst="straightConnector1">
+                <a:avLst/>
+              </a:prstGeom>
+              <a:ln w="19050">
+                <a:tailEnd type="arrow"/>
+              </a:ln>
+            </p:spPr>
+            <p:style>
+              <a:lnRef idx="1">
+                <a:schemeClr val="dk1"/>
+              </a:lnRef>
+              <a:fillRef idx="0">
+                <a:schemeClr val="dk1"/>
+              </a:fillRef>
+              <a:effectRef idx="0">
+                <a:schemeClr val="dk1"/>
+              </a:effectRef>
+              <a:fontRef idx="minor">
+                <a:schemeClr val="tx1"/>
+              </a:fontRef>
+            </p:style>
+          </p:cxnSp>
+          <p:sp>
+            <p:nvSpPr>
+              <p:cNvPr id="26" name="Flowchart: Alternate Process 25"/>
+              <p:cNvSpPr/>
+              <p:nvPr/>
+            </p:nvSpPr>
+            <p:spPr>
+              <a:xfrm>
+                <a:off x="4460873" y="5029200"/>
+                <a:ext cx="1828800" cy="685800"/>
+              </a:xfrm>
+              <a:prstGeom prst="flowChartAlternateProcess">
+                <a:avLst/>
+              </a:prstGeom>
+              <a:solidFill>
+                <a:schemeClr val="tx2">
+                  <a:lumMod val="20000"/>
+                  <a:lumOff val="80000"/>
+                </a:schemeClr>
+              </a:solidFill>
+            </p:spPr>
+            <p:style>
+              <a:lnRef idx="2">
+                <a:schemeClr val="accent1">
+                  <a:shade val="50000"/>
+                </a:schemeClr>
+              </a:lnRef>
+              <a:fillRef idx="1">
+                <a:schemeClr val="accent1"/>
+              </a:fillRef>
+              <a:effectRef idx="0">
+                <a:schemeClr val="accent1"/>
+              </a:effectRef>
+              <a:fontRef idx="minor">
+                <a:schemeClr val="lt1"/>
+              </a:fontRef>
+            </p:style>
+            <p:txBody>
+              <a:bodyPr lIns="45720" rIns="45720" rtlCol="0" anchor="ctr"/>
+              <a:lstStyle/>
+              <a:p>
+                <a:pPr algn="ctr"/>
+                <a:r>
+                  <a:rPr lang="en-US" dirty="0" smtClean="0">
+                    <a:solidFill>
+                      <a:schemeClr val="tx1"/>
+                    </a:solidFill>
+                  </a:rPr>
+                  <a:t>Viewer</a:t>
+                </a:r>
+                <a:endParaRPr lang="en-US" dirty="0">
+                  <a:solidFill>
+                    <a:schemeClr val="tx1"/>
+                  </a:solidFill>
+                </a:endParaRPr>
+              </a:p>
+            </p:txBody>
+          </p:sp>
+        </p:grpSp>
+      </p:grpSp>
+    </p:spTree>
+    <p:extLst>
+      <p:ext uri="{BB962C8B-B14F-4D97-AF65-F5344CB8AC3E}">
+        <p14:creationId xmlns:p14="http://schemas.microsoft.com/office/powerpoint/2010/main" val="1078243039"/>
+      </p:ext>
+    </p:extLst>
+  </p:cSld>
+  <p:clrMapOvr>
+    <a:masterClrMapping/>
+  </p:clrMapOvr>
+  <p:timing>
+    <p:tnLst>
+      <p:par>
+        <p:cTn id="1" dur="indefinite" restart="never" nodeType="tmRoot"/>
+      </p:par>
+    </p:tnLst>
+  </p:timing>
 </p:sld>
 </file>
 

--- a/Documents/SpikeGLX_Slides.pptx
+++ b/Documents/SpikeGLX_Slides.pptx
@@ -9,6 +9,7 @@
     <p:sldId id="257" r:id="rId3"/>
     <p:sldId id="258" r:id="rId4"/>
     <p:sldId id="259" r:id="rId5"/>
+    <p:sldId id="260" r:id="rId6"/>
   </p:sldIdLst>
   <p:sldSz cx="12192000" cy="6858000"/>
   <p:notesSz cx="6858000" cy="9144000"/>
@@ -876,47 +877,6 @@
         </a:p>
       </dgm:t>
     </dgm:pt>
-    <dgm:pt modelId="{6C3F9F05-B43B-40E8-BFDD-EC3D1468D41A}">
-      <dgm:prSet phldrT="[Text]"/>
-      <dgm:spPr/>
-      <dgm:t>
-        <a:bodyPr/>
-        <a:lstStyle/>
-        <a:p>
-          <a:r>
-            <a:rPr lang="en-US" dirty="0" err="1" smtClean="0"/>
-            <a:t>Config</a:t>
-          </a:r>
-          <a:r>
-            <a:rPr lang="en-US" dirty="0" smtClean="0"/>
-            <a:t>/daq.ini</a:t>
-          </a:r>
-          <a:endParaRPr lang="en-US" dirty="0"/>
-        </a:p>
-      </dgm:t>
-    </dgm:pt>
-    <dgm:pt modelId="{B27DAD33-BFC7-4B05-8479-F1B1FCC33D66}" type="parTrans" cxnId="{70D199B0-8C16-49F9-AF55-CA819389AFE8}">
-      <dgm:prSet/>
-      <dgm:spPr/>
-      <dgm:t>
-        <a:bodyPr/>
-        <a:lstStyle/>
-        <a:p>
-          <a:endParaRPr lang="en-US"/>
-        </a:p>
-      </dgm:t>
-    </dgm:pt>
-    <dgm:pt modelId="{890A1CAE-14CF-44EE-AC24-1D853B2BC391}" type="sibTrans" cxnId="{70D199B0-8C16-49F9-AF55-CA819389AFE8}">
-      <dgm:prSet/>
-      <dgm:spPr/>
-      <dgm:t>
-        <a:bodyPr/>
-        <a:lstStyle/>
-        <a:p>
-          <a:endParaRPr lang="en-US"/>
-        </a:p>
-      </dgm:t>
-    </dgm:pt>
     <dgm:pt modelId="{E4472888-8A20-4028-9CA2-0B8F5DB31481}">
       <dgm:prSet phldrT="[Text]"/>
       <dgm:spPr/>
@@ -1045,11 +1005,15 @@
         <a:p>
           <a:r>
             <a:rPr lang="en-US" dirty="0" err="1" smtClean="0"/>
-            <a:t>acceptedParamss</a:t>
+            <a:t>acceptedParams</a:t>
           </a:r>
           <a:r>
             <a:rPr lang="en-US" dirty="0" smtClean="0"/>
-            <a:t> -&gt; </a:t>
+            <a:t> </a:t>
+          </a:r>
+          <a:r>
+            <a:rPr lang="en-US" dirty="0" smtClean="0"/>
+            <a:t>-&gt; </a:t>
           </a:r>
           <a:r>
             <a:rPr lang="en-US" dirty="0" err="1" smtClean="0"/>
@@ -1250,11 +1214,15 @@
         <a:p>
           <a:r>
             <a:rPr lang="en-US" dirty="0" err="1" smtClean="0"/>
-            <a:t>AcceptedParams</a:t>
+            <a:t>acceptedParams</a:t>
           </a:r>
           <a:r>
             <a:rPr lang="en-US" dirty="0" smtClean="0"/>
-            <a:t> -&gt; dialog</a:t>
+            <a:t> </a:t>
+          </a:r>
+          <a:r>
+            <a:rPr lang="en-US" dirty="0" smtClean="0"/>
+            <a:t>-&gt; dialog</a:t>
           </a:r>
           <a:endParaRPr lang="en-US" dirty="0"/>
         </a:p>
@@ -1282,6 +1250,51 @@
         </a:p>
       </dgm:t>
     </dgm:pt>
+    <dgm:pt modelId="{2E00AD79-EBCB-4097-BFFF-4C1C5C4AF5DF}">
+      <dgm:prSet phldrT="[Text]"/>
+      <dgm:spPr/>
+      <dgm:t>
+        <a:bodyPr/>
+        <a:lstStyle/>
+        <a:p>
+          <a:r>
+            <a:rPr lang="en-US" dirty="0" smtClean="0"/>
+            <a:t>Start with </a:t>
+          </a:r>
+          <a:r>
+            <a:rPr lang="en-US" dirty="0" err="1" smtClean="0"/>
+            <a:t>Config</a:t>
+          </a:r>
+          <a:r>
+            <a:rPr lang="en-US" dirty="0" smtClean="0"/>
+            <a:t>/daq.ini</a:t>
+          </a:r>
+          <a:endParaRPr lang="en-US" dirty="0"/>
+        </a:p>
+      </dgm:t>
+    </dgm:pt>
+    <dgm:pt modelId="{547C0F76-C03C-4AC2-A07F-9CCC8ACA8539}" type="parTrans" cxnId="{84684647-D5B0-4851-B616-271C80620CE0}">
+      <dgm:prSet/>
+      <dgm:spPr/>
+      <dgm:t>
+        <a:bodyPr/>
+        <a:lstStyle/>
+        <a:p>
+          <a:endParaRPr lang="en-US"/>
+        </a:p>
+      </dgm:t>
+    </dgm:pt>
+    <dgm:pt modelId="{54933270-4768-48AC-9D88-31C5168A9479}" type="sibTrans" cxnId="{84684647-D5B0-4851-B616-271C80620CE0}">
+      <dgm:prSet/>
+      <dgm:spPr/>
+      <dgm:t>
+        <a:bodyPr/>
+        <a:lstStyle/>
+        <a:p>
+          <a:endParaRPr lang="en-US"/>
+        </a:p>
+      </dgm:t>
+    </dgm:pt>
     <dgm:pt modelId="{A7D02A33-AD42-4595-8E88-6800AB198885}" type="pres">
       <dgm:prSet presAssocID="{03856155-FD83-4713-9AF9-E4718D3AA998}" presName="cycle" presStyleCnt="0">
         <dgm:presLayoutVars>
@@ -1298,8 +1311,8 @@
         </a:p>
       </dgm:t>
     </dgm:pt>
-    <dgm:pt modelId="{6DC8EF65-B572-4F2D-A52C-CE07C0D0B097}" type="pres">
-      <dgm:prSet presAssocID="{6C3F9F05-B43B-40E8-BFDD-EC3D1468D41A}" presName="node" presStyleLbl="node1" presStyleIdx="0" presStyleCnt="10">
+    <dgm:pt modelId="{95536F8B-047C-4CFE-950F-CD545083B847}" type="pres">
+      <dgm:prSet presAssocID="{2E00AD79-EBCB-4097-BFFF-4C1C5C4AF5DF}" presName="node" presStyleLbl="node1" presStyleIdx="0" presStyleCnt="10">
         <dgm:presLayoutVars>
           <dgm:bulletEnabled val="1"/>
         </dgm:presLayoutVars>
@@ -1313,20 +1326,13 @@
         </a:p>
       </dgm:t>
     </dgm:pt>
-    <dgm:pt modelId="{50BF18FF-241D-4501-AD00-4FF52192A1FF}" type="pres">
-      <dgm:prSet presAssocID="{6C3F9F05-B43B-40E8-BFDD-EC3D1468D41A}" presName="spNode" presStyleCnt="0"/>
+    <dgm:pt modelId="{E8CEFA2F-A8B7-4AB7-9E67-305951950881}" type="pres">
+      <dgm:prSet presAssocID="{2E00AD79-EBCB-4097-BFFF-4C1C5C4AF5DF}" presName="spNode" presStyleCnt="0"/>
       <dgm:spPr/>
     </dgm:pt>
-    <dgm:pt modelId="{80F63A13-3458-4BC4-877A-FFFC5C29D88C}" type="pres">
-      <dgm:prSet presAssocID="{890A1CAE-14CF-44EE-AC24-1D853B2BC391}" presName="sibTrans" presStyleLbl="sibTrans1D1" presStyleIdx="0" presStyleCnt="10"/>
+    <dgm:pt modelId="{A33DA93F-9AD0-48CD-BFA2-B59160A40000}" type="pres">
+      <dgm:prSet presAssocID="{54933270-4768-48AC-9D88-31C5168A9479}" presName="sibTrans" presStyleLbl="sibTrans1D1" presStyleIdx="0" presStyleCnt="10"/>
       <dgm:spPr/>
-      <dgm:t>
-        <a:bodyPr/>
-        <a:lstStyle/>
-        <a:p>
-          <a:endParaRPr lang="en-US"/>
-        </a:p>
-      </dgm:t>
     </dgm:pt>
     <dgm:pt modelId="{423C6284-D53E-4FC3-BCD8-B367E087B638}" type="pres">
       <dgm:prSet presAssocID="{2080C862-7E6C-4F1F-AFBF-2E2902FB1520}" presName="node" presStyleLbl="node1" presStyleIdx="1" presStyleCnt="10">
@@ -1600,40 +1606,40 @@
     </dgm:pt>
   </dgm:ptLst>
   <dgm:cxnLst>
-    <dgm:cxn modelId="{29C8283C-1378-4A7C-AD9A-C519E8A171A8}" type="presOf" srcId="{890A1CAE-14CF-44EE-AC24-1D853B2BC391}" destId="{80F63A13-3458-4BC4-877A-FFFC5C29D88C}" srcOrd="0" destOrd="0" presId="urn:microsoft.com/office/officeart/2005/8/layout/cycle5"/>
+    <dgm:cxn modelId="{B42B4717-4061-4B4F-A450-B8E32B283404}" srcId="{03856155-FD83-4713-9AF9-E4718D3AA998}" destId="{E4472888-8A20-4028-9CA2-0B8F5DB31481}" srcOrd="6" destOrd="0" parTransId="{32BD52D1-1E37-420B-BB4D-6D6851BC4CC2}" sibTransId="{436D76AA-D018-40C7-B2B6-C2E37535B278}"/>
+    <dgm:cxn modelId="{207EF459-7E57-45CE-9B99-D09925D05B1B}" srcId="{03856155-FD83-4713-9AF9-E4718D3AA998}" destId="{2080C862-7E6C-4F1F-AFBF-2E2902FB1520}" srcOrd="1" destOrd="0" parTransId="{5D99F448-622E-4CB4-AB14-1EEDBF6F09C1}" sibTransId="{FA896EF7-C2FC-45A5-ABDB-9E9203C1C26D}"/>
+    <dgm:cxn modelId="{E3527DCA-9112-4174-B161-4A619E910D59}" srcId="{03856155-FD83-4713-9AF9-E4718D3AA998}" destId="{B6B769E9-E02F-4898-AB69-3BA0407E0A85}" srcOrd="8" destOrd="0" parTransId="{5F25B11C-3796-4095-A817-D4BBAA4D479A}" sibTransId="{21AEB157-FA0E-4CF2-9DA9-4BC968C595CE}"/>
+    <dgm:cxn modelId="{7D95A2BC-AA72-43BA-A88F-832D77FF21EA}" type="presOf" srcId="{21AEB157-FA0E-4CF2-9DA9-4BC968C595CE}" destId="{86101FBB-20CA-4FAC-A504-1608BAA82236}" srcOrd="0" destOrd="0" presId="urn:microsoft.com/office/officeart/2005/8/layout/cycle5"/>
+    <dgm:cxn modelId="{CA1C151A-D25D-45F2-A8C1-760B1819E926}" type="presOf" srcId="{DA8E319D-10EB-4D28-87C3-6923014961E0}" destId="{A5272672-B605-463A-A750-79E4FB3C3471}" srcOrd="0" destOrd="0" presId="urn:microsoft.com/office/officeart/2005/8/layout/cycle5"/>
+    <dgm:cxn modelId="{80F7A33F-3146-4DA6-B491-65FD7C85C331}" srcId="{03856155-FD83-4713-9AF9-E4718D3AA998}" destId="{4F356653-CF12-457B-A6AE-91C70D8227D8}" srcOrd="9" destOrd="0" parTransId="{375AFA30-60DE-4F1C-8A5B-CBC6A26014D2}" sibTransId="{4F0C91A0-58A1-465D-857D-C8A674C10576}"/>
+    <dgm:cxn modelId="{DFF0F2CE-EB2A-48DE-A600-943FADE7917E}" type="presOf" srcId="{193121EA-438B-45F7-BBFA-010B738E9B0E}" destId="{16882C59-B268-41FC-9990-81A25A600BEE}" srcOrd="0" destOrd="0" presId="urn:microsoft.com/office/officeart/2005/8/layout/cycle5"/>
+    <dgm:cxn modelId="{B04F8951-5A8D-494D-8D6D-661EF51B16DD}" type="presOf" srcId="{AEB32098-7C9F-48D8-89DE-9170880230C5}" destId="{BCDE08F8-C06F-4B44-B2EE-92F85A2B69F8}" srcOrd="0" destOrd="0" presId="urn:microsoft.com/office/officeart/2005/8/layout/cycle5"/>
     <dgm:cxn modelId="{A8CD65D7-637F-4280-A178-62D43F4B83D2}" type="presOf" srcId="{4F356653-CF12-457B-A6AE-91C70D8227D8}" destId="{5F779E80-FDAE-4F20-B301-9490AB785C0F}" srcOrd="0" destOrd="0" presId="urn:microsoft.com/office/officeart/2005/8/layout/cycle5"/>
-    <dgm:cxn modelId="{7D95A2BC-AA72-43BA-A88F-832D77FF21EA}" type="presOf" srcId="{21AEB157-FA0E-4CF2-9DA9-4BC968C595CE}" destId="{86101FBB-20CA-4FAC-A504-1608BAA82236}" srcOrd="0" destOrd="0" presId="urn:microsoft.com/office/officeart/2005/8/layout/cycle5"/>
+    <dgm:cxn modelId="{592D64B0-F70E-4D96-AAC3-300E1F29836C}" type="presOf" srcId="{59044B2F-4A23-4BB1-90AB-9D1398B1496E}" destId="{E329EB8D-25D1-4CF8-9E89-DA5E4297C762}" srcOrd="0" destOrd="0" presId="urn:microsoft.com/office/officeart/2005/8/layout/cycle5"/>
+    <dgm:cxn modelId="{81978479-BF12-4E6F-9792-28993E530DEB}" type="presOf" srcId="{A899D67C-7716-47C8-9DA1-C79EBDE78DB8}" destId="{DCC6D925-71BB-4DCC-A014-CB2B86572910}" srcOrd="0" destOrd="0" presId="urn:microsoft.com/office/officeart/2005/8/layout/cycle5"/>
+    <dgm:cxn modelId="{6E0657E2-416A-4638-BC62-FA1A2B50082B}" type="presOf" srcId="{FA896EF7-C2FC-45A5-ABDB-9E9203C1C26D}" destId="{AE913CEE-1D65-4B6C-9F39-8D5747D9AB39}" srcOrd="0" destOrd="0" presId="urn:microsoft.com/office/officeart/2005/8/layout/cycle5"/>
+    <dgm:cxn modelId="{C337ECC9-56AA-4193-83CC-DA356B76D8C3}" type="presOf" srcId="{03856155-FD83-4713-9AF9-E4718D3AA998}" destId="{A7D02A33-AD42-4595-8E88-6800AB198885}" srcOrd="0" destOrd="0" presId="urn:microsoft.com/office/officeart/2005/8/layout/cycle5"/>
+    <dgm:cxn modelId="{BB41C61A-3212-474B-B0D2-7AB1F5FA0156}" type="presOf" srcId="{1D8B955D-F526-44D8-A748-077ACB1FABEB}" destId="{08039230-DCC5-489F-ACC4-6F6A5DB5D99B}" srcOrd="0" destOrd="0" presId="urn:microsoft.com/office/officeart/2005/8/layout/cycle5"/>
+    <dgm:cxn modelId="{E35B0136-7B6B-4D2A-AD4C-F832D79E70FD}" type="presOf" srcId="{EDA8B896-F0FD-4978-B6A1-EC50209721D9}" destId="{311A1E75-4CD5-4938-8DA2-A907DD3520BD}" srcOrd="0" destOrd="0" presId="urn:microsoft.com/office/officeart/2005/8/layout/cycle5"/>
+    <dgm:cxn modelId="{56ED8FC2-32FE-4D1D-931E-76D1300E2B23}" srcId="{03856155-FD83-4713-9AF9-E4718D3AA998}" destId="{D8939093-7012-4B04-B1F3-FECD08C5F035}" srcOrd="3" destOrd="0" parTransId="{7DD1768E-6A4E-456C-A564-F10FFAD6F693}" sibTransId="{1D8B955D-F526-44D8-A748-077ACB1FABEB}"/>
+    <dgm:cxn modelId="{3926620E-88B4-4EF9-A9B3-856E9EE4DA76}" type="presOf" srcId="{54933270-4768-48AC-9D88-31C5168A9479}" destId="{A33DA93F-9AD0-48CD-BFA2-B59160A40000}" srcOrd="0" destOrd="0" presId="urn:microsoft.com/office/officeart/2005/8/layout/cycle5"/>
+    <dgm:cxn modelId="{0208559C-A5EA-48C5-AF01-37F0CB492E2D}" type="presOf" srcId="{D8939093-7012-4B04-B1F3-FECD08C5F035}" destId="{7D4EC07D-5DC0-4ACE-A8DC-78C510BB4C5F}" srcOrd="0" destOrd="0" presId="urn:microsoft.com/office/officeart/2005/8/layout/cycle5"/>
+    <dgm:cxn modelId="{22EBB236-B982-48CC-88C2-1037EC39B0F5}" type="presOf" srcId="{436D76AA-D018-40C7-B2B6-C2E37535B278}" destId="{C857321C-82F6-47AE-8F34-CA012320824C}" srcOrd="0" destOrd="0" presId="urn:microsoft.com/office/officeart/2005/8/layout/cycle5"/>
+    <dgm:cxn modelId="{0F5FB227-49AE-4403-91A2-F84CB1B8C0A0}" type="presOf" srcId="{BF1C2905-CE93-4516-B70C-189AD7005E7C}" destId="{B1068590-0A17-40B2-9E1B-1BF12816E82A}" srcOrd="0" destOrd="0" presId="urn:microsoft.com/office/officeart/2005/8/layout/cycle5"/>
+    <dgm:cxn modelId="{BFE60520-8AB8-493B-9484-605BF43B8364}" srcId="{03856155-FD83-4713-9AF9-E4718D3AA998}" destId="{AEB32098-7C9F-48D8-89DE-9170880230C5}" srcOrd="4" destOrd="0" parTransId="{C7200D9D-044D-44CE-A094-05A515E423C3}" sibTransId="{A899D67C-7716-47C8-9DA1-C79EBDE78DB8}"/>
+    <dgm:cxn modelId="{03655993-DD39-422A-BE41-36C14C95FD60}" type="presOf" srcId="{2080C862-7E6C-4F1F-AFBF-2E2902FB1520}" destId="{423C6284-D53E-4FC3-BCD8-B367E087B638}" srcOrd="0" destOrd="0" presId="urn:microsoft.com/office/officeart/2005/8/layout/cycle5"/>
+    <dgm:cxn modelId="{4B4AA789-A0E4-47E3-B2B1-649283FADACD}" srcId="{03856155-FD83-4713-9AF9-E4718D3AA998}" destId="{EDA8B896-F0FD-4978-B6A1-EC50209721D9}" srcOrd="7" destOrd="0" parTransId="{FFDC1CE0-200D-4C23-9609-5031C0FBA976}" sibTransId="{BF1C2905-CE93-4516-B70C-189AD7005E7C}"/>
+    <dgm:cxn modelId="{C8B43369-5531-48B7-B2C4-3CEC54E2C192}" type="presOf" srcId="{B6B769E9-E02F-4898-AB69-3BA0407E0A85}" destId="{252C3583-709E-4580-90E6-3DC9BBA0A288}" srcOrd="0" destOrd="0" presId="urn:microsoft.com/office/officeart/2005/8/layout/cycle5"/>
+    <dgm:cxn modelId="{9A148673-3CA1-4C87-BBAD-B08156253F75}" srcId="{03856155-FD83-4713-9AF9-E4718D3AA998}" destId="{DA8E319D-10EB-4D28-87C3-6923014961E0}" srcOrd="2" destOrd="0" parTransId="{D943BC09-C8B3-417F-83B3-DB628A293072}" sibTransId="{59044B2F-4A23-4BB1-90AB-9D1398B1496E}"/>
+    <dgm:cxn modelId="{B966C768-7C4F-448A-8EF3-649F94120F96}" type="presOf" srcId="{E4472888-8A20-4028-9CA2-0B8F5DB31481}" destId="{ECCF82E3-B19F-4805-8882-198E38A67B08}" srcOrd="0" destOrd="0" presId="urn:microsoft.com/office/officeart/2005/8/layout/cycle5"/>
+    <dgm:cxn modelId="{9562C3FD-1B72-44B2-860C-4983E32313E4}" type="presOf" srcId="{F10F8C1D-637D-488C-B89F-B031744428CF}" destId="{5CB85373-6BA3-4F1F-B1C9-491DF3A35B7B}" srcOrd="0" destOrd="0" presId="urn:microsoft.com/office/officeart/2005/8/layout/cycle5"/>
+    <dgm:cxn modelId="{A049F59C-9CD3-44C7-B003-A43FB8E9CDD8}" type="presOf" srcId="{4F0C91A0-58A1-465D-857D-C8A674C10576}" destId="{01FFCFA0-8857-4F17-8842-FF5F726FD243}" srcOrd="0" destOrd="0" presId="urn:microsoft.com/office/officeart/2005/8/layout/cycle5"/>
+    <dgm:cxn modelId="{3762004A-F44F-41EF-9737-4FADB273AC9F}" type="presOf" srcId="{2E00AD79-EBCB-4097-BFFF-4C1C5C4AF5DF}" destId="{95536F8B-047C-4CFE-950F-CD545083B847}" srcOrd="0" destOrd="0" presId="urn:microsoft.com/office/officeart/2005/8/layout/cycle5"/>
     <dgm:cxn modelId="{AD92E854-4FEA-447E-9ABA-A3C980B260AC}" srcId="{03856155-FD83-4713-9AF9-E4718D3AA998}" destId="{193121EA-438B-45F7-BBFA-010B738E9B0E}" srcOrd="5" destOrd="0" parTransId="{F5B4D204-0426-417F-926F-C8CCA795C96A}" sibTransId="{F10F8C1D-637D-488C-B89F-B031744428CF}"/>
-    <dgm:cxn modelId="{B42B4717-4061-4B4F-A450-B8E32B283404}" srcId="{03856155-FD83-4713-9AF9-E4718D3AA998}" destId="{E4472888-8A20-4028-9CA2-0B8F5DB31481}" srcOrd="6" destOrd="0" parTransId="{32BD52D1-1E37-420B-BB4D-6D6851BC4CC2}" sibTransId="{436D76AA-D018-40C7-B2B6-C2E37535B278}"/>
-    <dgm:cxn modelId="{B04F8951-5A8D-494D-8D6D-661EF51B16DD}" type="presOf" srcId="{AEB32098-7C9F-48D8-89DE-9170880230C5}" destId="{BCDE08F8-C06F-4B44-B2EE-92F85A2B69F8}" srcOrd="0" destOrd="0" presId="urn:microsoft.com/office/officeart/2005/8/layout/cycle5"/>
-    <dgm:cxn modelId="{BFE60520-8AB8-493B-9484-605BF43B8364}" srcId="{03856155-FD83-4713-9AF9-E4718D3AA998}" destId="{AEB32098-7C9F-48D8-89DE-9170880230C5}" srcOrd="4" destOrd="0" parTransId="{C7200D9D-044D-44CE-A094-05A515E423C3}" sibTransId="{A899D67C-7716-47C8-9DA1-C79EBDE78DB8}"/>
-    <dgm:cxn modelId="{DC5F285C-886E-4D85-B5A5-9F3EA1D9E5E4}" type="presOf" srcId="{6C3F9F05-B43B-40E8-BFDD-EC3D1468D41A}" destId="{6DC8EF65-B572-4F2D-A52C-CE07C0D0B097}" srcOrd="0" destOrd="0" presId="urn:microsoft.com/office/officeart/2005/8/layout/cycle5"/>
-    <dgm:cxn modelId="{22EBB236-B982-48CC-88C2-1037EC39B0F5}" type="presOf" srcId="{436D76AA-D018-40C7-B2B6-C2E37535B278}" destId="{C857321C-82F6-47AE-8F34-CA012320824C}" srcOrd="0" destOrd="0" presId="urn:microsoft.com/office/officeart/2005/8/layout/cycle5"/>
-    <dgm:cxn modelId="{CA1C151A-D25D-45F2-A8C1-760B1819E926}" type="presOf" srcId="{DA8E319D-10EB-4D28-87C3-6923014961E0}" destId="{A5272672-B605-463A-A750-79E4FB3C3471}" srcOrd="0" destOrd="0" presId="urn:microsoft.com/office/officeart/2005/8/layout/cycle5"/>
-    <dgm:cxn modelId="{C8B43369-5531-48B7-B2C4-3CEC54E2C192}" type="presOf" srcId="{B6B769E9-E02F-4898-AB69-3BA0407E0A85}" destId="{252C3583-709E-4580-90E6-3DC9BBA0A288}" srcOrd="0" destOrd="0" presId="urn:microsoft.com/office/officeart/2005/8/layout/cycle5"/>
-    <dgm:cxn modelId="{A049F59C-9CD3-44C7-B003-A43FB8E9CDD8}" type="presOf" srcId="{4F0C91A0-58A1-465D-857D-C8A674C10576}" destId="{01FFCFA0-8857-4F17-8842-FF5F726FD243}" srcOrd="0" destOrd="0" presId="urn:microsoft.com/office/officeart/2005/8/layout/cycle5"/>
-    <dgm:cxn modelId="{C337ECC9-56AA-4193-83CC-DA356B76D8C3}" type="presOf" srcId="{03856155-FD83-4713-9AF9-E4718D3AA998}" destId="{A7D02A33-AD42-4595-8E88-6800AB198885}" srcOrd="0" destOrd="0" presId="urn:microsoft.com/office/officeart/2005/8/layout/cycle5"/>
-    <dgm:cxn modelId="{81978479-BF12-4E6F-9792-28993E530DEB}" type="presOf" srcId="{A899D67C-7716-47C8-9DA1-C79EBDE78DB8}" destId="{DCC6D925-71BB-4DCC-A014-CB2B86572910}" srcOrd="0" destOrd="0" presId="urn:microsoft.com/office/officeart/2005/8/layout/cycle5"/>
-    <dgm:cxn modelId="{B966C768-7C4F-448A-8EF3-649F94120F96}" type="presOf" srcId="{E4472888-8A20-4028-9CA2-0B8F5DB31481}" destId="{ECCF82E3-B19F-4805-8882-198E38A67B08}" srcOrd="0" destOrd="0" presId="urn:microsoft.com/office/officeart/2005/8/layout/cycle5"/>
-    <dgm:cxn modelId="{9A148673-3CA1-4C87-BBAD-B08156253F75}" srcId="{03856155-FD83-4713-9AF9-E4718D3AA998}" destId="{DA8E319D-10EB-4D28-87C3-6923014961E0}" srcOrd="2" destOrd="0" parTransId="{D943BC09-C8B3-417F-83B3-DB628A293072}" sibTransId="{59044B2F-4A23-4BB1-90AB-9D1398B1496E}"/>
-    <dgm:cxn modelId="{E3527DCA-9112-4174-B161-4A619E910D59}" srcId="{03856155-FD83-4713-9AF9-E4718D3AA998}" destId="{B6B769E9-E02F-4898-AB69-3BA0407E0A85}" srcOrd="8" destOrd="0" parTransId="{5F25B11C-3796-4095-A817-D4BBAA4D479A}" sibTransId="{21AEB157-FA0E-4CF2-9DA9-4BC968C595CE}"/>
-    <dgm:cxn modelId="{4B4AA789-A0E4-47E3-B2B1-649283FADACD}" srcId="{03856155-FD83-4713-9AF9-E4718D3AA998}" destId="{EDA8B896-F0FD-4978-B6A1-EC50209721D9}" srcOrd="7" destOrd="0" parTransId="{FFDC1CE0-200D-4C23-9609-5031C0FBA976}" sibTransId="{BF1C2905-CE93-4516-B70C-189AD7005E7C}"/>
-    <dgm:cxn modelId="{70D199B0-8C16-49F9-AF55-CA819389AFE8}" srcId="{03856155-FD83-4713-9AF9-E4718D3AA998}" destId="{6C3F9F05-B43B-40E8-BFDD-EC3D1468D41A}" srcOrd="0" destOrd="0" parTransId="{B27DAD33-BFC7-4B05-8479-F1B1FCC33D66}" sibTransId="{890A1CAE-14CF-44EE-AC24-1D853B2BC391}"/>
-    <dgm:cxn modelId="{207EF459-7E57-45CE-9B99-D09925D05B1B}" srcId="{03856155-FD83-4713-9AF9-E4718D3AA998}" destId="{2080C862-7E6C-4F1F-AFBF-2E2902FB1520}" srcOrd="1" destOrd="0" parTransId="{5D99F448-622E-4CB4-AB14-1EEDBF6F09C1}" sibTransId="{FA896EF7-C2FC-45A5-ABDB-9E9203C1C26D}"/>
-    <dgm:cxn modelId="{9562C3FD-1B72-44B2-860C-4983E32313E4}" type="presOf" srcId="{F10F8C1D-637D-488C-B89F-B031744428CF}" destId="{5CB85373-6BA3-4F1F-B1C9-491DF3A35B7B}" srcOrd="0" destOrd="0" presId="urn:microsoft.com/office/officeart/2005/8/layout/cycle5"/>
-    <dgm:cxn modelId="{80F7A33F-3146-4DA6-B491-65FD7C85C331}" srcId="{03856155-FD83-4713-9AF9-E4718D3AA998}" destId="{4F356653-CF12-457B-A6AE-91C70D8227D8}" srcOrd="9" destOrd="0" parTransId="{375AFA30-60DE-4F1C-8A5B-CBC6A26014D2}" sibTransId="{4F0C91A0-58A1-465D-857D-C8A674C10576}"/>
-    <dgm:cxn modelId="{56ED8FC2-32FE-4D1D-931E-76D1300E2B23}" srcId="{03856155-FD83-4713-9AF9-E4718D3AA998}" destId="{D8939093-7012-4B04-B1F3-FECD08C5F035}" srcOrd="3" destOrd="0" parTransId="{7DD1768E-6A4E-456C-A564-F10FFAD6F693}" sibTransId="{1D8B955D-F526-44D8-A748-077ACB1FABEB}"/>
-    <dgm:cxn modelId="{0F5FB227-49AE-4403-91A2-F84CB1B8C0A0}" type="presOf" srcId="{BF1C2905-CE93-4516-B70C-189AD7005E7C}" destId="{B1068590-0A17-40B2-9E1B-1BF12816E82A}" srcOrd="0" destOrd="0" presId="urn:microsoft.com/office/officeart/2005/8/layout/cycle5"/>
-    <dgm:cxn modelId="{0208559C-A5EA-48C5-AF01-37F0CB492E2D}" type="presOf" srcId="{D8939093-7012-4B04-B1F3-FECD08C5F035}" destId="{7D4EC07D-5DC0-4ACE-A8DC-78C510BB4C5F}" srcOrd="0" destOrd="0" presId="urn:microsoft.com/office/officeart/2005/8/layout/cycle5"/>
-    <dgm:cxn modelId="{E35B0136-7B6B-4D2A-AD4C-F832D79E70FD}" type="presOf" srcId="{EDA8B896-F0FD-4978-B6A1-EC50209721D9}" destId="{311A1E75-4CD5-4938-8DA2-A907DD3520BD}" srcOrd="0" destOrd="0" presId="urn:microsoft.com/office/officeart/2005/8/layout/cycle5"/>
-    <dgm:cxn modelId="{592D64B0-F70E-4D96-AAC3-300E1F29836C}" type="presOf" srcId="{59044B2F-4A23-4BB1-90AB-9D1398B1496E}" destId="{E329EB8D-25D1-4CF8-9E89-DA5E4297C762}" srcOrd="0" destOrd="0" presId="urn:microsoft.com/office/officeart/2005/8/layout/cycle5"/>
-    <dgm:cxn modelId="{03655993-DD39-422A-BE41-36C14C95FD60}" type="presOf" srcId="{2080C862-7E6C-4F1F-AFBF-2E2902FB1520}" destId="{423C6284-D53E-4FC3-BCD8-B367E087B638}" srcOrd="0" destOrd="0" presId="urn:microsoft.com/office/officeart/2005/8/layout/cycle5"/>
-    <dgm:cxn modelId="{DFF0F2CE-EB2A-48DE-A600-943FADE7917E}" type="presOf" srcId="{193121EA-438B-45F7-BBFA-010B738E9B0E}" destId="{16882C59-B268-41FC-9990-81A25A600BEE}" srcOrd="0" destOrd="0" presId="urn:microsoft.com/office/officeart/2005/8/layout/cycle5"/>
-    <dgm:cxn modelId="{BB41C61A-3212-474B-B0D2-7AB1F5FA0156}" type="presOf" srcId="{1D8B955D-F526-44D8-A748-077ACB1FABEB}" destId="{08039230-DCC5-489F-ACC4-6F6A5DB5D99B}" srcOrd="0" destOrd="0" presId="urn:microsoft.com/office/officeart/2005/8/layout/cycle5"/>
-    <dgm:cxn modelId="{6E0657E2-416A-4638-BC62-FA1A2B50082B}" type="presOf" srcId="{FA896EF7-C2FC-45A5-ABDB-9E9203C1C26D}" destId="{AE913CEE-1D65-4B6C-9F39-8D5747D9AB39}" srcOrd="0" destOrd="0" presId="urn:microsoft.com/office/officeart/2005/8/layout/cycle5"/>
-    <dgm:cxn modelId="{A27447DD-21BC-4359-A0AD-806B80D4C02D}" type="presParOf" srcId="{A7D02A33-AD42-4595-8E88-6800AB198885}" destId="{6DC8EF65-B572-4F2D-A52C-CE07C0D0B097}" srcOrd="0" destOrd="0" presId="urn:microsoft.com/office/officeart/2005/8/layout/cycle5"/>
-    <dgm:cxn modelId="{E100BC63-A74A-4995-88DC-7206ACDC38CA}" type="presParOf" srcId="{A7D02A33-AD42-4595-8E88-6800AB198885}" destId="{50BF18FF-241D-4501-AD00-4FF52192A1FF}" srcOrd="1" destOrd="0" presId="urn:microsoft.com/office/officeart/2005/8/layout/cycle5"/>
-    <dgm:cxn modelId="{D707C463-AEA9-4EA8-9B77-BE0D204EE80A}" type="presParOf" srcId="{A7D02A33-AD42-4595-8E88-6800AB198885}" destId="{80F63A13-3458-4BC4-877A-FFFC5C29D88C}" srcOrd="2" destOrd="0" presId="urn:microsoft.com/office/officeart/2005/8/layout/cycle5"/>
+    <dgm:cxn modelId="{84684647-D5B0-4851-B616-271C80620CE0}" srcId="{03856155-FD83-4713-9AF9-E4718D3AA998}" destId="{2E00AD79-EBCB-4097-BFFF-4C1C5C4AF5DF}" srcOrd="0" destOrd="0" parTransId="{547C0F76-C03C-4AC2-A07F-9CCC8ACA8539}" sibTransId="{54933270-4768-48AC-9D88-31C5168A9479}"/>
+    <dgm:cxn modelId="{8F3CA4C6-181F-4BE6-80D3-5BCB440D9510}" type="presParOf" srcId="{A7D02A33-AD42-4595-8E88-6800AB198885}" destId="{95536F8B-047C-4CFE-950F-CD545083B847}" srcOrd="0" destOrd="0" presId="urn:microsoft.com/office/officeart/2005/8/layout/cycle5"/>
+    <dgm:cxn modelId="{E1E1ADFD-011C-407D-9143-23A856C67DB2}" type="presParOf" srcId="{A7D02A33-AD42-4595-8E88-6800AB198885}" destId="{E8CEFA2F-A8B7-4AB7-9E67-305951950881}" srcOrd="1" destOrd="0" presId="urn:microsoft.com/office/officeart/2005/8/layout/cycle5"/>
+    <dgm:cxn modelId="{40314895-793D-4DC8-A6B8-125C9681218A}" type="presParOf" srcId="{A7D02A33-AD42-4595-8E88-6800AB198885}" destId="{A33DA93F-9AD0-48CD-BFA2-B59160A40000}" srcOrd="2" destOrd="0" presId="urn:microsoft.com/office/officeart/2005/8/layout/cycle5"/>
     <dgm:cxn modelId="{D20B8C49-68E6-4445-BF1F-20DC2FF49F0C}" type="presParOf" srcId="{A7D02A33-AD42-4595-8E88-6800AB198885}" destId="{423C6284-D53E-4FC3-BCD8-B367E087B638}" srcOrd="3" destOrd="0" presId="urn:microsoft.com/office/officeart/2005/8/layout/cycle5"/>
     <dgm:cxn modelId="{DCC7BF56-D6CE-4C16-86B4-6ADC3D81075A}" type="presParOf" srcId="{A7D02A33-AD42-4595-8E88-6800AB198885}" destId="{C1A9F3FF-0913-493A-8F3C-AA502155BF7F}" srcOrd="4" destOrd="0" presId="urn:microsoft.com/office/officeart/2005/8/layout/cycle5"/>
     <dgm:cxn modelId="{E1A31590-DAD0-400D-9DF4-68E070851424}" type="presParOf" srcId="{A7D02A33-AD42-4595-8E88-6800AB198885}" destId="{AE913CEE-1D65-4B6C-9F39-8D5747D9AB39}" srcOrd="5" destOrd="0" presId="urn:microsoft.com/office/officeart/2005/8/layout/cycle5"/>
@@ -1680,7 +1686,7 @@
       <dsp:cNvGrpSpPr/>
     </dsp:nvGrpSpPr>
     <dsp:grpSpPr/>
-    <dsp:sp modelId="{6DC8EF65-B572-4F2D-A52C-CE07C0D0B097}">
+    <dsp:sp modelId="{95536F8B-047C-4CFE-950F-CD545083B847}">
       <dsp:nvSpPr>
         <dsp:cNvPr id="0" name=""/>
         <dsp:cNvSpPr/>
@@ -1747,6 +1753,10 @@
             </a:spcAft>
           </a:pPr>
           <a:r>
+            <a:rPr lang="en-US" sz="700" kern="1200" dirty="0" smtClean="0"/>
+            <a:t>Start with </a:t>
+          </a:r>
+          <a:r>
             <a:rPr lang="en-US" sz="700" kern="1200" dirty="0" err="1" smtClean="0"/>
             <a:t>Config</a:t>
           </a:r>
@@ -1762,7 +1772,7 @@
         <a:ext cx="779561" cy="488226"/>
       </dsp:txXfrm>
     </dsp:sp>
-    <dsp:sp modelId="{80F63A13-3458-4BC4-877A-FFFC5C29D88C}">
+    <dsp:sp modelId="{A33DA93F-9AD0-48CD-BFA2-B59160A40000}">
       <dsp:nvSpPr>
         <dsp:cNvPr id="0" name=""/>
         <dsp:cNvSpPr/>
@@ -2028,11 +2038,15 @@
           </a:pPr>
           <a:r>
             <a:rPr lang="en-US" sz="700" kern="1200" dirty="0" err="1" smtClean="0"/>
-            <a:t>AcceptedParams</a:t>
+            <a:t>acceptedParams</a:t>
           </a:r>
           <a:r>
             <a:rPr lang="en-US" sz="700" kern="1200" dirty="0" smtClean="0"/>
-            <a:t> -&gt; dialog</a:t>
+            <a:t> </a:t>
+          </a:r>
+          <a:r>
+            <a:rPr lang="en-US" sz="700" kern="1200" dirty="0" smtClean="0"/>
+            <a:t>-&gt; dialog</a:t>
           </a:r>
           <a:endParaRPr lang="en-US" sz="700" kern="1200" dirty="0"/>
         </a:p>
@@ -2955,11 +2969,15 @@
           </a:pPr>
           <a:r>
             <a:rPr lang="en-US" sz="700" kern="1200" dirty="0" err="1" smtClean="0"/>
-            <a:t>acceptedParamss</a:t>
+            <a:t>acceptedParams</a:t>
           </a:r>
           <a:r>
             <a:rPr lang="en-US" sz="700" kern="1200" dirty="0" smtClean="0"/>
-            <a:t> -&gt; </a:t>
+            <a:t> </a:t>
+          </a:r>
+          <a:r>
+            <a:rPr lang="en-US" sz="700" kern="1200" dirty="0" smtClean="0"/>
+            <a:t>-&gt; </a:t>
           </a:r>
           <a:r>
             <a:rPr lang="en-US" sz="700" kern="1200" dirty="0" err="1" smtClean="0"/>
@@ -4404,7 +4422,7 @@
           <a:p>
             <a:fld id="{120637B1-EAAC-43C2-83FD-28F64C252A1C}" type="datetimeFigureOut">
               <a:rPr lang="en-US" smtClean="0"/>
-              <a:t>2/7/2016</a:t>
+              <a:t>2/8/2016</a:t>
             </a:fld>
             <a:endParaRPr lang="en-US"/>
           </a:p>
@@ -4574,7 +4592,7 @@
           <a:p>
             <a:fld id="{120637B1-EAAC-43C2-83FD-28F64C252A1C}" type="datetimeFigureOut">
               <a:rPr lang="en-US" smtClean="0"/>
-              <a:t>2/7/2016</a:t>
+              <a:t>2/8/2016</a:t>
             </a:fld>
             <a:endParaRPr lang="en-US"/>
           </a:p>
@@ -4754,7 +4772,7 @@
           <a:p>
             <a:fld id="{120637B1-EAAC-43C2-83FD-28F64C252A1C}" type="datetimeFigureOut">
               <a:rPr lang="en-US" smtClean="0"/>
-              <a:t>2/7/2016</a:t>
+              <a:t>2/8/2016</a:t>
             </a:fld>
             <a:endParaRPr lang="en-US"/>
           </a:p>
@@ -4924,7 +4942,7 @@
           <a:p>
             <a:fld id="{120637B1-EAAC-43C2-83FD-28F64C252A1C}" type="datetimeFigureOut">
               <a:rPr lang="en-US" smtClean="0"/>
-              <a:t>2/7/2016</a:t>
+              <a:t>2/8/2016</a:t>
             </a:fld>
             <a:endParaRPr lang="en-US"/>
           </a:p>
@@ -5170,7 +5188,7 @@
           <a:p>
             <a:fld id="{120637B1-EAAC-43C2-83FD-28F64C252A1C}" type="datetimeFigureOut">
               <a:rPr lang="en-US" smtClean="0"/>
-              <a:t>2/7/2016</a:t>
+              <a:t>2/8/2016</a:t>
             </a:fld>
             <a:endParaRPr lang="en-US"/>
           </a:p>
@@ -5402,7 +5420,7 @@
           <a:p>
             <a:fld id="{120637B1-EAAC-43C2-83FD-28F64C252A1C}" type="datetimeFigureOut">
               <a:rPr lang="en-US" smtClean="0"/>
-              <a:t>2/7/2016</a:t>
+              <a:t>2/8/2016</a:t>
             </a:fld>
             <a:endParaRPr lang="en-US"/>
           </a:p>
@@ -5769,7 +5787,7 @@
           <a:p>
             <a:fld id="{120637B1-EAAC-43C2-83FD-28F64C252A1C}" type="datetimeFigureOut">
               <a:rPr lang="en-US" smtClean="0"/>
-              <a:t>2/7/2016</a:t>
+              <a:t>2/8/2016</a:t>
             </a:fld>
             <a:endParaRPr lang="en-US"/>
           </a:p>
@@ -5887,7 +5905,7 @@
           <a:p>
             <a:fld id="{120637B1-EAAC-43C2-83FD-28F64C252A1C}" type="datetimeFigureOut">
               <a:rPr lang="en-US" smtClean="0"/>
-              <a:t>2/7/2016</a:t>
+              <a:t>2/8/2016</a:t>
             </a:fld>
             <a:endParaRPr lang="en-US"/>
           </a:p>
@@ -5982,7 +6000,7 @@
           <a:p>
             <a:fld id="{120637B1-EAAC-43C2-83FD-28F64C252A1C}" type="datetimeFigureOut">
               <a:rPr lang="en-US" smtClean="0"/>
-              <a:t>2/7/2016</a:t>
+              <a:t>2/8/2016</a:t>
             </a:fld>
             <a:endParaRPr lang="en-US"/>
           </a:p>
@@ -6259,7 +6277,7 @@
           <a:p>
             <a:fld id="{120637B1-EAAC-43C2-83FD-28F64C252A1C}" type="datetimeFigureOut">
               <a:rPr lang="en-US" smtClean="0"/>
-              <a:t>2/7/2016</a:t>
+              <a:t>2/8/2016</a:t>
             </a:fld>
             <a:endParaRPr lang="en-US"/>
           </a:p>
@@ -6512,7 +6530,7 @@
           <a:p>
             <a:fld id="{120637B1-EAAC-43C2-83FD-28F64C252A1C}" type="datetimeFigureOut">
               <a:rPr lang="en-US" smtClean="0"/>
-              <a:t>2/7/2016</a:t>
+              <a:t>2/8/2016</a:t>
             </a:fld>
             <a:endParaRPr lang="en-US"/>
           </a:p>
@@ -6725,7 +6743,7 @@
           <a:p>
             <a:fld id="{120637B1-EAAC-43C2-83FD-28F64C252A1C}" type="datetimeFigureOut">
               <a:rPr lang="en-US" smtClean="0"/>
-              <a:t>2/7/2016</a:t>
+              <a:t>2/8/2016</a:t>
             </a:fld>
             <a:endParaRPr lang="en-US"/>
           </a:p>
@@ -7632,7 +7650,7 @@
         <p:spPr>
           <a:xfrm>
             <a:off x="574222" y="1833216"/>
-            <a:ext cx="3962398" cy="2585323"/>
+            <a:ext cx="3962398" cy="2862322"/>
           </a:xfrm>
           <a:prstGeom prst="rect">
             <a:avLst/>
@@ -7648,7 +7666,26 @@
             <a:pPr defTabSz="274320"/>
             <a:r>
               <a:rPr lang="en-US" dirty="0" smtClean="0"/>
-              <a:t>// Schematic – records &lt;&gt; editor tabs</a:t>
+              <a:t>// </a:t>
+            </a:r>
+            <a:r>
+              <a:rPr lang="en-US" dirty="0" smtClean="0"/>
+              <a:t>Schematic</a:t>
+            </a:r>
+          </a:p>
+          <a:p>
+            <a:pPr defTabSz="274320"/>
+            <a:r>
+              <a:rPr lang="en-US" dirty="0" smtClean="0"/>
+              <a:t>// Note: </a:t>
+            </a:r>
+            <a:r>
+              <a:rPr lang="en-US" dirty="0" smtClean="0"/>
+              <a:t>records </a:t>
+            </a:r>
+            <a:r>
+              <a:rPr lang="en-US" dirty="0" smtClean="0"/>
+              <a:t>&lt;&gt; editor tabs</a:t>
             </a:r>
           </a:p>
           <a:p>
@@ -7823,7 +7860,7 @@
         </p:nvSpPr>
         <p:spPr>
           <a:xfrm>
-            <a:off x="574222" y="5005614"/>
+            <a:off x="574222" y="5259614"/>
             <a:ext cx="3962398" cy="369332"/>
           </a:xfrm>
           <a:prstGeom prst="rect">
@@ -7860,7 +7897,7 @@
           <p:nvPr>
             <p:extLst>
               <p:ext uri="{D42A27DB-BD31-4B8C-83A1-F6EECF244321}">
-                <p14:modId xmlns:p14="http://schemas.microsoft.com/office/powerpoint/2010/main" val="86405848"/>
+                <p14:modId xmlns:p14="http://schemas.microsoft.com/office/powerpoint/2010/main" val="1624288768"/>
               </p:ext>
             </p:extLst>
           </p:nvPr>
@@ -7936,9 +7973,41 @@
           <a:p>
             <a:r>
               <a:rPr lang="en-US" dirty="0" smtClean="0"/>
-              <a:t>Components of a Stream, one per Sample Rate</a:t>
-            </a:r>
-            <a:endParaRPr lang="en-US" dirty="0"/>
+              <a:t>Stream Components    </a:t>
+            </a:r>
+            <a:r>
+              <a:rPr lang="en-US" sz="3600" dirty="0" smtClean="0"/>
+              <a:t>(</a:t>
+            </a:r>
+            <a:r>
+              <a:rPr lang="en-US" sz="3600" dirty="0" smtClean="0">
+                <a:solidFill>
+                  <a:srgbClr val="00B0F0"/>
+                </a:solidFill>
+              </a:rPr>
+              <a:t>1 stream per sample </a:t>
+            </a:r>
+            <a:r>
+              <a:rPr lang="en-US" sz="3600" dirty="0" smtClean="0">
+                <a:solidFill>
+                  <a:srgbClr val="00B0F0"/>
+                </a:solidFill>
+              </a:rPr>
+              <a:t>r</a:t>
+            </a:r>
+            <a:r>
+              <a:rPr lang="en-US" sz="3600" dirty="0" smtClean="0">
+                <a:solidFill>
+                  <a:srgbClr val="00B0F0"/>
+                </a:solidFill>
+              </a:rPr>
+              <a:t>ate</a:t>
+            </a:r>
+            <a:r>
+              <a:rPr lang="en-US" sz="3600" dirty="0" smtClean="0"/>
+              <a:t>)</a:t>
+            </a:r>
+            <a:endParaRPr lang="en-US" sz="3600" dirty="0"/>
           </a:p>
         </p:txBody>
       </p:sp>
@@ -8878,6 +8947,800 @@
 </p:sld>
 </file>
 
+<file path=ppt/slides/slide5.xml><?xml version="1.0" encoding="utf-8"?>
+<p:sld xmlns:a="http://schemas.openxmlformats.org/drawingml/2006/main" xmlns:r="http://schemas.openxmlformats.org/officeDocument/2006/relationships" xmlns:p="http://schemas.openxmlformats.org/presentationml/2006/main">
+  <p:cSld>
+    <p:spTree>
+      <p:nvGrpSpPr>
+        <p:cNvPr id="1" name=""/>
+        <p:cNvGrpSpPr/>
+        <p:nvPr/>
+      </p:nvGrpSpPr>
+      <p:grpSpPr>
+        <a:xfrm>
+          <a:off x="0" y="0"/>
+          <a:ext cx="0" cy="0"/>
+          <a:chOff x="0" y="0"/>
+          <a:chExt cx="0" cy="0"/>
+        </a:xfrm>
+      </p:grpSpPr>
+      <p:grpSp>
+        <p:nvGrpSpPr>
+          <p:cNvPr id="48" name="Group 47"/>
+          <p:cNvGrpSpPr/>
+          <p:nvPr/>
+        </p:nvGrpSpPr>
+        <p:grpSpPr>
+          <a:xfrm>
+            <a:off x="1752600" y="1838325"/>
+            <a:ext cx="8077200" cy="3409950"/>
+            <a:chOff x="609600" y="1457325"/>
+            <a:chExt cx="8077200" cy="3409950"/>
+          </a:xfrm>
+        </p:grpSpPr>
+        <p:sp>
+          <p:nvSpPr>
+            <p:cNvPr id="23" name="Rectangle 22"/>
+            <p:cNvSpPr/>
+            <p:nvPr/>
+          </p:nvSpPr>
+          <p:spPr>
+            <a:xfrm>
+              <a:off x="5410200" y="1457325"/>
+              <a:ext cx="3276600" cy="2438400"/>
+            </a:xfrm>
+            <a:prstGeom prst="rect">
+              <a:avLst/>
+            </a:prstGeom>
+            <a:solidFill>
+              <a:schemeClr val="accent1">
+                <a:lumMod val="20000"/>
+                <a:lumOff val="80000"/>
+              </a:schemeClr>
+            </a:solidFill>
+            <a:scene3d>
+              <a:camera prst="isometricLeftDown"/>
+              <a:lightRig rig="threePt" dir="t"/>
+            </a:scene3d>
+          </p:spPr>
+          <p:style>
+            <a:lnRef idx="2">
+              <a:schemeClr val="accent1">
+                <a:shade val="50000"/>
+              </a:schemeClr>
+            </a:lnRef>
+            <a:fillRef idx="1">
+              <a:schemeClr val="accent1"/>
+            </a:fillRef>
+            <a:effectRef idx="0">
+              <a:schemeClr val="accent1"/>
+            </a:effectRef>
+            <a:fontRef idx="minor">
+              <a:schemeClr val="lt1"/>
+            </a:fontRef>
+          </p:style>
+          <p:txBody>
+            <a:bodyPr rtlCol="0" anchor="t"/>
+            <a:lstStyle/>
+            <a:p>
+              <a:pPr algn="ctr"/>
+              <a:r>
+                <a:rPr lang="en-US" sz="2000" dirty="0" err="1">
+                  <a:solidFill>
+                    <a:schemeClr val="tx1"/>
+                  </a:solidFill>
+                </a:rPr>
+                <a:t>GraphsWindow</a:t>
+              </a:r>
+              <a:endParaRPr lang="en-US" sz="2000" dirty="0">
+                <a:solidFill>
+                  <a:schemeClr val="tx1"/>
+                </a:solidFill>
+              </a:endParaRPr>
+            </a:p>
+          </p:txBody>
+        </p:sp>
+        <p:grpSp>
+          <p:nvGrpSpPr>
+            <p:cNvPr id="22" name="Group 21"/>
+            <p:cNvGrpSpPr/>
+            <p:nvPr/>
+          </p:nvGrpSpPr>
+          <p:grpSpPr>
+            <a:xfrm>
+              <a:off x="4638675" y="1838325"/>
+              <a:ext cx="3133725" cy="2667000"/>
+              <a:chOff x="1219200" y="3429000"/>
+              <a:chExt cx="3133725" cy="2667000"/>
+            </a:xfrm>
+            <a:scene3d>
+              <a:camera prst="isometricLeftDown"/>
+              <a:lightRig rig="threePt" dir="t"/>
+            </a:scene3d>
+          </p:grpSpPr>
+          <p:sp>
+            <p:nvSpPr>
+              <p:cNvPr id="13" name="Rectangle 12"/>
+              <p:cNvSpPr/>
+              <p:nvPr/>
+            </p:nvSpPr>
+            <p:spPr>
+              <a:xfrm>
+                <a:off x="1219200" y="3810000"/>
+                <a:ext cx="3124200" cy="1905000"/>
+              </a:xfrm>
+              <a:prstGeom prst="rect">
+                <a:avLst/>
+              </a:prstGeom>
+              <a:solidFill>
+                <a:schemeClr val="accent1">
+                  <a:lumMod val="20000"/>
+                  <a:lumOff val="80000"/>
+                </a:schemeClr>
+              </a:solidFill>
+            </p:spPr>
+            <p:style>
+              <a:lnRef idx="2">
+                <a:schemeClr val="accent1">
+                  <a:shade val="50000"/>
+                </a:schemeClr>
+              </a:lnRef>
+              <a:fillRef idx="1">
+                <a:schemeClr val="accent1"/>
+              </a:fillRef>
+              <a:effectRef idx="0">
+                <a:schemeClr val="accent1"/>
+              </a:effectRef>
+              <a:fontRef idx="minor">
+                <a:schemeClr val="lt1"/>
+              </a:fontRef>
+            </p:style>
+            <p:txBody>
+              <a:bodyPr rtlCol="0" anchor="ctr"/>
+              <a:lstStyle/>
+              <a:p>
+                <a:pPr algn="ctr"/>
+                <a:r>
+                  <a:rPr lang="en-US" sz="2000" dirty="0">
+                    <a:solidFill>
+                      <a:schemeClr val="tx1"/>
+                    </a:solidFill>
+                  </a:rPr>
+                  <a:t>Central Widget</a:t>
+                </a:r>
+                <a:endParaRPr lang="en-US" sz="2000" dirty="0">
+                  <a:solidFill>
+                    <a:schemeClr val="tx1"/>
+                  </a:solidFill>
+                </a:endParaRPr>
+              </a:p>
+            </p:txBody>
+          </p:sp>
+          <p:sp>
+            <p:nvSpPr>
+              <p:cNvPr id="20" name="Rectangle 19"/>
+              <p:cNvSpPr/>
+              <p:nvPr/>
+            </p:nvSpPr>
+            <p:spPr>
+              <a:xfrm>
+                <a:off x="1219200" y="3429000"/>
+                <a:ext cx="3124200" cy="228600"/>
+              </a:xfrm>
+              <a:prstGeom prst="rect">
+                <a:avLst/>
+              </a:prstGeom>
+              <a:solidFill>
+                <a:schemeClr val="tx2">
+                  <a:lumMod val="40000"/>
+                  <a:lumOff val="60000"/>
+                </a:schemeClr>
+              </a:solidFill>
+            </p:spPr>
+            <p:style>
+              <a:lnRef idx="2">
+                <a:schemeClr val="accent1">
+                  <a:shade val="50000"/>
+                </a:schemeClr>
+              </a:lnRef>
+              <a:fillRef idx="1">
+                <a:schemeClr val="accent1"/>
+              </a:fillRef>
+              <a:effectRef idx="0">
+                <a:schemeClr val="accent1"/>
+              </a:effectRef>
+              <a:fontRef idx="minor">
+                <a:schemeClr val="lt1"/>
+              </a:fontRef>
+            </p:style>
+            <p:txBody>
+              <a:bodyPr rtlCol="0" anchor="ctr"/>
+              <a:lstStyle/>
+              <a:p>
+                <a:pPr algn="ctr"/>
+                <a:r>
+                  <a:rPr lang="en-US" sz="2000" dirty="0">
+                    <a:solidFill>
+                      <a:schemeClr val="tx1"/>
+                    </a:solidFill>
+                  </a:rPr>
+                  <a:t>Toolbar</a:t>
+                </a:r>
+                <a:endParaRPr lang="en-US" sz="2000" dirty="0">
+                  <a:solidFill>
+                    <a:schemeClr val="tx1"/>
+                  </a:solidFill>
+                </a:endParaRPr>
+              </a:p>
+            </p:txBody>
+          </p:sp>
+          <p:sp>
+            <p:nvSpPr>
+              <p:cNvPr id="21" name="Rectangle 20"/>
+              <p:cNvSpPr/>
+              <p:nvPr/>
+            </p:nvSpPr>
+            <p:spPr>
+              <a:xfrm>
+                <a:off x="1228725" y="5867400"/>
+                <a:ext cx="3124200" cy="228600"/>
+              </a:xfrm>
+              <a:prstGeom prst="rect">
+                <a:avLst/>
+              </a:prstGeom>
+              <a:solidFill>
+                <a:schemeClr val="tx2">
+                  <a:lumMod val="40000"/>
+                  <a:lumOff val="60000"/>
+                </a:schemeClr>
+              </a:solidFill>
+            </p:spPr>
+            <p:style>
+              <a:lnRef idx="2">
+                <a:schemeClr val="accent1">
+                  <a:shade val="50000"/>
+                </a:schemeClr>
+              </a:lnRef>
+              <a:fillRef idx="1">
+                <a:schemeClr val="accent1"/>
+              </a:fillRef>
+              <a:effectRef idx="0">
+                <a:schemeClr val="accent1"/>
+              </a:effectRef>
+              <a:fontRef idx="minor">
+                <a:schemeClr val="lt1"/>
+              </a:fontRef>
+            </p:style>
+            <p:txBody>
+              <a:bodyPr rtlCol="0" anchor="ctr"/>
+              <a:lstStyle/>
+              <a:p>
+                <a:pPr algn="ctr"/>
+                <a:r>
+                  <a:rPr lang="en-US" sz="2000" dirty="0">
+                    <a:solidFill>
+                      <a:schemeClr val="tx1"/>
+                    </a:solidFill>
+                  </a:rPr>
+                  <a:t>Status Bar, LEDs</a:t>
+                </a:r>
+                <a:endParaRPr lang="en-US" sz="2000" dirty="0">
+                  <a:solidFill>
+                    <a:schemeClr val="tx1"/>
+                  </a:solidFill>
+                </a:endParaRPr>
+              </a:p>
+            </p:txBody>
+          </p:sp>
+        </p:grpSp>
+        <p:cxnSp>
+          <p:nvCxnSpPr>
+            <p:cNvPr id="35" name="Straight Connector 34"/>
+            <p:cNvCxnSpPr/>
+            <p:nvPr/>
+          </p:nvCxnSpPr>
+          <p:spPr>
+            <a:xfrm flipH="1">
+              <a:off x="3581400" y="2852737"/>
+              <a:ext cx="1924050" cy="652463"/>
+            </a:xfrm>
+            <a:prstGeom prst="line">
+              <a:avLst/>
+            </a:prstGeom>
+            <a:ln>
+              <a:prstDash val="lgDash"/>
+            </a:ln>
+          </p:spPr>
+          <p:style>
+            <a:lnRef idx="1">
+              <a:schemeClr val="accent1"/>
+            </a:lnRef>
+            <a:fillRef idx="0">
+              <a:schemeClr val="accent1"/>
+            </a:fillRef>
+            <a:effectRef idx="0">
+              <a:schemeClr val="accent1"/>
+            </a:effectRef>
+            <a:fontRef idx="minor">
+              <a:schemeClr val="tx1"/>
+            </a:fontRef>
+          </p:style>
+        </p:cxnSp>
+        <p:grpSp>
+          <p:nvGrpSpPr>
+            <p:cNvPr id="26" name="Group 25"/>
+            <p:cNvGrpSpPr/>
+            <p:nvPr/>
+          </p:nvGrpSpPr>
+          <p:grpSpPr>
+            <a:xfrm>
+              <a:off x="2667000" y="2905125"/>
+              <a:ext cx="3124200" cy="1905000"/>
+              <a:chOff x="2667000" y="2514600"/>
+              <a:chExt cx="3124200" cy="1905000"/>
+            </a:xfrm>
+            <a:scene3d>
+              <a:camera prst="isometricLeftDown"/>
+              <a:lightRig rig="threePt" dir="t"/>
+            </a:scene3d>
+          </p:grpSpPr>
+          <p:sp>
+            <p:nvSpPr>
+              <p:cNvPr id="4" name="Rectangle 3"/>
+              <p:cNvSpPr/>
+              <p:nvPr/>
+            </p:nvSpPr>
+            <p:spPr>
+              <a:xfrm>
+                <a:off x="2667000" y="2514600"/>
+                <a:ext cx="3124200" cy="1905000"/>
+              </a:xfrm>
+              <a:prstGeom prst="rect">
+                <a:avLst/>
+              </a:prstGeom>
+              <a:solidFill>
+                <a:schemeClr val="accent1">
+                  <a:lumMod val="20000"/>
+                  <a:lumOff val="80000"/>
+                </a:schemeClr>
+              </a:solidFill>
+            </p:spPr>
+            <p:style>
+              <a:lnRef idx="2">
+                <a:schemeClr val="accent1">
+                  <a:shade val="50000"/>
+                </a:schemeClr>
+              </a:lnRef>
+              <a:fillRef idx="1">
+                <a:schemeClr val="accent1"/>
+              </a:fillRef>
+              <a:effectRef idx="0">
+                <a:schemeClr val="accent1"/>
+              </a:effectRef>
+              <a:fontRef idx="minor">
+                <a:schemeClr val="lt1"/>
+              </a:fontRef>
+            </p:style>
+            <p:txBody>
+              <a:bodyPr rtlCol="0" anchor="ctr"/>
+              <a:lstStyle/>
+              <a:p>
+                <a:pPr algn="ctr"/>
+                <a:endParaRPr lang="en-US">
+                  <a:effectLst>
+                    <a:outerShdw blurRad="38100" dist="38100" dir="2700000" algn="tl">
+                      <a:srgbClr val="000000">
+                        <a:alpha val="43137"/>
+                      </a:srgbClr>
+                    </a:outerShdw>
+                  </a:effectLst>
+                </a:endParaRPr>
+              </a:p>
+            </p:txBody>
+          </p:sp>
+          <p:sp>
+            <p:nvSpPr>
+              <p:cNvPr id="7" name="Rectangle 6"/>
+              <p:cNvSpPr/>
+              <p:nvPr/>
+            </p:nvSpPr>
+            <p:spPr>
+              <a:xfrm>
+                <a:off x="2819400" y="2638425"/>
+                <a:ext cx="2819400" cy="1676400"/>
+              </a:xfrm>
+              <a:prstGeom prst="rect">
+                <a:avLst/>
+              </a:prstGeom>
+              <a:solidFill>
+                <a:schemeClr val="accent1">
+                  <a:lumMod val="20000"/>
+                  <a:lumOff val="80000"/>
+                </a:schemeClr>
+              </a:solidFill>
+            </p:spPr>
+            <p:style>
+              <a:lnRef idx="2">
+                <a:schemeClr val="accent1">
+                  <a:shade val="50000"/>
+                </a:schemeClr>
+              </a:lnRef>
+              <a:fillRef idx="1">
+                <a:schemeClr val="accent1"/>
+              </a:fillRef>
+              <a:effectRef idx="0">
+                <a:schemeClr val="accent1"/>
+              </a:effectRef>
+              <a:fontRef idx="minor">
+                <a:schemeClr val="lt1"/>
+              </a:fontRef>
+            </p:style>
+            <p:txBody>
+              <a:bodyPr rtlCol="0" anchor="t"/>
+              <a:lstStyle/>
+              <a:p>
+                <a:pPr algn="ctr"/>
+                <a:r>
+                  <a:rPr lang="en-US" sz="2000" dirty="0">
+                    <a:solidFill>
+                      <a:schemeClr val="tx1"/>
+                    </a:solidFill>
+                    <a:effectLst>
+                      <a:outerShdw blurRad="38100" dist="38100" dir="2700000" algn="tl">
+                        <a:srgbClr val="000000">
+                          <a:alpha val="43137"/>
+                        </a:srgbClr>
+                      </a:outerShdw>
+                    </a:effectLst>
+                  </a:rPr>
+                  <a:t>Splitter</a:t>
+                </a:r>
+                <a:endParaRPr lang="en-US" sz="2000" dirty="0">
+                  <a:solidFill>
+                    <a:schemeClr val="tx1"/>
+                  </a:solidFill>
+                  <a:effectLst>
+                    <a:outerShdw blurRad="38100" dist="38100" dir="2700000" algn="tl">
+                      <a:srgbClr val="000000">
+                        <a:alpha val="43137"/>
+                      </a:srgbClr>
+                    </a:outerShdw>
+                  </a:effectLst>
+                </a:endParaRPr>
+              </a:p>
+            </p:txBody>
+          </p:sp>
+          <p:cxnSp>
+            <p:nvCxnSpPr>
+              <p:cNvPr id="9" name="Straight Connector 8"/>
+              <p:cNvCxnSpPr>
+                <a:stCxn id="7" idx="1"/>
+                <a:endCxn id="7" idx="3"/>
+              </p:cNvCxnSpPr>
+              <p:nvPr/>
+            </p:nvCxnSpPr>
+            <p:spPr>
+              <a:xfrm>
+                <a:off x="2819400" y="3476625"/>
+                <a:ext cx="2819400" cy="0"/>
+              </a:xfrm>
+              <a:prstGeom prst="line">
+                <a:avLst/>
+              </a:prstGeom>
+              <a:ln w="19050"/>
+            </p:spPr>
+            <p:style>
+              <a:lnRef idx="1">
+                <a:schemeClr val="accent1"/>
+              </a:lnRef>
+              <a:fillRef idx="0">
+                <a:schemeClr val="accent1"/>
+              </a:fillRef>
+              <a:effectRef idx="0">
+                <a:schemeClr val="accent1"/>
+              </a:effectRef>
+              <a:fontRef idx="minor">
+                <a:schemeClr val="tx1"/>
+              </a:fontRef>
+            </p:style>
+          </p:cxnSp>
+          <p:cxnSp>
+            <p:nvCxnSpPr>
+              <p:cNvPr id="10" name="Straight Connector 9"/>
+              <p:cNvCxnSpPr/>
+              <p:nvPr/>
+            </p:nvCxnSpPr>
+            <p:spPr>
+              <a:xfrm>
+                <a:off x="2819400" y="3552825"/>
+                <a:ext cx="2819400" cy="0"/>
+              </a:xfrm>
+              <a:prstGeom prst="line">
+                <a:avLst/>
+              </a:prstGeom>
+              <a:ln w="19050"/>
+            </p:spPr>
+            <p:style>
+              <a:lnRef idx="1">
+                <a:schemeClr val="accent1"/>
+              </a:lnRef>
+              <a:fillRef idx="0">
+                <a:schemeClr val="accent1"/>
+              </a:fillRef>
+              <a:effectRef idx="0">
+                <a:schemeClr val="accent1"/>
+              </a:effectRef>
+              <a:fontRef idx="minor">
+                <a:schemeClr val="tx1"/>
+              </a:fontRef>
+            </p:style>
+          </p:cxnSp>
+        </p:grpSp>
+        <p:cxnSp>
+          <p:nvCxnSpPr>
+            <p:cNvPr id="30" name="Straight Connector 29"/>
+            <p:cNvCxnSpPr/>
+            <p:nvPr/>
+          </p:nvCxnSpPr>
+          <p:spPr>
+            <a:xfrm flipH="1">
+              <a:off x="2314576" y="4191000"/>
+              <a:ext cx="1800224" cy="314325"/>
+            </a:xfrm>
+            <a:prstGeom prst="line">
+              <a:avLst/>
+            </a:prstGeom>
+            <a:ln>
+              <a:prstDash val="lgDash"/>
+            </a:ln>
+          </p:spPr>
+          <p:style>
+            <a:lnRef idx="1">
+              <a:schemeClr val="accent1"/>
+            </a:lnRef>
+            <a:fillRef idx="0">
+              <a:schemeClr val="accent1"/>
+            </a:fillRef>
+            <a:effectRef idx="0">
+              <a:schemeClr val="accent1"/>
+            </a:effectRef>
+            <a:fontRef idx="minor">
+              <a:schemeClr val="tx1"/>
+            </a:fontRef>
+          </p:style>
+        </p:cxnSp>
+        <p:cxnSp>
+          <p:nvCxnSpPr>
+            <p:cNvPr id="31" name="Straight Connector 30"/>
+            <p:cNvCxnSpPr/>
+            <p:nvPr/>
+          </p:nvCxnSpPr>
+          <p:spPr>
+            <a:xfrm flipH="1" flipV="1">
+              <a:off x="2019300" y="2547937"/>
+              <a:ext cx="2095501" cy="957263"/>
+            </a:xfrm>
+            <a:prstGeom prst="line">
+              <a:avLst/>
+            </a:prstGeom>
+            <a:ln>
+              <a:prstDash val="lgDash"/>
+            </a:ln>
+          </p:spPr>
+          <p:style>
+            <a:lnRef idx="1">
+              <a:schemeClr val="accent1"/>
+            </a:lnRef>
+            <a:fillRef idx="0">
+              <a:schemeClr val="accent1"/>
+            </a:fillRef>
+            <a:effectRef idx="0">
+              <a:schemeClr val="accent1"/>
+            </a:effectRef>
+            <a:fontRef idx="minor">
+              <a:schemeClr val="tx1"/>
+            </a:fontRef>
+          </p:style>
+        </p:cxnSp>
+        <p:sp>
+          <p:nvSpPr>
+            <p:cNvPr id="25" name="Rectangle 24"/>
+            <p:cNvSpPr/>
+            <p:nvPr/>
+          </p:nvSpPr>
+          <p:spPr>
+            <a:xfrm>
+              <a:off x="609600" y="2133600"/>
+              <a:ext cx="2819400" cy="828675"/>
+            </a:xfrm>
+            <a:prstGeom prst="rect">
+              <a:avLst/>
+            </a:prstGeom>
+            <a:solidFill>
+              <a:schemeClr val="accent1">
+                <a:lumMod val="20000"/>
+                <a:lumOff val="80000"/>
+              </a:schemeClr>
+            </a:solidFill>
+            <a:scene3d>
+              <a:camera prst="isometricLeftDown"/>
+              <a:lightRig rig="threePt" dir="t"/>
+            </a:scene3d>
+          </p:spPr>
+          <p:style>
+            <a:lnRef idx="2">
+              <a:schemeClr val="accent1">
+                <a:shade val="50000"/>
+              </a:schemeClr>
+            </a:lnRef>
+            <a:fillRef idx="1">
+              <a:schemeClr val="accent1"/>
+            </a:fillRef>
+            <a:effectRef idx="0">
+              <a:schemeClr val="accent1"/>
+            </a:effectRef>
+            <a:fontRef idx="minor">
+              <a:schemeClr val="lt1"/>
+            </a:fontRef>
+          </p:style>
+          <p:txBody>
+            <a:bodyPr rtlCol="0" anchor="ctr"/>
+            <a:lstStyle/>
+            <a:p>
+              <a:pPr algn="ctr"/>
+              <a:r>
+                <a:rPr lang="en-US" dirty="0">
+                  <a:solidFill>
+                    <a:schemeClr val="tx1"/>
+                  </a:solidFill>
+                </a:rPr>
+                <a:t>Stream Viewer</a:t>
+              </a:r>
+              <a:endParaRPr lang="en-US" dirty="0">
+                <a:solidFill>
+                  <a:schemeClr val="tx1"/>
+                </a:solidFill>
+              </a:endParaRPr>
+            </a:p>
+          </p:txBody>
+        </p:sp>
+        <p:sp>
+          <p:nvSpPr>
+            <p:cNvPr id="28" name="Rectangle 27"/>
+            <p:cNvSpPr/>
+            <p:nvPr/>
+          </p:nvSpPr>
+          <p:spPr>
+            <a:xfrm>
+              <a:off x="904875" y="4038600"/>
+              <a:ext cx="2819400" cy="828675"/>
+            </a:xfrm>
+            <a:prstGeom prst="rect">
+              <a:avLst/>
+            </a:prstGeom>
+            <a:solidFill>
+              <a:schemeClr val="accent1">
+                <a:lumMod val="20000"/>
+                <a:lumOff val="80000"/>
+              </a:schemeClr>
+            </a:solidFill>
+            <a:scene3d>
+              <a:camera prst="isometricLeftDown"/>
+              <a:lightRig rig="threePt" dir="t"/>
+            </a:scene3d>
+          </p:spPr>
+          <p:style>
+            <a:lnRef idx="2">
+              <a:schemeClr val="accent1">
+                <a:shade val="50000"/>
+              </a:schemeClr>
+            </a:lnRef>
+            <a:fillRef idx="1">
+              <a:schemeClr val="accent1"/>
+            </a:fillRef>
+            <a:effectRef idx="0">
+              <a:schemeClr val="accent1"/>
+            </a:effectRef>
+            <a:fontRef idx="minor">
+              <a:schemeClr val="lt1"/>
+            </a:fontRef>
+          </p:style>
+          <p:txBody>
+            <a:bodyPr rtlCol="0" anchor="ctr"/>
+            <a:lstStyle/>
+            <a:p>
+              <a:pPr algn="ctr"/>
+              <a:r>
+                <a:rPr lang="en-US" dirty="0">
+                  <a:solidFill>
+                    <a:schemeClr val="tx1"/>
+                  </a:solidFill>
+                </a:rPr>
+                <a:t>Stream Viewer</a:t>
+              </a:r>
+              <a:endParaRPr lang="en-US" dirty="0">
+                <a:solidFill>
+                  <a:schemeClr val="tx1"/>
+                </a:solidFill>
+              </a:endParaRPr>
+            </a:p>
+          </p:txBody>
+        </p:sp>
+      </p:grpSp>
+      <p:sp>
+        <p:nvSpPr>
+          <p:cNvPr id="18" name="Title 4"/>
+          <p:cNvSpPr txBox="1">
+            <a:spLocks/>
+          </p:cNvSpPr>
+          <p:nvPr/>
+        </p:nvSpPr>
+        <p:spPr>
+          <a:xfrm>
+            <a:off x="141514" y="138385"/>
+            <a:ext cx="10199914" cy="640715"/>
+          </a:xfrm>
+          <a:prstGeom prst="rect">
+            <a:avLst/>
+          </a:prstGeom>
+        </p:spPr>
+        <p:txBody>
+          <a:bodyPr vert="horz" lIns="91440" tIns="45720" rIns="91440" bIns="45720" rtlCol="0" anchor="b">
+            <a:noAutofit/>
+          </a:bodyPr>
+          <a:lstStyle>
+            <a:lvl1pPr algn="ctr" defTabSz="914400" rtl="0" eaLnBrk="1" latinLnBrk="0" hangingPunct="1">
+              <a:lnSpc>
+                <a:spcPct val="90000"/>
+              </a:lnSpc>
+              <a:spcBef>
+                <a:spcPct val="0"/>
+              </a:spcBef>
+              <a:buNone/>
+              <a:defRPr sz="6000" kern="1200">
+                <a:solidFill>
+                  <a:schemeClr val="tx1"/>
+                </a:solidFill>
+                <a:latin typeface="+mj-lt"/>
+                <a:ea typeface="+mj-ea"/>
+                <a:cs typeface="+mj-cs"/>
+              </a:defRPr>
+            </a:lvl1pPr>
+          </a:lstStyle>
+          <a:p>
+            <a:pPr algn="l"/>
+            <a:r>
+              <a:rPr lang="en-US" sz="4400" dirty="0" err="1" smtClean="0"/>
+              <a:t>GraphsWindow</a:t>
+            </a:r>
+            <a:r>
+              <a:rPr lang="en-US" sz="4400" dirty="0" smtClean="0"/>
+              <a:t> Widgets</a:t>
+            </a:r>
+            <a:endParaRPr lang="en-US" sz="4400" dirty="0"/>
+          </a:p>
+        </p:txBody>
+      </p:sp>
+    </p:spTree>
+    <p:extLst>
+      <p:ext uri="{BB962C8B-B14F-4D97-AF65-F5344CB8AC3E}">
+        <p14:creationId xmlns:p14="http://schemas.microsoft.com/office/powerpoint/2010/main" val="4010904562"/>
+      </p:ext>
+    </p:extLst>
+  </p:cSld>
+  <p:clrMapOvr>
+    <a:masterClrMapping/>
+  </p:clrMapOvr>
+  <p:timing>
+    <p:tnLst>
+      <p:par>
+        <p:cTn id="1" dur="indefinite" restart="never" nodeType="tmRoot"/>
+      </p:par>
+    </p:tnLst>
+  </p:timing>
+</p:sld>
+</file>
+
 <file path=ppt/theme/theme1.xml><?xml version="1.0" encoding="utf-8"?>
 <a:theme xmlns:a="http://schemas.openxmlformats.org/drawingml/2006/main" name="Office Theme">
   <a:themeElements>

--- a/Documents/SpikeGLX_Slides.pptx
+++ b/Documents/SpikeGLX_Slides.pptx
@@ -1009,11 +1009,7 @@
           </a:r>
           <a:r>
             <a:rPr lang="en-US" dirty="0" smtClean="0"/>
-            <a:t> </a:t>
-          </a:r>
-          <a:r>
-            <a:rPr lang="en-US" dirty="0" smtClean="0"/>
-            <a:t>-&gt; </a:t>
+            <a:t> -&gt; </a:t>
           </a:r>
           <a:r>
             <a:rPr lang="en-US" dirty="0" err="1" smtClean="0"/>
@@ -1218,11 +1214,7 @@
           </a:r>
           <a:r>
             <a:rPr lang="en-US" dirty="0" smtClean="0"/>
-            <a:t> </a:t>
-          </a:r>
-          <a:r>
-            <a:rPr lang="en-US" dirty="0" smtClean="0"/>
-            <a:t>-&gt; dialog</a:t>
+            <a:t> -&gt; dialog</a:t>
           </a:r>
           <a:endParaRPr lang="en-US" dirty="0"/>
         </a:p>
@@ -1333,6 +1325,13 @@
     <dgm:pt modelId="{A33DA93F-9AD0-48CD-BFA2-B59160A40000}" type="pres">
       <dgm:prSet presAssocID="{54933270-4768-48AC-9D88-31C5168A9479}" presName="sibTrans" presStyleLbl="sibTrans1D1" presStyleIdx="0" presStyleCnt="10"/>
       <dgm:spPr/>
+      <dgm:t>
+        <a:bodyPr/>
+        <a:lstStyle/>
+        <a:p>
+          <a:endParaRPr lang="en-US"/>
+        </a:p>
+      </dgm:t>
     </dgm:pt>
     <dgm:pt modelId="{423C6284-D53E-4FC3-BCD8-B367E087B638}" type="pres">
       <dgm:prSet presAssocID="{2080C862-7E6C-4F1F-AFBF-2E2902FB1520}" presName="node" presStyleLbl="node1" presStyleIdx="1" presStyleCnt="10">
@@ -1606,37 +1605,37 @@
     </dgm:pt>
   </dgm:ptLst>
   <dgm:cxnLst>
+    <dgm:cxn modelId="{A8CD65D7-637F-4280-A178-62D43F4B83D2}" type="presOf" srcId="{4F356653-CF12-457B-A6AE-91C70D8227D8}" destId="{5F779E80-FDAE-4F20-B301-9490AB785C0F}" srcOrd="0" destOrd="0" presId="urn:microsoft.com/office/officeart/2005/8/layout/cycle5"/>
+    <dgm:cxn modelId="{3762004A-F44F-41EF-9737-4FADB273AC9F}" type="presOf" srcId="{2E00AD79-EBCB-4097-BFFF-4C1C5C4AF5DF}" destId="{95536F8B-047C-4CFE-950F-CD545083B847}" srcOrd="0" destOrd="0" presId="urn:microsoft.com/office/officeart/2005/8/layout/cycle5"/>
+    <dgm:cxn modelId="{7D95A2BC-AA72-43BA-A88F-832D77FF21EA}" type="presOf" srcId="{21AEB157-FA0E-4CF2-9DA9-4BC968C595CE}" destId="{86101FBB-20CA-4FAC-A504-1608BAA82236}" srcOrd="0" destOrd="0" presId="urn:microsoft.com/office/officeart/2005/8/layout/cycle5"/>
+    <dgm:cxn modelId="{AD92E854-4FEA-447E-9ABA-A3C980B260AC}" srcId="{03856155-FD83-4713-9AF9-E4718D3AA998}" destId="{193121EA-438B-45F7-BBFA-010B738E9B0E}" srcOrd="5" destOrd="0" parTransId="{F5B4D204-0426-417F-926F-C8CCA795C96A}" sibTransId="{F10F8C1D-637D-488C-B89F-B031744428CF}"/>
     <dgm:cxn modelId="{B42B4717-4061-4B4F-A450-B8E32B283404}" srcId="{03856155-FD83-4713-9AF9-E4718D3AA998}" destId="{E4472888-8A20-4028-9CA2-0B8F5DB31481}" srcOrd="6" destOrd="0" parTransId="{32BD52D1-1E37-420B-BB4D-6D6851BC4CC2}" sibTransId="{436D76AA-D018-40C7-B2B6-C2E37535B278}"/>
+    <dgm:cxn modelId="{B04F8951-5A8D-494D-8D6D-661EF51B16DD}" type="presOf" srcId="{AEB32098-7C9F-48D8-89DE-9170880230C5}" destId="{BCDE08F8-C06F-4B44-B2EE-92F85A2B69F8}" srcOrd="0" destOrd="0" presId="urn:microsoft.com/office/officeart/2005/8/layout/cycle5"/>
+    <dgm:cxn modelId="{BFE60520-8AB8-493B-9484-605BF43B8364}" srcId="{03856155-FD83-4713-9AF9-E4718D3AA998}" destId="{AEB32098-7C9F-48D8-89DE-9170880230C5}" srcOrd="4" destOrd="0" parTransId="{C7200D9D-044D-44CE-A094-05A515E423C3}" sibTransId="{A899D67C-7716-47C8-9DA1-C79EBDE78DB8}"/>
+    <dgm:cxn modelId="{22EBB236-B982-48CC-88C2-1037EC39B0F5}" type="presOf" srcId="{436D76AA-D018-40C7-B2B6-C2E37535B278}" destId="{C857321C-82F6-47AE-8F34-CA012320824C}" srcOrd="0" destOrd="0" presId="urn:microsoft.com/office/officeart/2005/8/layout/cycle5"/>
+    <dgm:cxn modelId="{CA1C151A-D25D-45F2-A8C1-760B1819E926}" type="presOf" srcId="{DA8E319D-10EB-4D28-87C3-6923014961E0}" destId="{A5272672-B605-463A-A750-79E4FB3C3471}" srcOrd="0" destOrd="0" presId="urn:microsoft.com/office/officeart/2005/8/layout/cycle5"/>
+    <dgm:cxn modelId="{C8B43369-5531-48B7-B2C4-3CEC54E2C192}" type="presOf" srcId="{B6B769E9-E02F-4898-AB69-3BA0407E0A85}" destId="{252C3583-709E-4580-90E6-3DC9BBA0A288}" srcOrd="0" destOrd="0" presId="urn:microsoft.com/office/officeart/2005/8/layout/cycle5"/>
+    <dgm:cxn modelId="{A049F59C-9CD3-44C7-B003-A43FB8E9CDD8}" type="presOf" srcId="{4F0C91A0-58A1-465D-857D-C8A674C10576}" destId="{01FFCFA0-8857-4F17-8842-FF5F726FD243}" srcOrd="0" destOrd="0" presId="urn:microsoft.com/office/officeart/2005/8/layout/cycle5"/>
+    <dgm:cxn modelId="{C337ECC9-56AA-4193-83CC-DA356B76D8C3}" type="presOf" srcId="{03856155-FD83-4713-9AF9-E4718D3AA998}" destId="{A7D02A33-AD42-4595-8E88-6800AB198885}" srcOrd="0" destOrd="0" presId="urn:microsoft.com/office/officeart/2005/8/layout/cycle5"/>
+    <dgm:cxn modelId="{81978479-BF12-4E6F-9792-28993E530DEB}" type="presOf" srcId="{A899D67C-7716-47C8-9DA1-C79EBDE78DB8}" destId="{DCC6D925-71BB-4DCC-A014-CB2B86572910}" srcOrd="0" destOrd="0" presId="urn:microsoft.com/office/officeart/2005/8/layout/cycle5"/>
+    <dgm:cxn modelId="{B966C768-7C4F-448A-8EF3-649F94120F96}" type="presOf" srcId="{E4472888-8A20-4028-9CA2-0B8F5DB31481}" destId="{ECCF82E3-B19F-4805-8882-198E38A67B08}" srcOrd="0" destOrd="0" presId="urn:microsoft.com/office/officeart/2005/8/layout/cycle5"/>
+    <dgm:cxn modelId="{9A148673-3CA1-4C87-BBAD-B08156253F75}" srcId="{03856155-FD83-4713-9AF9-E4718D3AA998}" destId="{DA8E319D-10EB-4D28-87C3-6923014961E0}" srcOrd="2" destOrd="0" parTransId="{D943BC09-C8B3-417F-83B3-DB628A293072}" sibTransId="{59044B2F-4A23-4BB1-90AB-9D1398B1496E}"/>
+    <dgm:cxn modelId="{E3527DCA-9112-4174-B161-4A619E910D59}" srcId="{03856155-FD83-4713-9AF9-E4718D3AA998}" destId="{B6B769E9-E02F-4898-AB69-3BA0407E0A85}" srcOrd="8" destOrd="0" parTransId="{5F25B11C-3796-4095-A817-D4BBAA4D479A}" sibTransId="{21AEB157-FA0E-4CF2-9DA9-4BC968C595CE}"/>
+    <dgm:cxn modelId="{4B4AA789-A0E4-47E3-B2B1-649283FADACD}" srcId="{03856155-FD83-4713-9AF9-E4718D3AA998}" destId="{EDA8B896-F0FD-4978-B6A1-EC50209721D9}" srcOrd="7" destOrd="0" parTransId="{FFDC1CE0-200D-4C23-9609-5031C0FBA976}" sibTransId="{BF1C2905-CE93-4516-B70C-189AD7005E7C}"/>
     <dgm:cxn modelId="{207EF459-7E57-45CE-9B99-D09925D05B1B}" srcId="{03856155-FD83-4713-9AF9-E4718D3AA998}" destId="{2080C862-7E6C-4F1F-AFBF-2E2902FB1520}" srcOrd="1" destOrd="0" parTransId="{5D99F448-622E-4CB4-AB14-1EEDBF6F09C1}" sibTransId="{FA896EF7-C2FC-45A5-ABDB-9E9203C1C26D}"/>
-    <dgm:cxn modelId="{E3527DCA-9112-4174-B161-4A619E910D59}" srcId="{03856155-FD83-4713-9AF9-E4718D3AA998}" destId="{B6B769E9-E02F-4898-AB69-3BA0407E0A85}" srcOrd="8" destOrd="0" parTransId="{5F25B11C-3796-4095-A817-D4BBAA4D479A}" sibTransId="{21AEB157-FA0E-4CF2-9DA9-4BC968C595CE}"/>
-    <dgm:cxn modelId="{7D95A2BC-AA72-43BA-A88F-832D77FF21EA}" type="presOf" srcId="{21AEB157-FA0E-4CF2-9DA9-4BC968C595CE}" destId="{86101FBB-20CA-4FAC-A504-1608BAA82236}" srcOrd="0" destOrd="0" presId="urn:microsoft.com/office/officeart/2005/8/layout/cycle5"/>
-    <dgm:cxn modelId="{CA1C151A-D25D-45F2-A8C1-760B1819E926}" type="presOf" srcId="{DA8E319D-10EB-4D28-87C3-6923014961E0}" destId="{A5272672-B605-463A-A750-79E4FB3C3471}" srcOrd="0" destOrd="0" presId="urn:microsoft.com/office/officeart/2005/8/layout/cycle5"/>
+    <dgm:cxn modelId="{9562C3FD-1B72-44B2-860C-4983E32313E4}" type="presOf" srcId="{F10F8C1D-637D-488C-B89F-B031744428CF}" destId="{5CB85373-6BA3-4F1F-B1C9-491DF3A35B7B}" srcOrd="0" destOrd="0" presId="urn:microsoft.com/office/officeart/2005/8/layout/cycle5"/>
     <dgm:cxn modelId="{80F7A33F-3146-4DA6-B491-65FD7C85C331}" srcId="{03856155-FD83-4713-9AF9-E4718D3AA998}" destId="{4F356653-CF12-457B-A6AE-91C70D8227D8}" srcOrd="9" destOrd="0" parTransId="{375AFA30-60DE-4F1C-8A5B-CBC6A26014D2}" sibTransId="{4F0C91A0-58A1-465D-857D-C8A674C10576}"/>
+    <dgm:cxn modelId="{56ED8FC2-32FE-4D1D-931E-76D1300E2B23}" srcId="{03856155-FD83-4713-9AF9-E4718D3AA998}" destId="{D8939093-7012-4B04-B1F3-FECD08C5F035}" srcOrd="3" destOrd="0" parTransId="{7DD1768E-6A4E-456C-A564-F10FFAD6F693}" sibTransId="{1D8B955D-F526-44D8-A748-077ACB1FABEB}"/>
+    <dgm:cxn modelId="{84684647-D5B0-4851-B616-271C80620CE0}" srcId="{03856155-FD83-4713-9AF9-E4718D3AA998}" destId="{2E00AD79-EBCB-4097-BFFF-4C1C5C4AF5DF}" srcOrd="0" destOrd="0" parTransId="{547C0F76-C03C-4AC2-A07F-9CCC8ACA8539}" sibTransId="{54933270-4768-48AC-9D88-31C5168A9479}"/>
+    <dgm:cxn modelId="{0F5FB227-49AE-4403-91A2-F84CB1B8C0A0}" type="presOf" srcId="{BF1C2905-CE93-4516-B70C-189AD7005E7C}" destId="{B1068590-0A17-40B2-9E1B-1BF12816E82A}" srcOrd="0" destOrd="0" presId="urn:microsoft.com/office/officeart/2005/8/layout/cycle5"/>
+    <dgm:cxn modelId="{0208559C-A5EA-48C5-AF01-37F0CB492E2D}" type="presOf" srcId="{D8939093-7012-4B04-B1F3-FECD08C5F035}" destId="{7D4EC07D-5DC0-4ACE-A8DC-78C510BB4C5F}" srcOrd="0" destOrd="0" presId="urn:microsoft.com/office/officeart/2005/8/layout/cycle5"/>
+    <dgm:cxn modelId="{E35B0136-7B6B-4D2A-AD4C-F832D79E70FD}" type="presOf" srcId="{EDA8B896-F0FD-4978-B6A1-EC50209721D9}" destId="{311A1E75-4CD5-4938-8DA2-A907DD3520BD}" srcOrd="0" destOrd="0" presId="urn:microsoft.com/office/officeart/2005/8/layout/cycle5"/>
+    <dgm:cxn modelId="{592D64B0-F70E-4D96-AAC3-300E1F29836C}" type="presOf" srcId="{59044B2F-4A23-4BB1-90AB-9D1398B1496E}" destId="{E329EB8D-25D1-4CF8-9E89-DA5E4297C762}" srcOrd="0" destOrd="0" presId="urn:microsoft.com/office/officeart/2005/8/layout/cycle5"/>
+    <dgm:cxn modelId="{03655993-DD39-422A-BE41-36C14C95FD60}" type="presOf" srcId="{2080C862-7E6C-4F1F-AFBF-2E2902FB1520}" destId="{423C6284-D53E-4FC3-BCD8-B367E087B638}" srcOrd="0" destOrd="0" presId="urn:microsoft.com/office/officeart/2005/8/layout/cycle5"/>
+    <dgm:cxn modelId="{3926620E-88B4-4EF9-A9B3-856E9EE4DA76}" type="presOf" srcId="{54933270-4768-48AC-9D88-31C5168A9479}" destId="{A33DA93F-9AD0-48CD-BFA2-B59160A40000}" srcOrd="0" destOrd="0" presId="urn:microsoft.com/office/officeart/2005/8/layout/cycle5"/>
     <dgm:cxn modelId="{DFF0F2CE-EB2A-48DE-A600-943FADE7917E}" type="presOf" srcId="{193121EA-438B-45F7-BBFA-010B738E9B0E}" destId="{16882C59-B268-41FC-9990-81A25A600BEE}" srcOrd="0" destOrd="0" presId="urn:microsoft.com/office/officeart/2005/8/layout/cycle5"/>
-    <dgm:cxn modelId="{B04F8951-5A8D-494D-8D6D-661EF51B16DD}" type="presOf" srcId="{AEB32098-7C9F-48D8-89DE-9170880230C5}" destId="{BCDE08F8-C06F-4B44-B2EE-92F85A2B69F8}" srcOrd="0" destOrd="0" presId="urn:microsoft.com/office/officeart/2005/8/layout/cycle5"/>
-    <dgm:cxn modelId="{A8CD65D7-637F-4280-A178-62D43F4B83D2}" type="presOf" srcId="{4F356653-CF12-457B-A6AE-91C70D8227D8}" destId="{5F779E80-FDAE-4F20-B301-9490AB785C0F}" srcOrd="0" destOrd="0" presId="urn:microsoft.com/office/officeart/2005/8/layout/cycle5"/>
-    <dgm:cxn modelId="{592D64B0-F70E-4D96-AAC3-300E1F29836C}" type="presOf" srcId="{59044B2F-4A23-4BB1-90AB-9D1398B1496E}" destId="{E329EB8D-25D1-4CF8-9E89-DA5E4297C762}" srcOrd="0" destOrd="0" presId="urn:microsoft.com/office/officeart/2005/8/layout/cycle5"/>
-    <dgm:cxn modelId="{81978479-BF12-4E6F-9792-28993E530DEB}" type="presOf" srcId="{A899D67C-7716-47C8-9DA1-C79EBDE78DB8}" destId="{DCC6D925-71BB-4DCC-A014-CB2B86572910}" srcOrd="0" destOrd="0" presId="urn:microsoft.com/office/officeart/2005/8/layout/cycle5"/>
+    <dgm:cxn modelId="{BB41C61A-3212-474B-B0D2-7AB1F5FA0156}" type="presOf" srcId="{1D8B955D-F526-44D8-A748-077ACB1FABEB}" destId="{08039230-DCC5-489F-ACC4-6F6A5DB5D99B}" srcOrd="0" destOrd="0" presId="urn:microsoft.com/office/officeart/2005/8/layout/cycle5"/>
     <dgm:cxn modelId="{6E0657E2-416A-4638-BC62-FA1A2B50082B}" type="presOf" srcId="{FA896EF7-C2FC-45A5-ABDB-9E9203C1C26D}" destId="{AE913CEE-1D65-4B6C-9F39-8D5747D9AB39}" srcOrd="0" destOrd="0" presId="urn:microsoft.com/office/officeart/2005/8/layout/cycle5"/>
-    <dgm:cxn modelId="{C337ECC9-56AA-4193-83CC-DA356B76D8C3}" type="presOf" srcId="{03856155-FD83-4713-9AF9-E4718D3AA998}" destId="{A7D02A33-AD42-4595-8E88-6800AB198885}" srcOrd="0" destOrd="0" presId="urn:microsoft.com/office/officeart/2005/8/layout/cycle5"/>
-    <dgm:cxn modelId="{BB41C61A-3212-474B-B0D2-7AB1F5FA0156}" type="presOf" srcId="{1D8B955D-F526-44D8-A748-077ACB1FABEB}" destId="{08039230-DCC5-489F-ACC4-6F6A5DB5D99B}" srcOrd="0" destOrd="0" presId="urn:microsoft.com/office/officeart/2005/8/layout/cycle5"/>
-    <dgm:cxn modelId="{E35B0136-7B6B-4D2A-AD4C-F832D79E70FD}" type="presOf" srcId="{EDA8B896-F0FD-4978-B6A1-EC50209721D9}" destId="{311A1E75-4CD5-4938-8DA2-A907DD3520BD}" srcOrd="0" destOrd="0" presId="urn:microsoft.com/office/officeart/2005/8/layout/cycle5"/>
-    <dgm:cxn modelId="{56ED8FC2-32FE-4D1D-931E-76D1300E2B23}" srcId="{03856155-FD83-4713-9AF9-E4718D3AA998}" destId="{D8939093-7012-4B04-B1F3-FECD08C5F035}" srcOrd="3" destOrd="0" parTransId="{7DD1768E-6A4E-456C-A564-F10FFAD6F693}" sibTransId="{1D8B955D-F526-44D8-A748-077ACB1FABEB}"/>
-    <dgm:cxn modelId="{3926620E-88B4-4EF9-A9B3-856E9EE4DA76}" type="presOf" srcId="{54933270-4768-48AC-9D88-31C5168A9479}" destId="{A33DA93F-9AD0-48CD-BFA2-B59160A40000}" srcOrd="0" destOrd="0" presId="urn:microsoft.com/office/officeart/2005/8/layout/cycle5"/>
-    <dgm:cxn modelId="{0208559C-A5EA-48C5-AF01-37F0CB492E2D}" type="presOf" srcId="{D8939093-7012-4B04-B1F3-FECD08C5F035}" destId="{7D4EC07D-5DC0-4ACE-A8DC-78C510BB4C5F}" srcOrd="0" destOrd="0" presId="urn:microsoft.com/office/officeart/2005/8/layout/cycle5"/>
-    <dgm:cxn modelId="{22EBB236-B982-48CC-88C2-1037EC39B0F5}" type="presOf" srcId="{436D76AA-D018-40C7-B2B6-C2E37535B278}" destId="{C857321C-82F6-47AE-8F34-CA012320824C}" srcOrd="0" destOrd="0" presId="urn:microsoft.com/office/officeart/2005/8/layout/cycle5"/>
-    <dgm:cxn modelId="{0F5FB227-49AE-4403-91A2-F84CB1B8C0A0}" type="presOf" srcId="{BF1C2905-CE93-4516-B70C-189AD7005E7C}" destId="{B1068590-0A17-40B2-9E1B-1BF12816E82A}" srcOrd="0" destOrd="0" presId="urn:microsoft.com/office/officeart/2005/8/layout/cycle5"/>
-    <dgm:cxn modelId="{BFE60520-8AB8-493B-9484-605BF43B8364}" srcId="{03856155-FD83-4713-9AF9-E4718D3AA998}" destId="{AEB32098-7C9F-48D8-89DE-9170880230C5}" srcOrd="4" destOrd="0" parTransId="{C7200D9D-044D-44CE-A094-05A515E423C3}" sibTransId="{A899D67C-7716-47C8-9DA1-C79EBDE78DB8}"/>
-    <dgm:cxn modelId="{03655993-DD39-422A-BE41-36C14C95FD60}" type="presOf" srcId="{2080C862-7E6C-4F1F-AFBF-2E2902FB1520}" destId="{423C6284-D53E-4FC3-BCD8-B367E087B638}" srcOrd="0" destOrd="0" presId="urn:microsoft.com/office/officeart/2005/8/layout/cycle5"/>
-    <dgm:cxn modelId="{4B4AA789-A0E4-47E3-B2B1-649283FADACD}" srcId="{03856155-FD83-4713-9AF9-E4718D3AA998}" destId="{EDA8B896-F0FD-4978-B6A1-EC50209721D9}" srcOrd="7" destOrd="0" parTransId="{FFDC1CE0-200D-4C23-9609-5031C0FBA976}" sibTransId="{BF1C2905-CE93-4516-B70C-189AD7005E7C}"/>
-    <dgm:cxn modelId="{C8B43369-5531-48B7-B2C4-3CEC54E2C192}" type="presOf" srcId="{B6B769E9-E02F-4898-AB69-3BA0407E0A85}" destId="{252C3583-709E-4580-90E6-3DC9BBA0A288}" srcOrd="0" destOrd="0" presId="urn:microsoft.com/office/officeart/2005/8/layout/cycle5"/>
-    <dgm:cxn modelId="{9A148673-3CA1-4C87-BBAD-B08156253F75}" srcId="{03856155-FD83-4713-9AF9-E4718D3AA998}" destId="{DA8E319D-10EB-4D28-87C3-6923014961E0}" srcOrd="2" destOrd="0" parTransId="{D943BC09-C8B3-417F-83B3-DB628A293072}" sibTransId="{59044B2F-4A23-4BB1-90AB-9D1398B1496E}"/>
-    <dgm:cxn modelId="{B966C768-7C4F-448A-8EF3-649F94120F96}" type="presOf" srcId="{E4472888-8A20-4028-9CA2-0B8F5DB31481}" destId="{ECCF82E3-B19F-4805-8882-198E38A67B08}" srcOrd="0" destOrd="0" presId="urn:microsoft.com/office/officeart/2005/8/layout/cycle5"/>
-    <dgm:cxn modelId="{9562C3FD-1B72-44B2-860C-4983E32313E4}" type="presOf" srcId="{F10F8C1D-637D-488C-B89F-B031744428CF}" destId="{5CB85373-6BA3-4F1F-B1C9-491DF3A35B7B}" srcOrd="0" destOrd="0" presId="urn:microsoft.com/office/officeart/2005/8/layout/cycle5"/>
-    <dgm:cxn modelId="{A049F59C-9CD3-44C7-B003-A43FB8E9CDD8}" type="presOf" srcId="{4F0C91A0-58A1-465D-857D-C8A674C10576}" destId="{01FFCFA0-8857-4F17-8842-FF5F726FD243}" srcOrd="0" destOrd="0" presId="urn:microsoft.com/office/officeart/2005/8/layout/cycle5"/>
-    <dgm:cxn modelId="{3762004A-F44F-41EF-9737-4FADB273AC9F}" type="presOf" srcId="{2E00AD79-EBCB-4097-BFFF-4C1C5C4AF5DF}" destId="{95536F8B-047C-4CFE-950F-CD545083B847}" srcOrd="0" destOrd="0" presId="urn:microsoft.com/office/officeart/2005/8/layout/cycle5"/>
-    <dgm:cxn modelId="{AD92E854-4FEA-447E-9ABA-A3C980B260AC}" srcId="{03856155-FD83-4713-9AF9-E4718D3AA998}" destId="{193121EA-438B-45F7-BBFA-010B738E9B0E}" srcOrd="5" destOrd="0" parTransId="{F5B4D204-0426-417F-926F-C8CCA795C96A}" sibTransId="{F10F8C1D-637D-488C-B89F-B031744428CF}"/>
-    <dgm:cxn modelId="{84684647-D5B0-4851-B616-271C80620CE0}" srcId="{03856155-FD83-4713-9AF9-E4718D3AA998}" destId="{2E00AD79-EBCB-4097-BFFF-4C1C5C4AF5DF}" srcOrd="0" destOrd="0" parTransId="{547C0F76-C03C-4AC2-A07F-9CCC8ACA8539}" sibTransId="{54933270-4768-48AC-9D88-31C5168A9479}"/>
     <dgm:cxn modelId="{8F3CA4C6-181F-4BE6-80D3-5BCB440D9510}" type="presParOf" srcId="{A7D02A33-AD42-4595-8E88-6800AB198885}" destId="{95536F8B-047C-4CFE-950F-CD545083B847}" srcOrd="0" destOrd="0" presId="urn:microsoft.com/office/officeart/2005/8/layout/cycle5"/>
     <dgm:cxn modelId="{E1E1ADFD-011C-407D-9143-23A856C67DB2}" type="presParOf" srcId="{A7D02A33-AD42-4595-8E88-6800AB198885}" destId="{E8CEFA2F-A8B7-4AB7-9E67-305951950881}" srcOrd="1" destOrd="0" presId="urn:microsoft.com/office/officeart/2005/8/layout/cycle5"/>
     <dgm:cxn modelId="{40314895-793D-4DC8-A6B8-125C9681218A}" type="presParOf" srcId="{A7D02A33-AD42-4595-8E88-6800AB198885}" destId="{A33DA93F-9AD0-48CD-BFA2-B59160A40000}" srcOrd="2" destOrd="0" presId="urn:microsoft.com/office/officeart/2005/8/layout/cycle5"/>
@@ -1686,1365 +1685,6 @@
       <dsp:cNvGrpSpPr/>
     </dsp:nvGrpSpPr>
     <dsp:grpSpPr/>
-    <dsp:sp modelId="{95536F8B-047C-4CFE-950F-CD545083B847}">
-      <dsp:nvSpPr>
-        <dsp:cNvPr id="0" name=""/>
-        <dsp:cNvSpPr/>
-      </dsp:nvSpPr>
-      <dsp:spPr>
-        <a:xfrm>
-          <a:off x="2862126" y="439"/>
-          <a:ext cx="832385" cy="541050"/>
-        </a:xfrm>
-        <a:prstGeom prst="roundRect">
-          <a:avLst/>
-        </a:prstGeom>
-        <a:solidFill>
-          <a:schemeClr val="accent1">
-            <a:hueOff val="0"/>
-            <a:satOff val="0"/>
-            <a:lumOff val="0"/>
-            <a:alphaOff val="0"/>
-          </a:schemeClr>
-        </a:solidFill>
-        <a:ln w="12700" cap="flat" cmpd="sng" algn="ctr">
-          <a:solidFill>
-            <a:schemeClr val="lt1">
-              <a:hueOff val="0"/>
-              <a:satOff val="0"/>
-              <a:lumOff val="0"/>
-              <a:alphaOff val="0"/>
-            </a:schemeClr>
-          </a:solidFill>
-          <a:prstDash val="solid"/>
-          <a:miter lim="800000"/>
-        </a:ln>
-        <a:effectLst/>
-      </dsp:spPr>
-      <dsp:style>
-        <a:lnRef idx="2">
-          <a:scrgbClr r="0" g="0" b="0"/>
-        </a:lnRef>
-        <a:fillRef idx="1">
-          <a:scrgbClr r="0" g="0" b="0"/>
-        </a:fillRef>
-        <a:effectRef idx="0">
-          <a:scrgbClr r="0" g="0" b="0"/>
-        </a:effectRef>
-        <a:fontRef idx="minor">
-          <a:schemeClr val="lt1"/>
-        </a:fontRef>
-      </dsp:style>
-      <dsp:txBody>
-        <a:bodyPr spcFirstLastPara="0" vert="horz" wrap="square" lIns="26670" tIns="26670" rIns="26670" bIns="26670" numCol="1" spcCol="1270" anchor="ctr" anchorCtr="0">
-          <a:noAutofit/>
-        </a:bodyPr>
-        <a:lstStyle/>
-        <a:p>
-          <a:pPr lvl="0" algn="ctr" defTabSz="311150">
-            <a:lnSpc>
-              <a:spcPct val="90000"/>
-            </a:lnSpc>
-            <a:spcBef>
-              <a:spcPct val="0"/>
-            </a:spcBef>
-            <a:spcAft>
-              <a:spcPct val="35000"/>
-            </a:spcAft>
-          </a:pPr>
-          <a:r>
-            <a:rPr lang="en-US" sz="700" kern="1200" dirty="0" smtClean="0"/>
-            <a:t>Start with </a:t>
-          </a:r>
-          <a:r>
-            <a:rPr lang="en-US" sz="700" kern="1200" dirty="0" err="1" smtClean="0"/>
-            <a:t>Config</a:t>
-          </a:r>
-          <a:r>
-            <a:rPr lang="en-US" sz="700" kern="1200" dirty="0" smtClean="0"/>
-            <a:t>/daq.ini</a:t>
-          </a:r>
-          <a:endParaRPr lang="en-US" sz="700" kern="1200" dirty="0"/>
-        </a:p>
-      </dsp:txBody>
-      <dsp:txXfrm>
-        <a:off x="2888538" y="26851"/>
-        <a:ext cx="779561" cy="488226"/>
-      </dsp:txXfrm>
-    </dsp:sp>
-    <dsp:sp modelId="{A33DA93F-9AD0-48CD-BFA2-B59160A40000}">
-      <dsp:nvSpPr>
-        <dsp:cNvPr id="0" name=""/>
-        <dsp:cNvSpPr/>
-      </dsp:nvSpPr>
-      <dsp:spPr>
-        <a:xfrm>
-          <a:off x="1024402" y="270965"/>
-          <a:ext cx="4507832" cy="4507832"/>
-        </a:xfrm>
-        <a:custGeom>
-          <a:avLst/>
-          <a:gdLst/>
-          <a:ahLst/>
-          <a:cxnLst/>
-          <a:rect l="0" t="0" r="0" b="0"/>
-          <a:pathLst>
-            <a:path>
-              <a:moveTo>
-                <a:pt x="2770967" y="60107"/>
-              </a:moveTo>
-              <a:arcTo wR="2253916" hR="2253916" stAng="16995709" swAng="473485"/>
-            </a:path>
-          </a:pathLst>
-        </a:custGeom>
-        <a:noFill/>
-        <a:ln w="6350" cap="flat" cmpd="sng" algn="ctr">
-          <a:solidFill>
-            <a:schemeClr val="accent1">
-              <a:hueOff val="0"/>
-              <a:satOff val="0"/>
-              <a:lumOff val="0"/>
-              <a:alphaOff val="0"/>
-            </a:schemeClr>
-          </a:solidFill>
-          <a:prstDash val="solid"/>
-          <a:miter lim="800000"/>
-          <a:tailEnd type="arrow"/>
-        </a:ln>
-        <a:effectLst/>
-      </dsp:spPr>
-      <dsp:style>
-        <a:lnRef idx="1">
-          <a:scrgbClr r="0" g="0" b="0"/>
-        </a:lnRef>
-        <a:fillRef idx="0">
-          <a:scrgbClr r="0" g="0" b="0"/>
-        </a:fillRef>
-        <a:effectRef idx="0">
-          <a:scrgbClr r="0" g="0" b="0"/>
-        </a:effectRef>
-        <a:fontRef idx="minor"/>
-      </dsp:style>
-    </dsp:sp>
-    <dsp:sp modelId="{423C6284-D53E-4FC3-BCD8-B367E087B638}">
-      <dsp:nvSpPr>
-        <dsp:cNvPr id="0" name=""/>
-        <dsp:cNvSpPr/>
-      </dsp:nvSpPr>
-      <dsp:spPr>
-        <a:xfrm>
-          <a:off x="4186945" y="430899"/>
-          <a:ext cx="832385" cy="541050"/>
-        </a:xfrm>
-        <a:prstGeom prst="roundRect">
-          <a:avLst/>
-        </a:prstGeom>
-        <a:solidFill>
-          <a:schemeClr val="accent1">
-            <a:hueOff val="0"/>
-            <a:satOff val="0"/>
-            <a:lumOff val="0"/>
-            <a:alphaOff val="0"/>
-          </a:schemeClr>
-        </a:solidFill>
-        <a:ln w="12700" cap="flat" cmpd="sng" algn="ctr">
-          <a:solidFill>
-            <a:schemeClr val="lt1">
-              <a:hueOff val="0"/>
-              <a:satOff val="0"/>
-              <a:lumOff val="0"/>
-              <a:alphaOff val="0"/>
-            </a:schemeClr>
-          </a:solidFill>
-          <a:prstDash val="solid"/>
-          <a:miter lim="800000"/>
-        </a:ln>
-        <a:effectLst/>
-      </dsp:spPr>
-      <dsp:style>
-        <a:lnRef idx="2">
-          <a:scrgbClr r="0" g="0" b="0"/>
-        </a:lnRef>
-        <a:fillRef idx="1">
-          <a:scrgbClr r="0" g="0" b="0"/>
-        </a:fillRef>
-        <a:effectRef idx="0">
-          <a:scrgbClr r="0" g="0" b="0"/>
-        </a:effectRef>
-        <a:fontRef idx="minor">
-          <a:schemeClr val="lt1"/>
-        </a:fontRef>
-      </dsp:style>
-      <dsp:txBody>
-        <a:bodyPr spcFirstLastPara="0" vert="horz" wrap="square" lIns="26670" tIns="26670" rIns="26670" bIns="26670" numCol="1" spcCol="1270" anchor="ctr" anchorCtr="0">
-          <a:noAutofit/>
-        </a:bodyPr>
-        <a:lstStyle/>
-        <a:p>
-          <a:pPr lvl="0" algn="ctr" defTabSz="311150">
-            <a:lnSpc>
-              <a:spcPct val="90000"/>
-            </a:lnSpc>
-            <a:spcBef>
-              <a:spcPct val="0"/>
-            </a:spcBef>
-            <a:spcAft>
-              <a:spcPct val="35000"/>
-            </a:spcAft>
-          </a:pPr>
-          <a:r>
-            <a:rPr lang="en-US" sz="700" kern="1200" dirty="0" err="1" smtClean="0"/>
-            <a:t>ini</a:t>
-          </a:r>
-          <a:r>
-            <a:rPr lang="en-US" sz="700" kern="1200" dirty="0" smtClean="0"/>
-            <a:t> -&gt; '</a:t>
-          </a:r>
-          <a:r>
-            <a:rPr lang="en-US" sz="700" kern="1200" dirty="0" err="1" smtClean="0"/>
-            <a:t>acceptedParams</a:t>
-          </a:r>
-          <a:r>
-            <a:rPr lang="en-US" sz="700" kern="1200" dirty="0" smtClean="0"/>
-            <a:t>'</a:t>
-          </a:r>
-          <a:endParaRPr lang="en-US" sz="700" kern="1200" dirty="0"/>
-        </a:p>
-      </dsp:txBody>
-      <dsp:txXfrm>
-        <a:off x="4213357" y="457311"/>
-        <a:ext cx="779561" cy="488226"/>
-      </dsp:txXfrm>
-    </dsp:sp>
-    <dsp:sp modelId="{AE913CEE-1D65-4B6C-9F39-8D5747D9AB39}">
-      <dsp:nvSpPr>
-        <dsp:cNvPr id="0" name=""/>
-        <dsp:cNvSpPr/>
-      </dsp:nvSpPr>
-      <dsp:spPr>
-        <a:xfrm>
-          <a:off x="1024402" y="270965"/>
-          <a:ext cx="4507832" cy="4507832"/>
-        </a:xfrm>
-        <a:custGeom>
-          <a:avLst/>
-          <a:gdLst/>
-          <a:ahLst/>
-          <a:cxnLst/>
-          <a:rect l="0" t="0" r="0" b="0"/>
-          <a:pathLst>
-            <a:path>
-              <a:moveTo>
-                <a:pt x="3982113" y="807031"/>
-              </a:moveTo>
-              <a:arcTo wR="2253916" hR="2253916" stAng="19203791" swAng="654989"/>
-            </a:path>
-          </a:pathLst>
-        </a:custGeom>
-        <a:noFill/>
-        <a:ln w="6350" cap="flat" cmpd="sng" algn="ctr">
-          <a:solidFill>
-            <a:schemeClr val="accent1">
-              <a:hueOff val="0"/>
-              <a:satOff val="0"/>
-              <a:lumOff val="0"/>
-              <a:alphaOff val="0"/>
-            </a:schemeClr>
-          </a:solidFill>
-          <a:prstDash val="solid"/>
-          <a:miter lim="800000"/>
-          <a:tailEnd type="arrow"/>
-        </a:ln>
-        <a:effectLst/>
-      </dsp:spPr>
-      <dsp:style>
-        <a:lnRef idx="1">
-          <a:scrgbClr r="0" g="0" b="0"/>
-        </a:lnRef>
-        <a:fillRef idx="0">
-          <a:scrgbClr r="0" g="0" b="0"/>
-        </a:fillRef>
-        <a:effectRef idx="0">
-          <a:scrgbClr r="0" g="0" b="0"/>
-        </a:effectRef>
-        <a:fontRef idx="minor"/>
-      </dsp:style>
-    </dsp:sp>
-    <dsp:sp modelId="{A5272672-B605-463A-A750-79E4FB3C3471}">
-      <dsp:nvSpPr>
-        <dsp:cNvPr id="0" name=""/>
-        <dsp:cNvSpPr/>
-      </dsp:nvSpPr>
-      <dsp:spPr>
-        <a:xfrm>
-          <a:off x="5005728" y="1557857"/>
-          <a:ext cx="832385" cy="541050"/>
-        </a:xfrm>
-        <a:prstGeom prst="roundRect">
-          <a:avLst/>
-        </a:prstGeom>
-        <a:solidFill>
-          <a:schemeClr val="accent1">
-            <a:hueOff val="0"/>
-            <a:satOff val="0"/>
-            <a:lumOff val="0"/>
-            <a:alphaOff val="0"/>
-          </a:schemeClr>
-        </a:solidFill>
-        <a:ln w="12700" cap="flat" cmpd="sng" algn="ctr">
-          <a:solidFill>
-            <a:schemeClr val="lt1">
-              <a:hueOff val="0"/>
-              <a:satOff val="0"/>
-              <a:lumOff val="0"/>
-              <a:alphaOff val="0"/>
-            </a:schemeClr>
-          </a:solidFill>
-          <a:prstDash val="solid"/>
-          <a:miter lim="800000"/>
-        </a:ln>
-        <a:effectLst/>
-      </dsp:spPr>
-      <dsp:style>
-        <a:lnRef idx="2">
-          <a:scrgbClr r="0" g="0" b="0"/>
-        </a:lnRef>
-        <a:fillRef idx="1">
-          <a:scrgbClr r="0" g="0" b="0"/>
-        </a:fillRef>
-        <a:effectRef idx="0">
-          <a:scrgbClr r="0" g="0" b="0"/>
-        </a:effectRef>
-        <a:fontRef idx="minor">
-          <a:schemeClr val="lt1"/>
-        </a:fontRef>
-      </dsp:style>
-      <dsp:txBody>
-        <a:bodyPr spcFirstLastPara="0" vert="horz" wrap="square" lIns="26670" tIns="26670" rIns="26670" bIns="26670" numCol="1" spcCol="1270" anchor="ctr" anchorCtr="0">
-          <a:noAutofit/>
-        </a:bodyPr>
-        <a:lstStyle/>
-        <a:p>
-          <a:pPr lvl="0" algn="ctr" defTabSz="311150">
-            <a:lnSpc>
-              <a:spcPct val="90000"/>
-            </a:lnSpc>
-            <a:spcBef>
-              <a:spcPct val="0"/>
-            </a:spcBef>
-            <a:spcAft>
-              <a:spcPct val="35000"/>
-            </a:spcAft>
-          </a:pPr>
-          <a:r>
-            <a:rPr lang="en-US" sz="700" kern="1200" dirty="0" err="1" smtClean="0"/>
-            <a:t>acceptedParams</a:t>
-          </a:r>
-          <a:r>
-            <a:rPr lang="en-US" sz="700" kern="1200" dirty="0" smtClean="0"/>
-            <a:t> </a:t>
-          </a:r>
-          <a:r>
-            <a:rPr lang="en-US" sz="700" kern="1200" dirty="0" smtClean="0"/>
-            <a:t>-&gt; dialog</a:t>
-          </a:r>
-          <a:endParaRPr lang="en-US" sz="700" kern="1200" dirty="0"/>
-        </a:p>
-      </dsp:txBody>
-      <dsp:txXfrm>
-        <a:off x="5032140" y="1584269"/>
-        <a:ext cx="779561" cy="488226"/>
-      </dsp:txXfrm>
-    </dsp:sp>
-    <dsp:sp modelId="{E329EB8D-25D1-4CF8-9E89-DA5E4297C762}">
-      <dsp:nvSpPr>
-        <dsp:cNvPr id="0" name=""/>
-        <dsp:cNvSpPr/>
-      </dsp:nvSpPr>
-      <dsp:spPr>
-        <a:xfrm>
-          <a:off x="1024402" y="270965"/>
-          <a:ext cx="4507832" cy="4507832"/>
-        </a:xfrm>
-        <a:custGeom>
-          <a:avLst/>
-          <a:gdLst/>
-          <a:ahLst/>
-          <a:cxnLst/>
-          <a:rect l="0" t="0" r="0" b="0"/>
-          <a:pathLst>
-            <a:path>
-              <a:moveTo>
-                <a:pt x="4493064" y="1996319"/>
-              </a:moveTo>
-              <a:arcTo wR="2253916" hR="2253916" stAng="21206244" swAng="787512"/>
-            </a:path>
-          </a:pathLst>
-        </a:custGeom>
-        <a:noFill/>
-        <a:ln w="6350" cap="flat" cmpd="sng" algn="ctr">
-          <a:solidFill>
-            <a:schemeClr val="accent1">
-              <a:hueOff val="0"/>
-              <a:satOff val="0"/>
-              <a:lumOff val="0"/>
-              <a:alphaOff val="0"/>
-            </a:schemeClr>
-          </a:solidFill>
-          <a:prstDash val="solid"/>
-          <a:miter lim="800000"/>
-          <a:tailEnd type="arrow"/>
-        </a:ln>
-        <a:effectLst/>
-      </dsp:spPr>
-      <dsp:style>
-        <a:lnRef idx="1">
-          <a:scrgbClr r="0" g="0" b="0"/>
-        </a:lnRef>
-        <a:fillRef idx="0">
-          <a:scrgbClr r="0" g="0" b="0"/>
-        </a:fillRef>
-        <a:effectRef idx="0">
-          <a:scrgbClr r="0" g="0" b="0"/>
-        </a:effectRef>
-        <a:fontRef idx="minor"/>
-      </dsp:style>
-    </dsp:sp>
-    <dsp:sp modelId="{7D4EC07D-5DC0-4ACE-A8DC-78C510BB4C5F}">
-      <dsp:nvSpPr>
-        <dsp:cNvPr id="0" name=""/>
-        <dsp:cNvSpPr/>
-      </dsp:nvSpPr>
-      <dsp:spPr>
-        <a:xfrm>
-          <a:off x="5005728" y="2950854"/>
-          <a:ext cx="832385" cy="541050"/>
-        </a:xfrm>
-        <a:prstGeom prst="roundRect">
-          <a:avLst/>
-        </a:prstGeom>
-        <a:solidFill>
-          <a:schemeClr val="accent1">
-            <a:hueOff val="0"/>
-            <a:satOff val="0"/>
-            <a:lumOff val="0"/>
-            <a:alphaOff val="0"/>
-          </a:schemeClr>
-        </a:solidFill>
-        <a:ln w="12700" cap="flat" cmpd="sng" algn="ctr">
-          <a:solidFill>
-            <a:schemeClr val="lt1">
-              <a:hueOff val="0"/>
-              <a:satOff val="0"/>
-              <a:lumOff val="0"/>
-              <a:alphaOff val="0"/>
-            </a:schemeClr>
-          </a:solidFill>
-          <a:prstDash val="solid"/>
-          <a:miter lim="800000"/>
-        </a:ln>
-        <a:effectLst/>
-      </dsp:spPr>
-      <dsp:style>
-        <a:lnRef idx="2">
-          <a:scrgbClr r="0" g="0" b="0"/>
-        </a:lnRef>
-        <a:fillRef idx="1">
-          <a:scrgbClr r="0" g="0" b="0"/>
-        </a:fillRef>
-        <a:effectRef idx="0">
-          <a:scrgbClr r="0" g="0" b="0"/>
-        </a:effectRef>
-        <a:fontRef idx="minor">
-          <a:schemeClr val="lt1"/>
-        </a:fontRef>
-      </dsp:style>
-      <dsp:txBody>
-        <a:bodyPr spcFirstLastPara="0" vert="horz" wrap="square" lIns="26670" tIns="26670" rIns="26670" bIns="26670" numCol="1" spcCol="1270" anchor="ctr" anchorCtr="0">
-          <a:noAutofit/>
-        </a:bodyPr>
-        <a:lstStyle/>
-        <a:p>
-          <a:pPr lvl="0" algn="ctr" defTabSz="311150">
-            <a:lnSpc>
-              <a:spcPct val="90000"/>
-            </a:lnSpc>
-            <a:spcBef>
-              <a:spcPct val="0"/>
-            </a:spcBef>
-            <a:spcAft>
-              <a:spcPct val="35000"/>
-            </a:spcAft>
-          </a:pPr>
-          <a:r>
-            <a:rPr lang="en-US" sz="700" kern="1200" dirty="0" smtClean="0"/>
-            <a:t>User edits dialog</a:t>
-          </a:r>
-          <a:endParaRPr lang="en-US" sz="700" kern="1200" dirty="0"/>
-        </a:p>
-      </dsp:txBody>
-      <dsp:txXfrm>
-        <a:off x="5032140" y="2977266"/>
-        <a:ext cx="779561" cy="488226"/>
-      </dsp:txXfrm>
-    </dsp:sp>
-    <dsp:sp modelId="{08039230-DCC5-489F-ACC4-6F6A5DB5D99B}">
-      <dsp:nvSpPr>
-        <dsp:cNvPr id="0" name=""/>
-        <dsp:cNvSpPr/>
-      </dsp:nvSpPr>
-      <dsp:spPr>
-        <a:xfrm>
-          <a:off x="1024402" y="270965"/>
-          <a:ext cx="4507832" cy="4507832"/>
-        </a:xfrm>
-        <a:custGeom>
-          <a:avLst/>
-          <a:gdLst/>
-          <a:ahLst/>
-          <a:cxnLst/>
-          <a:rect l="0" t="0" r="0" b="0"/>
-          <a:pathLst>
-            <a:path>
-              <a:moveTo>
-                <a:pt x="4224848" y="3347336"/>
-              </a:moveTo>
-              <a:arcTo wR="2253916" hR="2253916" stAng="1741220" swAng="654989"/>
-            </a:path>
-          </a:pathLst>
-        </a:custGeom>
-        <a:noFill/>
-        <a:ln w="6350" cap="flat" cmpd="sng" algn="ctr">
-          <a:solidFill>
-            <a:schemeClr val="accent1">
-              <a:hueOff val="0"/>
-              <a:satOff val="0"/>
-              <a:lumOff val="0"/>
-              <a:alphaOff val="0"/>
-            </a:schemeClr>
-          </a:solidFill>
-          <a:prstDash val="solid"/>
-          <a:miter lim="800000"/>
-          <a:tailEnd type="arrow"/>
-        </a:ln>
-        <a:effectLst/>
-      </dsp:spPr>
-      <dsp:style>
-        <a:lnRef idx="1">
-          <a:scrgbClr r="0" g="0" b="0"/>
-        </a:lnRef>
-        <a:fillRef idx="0">
-          <a:scrgbClr r="0" g="0" b="0"/>
-        </a:fillRef>
-        <a:effectRef idx="0">
-          <a:scrgbClr r="0" g="0" b="0"/>
-        </a:effectRef>
-        <a:fontRef idx="minor"/>
-      </dsp:style>
-    </dsp:sp>
-    <dsp:sp modelId="{BCDE08F8-C06F-4B44-B2EE-92F85A2B69F8}">
-      <dsp:nvSpPr>
-        <dsp:cNvPr id="0" name=""/>
-        <dsp:cNvSpPr/>
-      </dsp:nvSpPr>
-      <dsp:spPr>
-        <a:xfrm>
-          <a:off x="4186945" y="4077812"/>
-          <a:ext cx="832385" cy="541050"/>
-        </a:xfrm>
-        <a:prstGeom prst="roundRect">
-          <a:avLst/>
-        </a:prstGeom>
-        <a:solidFill>
-          <a:schemeClr val="accent1">
-            <a:hueOff val="0"/>
-            <a:satOff val="0"/>
-            <a:lumOff val="0"/>
-            <a:alphaOff val="0"/>
-          </a:schemeClr>
-        </a:solidFill>
-        <a:ln w="12700" cap="flat" cmpd="sng" algn="ctr">
-          <a:solidFill>
-            <a:schemeClr val="lt1">
-              <a:hueOff val="0"/>
-              <a:satOff val="0"/>
-              <a:lumOff val="0"/>
-              <a:alphaOff val="0"/>
-            </a:schemeClr>
-          </a:solidFill>
-          <a:prstDash val="solid"/>
-          <a:miter lim="800000"/>
-        </a:ln>
-        <a:effectLst/>
-      </dsp:spPr>
-      <dsp:style>
-        <a:lnRef idx="2">
-          <a:scrgbClr r="0" g="0" b="0"/>
-        </a:lnRef>
-        <a:fillRef idx="1">
-          <a:scrgbClr r="0" g="0" b="0"/>
-        </a:fillRef>
-        <a:effectRef idx="0">
-          <a:scrgbClr r="0" g="0" b="0"/>
-        </a:effectRef>
-        <a:fontRef idx="minor">
-          <a:schemeClr val="lt1"/>
-        </a:fontRef>
-      </dsp:style>
-      <dsp:txBody>
-        <a:bodyPr spcFirstLastPara="0" vert="horz" wrap="square" lIns="26670" tIns="26670" rIns="26670" bIns="26670" numCol="1" spcCol="1270" anchor="ctr" anchorCtr="0">
-          <a:noAutofit/>
-        </a:bodyPr>
-        <a:lstStyle/>
-        <a:p>
-          <a:pPr lvl="0" algn="ctr" defTabSz="311150">
-            <a:lnSpc>
-              <a:spcPct val="90000"/>
-            </a:lnSpc>
-            <a:spcBef>
-              <a:spcPct val="0"/>
-            </a:spcBef>
-            <a:spcAft>
-              <a:spcPct val="35000"/>
-            </a:spcAft>
-          </a:pPr>
-          <a:r>
-            <a:rPr lang="en-US" sz="700" kern="1200" dirty="0" smtClean="0"/>
-            <a:t>Click 'Validate' or 'OK'</a:t>
-          </a:r>
-          <a:endParaRPr lang="en-US" sz="700" kern="1200" dirty="0"/>
-        </a:p>
-      </dsp:txBody>
-      <dsp:txXfrm>
-        <a:off x="4213357" y="4104224"/>
-        <a:ext cx="779561" cy="488226"/>
-      </dsp:txXfrm>
-    </dsp:sp>
-    <dsp:sp modelId="{DCC6D925-71BB-4DCC-A014-CB2B86572910}">
-      <dsp:nvSpPr>
-        <dsp:cNvPr id="0" name=""/>
-        <dsp:cNvSpPr/>
-      </dsp:nvSpPr>
-      <dsp:spPr>
-        <a:xfrm>
-          <a:off x="1024402" y="270965"/>
-          <a:ext cx="4507832" cy="4507832"/>
-        </a:xfrm>
-        <a:custGeom>
-          <a:avLst/>
-          <a:gdLst/>
-          <a:ahLst/>
-          <a:cxnLst/>
-          <a:rect l="0" t="0" r="0" b="0"/>
-          <a:pathLst>
-            <a:path>
-              <a:moveTo>
-                <a:pt x="3067272" y="4355961"/>
-              </a:moveTo>
-              <a:arcTo wR="2253916" hR="2253916" stAng="4130806" swAng="473485"/>
-            </a:path>
-          </a:pathLst>
-        </a:custGeom>
-        <a:noFill/>
-        <a:ln w="6350" cap="flat" cmpd="sng" algn="ctr">
-          <a:solidFill>
-            <a:schemeClr val="accent1">
-              <a:hueOff val="0"/>
-              <a:satOff val="0"/>
-              <a:lumOff val="0"/>
-              <a:alphaOff val="0"/>
-            </a:schemeClr>
-          </a:solidFill>
-          <a:prstDash val="solid"/>
-          <a:miter lim="800000"/>
-          <a:tailEnd type="arrow"/>
-        </a:ln>
-        <a:effectLst/>
-      </dsp:spPr>
-      <dsp:style>
-        <a:lnRef idx="1">
-          <a:scrgbClr r="0" g="0" b="0"/>
-        </a:lnRef>
-        <a:fillRef idx="0">
-          <a:scrgbClr r="0" g="0" b="0"/>
-        </a:fillRef>
-        <a:effectRef idx="0">
-          <a:scrgbClr r="0" g="0" b="0"/>
-        </a:effectRef>
-        <a:fontRef idx="minor"/>
-      </dsp:style>
-    </dsp:sp>
-    <dsp:sp modelId="{16882C59-B268-41FC-9990-81A25A600BEE}">
-      <dsp:nvSpPr>
-        <dsp:cNvPr id="0" name=""/>
-        <dsp:cNvSpPr/>
-      </dsp:nvSpPr>
-      <dsp:spPr>
-        <a:xfrm>
-          <a:off x="2862126" y="4508272"/>
-          <a:ext cx="832385" cy="541050"/>
-        </a:xfrm>
-        <a:prstGeom prst="roundRect">
-          <a:avLst/>
-        </a:prstGeom>
-        <a:solidFill>
-          <a:schemeClr val="accent1">
-            <a:hueOff val="0"/>
-            <a:satOff val="0"/>
-            <a:lumOff val="0"/>
-            <a:alphaOff val="0"/>
-          </a:schemeClr>
-        </a:solidFill>
-        <a:ln w="12700" cap="flat" cmpd="sng" algn="ctr">
-          <a:solidFill>
-            <a:schemeClr val="lt1">
-              <a:hueOff val="0"/>
-              <a:satOff val="0"/>
-              <a:lumOff val="0"/>
-              <a:alphaOff val="0"/>
-            </a:schemeClr>
-          </a:solidFill>
-          <a:prstDash val="solid"/>
-          <a:miter lim="800000"/>
-        </a:ln>
-        <a:effectLst/>
-      </dsp:spPr>
-      <dsp:style>
-        <a:lnRef idx="2">
-          <a:scrgbClr r="0" g="0" b="0"/>
-        </a:lnRef>
-        <a:fillRef idx="1">
-          <a:scrgbClr r="0" g="0" b="0"/>
-        </a:fillRef>
-        <a:effectRef idx="0">
-          <a:scrgbClr r="0" g="0" b="0"/>
-        </a:effectRef>
-        <a:fontRef idx="minor">
-          <a:schemeClr val="lt1"/>
-        </a:fontRef>
-      </dsp:style>
-      <dsp:txBody>
-        <a:bodyPr spcFirstLastPara="0" vert="horz" wrap="square" lIns="26670" tIns="26670" rIns="26670" bIns="26670" numCol="1" spcCol="1270" anchor="ctr" anchorCtr="0">
-          <a:noAutofit/>
-        </a:bodyPr>
-        <a:lstStyle/>
-        <a:p>
-          <a:pPr lvl="0" algn="ctr" defTabSz="311150">
-            <a:lnSpc>
-              <a:spcPct val="90000"/>
-            </a:lnSpc>
-            <a:spcBef>
-              <a:spcPct val="0"/>
-            </a:spcBef>
-            <a:spcAft>
-              <a:spcPct val="35000"/>
-            </a:spcAft>
-          </a:pPr>
-          <a:r>
-            <a:rPr lang="en-US" sz="700" kern="1200" dirty="0" smtClean="0"/>
-            <a:t>Dialog -&gt; prospective copy 'q'</a:t>
-          </a:r>
-          <a:endParaRPr lang="en-US" sz="700" kern="1200" dirty="0"/>
-        </a:p>
-      </dsp:txBody>
-      <dsp:txXfrm>
-        <a:off x="2888538" y="4534684"/>
-        <a:ext cx="779561" cy="488226"/>
-      </dsp:txXfrm>
-    </dsp:sp>
-    <dsp:sp modelId="{5CB85373-6BA3-4F1F-B1C9-491DF3A35B7B}">
-      <dsp:nvSpPr>
-        <dsp:cNvPr id="0" name=""/>
-        <dsp:cNvSpPr/>
-      </dsp:nvSpPr>
-      <dsp:spPr>
-        <a:xfrm>
-          <a:off x="1024402" y="270965"/>
-          <a:ext cx="4507832" cy="4507832"/>
-        </a:xfrm>
-        <a:custGeom>
-          <a:avLst/>
-          <a:gdLst/>
-          <a:ahLst/>
-          <a:cxnLst/>
-          <a:rect l="0" t="0" r="0" b="0"/>
-          <a:pathLst>
-            <a:path>
-              <a:moveTo>
-                <a:pt x="1736865" y="4447725"/>
-              </a:moveTo>
-              <a:arcTo wR="2253916" hR="2253916" stAng="6195709" swAng="473485"/>
-            </a:path>
-          </a:pathLst>
-        </a:custGeom>
-        <a:noFill/>
-        <a:ln w="6350" cap="flat" cmpd="sng" algn="ctr">
-          <a:solidFill>
-            <a:schemeClr val="accent1">
-              <a:hueOff val="0"/>
-              <a:satOff val="0"/>
-              <a:lumOff val="0"/>
-              <a:alphaOff val="0"/>
-            </a:schemeClr>
-          </a:solidFill>
-          <a:prstDash val="solid"/>
-          <a:miter lim="800000"/>
-          <a:tailEnd type="arrow"/>
-        </a:ln>
-        <a:effectLst/>
-      </dsp:spPr>
-      <dsp:style>
-        <a:lnRef idx="1">
-          <a:scrgbClr r="0" g="0" b="0"/>
-        </a:lnRef>
-        <a:fillRef idx="0">
-          <a:scrgbClr r="0" g="0" b="0"/>
-        </a:fillRef>
-        <a:effectRef idx="0">
-          <a:scrgbClr r="0" g="0" b="0"/>
-        </a:effectRef>
-        <a:fontRef idx="minor"/>
-      </dsp:style>
-    </dsp:sp>
-    <dsp:sp modelId="{ECCF82E3-B19F-4805-8882-198E38A67B08}">
-      <dsp:nvSpPr>
-        <dsp:cNvPr id="0" name=""/>
-        <dsp:cNvSpPr/>
-      </dsp:nvSpPr>
-      <dsp:spPr>
-        <a:xfrm>
-          <a:off x="1537307" y="4077812"/>
-          <a:ext cx="832385" cy="541050"/>
-        </a:xfrm>
-        <a:prstGeom prst="roundRect">
-          <a:avLst/>
-        </a:prstGeom>
-        <a:solidFill>
-          <a:schemeClr val="accent1">
-            <a:hueOff val="0"/>
-            <a:satOff val="0"/>
-            <a:lumOff val="0"/>
-            <a:alphaOff val="0"/>
-          </a:schemeClr>
-        </a:solidFill>
-        <a:ln w="12700" cap="flat" cmpd="sng" algn="ctr">
-          <a:solidFill>
-            <a:schemeClr val="lt1">
-              <a:hueOff val="0"/>
-              <a:satOff val="0"/>
-              <a:lumOff val="0"/>
-              <a:alphaOff val="0"/>
-            </a:schemeClr>
-          </a:solidFill>
-          <a:prstDash val="solid"/>
-          <a:miter lim="800000"/>
-        </a:ln>
-        <a:effectLst/>
-      </dsp:spPr>
-      <dsp:style>
-        <a:lnRef idx="2">
-          <a:scrgbClr r="0" g="0" b="0"/>
-        </a:lnRef>
-        <a:fillRef idx="1">
-          <a:scrgbClr r="0" g="0" b="0"/>
-        </a:fillRef>
-        <a:effectRef idx="0">
-          <a:scrgbClr r="0" g="0" b="0"/>
-        </a:effectRef>
-        <a:fontRef idx="minor">
-          <a:schemeClr val="lt1"/>
-        </a:fontRef>
-      </dsp:style>
-      <dsp:txBody>
-        <a:bodyPr spcFirstLastPara="0" vert="horz" wrap="square" lIns="26670" tIns="26670" rIns="26670" bIns="26670" numCol="1" spcCol="1270" anchor="ctr" anchorCtr="0">
-          <a:noAutofit/>
-        </a:bodyPr>
-        <a:lstStyle/>
-        <a:p>
-          <a:pPr lvl="0" algn="ctr" defTabSz="311150">
-            <a:lnSpc>
-              <a:spcPct val="90000"/>
-            </a:lnSpc>
-            <a:spcBef>
-              <a:spcPct val="0"/>
-            </a:spcBef>
-            <a:spcAft>
-              <a:spcPct val="35000"/>
-            </a:spcAft>
-          </a:pPr>
-          <a:r>
-            <a:rPr lang="en-US" sz="700" kern="1200" dirty="0" smtClean="0"/>
-            <a:t>'q' validated or not</a:t>
-          </a:r>
-          <a:endParaRPr lang="en-US" sz="700" kern="1200" dirty="0"/>
-        </a:p>
-      </dsp:txBody>
-      <dsp:txXfrm>
-        <a:off x="1563719" y="4104224"/>
-        <a:ext cx="779561" cy="488226"/>
-      </dsp:txXfrm>
-    </dsp:sp>
-    <dsp:sp modelId="{C857321C-82F6-47AE-8F34-CA012320824C}">
-      <dsp:nvSpPr>
-        <dsp:cNvPr id="0" name=""/>
-        <dsp:cNvSpPr/>
-      </dsp:nvSpPr>
-      <dsp:spPr>
-        <a:xfrm>
-          <a:off x="1024402" y="270965"/>
-          <a:ext cx="4507832" cy="4507832"/>
-        </a:xfrm>
-        <a:custGeom>
-          <a:avLst/>
-          <a:gdLst/>
-          <a:ahLst/>
-          <a:cxnLst/>
-          <a:rect l="0" t="0" r="0" b="0"/>
-          <a:pathLst>
-            <a:path>
-              <a:moveTo>
-                <a:pt x="525719" y="3700801"/>
-              </a:moveTo>
-              <a:arcTo wR="2253916" hR="2253916" stAng="8403791" swAng="654989"/>
-            </a:path>
-          </a:pathLst>
-        </a:custGeom>
-        <a:noFill/>
-        <a:ln w="6350" cap="flat" cmpd="sng" algn="ctr">
-          <a:solidFill>
-            <a:schemeClr val="accent1">
-              <a:hueOff val="0"/>
-              <a:satOff val="0"/>
-              <a:lumOff val="0"/>
-              <a:alphaOff val="0"/>
-            </a:schemeClr>
-          </a:solidFill>
-          <a:prstDash val="solid"/>
-          <a:miter lim="800000"/>
-          <a:tailEnd type="arrow"/>
-        </a:ln>
-        <a:effectLst/>
-      </dsp:spPr>
-      <dsp:style>
-        <a:lnRef idx="1">
-          <a:scrgbClr r="0" g="0" b="0"/>
-        </a:lnRef>
-        <a:fillRef idx="0">
-          <a:scrgbClr r="0" g="0" b="0"/>
-        </a:fillRef>
-        <a:effectRef idx="0">
-          <a:scrgbClr r="0" g="0" b="0"/>
-        </a:effectRef>
-        <a:fontRef idx="minor"/>
-      </dsp:style>
-    </dsp:sp>
-    <dsp:sp modelId="{311A1E75-4CD5-4938-8DA2-A907DD3520BD}">
-      <dsp:nvSpPr>
-        <dsp:cNvPr id="0" name=""/>
-        <dsp:cNvSpPr/>
-      </dsp:nvSpPr>
-      <dsp:spPr>
-        <a:xfrm>
-          <a:off x="718524" y="2950854"/>
-          <a:ext cx="832385" cy="541050"/>
-        </a:xfrm>
-        <a:prstGeom prst="roundRect">
-          <a:avLst/>
-        </a:prstGeom>
-        <a:solidFill>
-          <a:srgbClr val="92D050"/>
-        </a:solidFill>
-        <a:ln w="12700" cap="flat" cmpd="sng" algn="ctr">
-          <a:solidFill>
-            <a:schemeClr val="lt1">
-              <a:hueOff val="0"/>
-              <a:satOff val="0"/>
-              <a:lumOff val="0"/>
-              <a:alphaOff val="0"/>
-            </a:schemeClr>
-          </a:solidFill>
-          <a:prstDash val="solid"/>
-          <a:miter lim="800000"/>
-        </a:ln>
-        <a:effectLst/>
-      </dsp:spPr>
-      <dsp:style>
-        <a:lnRef idx="2">
-          <a:scrgbClr r="0" g="0" b="0"/>
-        </a:lnRef>
-        <a:fillRef idx="1">
-          <a:scrgbClr r="0" g="0" b="0"/>
-        </a:fillRef>
-        <a:effectRef idx="0">
-          <a:scrgbClr r="0" g="0" b="0"/>
-        </a:effectRef>
-        <a:fontRef idx="minor">
-          <a:schemeClr val="lt1"/>
-        </a:fontRef>
-      </dsp:style>
-      <dsp:txBody>
-        <a:bodyPr spcFirstLastPara="0" vert="horz" wrap="square" lIns="26670" tIns="26670" rIns="26670" bIns="26670" numCol="1" spcCol="1270" anchor="ctr" anchorCtr="0">
-          <a:noAutofit/>
-        </a:bodyPr>
-        <a:lstStyle/>
-        <a:p>
-          <a:pPr lvl="0" algn="ctr" defTabSz="311150">
-            <a:lnSpc>
-              <a:spcPct val="90000"/>
-            </a:lnSpc>
-            <a:spcBef>
-              <a:spcPct val="0"/>
-            </a:spcBef>
-            <a:spcAft>
-              <a:spcPct val="35000"/>
-            </a:spcAft>
-          </a:pPr>
-          <a:r>
-            <a:rPr lang="en-US" sz="700" kern="1200" dirty="0" smtClean="0"/>
-            <a:t>Run allowed or not</a:t>
-          </a:r>
-          <a:endParaRPr lang="en-US" sz="700" kern="1200" dirty="0"/>
-        </a:p>
-      </dsp:txBody>
-      <dsp:txXfrm>
-        <a:off x="744936" y="2977266"/>
-        <a:ext cx="779561" cy="488226"/>
-      </dsp:txXfrm>
-    </dsp:sp>
-    <dsp:sp modelId="{B1068590-0A17-40B2-9E1B-1BF12816E82A}">
-      <dsp:nvSpPr>
-        <dsp:cNvPr id="0" name=""/>
-        <dsp:cNvSpPr/>
-      </dsp:nvSpPr>
-      <dsp:spPr>
-        <a:xfrm>
-          <a:off x="1024402" y="270965"/>
-          <a:ext cx="4507832" cy="4507832"/>
-        </a:xfrm>
-        <a:custGeom>
-          <a:avLst/>
-          <a:gdLst/>
-          <a:ahLst/>
-          <a:cxnLst/>
-          <a:rect l="0" t="0" r="0" b="0"/>
-          <a:pathLst>
-            <a:path>
-              <a:moveTo>
-                <a:pt x="14768" y="2511513"/>
-              </a:moveTo>
-              <a:arcTo wR="2253916" hR="2253916" stAng="10406244" swAng="787512"/>
-            </a:path>
-          </a:pathLst>
-        </a:custGeom>
-        <a:noFill/>
-        <a:ln w="6350" cap="flat" cmpd="sng" algn="ctr">
-          <a:solidFill>
-            <a:schemeClr val="accent1">
-              <a:hueOff val="0"/>
-              <a:satOff val="0"/>
-              <a:lumOff val="0"/>
-              <a:alphaOff val="0"/>
-            </a:schemeClr>
-          </a:solidFill>
-          <a:prstDash val="solid"/>
-          <a:miter lim="800000"/>
-          <a:tailEnd type="arrow"/>
-        </a:ln>
-        <a:effectLst/>
-      </dsp:spPr>
-      <dsp:style>
-        <a:lnRef idx="1">
-          <a:scrgbClr r="0" g="0" b="0"/>
-        </a:lnRef>
-        <a:fillRef idx="0">
-          <a:scrgbClr r="0" g="0" b="0"/>
-        </a:fillRef>
-        <a:effectRef idx="0">
-          <a:scrgbClr r="0" g="0" b="0"/>
-        </a:effectRef>
-        <a:fontRef idx="minor"/>
-      </dsp:style>
-    </dsp:sp>
-    <dsp:sp modelId="{252C3583-709E-4580-90E6-3DC9BBA0A288}">
-      <dsp:nvSpPr>
-        <dsp:cNvPr id="0" name=""/>
-        <dsp:cNvSpPr/>
-      </dsp:nvSpPr>
-      <dsp:spPr>
-        <a:xfrm>
-          <a:off x="718524" y="1557857"/>
-          <a:ext cx="832385" cy="541050"/>
-        </a:xfrm>
-        <a:prstGeom prst="roundRect">
-          <a:avLst/>
-        </a:prstGeom>
-        <a:solidFill>
-          <a:schemeClr val="accent1">
-            <a:hueOff val="0"/>
-            <a:satOff val="0"/>
-            <a:lumOff val="0"/>
-            <a:alphaOff val="0"/>
-          </a:schemeClr>
-        </a:solidFill>
-        <a:ln w="12700" cap="flat" cmpd="sng" algn="ctr">
-          <a:solidFill>
-            <a:schemeClr val="lt1">
-              <a:hueOff val="0"/>
-              <a:satOff val="0"/>
-              <a:lumOff val="0"/>
-              <a:alphaOff val="0"/>
-            </a:schemeClr>
-          </a:solidFill>
-          <a:prstDash val="solid"/>
-          <a:miter lim="800000"/>
-        </a:ln>
-        <a:effectLst/>
-      </dsp:spPr>
-      <dsp:style>
-        <a:lnRef idx="2">
-          <a:scrgbClr r="0" g="0" b="0"/>
-        </a:lnRef>
-        <a:fillRef idx="1">
-          <a:scrgbClr r="0" g="0" b="0"/>
-        </a:fillRef>
-        <a:effectRef idx="0">
-          <a:scrgbClr r="0" g="0" b="0"/>
-        </a:effectRef>
-        <a:fontRef idx="minor">
-          <a:schemeClr val="lt1"/>
-        </a:fontRef>
-      </dsp:style>
-      <dsp:txBody>
-        <a:bodyPr spcFirstLastPara="0" vert="horz" wrap="square" lIns="26670" tIns="26670" rIns="26670" bIns="26670" numCol="1" spcCol="1270" anchor="ctr" anchorCtr="0">
-          <a:noAutofit/>
-        </a:bodyPr>
-        <a:lstStyle/>
-        <a:p>
-          <a:pPr lvl="0" algn="ctr" defTabSz="311150">
-            <a:lnSpc>
-              <a:spcPct val="90000"/>
-            </a:lnSpc>
-            <a:spcBef>
-              <a:spcPct val="0"/>
-            </a:spcBef>
-            <a:spcAft>
-              <a:spcPct val="35000"/>
-            </a:spcAft>
-          </a:pPr>
-          <a:r>
-            <a:rPr lang="en-US" sz="700" kern="1200" dirty="0" smtClean="0"/>
-            <a:t>'q' -&gt; </a:t>
-          </a:r>
-          <a:r>
-            <a:rPr lang="en-US" sz="700" kern="1200" dirty="0" err="1" smtClean="0"/>
-            <a:t>acceptedParams</a:t>
-          </a:r>
-          <a:endParaRPr lang="en-US" sz="700" kern="1200" dirty="0"/>
-        </a:p>
-      </dsp:txBody>
-      <dsp:txXfrm>
-        <a:off x="744936" y="1584269"/>
-        <a:ext cx="779561" cy="488226"/>
-      </dsp:txXfrm>
-    </dsp:sp>
-    <dsp:sp modelId="{86101FBB-20CA-4FAC-A504-1608BAA82236}">
-      <dsp:nvSpPr>
-        <dsp:cNvPr id="0" name=""/>
-        <dsp:cNvSpPr/>
-      </dsp:nvSpPr>
-      <dsp:spPr>
-        <a:xfrm>
-          <a:off x="1024402" y="270965"/>
-          <a:ext cx="4507832" cy="4507832"/>
-        </a:xfrm>
-        <a:custGeom>
-          <a:avLst/>
-          <a:gdLst/>
-          <a:ahLst/>
-          <a:cxnLst/>
-          <a:rect l="0" t="0" r="0" b="0"/>
-          <a:pathLst>
-            <a:path>
-              <a:moveTo>
-                <a:pt x="282984" y="1160496"/>
-              </a:moveTo>
-              <a:arcTo wR="2253916" hR="2253916" stAng="12541220" swAng="654989"/>
-            </a:path>
-          </a:pathLst>
-        </a:custGeom>
-        <a:noFill/>
-        <a:ln w="6350" cap="flat" cmpd="sng" algn="ctr">
-          <a:solidFill>
-            <a:schemeClr val="accent1">
-              <a:hueOff val="0"/>
-              <a:satOff val="0"/>
-              <a:lumOff val="0"/>
-              <a:alphaOff val="0"/>
-            </a:schemeClr>
-          </a:solidFill>
-          <a:prstDash val="solid"/>
-          <a:miter lim="800000"/>
-          <a:tailEnd type="arrow"/>
-        </a:ln>
-        <a:effectLst/>
-      </dsp:spPr>
-      <dsp:style>
-        <a:lnRef idx="1">
-          <a:scrgbClr r="0" g="0" b="0"/>
-        </a:lnRef>
-        <a:fillRef idx="0">
-          <a:scrgbClr r="0" g="0" b="0"/>
-        </a:fillRef>
-        <a:effectRef idx="0">
-          <a:scrgbClr r="0" g="0" b="0"/>
-        </a:effectRef>
-        <a:fontRef idx="minor"/>
-      </dsp:style>
-    </dsp:sp>
-    <dsp:sp modelId="{5F779E80-FDAE-4F20-B301-9490AB785C0F}">
-      <dsp:nvSpPr>
-        <dsp:cNvPr id="0" name=""/>
-        <dsp:cNvSpPr/>
-      </dsp:nvSpPr>
-      <dsp:spPr>
-        <a:xfrm>
-          <a:off x="1537307" y="430899"/>
-          <a:ext cx="832385" cy="541050"/>
-        </a:xfrm>
-        <a:prstGeom prst="roundRect">
-          <a:avLst/>
-        </a:prstGeom>
-        <a:solidFill>
-          <a:schemeClr val="accent1">
-            <a:hueOff val="0"/>
-            <a:satOff val="0"/>
-            <a:lumOff val="0"/>
-            <a:alphaOff val="0"/>
-          </a:schemeClr>
-        </a:solidFill>
-        <a:ln w="12700" cap="flat" cmpd="sng" algn="ctr">
-          <a:solidFill>
-            <a:schemeClr val="lt1">
-              <a:hueOff val="0"/>
-              <a:satOff val="0"/>
-              <a:lumOff val="0"/>
-              <a:alphaOff val="0"/>
-            </a:schemeClr>
-          </a:solidFill>
-          <a:prstDash val="solid"/>
-          <a:miter lim="800000"/>
-        </a:ln>
-        <a:effectLst/>
-      </dsp:spPr>
-      <dsp:style>
-        <a:lnRef idx="2">
-          <a:scrgbClr r="0" g="0" b="0"/>
-        </a:lnRef>
-        <a:fillRef idx="1">
-          <a:scrgbClr r="0" g="0" b="0"/>
-        </a:fillRef>
-        <a:effectRef idx="0">
-          <a:scrgbClr r="0" g="0" b="0"/>
-        </a:effectRef>
-        <a:fontRef idx="minor">
-          <a:schemeClr val="lt1"/>
-        </a:fontRef>
-      </dsp:style>
-      <dsp:txBody>
-        <a:bodyPr spcFirstLastPara="0" vert="horz" wrap="square" lIns="26670" tIns="26670" rIns="26670" bIns="26670" numCol="1" spcCol="1270" anchor="ctr" anchorCtr="0">
-          <a:noAutofit/>
-        </a:bodyPr>
-        <a:lstStyle/>
-        <a:p>
-          <a:pPr lvl="0" algn="ctr" defTabSz="311150">
-            <a:lnSpc>
-              <a:spcPct val="90000"/>
-            </a:lnSpc>
-            <a:spcBef>
-              <a:spcPct val="0"/>
-            </a:spcBef>
-            <a:spcAft>
-              <a:spcPct val="35000"/>
-            </a:spcAft>
-          </a:pPr>
-          <a:r>
-            <a:rPr lang="en-US" sz="700" kern="1200" dirty="0" err="1" smtClean="0"/>
-            <a:t>acceptedParams</a:t>
-          </a:r>
-          <a:r>
-            <a:rPr lang="en-US" sz="700" kern="1200" dirty="0" smtClean="0"/>
-            <a:t> </a:t>
-          </a:r>
-          <a:r>
-            <a:rPr lang="en-US" sz="700" kern="1200" dirty="0" smtClean="0"/>
-            <a:t>-&gt; </a:t>
-          </a:r>
-          <a:r>
-            <a:rPr lang="en-US" sz="700" kern="1200" dirty="0" err="1" smtClean="0"/>
-            <a:t>ini</a:t>
-          </a:r>
-          <a:endParaRPr lang="en-US" sz="700" kern="1200" dirty="0"/>
-        </a:p>
-      </dsp:txBody>
-      <dsp:txXfrm>
-        <a:off x="1563719" y="457311"/>
-        <a:ext cx="779561" cy="488226"/>
-      </dsp:txXfrm>
-    </dsp:sp>
-    <dsp:sp modelId="{01FFCFA0-8857-4F17-8842-FF5F726FD243}">
-      <dsp:nvSpPr>
-        <dsp:cNvPr id="0" name=""/>
-        <dsp:cNvSpPr/>
-      </dsp:nvSpPr>
-      <dsp:spPr>
-        <a:xfrm>
-          <a:off x="1024402" y="270965"/>
-          <a:ext cx="4507832" cy="4507832"/>
-        </a:xfrm>
-        <a:custGeom>
-          <a:avLst/>
-          <a:gdLst/>
-          <a:ahLst/>
-          <a:cxnLst/>
-          <a:rect l="0" t="0" r="0" b="0"/>
-          <a:pathLst>
-            <a:path>
-              <a:moveTo>
-                <a:pt x="1440560" y="151871"/>
-              </a:moveTo>
-              <a:arcTo wR="2253916" hR="2253916" stAng="14930806" swAng="473485"/>
-            </a:path>
-          </a:pathLst>
-        </a:custGeom>
-        <a:noFill/>
-        <a:ln w="6350" cap="flat" cmpd="sng" algn="ctr">
-          <a:solidFill>
-            <a:schemeClr val="accent1">
-              <a:hueOff val="0"/>
-              <a:satOff val="0"/>
-              <a:lumOff val="0"/>
-              <a:alphaOff val="0"/>
-            </a:schemeClr>
-          </a:solidFill>
-          <a:prstDash val="solid"/>
-          <a:miter lim="800000"/>
-          <a:tailEnd type="arrow"/>
-        </a:ln>
-        <a:effectLst/>
-      </dsp:spPr>
-      <dsp:style>
-        <a:lnRef idx="1">
-          <a:scrgbClr r="0" g="0" b="0"/>
-        </a:lnRef>
-        <a:fillRef idx="0">
-          <a:scrgbClr r="0" g="0" b="0"/>
-        </a:fillRef>
-        <a:effectRef idx="0">
-          <a:scrgbClr r="0" g="0" b="0"/>
-        </a:effectRef>
-        <a:fontRef idx="minor"/>
-      </dsp:style>
-    </dsp:sp>
   </dsp:spTree>
 </dsp:drawing>
 </file>
@@ -4422,7 +3062,7 @@
           <a:p>
             <a:fld id="{120637B1-EAAC-43C2-83FD-28F64C252A1C}" type="datetimeFigureOut">
               <a:rPr lang="en-US" smtClean="0"/>
-              <a:t>2/8/2016</a:t>
+              <a:t>2/9/2016</a:t>
             </a:fld>
             <a:endParaRPr lang="en-US"/>
           </a:p>
@@ -4592,7 +3232,7 @@
           <a:p>
             <a:fld id="{120637B1-EAAC-43C2-83FD-28F64C252A1C}" type="datetimeFigureOut">
               <a:rPr lang="en-US" smtClean="0"/>
-              <a:t>2/8/2016</a:t>
+              <a:t>2/9/2016</a:t>
             </a:fld>
             <a:endParaRPr lang="en-US"/>
           </a:p>
@@ -4772,7 +3412,7 @@
           <a:p>
             <a:fld id="{120637B1-EAAC-43C2-83FD-28F64C252A1C}" type="datetimeFigureOut">
               <a:rPr lang="en-US" smtClean="0"/>
-              <a:t>2/8/2016</a:t>
+              <a:t>2/9/2016</a:t>
             </a:fld>
             <a:endParaRPr lang="en-US"/>
           </a:p>
@@ -4942,7 +3582,7 @@
           <a:p>
             <a:fld id="{120637B1-EAAC-43C2-83FD-28F64C252A1C}" type="datetimeFigureOut">
               <a:rPr lang="en-US" smtClean="0"/>
-              <a:t>2/8/2016</a:t>
+              <a:t>2/9/2016</a:t>
             </a:fld>
             <a:endParaRPr lang="en-US"/>
           </a:p>
@@ -5188,7 +3828,7 @@
           <a:p>
             <a:fld id="{120637B1-EAAC-43C2-83FD-28F64C252A1C}" type="datetimeFigureOut">
               <a:rPr lang="en-US" smtClean="0"/>
-              <a:t>2/8/2016</a:t>
+              <a:t>2/9/2016</a:t>
             </a:fld>
             <a:endParaRPr lang="en-US"/>
           </a:p>
@@ -5420,7 +4060,7 @@
           <a:p>
             <a:fld id="{120637B1-EAAC-43C2-83FD-28F64C252A1C}" type="datetimeFigureOut">
               <a:rPr lang="en-US" smtClean="0"/>
-              <a:t>2/8/2016</a:t>
+              <a:t>2/9/2016</a:t>
             </a:fld>
             <a:endParaRPr lang="en-US"/>
           </a:p>
@@ -5787,7 +4427,7 @@
           <a:p>
             <a:fld id="{120637B1-EAAC-43C2-83FD-28F64C252A1C}" type="datetimeFigureOut">
               <a:rPr lang="en-US" smtClean="0"/>
-              <a:t>2/8/2016</a:t>
+              <a:t>2/9/2016</a:t>
             </a:fld>
             <a:endParaRPr lang="en-US"/>
           </a:p>
@@ -5905,7 +4545,7 @@
           <a:p>
             <a:fld id="{120637B1-EAAC-43C2-83FD-28F64C252A1C}" type="datetimeFigureOut">
               <a:rPr lang="en-US" smtClean="0"/>
-              <a:t>2/8/2016</a:t>
+              <a:t>2/9/2016</a:t>
             </a:fld>
             <a:endParaRPr lang="en-US"/>
           </a:p>
@@ -6000,7 +4640,7 @@
           <a:p>
             <a:fld id="{120637B1-EAAC-43C2-83FD-28F64C252A1C}" type="datetimeFigureOut">
               <a:rPr lang="en-US" smtClean="0"/>
-              <a:t>2/8/2016</a:t>
+              <a:t>2/9/2016</a:t>
             </a:fld>
             <a:endParaRPr lang="en-US"/>
           </a:p>
@@ -6277,7 +4917,7 @@
           <a:p>
             <a:fld id="{120637B1-EAAC-43C2-83FD-28F64C252A1C}" type="datetimeFigureOut">
               <a:rPr lang="en-US" smtClean="0"/>
-              <a:t>2/8/2016</a:t>
+              <a:t>2/9/2016</a:t>
             </a:fld>
             <a:endParaRPr lang="en-US"/>
           </a:p>
@@ -6530,7 +5170,7 @@
           <a:p>
             <a:fld id="{120637B1-EAAC-43C2-83FD-28F64C252A1C}" type="datetimeFigureOut">
               <a:rPr lang="en-US" smtClean="0"/>
-              <a:t>2/8/2016</a:t>
+              <a:t>2/9/2016</a:t>
             </a:fld>
             <a:endParaRPr lang="en-US"/>
           </a:p>
@@ -6743,7 +5383,7 @@
           <a:p>
             <a:fld id="{120637B1-EAAC-43C2-83FD-28F64C252A1C}" type="datetimeFigureOut">
               <a:rPr lang="en-US" smtClean="0"/>
-              <a:t>2/8/2016</a:t>
+              <a:t>2/9/2016</a:t>
             </a:fld>
             <a:endParaRPr lang="en-US"/>
           </a:p>
@@ -7666,26 +6306,14 @@
             <a:pPr defTabSz="274320"/>
             <a:r>
               <a:rPr lang="en-US" dirty="0" smtClean="0"/>
-              <a:t>// </a:t>
-            </a:r>
+              <a:t>// Schematic</a:t>
+            </a:r>
+          </a:p>
+          <a:p>
+            <a:pPr defTabSz="274320"/>
             <a:r>
               <a:rPr lang="en-US" dirty="0" smtClean="0"/>
-              <a:t>Schematic</a:t>
-            </a:r>
-          </a:p>
-          <a:p>
-            <a:pPr defTabSz="274320"/>
-            <a:r>
-              <a:rPr lang="en-US" dirty="0" smtClean="0"/>
-              <a:t>// Note: </a:t>
-            </a:r>
-            <a:r>
-              <a:rPr lang="en-US" dirty="0" smtClean="0"/>
-              <a:t>records </a:t>
-            </a:r>
-            <a:r>
-              <a:rPr lang="en-US" dirty="0" smtClean="0"/>
-              <a:t>&lt;&gt; editor tabs</a:t>
+              <a:t>// Note: records &lt;&gt; editor tabs</a:t>
             </a:r>
           </a:p>
           <a:p>
@@ -7985,23 +6613,7 @@
                   <a:srgbClr val="00B0F0"/>
                 </a:solidFill>
               </a:rPr>
-              <a:t>1 stream per sample </a:t>
-            </a:r>
-            <a:r>
-              <a:rPr lang="en-US" sz="3600" dirty="0" smtClean="0">
-                <a:solidFill>
-                  <a:srgbClr val="00B0F0"/>
-                </a:solidFill>
-              </a:rPr>
-              <a:t>r</a:t>
-            </a:r>
-            <a:r>
-              <a:rPr lang="en-US" sz="3600" dirty="0" smtClean="0">
-                <a:solidFill>
-                  <a:srgbClr val="00B0F0"/>
-                </a:solidFill>
-              </a:rPr>
-              <a:t>ate</a:t>
+              <a:t>1 stream per sample rate</a:t>
             </a:r>
             <a:r>
               <a:rPr lang="en-US" sz="3600" dirty="0" smtClean="0"/>
@@ -8490,112 +7102,6 @@
       </p:grpSp>
       <p:grpSp>
         <p:nvGrpSpPr>
-          <p:cNvPr id="16" name="Group 15"/>
-          <p:cNvGrpSpPr/>
-          <p:nvPr/>
-        </p:nvGrpSpPr>
-        <p:grpSpPr>
-          <a:xfrm>
-            <a:off x="3489778" y="3537857"/>
-            <a:ext cx="1828800" cy="1127760"/>
-            <a:chOff x="2444749" y="3276600"/>
-            <a:chExt cx="1828800" cy="1127760"/>
-          </a:xfrm>
-        </p:grpSpPr>
-        <p:sp>
-          <p:nvSpPr>
-            <p:cNvPr id="17" name="Flowchart: Alternate Process 16"/>
-            <p:cNvSpPr/>
-            <p:nvPr/>
-          </p:nvSpPr>
-          <p:spPr>
-            <a:xfrm>
-              <a:off x="2444749" y="3718560"/>
-              <a:ext cx="1828800" cy="685800"/>
-            </a:xfrm>
-            <a:prstGeom prst="flowChartAlternateProcess">
-              <a:avLst/>
-            </a:prstGeom>
-            <a:solidFill>
-              <a:schemeClr val="tx2">
-                <a:lumMod val="20000"/>
-                <a:lumOff val="80000"/>
-              </a:schemeClr>
-            </a:solidFill>
-          </p:spPr>
-          <p:style>
-            <a:lnRef idx="2">
-              <a:schemeClr val="accent1">
-                <a:shade val="50000"/>
-              </a:schemeClr>
-            </a:lnRef>
-            <a:fillRef idx="1">
-              <a:schemeClr val="accent1"/>
-            </a:fillRef>
-            <a:effectRef idx="0">
-              <a:schemeClr val="accent1"/>
-            </a:effectRef>
-            <a:fontRef idx="minor">
-              <a:schemeClr val="lt1"/>
-            </a:fontRef>
-          </p:style>
-          <p:txBody>
-            <a:bodyPr lIns="45720" rIns="45720" rtlCol="0" anchor="ctr"/>
-            <a:lstStyle/>
-            <a:p>
-              <a:pPr algn="ctr"/>
-              <a:r>
-                <a:rPr lang="en-US" dirty="0" smtClean="0">
-                  <a:solidFill>
-                    <a:schemeClr val="tx1"/>
-                  </a:solidFill>
-                </a:rPr>
-                <a:t>Analog Out</a:t>
-              </a:r>
-              <a:endParaRPr lang="en-US" dirty="0">
-                <a:solidFill>
-                  <a:schemeClr val="tx1"/>
-                </a:solidFill>
-              </a:endParaRPr>
-            </a:p>
-          </p:txBody>
-        </p:sp>
-        <p:cxnSp>
-          <p:nvCxnSpPr>
-            <p:cNvPr id="18" name="Straight Arrow Connector 17"/>
-            <p:cNvCxnSpPr/>
-            <p:nvPr/>
-          </p:nvCxnSpPr>
-          <p:spPr>
-            <a:xfrm>
-              <a:off x="3359149" y="3276600"/>
-              <a:ext cx="0" cy="365760"/>
-            </a:xfrm>
-            <a:prstGeom prst="straightConnector1">
-              <a:avLst/>
-            </a:prstGeom>
-            <a:ln w="19050">
-              <a:tailEnd type="arrow"/>
-            </a:ln>
-          </p:spPr>
-          <p:style>
-            <a:lnRef idx="1">
-              <a:schemeClr val="dk1"/>
-            </a:lnRef>
-            <a:fillRef idx="0">
-              <a:schemeClr val="dk1"/>
-            </a:fillRef>
-            <a:effectRef idx="0">
-              <a:schemeClr val="dk1"/>
-            </a:effectRef>
-            <a:fontRef idx="minor">
-              <a:schemeClr val="tx1"/>
-            </a:fontRef>
-          </p:style>
-        </p:cxnSp>
-      </p:grpSp>
-      <p:grpSp>
-        <p:nvGrpSpPr>
           <p:cNvPr id="19" name="Group 18"/>
           <p:cNvGrpSpPr/>
           <p:nvPr/>
@@ -8771,12 +7277,12 @@
               <a:p>
                 <a:pPr algn="ctr"/>
                 <a:r>
-                  <a:rPr lang="en-US" dirty="0" smtClean="0">
+                  <a:rPr lang="en-US" dirty="0" err="1" smtClean="0">
                     <a:solidFill>
                       <a:schemeClr val="tx1"/>
                     </a:solidFill>
                   </a:rPr>
-                  <a:t>Graph Fetcher</a:t>
+                  <a:t>GraphFetcher</a:t>
                 </a:r>
                 <a:endParaRPr lang="en-US" dirty="0">
                   <a:solidFill>
@@ -8925,6 +7431,233 @@
               </a:p>
             </p:txBody>
           </p:sp>
+        </p:grpSp>
+      </p:grpSp>
+      <p:grpSp>
+        <p:nvGrpSpPr>
+          <p:cNvPr id="2" name="Group 1"/>
+          <p:cNvGrpSpPr/>
+          <p:nvPr/>
+        </p:nvGrpSpPr>
+        <p:grpSpPr>
+          <a:xfrm>
+            <a:off x="3489778" y="3537857"/>
+            <a:ext cx="1828800" cy="2362200"/>
+            <a:chOff x="3489778" y="3537857"/>
+            <a:chExt cx="1828800" cy="2362200"/>
+          </a:xfrm>
+        </p:grpSpPr>
+        <p:grpSp>
+          <p:nvGrpSpPr>
+            <p:cNvPr id="16" name="Group 15"/>
+            <p:cNvGrpSpPr/>
+            <p:nvPr/>
+          </p:nvGrpSpPr>
+          <p:grpSpPr>
+            <a:xfrm>
+              <a:off x="3489778" y="3537857"/>
+              <a:ext cx="1828800" cy="1127760"/>
+              <a:chOff x="2444749" y="3276600"/>
+              <a:chExt cx="1828800" cy="1127760"/>
+            </a:xfrm>
+          </p:grpSpPr>
+          <p:sp>
+            <p:nvSpPr>
+              <p:cNvPr id="17" name="Flowchart: Alternate Process 16"/>
+              <p:cNvSpPr/>
+              <p:nvPr/>
+            </p:nvSpPr>
+            <p:spPr>
+              <a:xfrm>
+                <a:off x="2444749" y="3718560"/>
+                <a:ext cx="1828800" cy="685800"/>
+              </a:xfrm>
+              <a:prstGeom prst="flowChartAlternateProcess">
+                <a:avLst/>
+              </a:prstGeom>
+              <a:solidFill>
+                <a:schemeClr val="tx2">
+                  <a:lumMod val="20000"/>
+                  <a:lumOff val="80000"/>
+                </a:schemeClr>
+              </a:solidFill>
+            </p:spPr>
+            <p:style>
+              <a:lnRef idx="2">
+                <a:schemeClr val="accent1">
+                  <a:shade val="50000"/>
+                </a:schemeClr>
+              </a:lnRef>
+              <a:fillRef idx="1">
+                <a:schemeClr val="accent1"/>
+              </a:fillRef>
+              <a:effectRef idx="0">
+                <a:schemeClr val="accent1"/>
+              </a:effectRef>
+              <a:fontRef idx="minor">
+                <a:schemeClr val="lt1"/>
+              </a:fontRef>
+            </p:style>
+            <p:txBody>
+              <a:bodyPr lIns="45720" rIns="45720" rtlCol="0" anchor="ctr"/>
+              <a:lstStyle/>
+              <a:p>
+                <a:pPr algn="ctr"/>
+                <a:r>
+                  <a:rPr lang="en-US" dirty="0" err="1" smtClean="0">
+                    <a:solidFill>
+                      <a:schemeClr val="tx1"/>
+                    </a:solidFill>
+                  </a:rPr>
+                  <a:t>AOFetcher</a:t>
+                </a:r>
+                <a:endParaRPr lang="en-US" dirty="0">
+                  <a:solidFill>
+                    <a:schemeClr val="tx1"/>
+                  </a:solidFill>
+                </a:endParaRPr>
+              </a:p>
+            </p:txBody>
+          </p:sp>
+          <p:cxnSp>
+            <p:nvCxnSpPr>
+              <p:cNvPr id="18" name="Straight Arrow Connector 17"/>
+              <p:cNvCxnSpPr/>
+              <p:nvPr/>
+            </p:nvCxnSpPr>
+            <p:spPr>
+              <a:xfrm>
+                <a:off x="3359149" y="3276600"/>
+                <a:ext cx="0" cy="365760"/>
+              </a:xfrm>
+              <a:prstGeom prst="straightConnector1">
+                <a:avLst/>
+              </a:prstGeom>
+              <a:ln w="19050">
+                <a:tailEnd type="arrow"/>
+              </a:ln>
+            </p:spPr>
+            <p:style>
+              <a:lnRef idx="1">
+                <a:schemeClr val="dk1"/>
+              </a:lnRef>
+              <a:fillRef idx="0">
+                <a:schemeClr val="dk1"/>
+              </a:fillRef>
+              <a:effectRef idx="0">
+                <a:schemeClr val="dk1"/>
+              </a:effectRef>
+              <a:fontRef idx="minor">
+                <a:schemeClr val="tx1"/>
+              </a:fontRef>
+            </p:style>
+          </p:cxnSp>
+        </p:grpSp>
+        <p:grpSp>
+          <p:nvGrpSpPr>
+            <p:cNvPr id="29" name="Group 28"/>
+            <p:cNvGrpSpPr/>
+            <p:nvPr/>
+          </p:nvGrpSpPr>
+          <p:grpSpPr>
+            <a:xfrm>
+              <a:off x="3489778" y="4772297"/>
+              <a:ext cx="1828800" cy="1127760"/>
+              <a:chOff x="2444749" y="3276600"/>
+              <a:chExt cx="1828800" cy="1127760"/>
+            </a:xfrm>
+          </p:grpSpPr>
+          <p:sp>
+            <p:nvSpPr>
+              <p:cNvPr id="30" name="Flowchart: Alternate Process 29"/>
+              <p:cNvSpPr/>
+              <p:nvPr/>
+            </p:nvSpPr>
+            <p:spPr>
+              <a:xfrm>
+                <a:off x="2444749" y="3718560"/>
+                <a:ext cx="1828800" cy="685800"/>
+              </a:xfrm>
+              <a:prstGeom prst="flowChartAlternateProcess">
+                <a:avLst/>
+              </a:prstGeom>
+              <a:solidFill>
+                <a:schemeClr val="tx2">
+                  <a:lumMod val="20000"/>
+                  <a:lumOff val="80000"/>
+                </a:schemeClr>
+              </a:solidFill>
+            </p:spPr>
+            <p:style>
+              <a:lnRef idx="2">
+                <a:schemeClr val="accent1">
+                  <a:shade val="50000"/>
+                </a:schemeClr>
+              </a:lnRef>
+              <a:fillRef idx="1">
+                <a:schemeClr val="accent1"/>
+              </a:fillRef>
+              <a:effectRef idx="0">
+                <a:schemeClr val="accent1"/>
+              </a:effectRef>
+              <a:fontRef idx="minor">
+                <a:schemeClr val="lt1"/>
+              </a:fontRef>
+            </p:style>
+            <p:txBody>
+              <a:bodyPr lIns="45720" rIns="45720" rtlCol="0" anchor="ctr"/>
+              <a:lstStyle/>
+              <a:p>
+                <a:pPr algn="ctr"/>
+                <a:r>
+                  <a:rPr lang="en-US" dirty="0" smtClean="0">
+                    <a:solidFill>
+                      <a:schemeClr val="tx1"/>
+                    </a:solidFill>
+                  </a:rPr>
+                  <a:t>Analog Out</a:t>
+                </a:r>
+                <a:endParaRPr lang="en-US" dirty="0">
+                  <a:solidFill>
+                    <a:schemeClr val="tx1"/>
+                  </a:solidFill>
+                </a:endParaRPr>
+              </a:p>
+            </p:txBody>
+          </p:sp>
+          <p:cxnSp>
+            <p:nvCxnSpPr>
+              <p:cNvPr id="31" name="Straight Arrow Connector 30"/>
+              <p:cNvCxnSpPr/>
+              <p:nvPr/>
+            </p:nvCxnSpPr>
+            <p:spPr>
+              <a:xfrm>
+                <a:off x="3359149" y="3276600"/>
+                <a:ext cx="0" cy="365760"/>
+              </a:xfrm>
+              <a:prstGeom prst="straightConnector1">
+                <a:avLst/>
+              </a:prstGeom>
+              <a:ln w="19050">
+                <a:tailEnd type="arrow"/>
+              </a:ln>
+            </p:spPr>
+            <p:style>
+              <a:lnRef idx="1">
+                <a:schemeClr val="dk1"/>
+              </a:lnRef>
+              <a:fillRef idx="0">
+                <a:schemeClr val="dk1"/>
+              </a:fillRef>
+              <a:effectRef idx="0">
+                <a:schemeClr val="dk1"/>
+              </a:effectRef>
+              <a:fontRef idx="minor">
+                <a:schemeClr val="tx1"/>
+              </a:fontRef>
+            </p:style>
+          </p:cxnSp>
         </p:grpSp>
       </p:grpSp>
     </p:spTree>
@@ -9108,11 +7841,6 @@
                   </a:rPr>
                   <a:t>Central Widget</a:t>
                 </a:r>
-                <a:endParaRPr lang="en-US" sz="2000" dirty="0">
-                  <a:solidFill>
-                    <a:schemeClr val="tx1"/>
-                  </a:solidFill>
-                </a:endParaRPr>
               </a:p>
             </p:txBody>
           </p:sp>
@@ -9166,11 +7894,6 @@
                   </a:rPr>
                   <a:t>Toolbar</a:t>
                 </a:r>
-                <a:endParaRPr lang="en-US" sz="2000" dirty="0">
-                  <a:solidFill>
-                    <a:schemeClr val="tx1"/>
-                  </a:solidFill>
-                </a:endParaRPr>
               </a:p>
             </p:txBody>
           </p:sp>
@@ -9224,11 +7947,6 @@
                   </a:rPr>
                   <a:t>Status Bar, LEDs</a:t>
                 </a:r>
-                <a:endParaRPr lang="en-US" sz="2000" dirty="0">
-                  <a:solidFill>
-                    <a:schemeClr val="tx1"/>
-                  </a:solidFill>
-                </a:endParaRPr>
               </a:p>
             </p:txBody>
           </p:sp>
@@ -9395,18 +8113,6 @@
                   </a:rPr>
                   <a:t>Splitter</a:t>
                 </a:r>
-                <a:endParaRPr lang="en-US" sz="2000" dirty="0">
-                  <a:solidFill>
-                    <a:schemeClr val="tx1"/>
-                  </a:solidFill>
-                  <a:effectLst>
-                    <a:outerShdw blurRad="38100" dist="38100" dir="2700000" algn="tl">
-                      <a:srgbClr val="000000">
-                        <a:alpha val="43137"/>
-                      </a:srgbClr>
-                    </a:outerShdw>
-                  </a:effectLst>
-                </a:endParaRPr>
               </a:p>
             </p:txBody>
           </p:sp>
@@ -9596,11 +8302,6 @@
                 </a:rPr>
                 <a:t>Stream Viewer</a:t>
               </a:r>
-              <a:endParaRPr lang="en-US" dirty="0">
-                <a:solidFill>
-                  <a:schemeClr val="tx1"/>
-                </a:solidFill>
-              </a:endParaRPr>
             </a:p>
           </p:txBody>
         </p:sp>
@@ -9658,11 +8359,6 @@
                 </a:rPr>
                 <a:t>Stream Viewer</a:t>
               </a:r>
-              <a:endParaRPr lang="en-US" dirty="0">
-                <a:solidFill>
-                  <a:schemeClr val="tx1"/>
-                </a:solidFill>
-              </a:endParaRPr>
             </a:p>
           </p:txBody>
         </p:sp>

--- a/Documents/SpikeGLX_Slides.pptx
+++ b/Documents/SpikeGLX_Slides.pptx
@@ -7660,6 +7660,376 @@
           </p:cxnSp>
         </p:grpSp>
       </p:grpSp>
+      <p:sp>
+        <p:nvSpPr>
+          <p:cNvPr id="45" name="Flowchart: Alternate Process 44"/>
+          <p:cNvSpPr/>
+          <p:nvPr/>
+        </p:nvSpPr>
+        <p:spPr>
+          <a:xfrm>
+            <a:off x="5477327" y="1366157"/>
+            <a:ext cx="1828800" cy="685800"/>
+          </a:xfrm>
+          <a:prstGeom prst="flowChartAlternateProcess">
+            <a:avLst/>
+          </a:prstGeom>
+          <a:solidFill>
+            <a:schemeClr val="tx2">
+              <a:lumMod val="20000"/>
+              <a:lumOff val="80000"/>
+            </a:schemeClr>
+          </a:solidFill>
+        </p:spPr>
+        <p:style>
+          <a:lnRef idx="2">
+            <a:schemeClr val="accent1">
+              <a:shade val="50000"/>
+            </a:schemeClr>
+          </a:lnRef>
+          <a:fillRef idx="1">
+            <a:schemeClr val="accent1"/>
+          </a:fillRef>
+          <a:effectRef idx="0">
+            <a:schemeClr val="accent1"/>
+          </a:effectRef>
+          <a:fontRef idx="minor">
+            <a:schemeClr val="lt1"/>
+          </a:fontRef>
+        </p:style>
+        <p:txBody>
+          <a:bodyPr lIns="45720" rIns="45720" rtlCol="0" anchor="ctr"/>
+          <a:lstStyle>
+            <a:defPPr>
+              <a:defRPr lang="en-US"/>
+            </a:defPPr>
+            <a:lvl1pPr marL="0" algn="l" defTabSz="914400" rtl="0" eaLnBrk="1" latinLnBrk="0" hangingPunct="1">
+              <a:defRPr sz="1800" kern="1200">
+                <a:solidFill>
+                  <a:schemeClr val="lt1"/>
+                </a:solidFill>
+                <a:latin typeface="+mn-lt"/>
+                <a:ea typeface="+mn-ea"/>
+                <a:cs typeface="+mn-cs"/>
+              </a:defRPr>
+            </a:lvl1pPr>
+            <a:lvl2pPr marL="457200" algn="l" defTabSz="914400" rtl="0" eaLnBrk="1" latinLnBrk="0" hangingPunct="1">
+              <a:defRPr sz="1800" kern="1200">
+                <a:solidFill>
+                  <a:schemeClr val="lt1"/>
+                </a:solidFill>
+                <a:latin typeface="+mn-lt"/>
+                <a:ea typeface="+mn-ea"/>
+                <a:cs typeface="+mn-cs"/>
+              </a:defRPr>
+            </a:lvl2pPr>
+            <a:lvl3pPr marL="914400" algn="l" defTabSz="914400" rtl="0" eaLnBrk="1" latinLnBrk="0" hangingPunct="1">
+              <a:defRPr sz="1800" kern="1200">
+                <a:solidFill>
+                  <a:schemeClr val="lt1"/>
+                </a:solidFill>
+                <a:latin typeface="+mn-lt"/>
+                <a:ea typeface="+mn-ea"/>
+                <a:cs typeface="+mn-cs"/>
+              </a:defRPr>
+            </a:lvl3pPr>
+            <a:lvl4pPr marL="1371600" algn="l" defTabSz="914400" rtl="0" eaLnBrk="1" latinLnBrk="0" hangingPunct="1">
+              <a:defRPr sz="1800" kern="1200">
+                <a:solidFill>
+                  <a:schemeClr val="lt1"/>
+                </a:solidFill>
+                <a:latin typeface="+mn-lt"/>
+                <a:ea typeface="+mn-ea"/>
+                <a:cs typeface="+mn-cs"/>
+              </a:defRPr>
+            </a:lvl4pPr>
+            <a:lvl5pPr marL="1828800" algn="l" defTabSz="914400" rtl="0" eaLnBrk="1" latinLnBrk="0" hangingPunct="1">
+              <a:defRPr sz="1800" kern="1200">
+                <a:solidFill>
+                  <a:schemeClr val="lt1"/>
+                </a:solidFill>
+                <a:latin typeface="+mn-lt"/>
+                <a:ea typeface="+mn-ea"/>
+                <a:cs typeface="+mn-cs"/>
+              </a:defRPr>
+            </a:lvl5pPr>
+            <a:lvl6pPr marL="2286000" algn="l" defTabSz="914400" rtl="0" eaLnBrk="1" latinLnBrk="0" hangingPunct="1">
+              <a:defRPr sz="1800" kern="1200">
+                <a:solidFill>
+                  <a:schemeClr val="lt1"/>
+                </a:solidFill>
+                <a:latin typeface="+mn-lt"/>
+                <a:ea typeface="+mn-ea"/>
+                <a:cs typeface="+mn-cs"/>
+              </a:defRPr>
+            </a:lvl6pPr>
+            <a:lvl7pPr marL="2743200" algn="l" defTabSz="914400" rtl="0" eaLnBrk="1" latinLnBrk="0" hangingPunct="1">
+              <a:defRPr sz="1800" kern="1200">
+                <a:solidFill>
+                  <a:schemeClr val="lt1"/>
+                </a:solidFill>
+                <a:latin typeface="+mn-lt"/>
+                <a:ea typeface="+mn-ea"/>
+                <a:cs typeface="+mn-cs"/>
+              </a:defRPr>
+            </a:lvl7pPr>
+            <a:lvl8pPr marL="3200400" algn="l" defTabSz="914400" rtl="0" eaLnBrk="1" latinLnBrk="0" hangingPunct="1">
+              <a:defRPr sz="1800" kern="1200">
+                <a:solidFill>
+                  <a:schemeClr val="lt1"/>
+                </a:solidFill>
+                <a:latin typeface="+mn-lt"/>
+                <a:ea typeface="+mn-ea"/>
+                <a:cs typeface="+mn-cs"/>
+              </a:defRPr>
+            </a:lvl8pPr>
+            <a:lvl9pPr marL="3657600" algn="l" defTabSz="914400" rtl="0" eaLnBrk="1" latinLnBrk="0" hangingPunct="1">
+              <a:defRPr sz="1800" kern="1200">
+                <a:solidFill>
+                  <a:schemeClr val="lt1"/>
+                </a:solidFill>
+                <a:latin typeface="+mn-lt"/>
+                <a:ea typeface="+mn-ea"/>
+                <a:cs typeface="+mn-cs"/>
+              </a:defRPr>
+            </a:lvl9pPr>
+          </a:lstStyle>
+          <a:p>
+            <a:pPr algn="ctr"/>
+            <a:r>
+              <a:rPr lang="en-US" dirty="0" smtClean="0">
+                <a:solidFill>
+                  <a:schemeClr val="tx1"/>
+                </a:solidFill>
+              </a:rPr>
+              <a:t>Editor Tab</a:t>
+            </a:r>
+            <a:endParaRPr lang="en-US" dirty="0">
+              <a:solidFill>
+                <a:schemeClr val="tx1"/>
+              </a:solidFill>
+            </a:endParaRPr>
+          </a:p>
+        </p:txBody>
+      </p:sp>
+      <p:sp>
+        <p:nvSpPr>
+          <p:cNvPr id="47" name="Flowchart: Alternate Process 46"/>
+          <p:cNvSpPr/>
+          <p:nvPr/>
+        </p:nvSpPr>
+        <p:spPr>
+          <a:xfrm>
+            <a:off x="7972876" y="1366157"/>
+            <a:ext cx="1828800" cy="685800"/>
+          </a:xfrm>
+          <a:prstGeom prst="flowChartAlternateProcess">
+            <a:avLst/>
+          </a:prstGeom>
+          <a:solidFill>
+            <a:schemeClr val="tx2">
+              <a:lumMod val="20000"/>
+              <a:lumOff val="80000"/>
+            </a:schemeClr>
+          </a:solidFill>
+        </p:spPr>
+        <p:style>
+          <a:lnRef idx="2">
+            <a:schemeClr val="accent1">
+              <a:shade val="50000"/>
+            </a:schemeClr>
+          </a:lnRef>
+          <a:fillRef idx="1">
+            <a:schemeClr val="accent1"/>
+          </a:fillRef>
+          <a:effectRef idx="0">
+            <a:schemeClr val="accent1"/>
+          </a:effectRef>
+          <a:fontRef idx="minor">
+            <a:schemeClr val="lt1"/>
+          </a:fontRef>
+        </p:style>
+        <p:txBody>
+          <a:bodyPr lIns="45720" rIns="45720" rtlCol="0" anchor="ctr"/>
+          <a:lstStyle>
+            <a:defPPr>
+              <a:defRPr lang="en-US"/>
+            </a:defPPr>
+            <a:lvl1pPr marL="0" algn="l" defTabSz="914400" rtl="0" eaLnBrk="1" latinLnBrk="0" hangingPunct="1">
+              <a:defRPr sz="1800" kern="1200">
+                <a:solidFill>
+                  <a:schemeClr val="lt1"/>
+                </a:solidFill>
+                <a:latin typeface="+mn-lt"/>
+                <a:ea typeface="+mn-ea"/>
+                <a:cs typeface="+mn-cs"/>
+              </a:defRPr>
+            </a:lvl1pPr>
+            <a:lvl2pPr marL="457200" algn="l" defTabSz="914400" rtl="0" eaLnBrk="1" latinLnBrk="0" hangingPunct="1">
+              <a:defRPr sz="1800" kern="1200">
+                <a:solidFill>
+                  <a:schemeClr val="lt1"/>
+                </a:solidFill>
+                <a:latin typeface="+mn-lt"/>
+                <a:ea typeface="+mn-ea"/>
+                <a:cs typeface="+mn-cs"/>
+              </a:defRPr>
+            </a:lvl2pPr>
+            <a:lvl3pPr marL="914400" algn="l" defTabSz="914400" rtl="0" eaLnBrk="1" latinLnBrk="0" hangingPunct="1">
+              <a:defRPr sz="1800" kern="1200">
+                <a:solidFill>
+                  <a:schemeClr val="lt1"/>
+                </a:solidFill>
+                <a:latin typeface="+mn-lt"/>
+                <a:ea typeface="+mn-ea"/>
+                <a:cs typeface="+mn-cs"/>
+              </a:defRPr>
+            </a:lvl3pPr>
+            <a:lvl4pPr marL="1371600" algn="l" defTabSz="914400" rtl="0" eaLnBrk="1" latinLnBrk="0" hangingPunct="1">
+              <a:defRPr sz="1800" kern="1200">
+                <a:solidFill>
+                  <a:schemeClr val="lt1"/>
+                </a:solidFill>
+                <a:latin typeface="+mn-lt"/>
+                <a:ea typeface="+mn-ea"/>
+                <a:cs typeface="+mn-cs"/>
+              </a:defRPr>
+            </a:lvl4pPr>
+            <a:lvl5pPr marL="1828800" algn="l" defTabSz="914400" rtl="0" eaLnBrk="1" latinLnBrk="0" hangingPunct="1">
+              <a:defRPr sz="1800" kern="1200">
+                <a:solidFill>
+                  <a:schemeClr val="lt1"/>
+                </a:solidFill>
+                <a:latin typeface="+mn-lt"/>
+                <a:ea typeface="+mn-ea"/>
+                <a:cs typeface="+mn-cs"/>
+              </a:defRPr>
+            </a:lvl5pPr>
+            <a:lvl6pPr marL="2286000" algn="l" defTabSz="914400" rtl="0" eaLnBrk="1" latinLnBrk="0" hangingPunct="1">
+              <a:defRPr sz="1800" kern="1200">
+                <a:solidFill>
+                  <a:schemeClr val="lt1"/>
+                </a:solidFill>
+                <a:latin typeface="+mn-lt"/>
+                <a:ea typeface="+mn-ea"/>
+                <a:cs typeface="+mn-cs"/>
+              </a:defRPr>
+            </a:lvl6pPr>
+            <a:lvl7pPr marL="2743200" algn="l" defTabSz="914400" rtl="0" eaLnBrk="1" latinLnBrk="0" hangingPunct="1">
+              <a:defRPr sz="1800" kern="1200">
+                <a:solidFill>
+                  <a:schemeClr val="lt1"/>
+                </a:solidFill>
+                <a:latin typeface="+mn-lt"/>
+                <a:ea typeface="+mn-ea"/>
+                <a:cs typeface="+mn-cs"/>
+              </a:defRPr>
+            </a:lvl7pPr>
+            <a:lvl8pPr marL="3200400" algn="l" defTabSz="914400" rtl="0" eaLnBrk="1" latinLnBrk="0" hangingPunct="1">
+              <a:defRPr sz="1800" kern="1200">
+                <a:solidFill>
+                  <a:schemeClr val="lt1"/>
+                </a:solidFill>
+                <a:latin typeface="+mn-lt"/>
+                <a:ea typeface="+mn-ea"/>
+                <a:cs typeface="+mn-cs"/>
+              </a:defRPr>
+            </a:lvl8pPr>
+            <a:lvl9pPr marL="3657600" algn="l" defTabSz="914400" rtl="0" eaLnBrk="1" latinLnBrk="0" hangingPunct="1">
+              <a:defRPr sz="1800" kern="1200">
+                <a:solidFill>
+                  <a:schemeClr val="lt1"/>
+                </a:solidFill>
+                <a:latin typeface="+mn-lt"/>
+                <a:ea typeface="+mn-ea"/>
+                <a:cs typeface="+mn-cs"/>
+              </a:defRPr>
+            </a:lvl9pPr>
+          </a:lstStyle>
+          <a:p>
+            <a:pPr algn="ctr"/>
+            <a:r>
+              <a:rPr lang="en-US" dirty="0" smtClean="0">
+                <a:solidFill>
+                  <a:schemeClr val="tx1"/>
+                </a:solidFill>
+              </a:rPr>
+              <a:t>Params</a:t>
+            </a:r>
+            <a:endParaRPr lang="en-US" dirty="0">
+              <a:solidFill>
+                <a:schemeClr val="tx1"/>
+              </a:solidFill>
+            </a:endParaRPr>
+          </a:p>
+        </p:txBody>
+      </p:sp>
+      <p:cxnSp>
+        <p:nvCxnSpPr>
+          <p:cNvPr id="50" name="Straight Arrow Connector 49"/>
+          <p:cNvCxnSpPr/>
+          <p:nvPr/>
+        </p:nvCxnSpPr>
+        <p:spPr>
+          <a:xfrm flipH="1" flipV="1">
+            <a:off x="5005618" y="1679892"/>
+            <a:ext cx="358315" cy="544"/>
+          </a:xfrm>
+          <a:prstGeom prst="straightConnector1">
+            <a:avLst/>
+          </a:prstGeom>
+          <a:ln w="19050">
+            <a:tailEnd type="arrow"/>
+          </a:ln>
+        </p:spPr>
+        <p:style>
+          <a:lnRef idx="1">
+            <a:schemeClr val="dk1"/>
+          </a:lnRef>
+          <a:fillRef idx="0">
+            <a:schemeClr val="dk1"/>
+          </a:fillRef>
+          <a:effectRef idx="0">
+            <a:schemeClr val="dk1"/>
+          </a:effectRef>
+          <a:fontRef idx="minor">
+            <a:schemeClr val="tx1"/>
+          </a:fontRef>
+        </p:style>
+      </p:cxnSp>
+      <p:cxnSp>
+        <p:nvCxnSpPr>
+          <p:cNvPr id="55" name="Straight Arrow Connector 54"/>
+          <p:cNvCxnSpPr/>
+          <p:nvPr/>
+        </p:nvCxnSpPr>
+        <p:spPr>
+          <a:xfrm flipH="1" flipV="1">
+            <a:off x="7464876" y="1679892"/>
+            <a:ext cx="358315" cy="544"/>
+          </a:xfrm>
+          <a:prstGeom prst="straightConnector1">
+            <a:avLst/>
+          </a:prstGeom>
+          <a:ln w="19050">
+            <a:tailEnd type="arrow"/>
+          </a:ln>
+        </p:spPr>
+        <p:style>
+          <a:lnRef idx="1">
+            <a:schemeClr val="dk1"/>
+          </a:lnRef>
+          <a:fillRef idx="0">
+            <a:schemeClr val="dk1"/>
+          </a:fillRef>
+          <a:effectRef idx="0">
+            <a:schemeClr val="dk1"/>
+          </a:effectRef>
+          <a:fontRef idx="minor">
+            <a:schemeClr val="tx1"/>
+          </a:fontRef>
+        </p:style>
+      </p:cxnSp>
     </p:spTree>
     <p:extLst>
       <p:ext uri="{BB962C8B-B14F-4D97-AF65-F5344CB8AC3E}">

--- a/Documents/SpikeGLX_Slides.pptx
+++ b/Documents/SpikeGLX_Slides.pptx
@@ -3,13 +3,14 @@
 <p:presentation xmlns:a="http://schemas.openxmlformats.org/drawingml/2006/main" xmlns:r="http://schemas.openxmlformats.org/officeDocument/2006/relationships" xmlns:p="http://schemas.openxmlformats.org/presentationml/2006/main" saveSubsetFonts="1">
   <p:sldMasterIdLst>
     <p:sldMasterId id="2147483648" r:id="rId1"/>
+    <p:sldMasterId id="2147483660" r:id="rId2"/>
   </p:sldMasterIdLst>
   <p:sldIdLst>
-    <p:sldId id="256" r:id="rId2"/>
-    <p:sldId id="257" r:id="rId3"/>
-    <p:sldId id="258" r:id="rId4"/>
-    <p:sldId id="259" r:id="rId5"/>
-    <p:sldId id="260" r:id="rId6"/>
+    <p:sldId id="256" r:id="rId3"/>
+    <p:sldId id="257" r:id="rId4"/>
+    <p:sldId id="258" r:id="rId5"/>
+    <p:sldId id="261" r:id="rId6"/>
+    <p:sldId id="260" r:id="rId7"/>
   </p:sldIdLst>
   <p:sldSz cx="12192000" cy="6858000"/>
   <p:notesSz cx="6858000" cy="9144000"/>
@@ -3062,7 +3063,7 @@
           <a:p>
             <a:fld id="{120637B1-EAAC-43C2-83FD-28F64C252A1C}" type="datetimeFigureOut">
               <a:rPr lang="en-US" smtClean="0"/>
-              <a:t>2/9/2016</a:t>
+              <a:t>7/12/2017</a:t>
             </a:fld>
             <a:endParaRPr lang="en-US"/>
           </a:p>
@@ -3232,7 +3233,7 @@
           <a:p>
             <a:fld id="{120637B1-EAAC-43C2-83FD-28F64C252A1C}" type="datetimeFigureOut">
               <a:rPr lang="en-US" smtClean="0"/>
-              <a:t>2/9/2016</a:t>
+              <a:t>7/12/2017</a:t>
             </a:fld>
             <a:endParaRPr lang="en-US"/>
           </a:p>
@@ -3412,7 +3413,7 @@
           <a:p>
             <a:fld id="{120637B1-EAAC-43C2-83FD-28F64C252A1C}" type="datetimeFigureOut">
               <a:rPr lang="en-US" smtClean="0"/>
-              <a:t>2/9/2016</a:t>
+              <a:t>7/12/2017</a:t>
             </a:fld>
             <a:endParaRPr lang="en-US"/>
           </a:p>
@@ -3464,6 +3465,2120 @@
     <p:extLst>
       <p:ext uri="{BB962C8B-B14F-4D97-AF65-F5344CB8AC3E}">
         <p14:creationId xmlns:p14="http://schemas.microsoft.com/office/powerpoint/2010/main" val="1982731886"/>
+      </p:ext>
+    </p:extLst>
+  </p:cSld>
+  <p:clrMapOvr>
+    <a:masterClrMapping/>
+  </p:clrMapOvr>
+</p:sldLayout>
+</file>
+
+<file path=ppt/slideLayouts/slideLayout12.xml><?xml version="1.0" encoding="utf-8"?>
+<p:sldLayout xmlns:a="http://schemas.openxmlformats.org/drawingml/2006/main" xmlns:r="http://schemas.openxmlformats.org/officeDocument/2006/relationships" xmlns:p="http://schemas.openxmlformats.org/presentationml/2006/main" type="title" preserve="1">
+  <p:cSld name="Title Slide">
+    <p:spTree>
+      <p:nvGrpSpPr>
+        <p:cNvPr id="1" name=""/>
+        <p:cNvGrpSpPr/>
+        <p:nvPr/>
+      </p:nvGrpSpPr>
+      <p:grpSpPr>
+        <a:xfrm>
+          <a:off x="0" y="0"/>
+          <a:ext cx="0" cy="0"/>
+          <a:chOff x="0" y="0"/>
+          <a:chExt cx="0" cy="0"/>
+        </a:xfrm>
+      </p:grpSpPr>
+      <p:sp>
+        <p:nvSpPr>
+          <p:cNvPr id="2" name="Title 1"/>
+          <p:cNvSpPr>
+            <a:spLocks noGrp="1"/>
+          </p:cNvSpPr>
+          <p:nvPr>
+            <p:ph type="ctrTitle"/>
+          </p:nvPr>
+        </p:nvSpPr>
+        <p:spPr>
+          <a:xfrm>
+            <a:off x="914400" y="2130426"/>
+            <a:ext cx="10363200" cy="1470025"/>
+          </a:xfrm>
+        </p:spPr>
+        <p:txBody>
+          <a:bodyPr/>
+          <a:lstStyle/>
+          <a:p>
+            <a:r>
+              <a:rPr lang="en-US" smtClean="0"/>
+              <a:t>Click to edit Master title style</a:t>
+            </a:r>
+            <a:endParaRPr lang="en-US"/>
+          </a:p>
+        </p:txBody>
+      </p:sp>
+      <p:sp>
+        <p:nvSpPr>
+          <p:cNvPr id="3" name="Subtitle 2"/>
+          <p:cNvSpPr>
+            <a:spLocks noGrp="1"/>
+          </p:cNvSpPr>
+          <p:nvPr>
+            <p:ph type="subTitle" idx="1"/>
+          </p:nvPr>
+        </p:nvSpPr>
+        <p:spPr>
+          <a:xfrm>
+            <a:off x="1828800" y="3886200"/>
+            <a:ext cx="8534400" cy="1752600"/>
+          </a:xfrm>
+        </p:spPr>
+        <p:txBody>
+          <a:bodyPr/>
+          <a:lstStyle>
+            <a:lvl1pPr marL="0" indent="0" algn="ctr">
+              <a:buNone/>
+              <a:defRPr>
+                <a:solidFill>
+                  <a:schemeClr val="tx1">
+                    <a:tint val="75000"/>
+                  </a:schemeClr>
+                </a:solidFill>
+              </a:defRPr>
+            </a:lvl1pPr>
+            <a:lvl2pPr marL="457200" indent="0" algn="ctr">
+              <a:buNone/>
+              <a:defRPr>
+                <a:solidFill>
+                  <a:schemeClr val="tx1">
+                    <a:tint val="75000"/>
+                  </a:schemeClr>
+                </a:solidFill>
+              </a:defRPr>
+            </a:lvl2pPr>
+            <a:lvl3pPr marL="914400" indent="0" algn="ctr">
+              <a:buNone/>
+              <a:defRPr>
+                <a:solidFill>
+                  <a:schemeClr val="tx1">
+                    <a:tint val="75000"/>
+                  </a:schemeClr>
+                </a:solidFill>
+              </a:defRPr>
+            </a:lvl3pPr>
+            <a:lvl4pPr marL="1371600" indent="0" algn="ctr">
+              <a:buNone/>
+              <a:defRPr>
+                <a:solidFill>
+                  <a:schemeClr val="tx1">
+                    <a:tint val="75000"/>
+                  </a:schemeClr>
+                </a:solidFill>
+              </a:defRPr>
+            </a:lvl4pPr>
+            <a:lvl5pPr marL="1828800" indent="0" algn="ctr">
+              <a:buNone/>
+              <a:defRPr>
+                <a:solidFill>
+                  <a:schemeClr val="tx1">
+                    <a:tint val="75000"/>
+                  </a:schemeClr>
+                </a:solidFill>
+              </a:defRPr>
+            </a:lvl5pPr>
+            <a:lvl6pPr marL="2286000" indent="0" algn="ctr">
+              <a:buNone/>
+              <a:defRPr>
+                <a:solidFill>
+                  <a:schemeClr val="tx1">
+                    <a:tint val="75000"/>
+                  </a:schemeClr>
+                </a:solidFill>
+              </a:defRPr>
+            </a:lvl6pPr>
+            <a:lvl7pPr marL="2743200" indent="0" algn="ctr">
+              <a:buNone/>
+              <a:defRPr>
+                <a:solidFill>
+                  <a:schemeClr val="tx1">
+                    <a:tint val="75000"/>
+                  </a:schemeClr>
+                </a:solidFill>
+              </a:defRPr>
+            </a:lvl7pPr>
+            <a:lvl8pPr marL="3200400" indent="0" algn="ctr">
+              <a:buNone/>
+              <a:defRPr>
+                <a:solidFill>
+                  <a:schemeClr val="tx1">
+                    <a:tint val="75000"/>
+                  </a:schemeClr>
+                </a:solidFill>
+              </a:defRPr>
+            </a:lvl8pPr>
+            <a:lvl9pPr marL="3657600" indent="0" algn="ctr">
+              <a:buNone/>
+              <a:defRPr>
+                <a:solidFill>
+                  <a:schemeClr val="tx1">
+                    <a:tint val="75000"/>
+                  </a:schemeClr>
+                </a:solidFill>
+              </a:defRPr>
+            </a:lvl9pPr>
+          </a:lstStyle>
+          <a:p>
+            <a:r>
+              <a:rPr lang="en-US" smtClean="0"/>
+              <a:t>Click to edit Master subtitle style</a:t>
+            </a:r>
+            <a:endParaRPr lang="en-US"/>
+          </a:p>
+        </p:txBody>
+      </p:sp>
+      <p:sp>
+        <p:nvSpPr>
+          <p:cNvPr id="4" name="Date Placeholder 3"/>
+          <p:cNvSpPr>
+            <a:spLocks noGrp="1"/>
+          </p:cNvSpPr>
+          <p:nvPr>
+            <p:ph type="dt" sz="half" idx="10"/>
+          </p:nvPr>
+        </p:nvSpPr>
+        <p:spPr/>
+        <p:txBody>
+          <a:bodyPr/>
+          <a:lstStyle/>
+          <a:p>
+            <a:fld id="{A1B8768A-E0A2-4497-8C41-6CB92A7679F9}" type="datetimeFigureOut">
+              <a:rPr lang="en-US" smtClean="0">
+                <a:solidFill>
+                  <a:prstClr val="black">
+                    <a:tint val="75000"/>
+                  </a:prstClr>
+                </a:solidFill>
+              </a:rPr>
+              <a:pPr/>
+              <a:t>7/12/2017</a:t>
+            </a:fld>
+            <a:endParaRPr lang="en-US">
+              <a:solidFill>
+                <a:prstClr val="black">
+                  <a:tint val="75000"/>
+                </a:prstClr>
+              </a:solidFill>
+            </a:endParaRPr>
+          </a:p>
+        </p:txBody>
+      </p:sp>
+      <p:sp>
+        <p:nvSpPr>
+          <p:cNvPr id="5" name="Footer Placeholder 4"/>
+          <p:cNvSpPr>
+            <a:spLocks noGrp="1"/>
+          </p:cNvSpPr>
+          <p:nvPr>
+            <p:ph type="ftr" sz="quarter" idx="11"/>
+          </p:nvPr>
+        </p:nvSpPr>
+        <p:spPr/>
+        <p:txBody>
+          <a:bodyPr/>
+          <a:lstStyle/>
+          <a:p>
+            <a:endParaRPr lang="en-US">
+              <a:solidFill>
+                <a:prstClr val="black">
+                  <a:tint val="75000"/>
+                </a:prstClr>
+              </a:solidFill>
+            </a:endParaRPr>
+          </a:p>
+        </p:txBody>
+      </p:sp>
+      <p:sp>
+        <p:nvSpPr>
+          <p:cNvPr id="6" name="Slide Number Placeholder 5"/>
+          <p:cNvSpPr>
+            <a:spLocks noGrp="1"/>
+          </p:cNvSpPr>
+          <p:nvPr>
+            <p:ph type="sldNum" sz="quarter" idx="12"/>
+          </p:nvPr>
+        </p:nvSpPr>
+        <p:spPr/>
+        <p:txBody>
+          <a:bodyPr/>
+          <a:lstStyle/>
+          <a:p>
+            <a:fld id="{DB43158A-C944-48F4-8B68-54973077A0F1}" type="slidenum">
+              <a:rPr lang="en-US" smtClean="0">
+                <a:solidFill>
+                  <a:prstClr val="black">
+                    <a:tint val="75000"/>
+                  </a:prstClr>
+                </a:solidFill>
+              </a:rPr>
+              <a:pPr/>
+              <a:t>‹#›</a:t>
+            </a:fld>
+            <a:endParaRPr lang="en-US">
+              <a:solidFill>
+                <a:prstClr val="black">
+                  <a:tint val="75000"/>
+                </a:prstClr>
+              </a:solidFill>
+            </a:endParaRPr>
+          </a:p>
+        </p:txBody>
+      </p:sp>
+    </p:spTree>
+    <p:extLst>
+      <p:ext uri="{BB962C8B-B14F-4D97-AF65-F5344CB8AC3E}">
+        <p14:creationId xmlns:p14="http://schemas.microsoft.com/office/powerpoint/2010/main" val="67058573"/>
+      </p:ext>
+    </p:extLst>
+  </p:cSld>
+  <p:clrMapOvr>
+    <a:masterClrMapping/>
+  </p:clrMapOvr>
+</p:sldLayout>
+</file>
+
+<file path=ppt/slideLayouts/slideLayout13.xml><?xml version="1.0" encoding="utf-8"?>
+<p:sldLayout xmlns:a="http://schemas.openxmlformats.org/drawingml/2006/main" xmlns:r="http://schemas.openxmlformats.org/officeDocument/2006/relationships" xmlns:p="http://schemas.openxmlformats.org/presentationml/2006/main" type="obj" preserve="1">
+  <p:cSld name="Title and Content">
+    <p:spTree>
+      <p:nvGrpSpPr>
+        <p:cNvPr id="1" name=""/>
+        <p:cNvGrpSpPr/>
+        <p:nvPr/>
+      </p:nvGrpSpPr>
+      <p:grpSpPr>
+        <a:xfrm>
+          <a:off x="0" y="0"/>
+          <a:ext cx="0" cy="0"/>
+          <a:chOff x="0" y="0"/>
+          <a:chExt cx="0" cy="0"/>
+        </a:xfrm>
+      </p:grpSpPr>
+      <p:sp>
+        <p:nvSpPr>
+          <p:cNvPr id="2" name="Title 1"/>
+          <p:cNvSpPr>
+            <a:spLocks noGrp="1"/>
+          </p:cNvSpPr>
+          <p:nvPr>
+            <p:ph type="title"/>
+          </p:nvPr>
+        </p:nvSpPr>
+        <p:spPr/>
+        <p:txBody>
+          <a:bodyPr/>
+          <a:lstStyle/>
+          <a:p>
+            <a:r>
+              <a:rPr lang="en-US" smtClean="0"/>
+              <a:t>Click to edit Master title style</a:t>
+            </a:r>
+            <a:endParaRPr lang="en-US"/>
+          </a:p>
+        </p:txBody>
+      </p:sp>
+      <p:sp>
+        <p:nvSpPr>
+          <p:cNvPr id="3" name="Content Placeholder 2"/>
+          <p:cNvSpPr>
+            <a:spLocks noGrp="1"/>
+          </p:cNvSpPr>
+          <p:nvPr>
+            <p:ph idx="1"/>
+          </p:nvPr>
+        </p:nvSpPr>
+        <p:spPr/>
+        <p:txBody>
+          <a:bodyPr/>
+          <a:lstStyle/>
+          <a:p>
+            <a:pPr lvl="0"/>
+            <a:r>
+              <a:rPr lang="en-US" smtClean="0"/>
+              <a:t>Click to edit Master text styles</a:t>
+            </a:r>
+          </a:p>
+          <a:p>
+            <a:pPr lvl="1"/>
+            <a:r>
+              <a:rPr lang="en-US" smtClean="0"/>
+              <a:t>Second level</a:t>
+            </a:r>
+          </a:p>
+          <a:p>
+            <a:pPr lvl="2"/>
+            <a:r>
+              <a:rPr lang="en-US" smtClean="0"/>
+              <a:t>Third level</a:t>
+            </a:r>
+          </a:p>
+          <a:p>
+            <a:pPr lvl="3"/>
+            <a:r>
+              <a:rPr lang="en-US" smtClean="0"/>
+              <a:t>Fourth level</a:t>
+            </a:r>
+          </a:p>
+          <a:p>
+            <a:pPr lvl="4"/>
+            <a:r>
+              <a:rPr lang="en-US" smtClean="0"/>
+              <a:t>Fifth level</a:t>
+            </a:r>
+            <a:endParaRPr lang="en-US"/>
+          </a:p>
+        </p:txBody>
+      </p:sp>
+      <p:sp>
+        <p:nvSpPr>
+          <p:cNvPr id="4" name="Date Placeholder 3"/>
+          <p:cNvSpPr>
+            <a:spLocks noGrp="1"/>
+          </p:cNvSpPr>
+          <p:nvPr>
+            <p:ph type="dt" sz="half" idx="10"/>
+          </p:nvPr>
+        </p:nvSpPr>
+        <p:spPr/>
+        <p:txBody>
+          <a:bodyPr/>
+          <a:lstStyle/>
+          <a:p>
+            <a:fld id="{A1B8768A-E0A2-4497-8C41-6CB92A7679F9}" type="datetimeFigureOut">
+              <a:rPr lang="en-US" smtClean="0">
+                <a:solidFill>
+                  <a:prstClr val="black">
+                    <a:tint val="75000"/>
+                  </a:prstClr>
+                </a:solidFill>
+              </a:rPr>
+              <a:pPr/>
+              <a:t>7/12/2017</a:t>
+            </a:fld>
+            <a:endParaRPr lang="en-US">
+              <a:solidFill>
+                <a:prstClr val="black">
+                  <a:tint val="75000"/>
+                </a:prstClr>
+              </a:solidFill>
+            </a:endParaRPr>
+          </a:p>
+        </p:txBody>
+      </p:sp>
+      <p:sp>
+        <p:nvSpPr>
+          <p:cNvPr id="5" name="Footer Placeholder 4"/>
+          <p:cNvSpPr>
+            <a:spLocks noGrp="1"/>
+          </p:cNvSpPr>
+          <p:nvPr>
+            <p:ph type="ftr" sz="quarter" idx="11"/>
+          </p:nvPr>
+        </p:nvSpPr>
+        <p:spPr/>
+        <p:txBody>
+          <a:bodyPr/>
+          <a:lstStyle/>
+          <a:p>
+            <a:endParaRPr lang="en-US">
+              <a:solidFill>
+                <a:prstClr val="black">
+                  <a:tint val="75000"/>
+                </a:prstClr>
+              </a:solidFill>
+            </a:endParaRPr>
+          </a:p>
+        </p:txBody>
+      </p:sp>
+      <p:sp>
+        <p:nvSpPr>
+          <p:cNvPr id="6" name="Slide Number Placeholder 5"/>
+          <p:cNvSpPr>
+            <a:spLocks noGrp="1"/>
+          </p:cNvSpPr>
+          <p:nvPr>
+            <p:ph type="sldNum" sz="quarter" idx="12"/>
+          </p:nvPr>
+        </p:nvSpPr>
+        <p:spPr/>
+        <p:txBody>
+          <a:bodyPr/>
+          <a:lstStyle/>
+          <a:p>
+            <a:fld id="{DB43158A-C944-48F4-8B68-54973077A0F1}" type="slidenum">
+              <a:rPr lang="en-US" smtClean="0">
+                <a:solidFill>
+                  <a:prstClr val="black">
+                    <a:tint val="75000"/>
+                  </a:prstClr>
+                </a:solidFill>
+              </a:rPr>
+              <a:pPr/>
+              <a:t>‹#›</a:t>
+            </a:fld>
+            <a:endParaRPr lang="en-US">
+              <a:solidFill>
+                <a:prstClr val="black">
+                  <a:tint val="75000"/>
+                </a:prstClr>
+              </a:solidFill>
+            </a:endParaRPr>
+          </a:p>
+        </p:txBody>
+      </p:sp>
+    </p:spTree>
+    <p:extLst>
+      <p:ext uri="{BB962C8B-B14F-4D97-AF65-F5344CB8AC3E}">
+        <p14:creationId xmlns:p14="http://schemas.microsoft.com/office/powerpoint/2010/main" val="2292167177"/>
+      </p:ext>
+    </p:extLst>
+  </p:cSld>
+  <p:clrMapOvr>
+    <a:masterClrMapping/>
+  </p:clrMapOvr>
+</p:sldLayout>
+</file>
+
+<file path=ppt/slideLayouts/slideLayout14.xml><?xml version="1.0" encoding="utf-8"?>
+<p:sldLayout xmlns:a="http://schemas.openxmlformats.org/drawingml/2006/main" xmlns:r="http://schemas.openxmlformats.org/officeDocument/2006/relationships" xmlns:p="http://schemas.openxmlformats.org/presentationml/2006/main" type="secHead" preserve="1">
+  <p:cSld name="Section Header">
+    <p:spTree>
+      <p:nvGrpSpPr>
+        <p:cNvPr id="1" name=""/>
+        <p:cNvGrpSpPr/>
+        <p:nvPr/>
+      </p:nvGrpSpPr>
+      <p:grpSpPr>
+        <a:xfrm>
+          <a:off x="0" y="0"/>
+          <a:ext cx="0" cy="0"/>
+          <a:chOff x="0" y="0"/>
+          <a:chExt cx="0" cy="0"/>
+        </a:xfrm>
+      </p:grpSpPr>
+      <p:sp>
+        <p:nvSpPr>
+          <p:cNvPr id="2" name="Title 1"/>
+          <p:cNvSpPr>
+            <a:spLocks noGrp="1"/>
+          </p:cNvSpPr>
+          <p:nvPr>
+            <p:ph type="title"/>
+          </p:nvPr>
+        </p:nvSpPr>
+        <p:spPr>
+          <a:xfrm>
+            <a:off x="963084" y="4406901"/>
+            <a:ext cx="10363200" cy="1362075"/>
+          </a:xfrm>
+        </p:spPr>
+        <p:txBody>
+          <a:bodyPr anchor="t"/>
+          <a:lstStyle>
+            <a:lvl1pPr algn="l">
+              <a:defRPr sz="4000" b="1" cap="all"/>
+            </a:lvl1pPr>
+          </a:lstStyle>
+          <a:p>
+            <a:r>
+              <a:rPr lang="en-US" smtClean="0"/>
+              <a:t>Click to edit Master title style</a:t>
+            </a:r>
+            <a:endParaRPr lang="en-US"/>
+          </a:p>
+        </p:txBody>
+      </p:sp>
+      <p:sp>
+        <p:nvSpPr>
+          <p:cNvPr id="3" name="Text Placeholder 2"/>
+          <p:cNvSpPr>
+            <a:spLocks noGrp="1"/>
+          </p:cNvSpPr>
+          <p:nvPr>
+            <p:ph type="body" idx="1"/>
+          </p:nvPr>
+        </p:nvSpPr>
+        <p:spPr>
+          <a:xfrm>
+            <a:off x="963084" y="2906713"/>
+            <a:ext cx="10363200" cy="1500187"/>
+          </a:xfrm>
+        </p:spPr>
+        <p:txBody>
+          <a:bodyPr anchor="b"/>
+          <a:lstStyle>
+            <a:lvl1pPr marL="0" indent="0">
+              <a:buNone/>
+              <a:defRPr sz="2000">
+                <a:solidFill>
+                  <a:schemeClr val="tx1">
+                    <a:tint val="75000"/>
+                  </a:schemeClr>
+                </a:solidFill>
+              </a:defRPr>
+            </a:lvl1pPr>
+            <a:lvl2pPr marL="457200" indent="0">
+              <a:buNone/>
+              <a:defRPr sz="1800">
+                <a:solidFill>
+                  <a:schemeClr val="tx1">
+                    <a:tint val="75000"/>
+                  </a:schemeClr>
+                </a:solidFill>
+              </a:defRPr>
+            </a:lvl2pPr>
+            <a:lvl3pPr marL="914400" indent="0">
+              <a:buNone/>
+              <a:defRPr sz="1600">
+                <a:solidFill>
+                  <a:schemeClr val="tx1">
+                    <a:tint val="75000"/>
+                  </a:schemeClr>
+                </a:solidFill>
+              </a:defRPr>
+            </a:lvl3pPr>
+            <a:lvl4pPr marL="1371600" indent="0">
+              <a:buNone/>
+              <a:defRPr sz="1400">
+                <a:solidFill>
+                  <a:schemeClr val="tx1">
+                    <a:tint val="75000"/>
+                  </a:schemeClr>
+                </a:solidFill>
+              </a:defRPr>
+            </a:lvl4pPr>
+            <a:lvl5pPr marL="1828800" indent="0">
+              <a:buNone/>
+              <a:defRPr sz="1400">
+                <a:solidFill>
+                  <a:schemeClr val="tx1">
+                    <a:tint val="75000"/>
+                  </a:schemeClr>
+                </a:solidFill>
+              </a:defRPr>
+            </a:lvl5pPr>
+            <a:lvl6pPr marL="2286000" indent="0">
+              <a:buNone/>
+              <a:defRPr sz="1400">
+                <a:solidFill>
+                  <a:schemeClr val="tx1">
+                    <a:tint val="75000"/>
+                  </a:schemeClr>
+                </a:solidFill>
+              </a:defRPr>
+            </a:lvl6pPr>
+            <a:lvl7pPr marL="2743200" indent="0">
+              <a:buNone/>
+              <a:defRPr sz="1400">
+                <a:solidFill>
+                  <a:schemeClr val="tx1">
+                    <a:tint val="75000"/>
+                  </a:schemeClr>
+                </a:solidFill>
+              </a:defRPr>
+            </a:lvl7pPr>
+            <a:lvl8pPr marL="3200400" indent="0">
+              <a:buNone/>
+              <a:defRPr sz="1400">
+                <a:solidFill>
+                  <a:schemeClr val="tx1">
+                    <a:tint val="75000"/>
+                  </a:schemeClr>
+                </a:solidFill>
+              </a:defRPr>
+            </a:lvl8pPr>
+            <a:lvl9pPr marL="3657600" indent="0">
+              <a:buNone/>
+              <a:defRPr sz="1400">
+                <a:solidFill>
+                  <a:schemeClr val="tx1">
+                    <a:tint val="75000"/>
+                  </a:schemeClr>
+                </a:solidFill>
+              </a:defRPr>
+            </a:lvl9pPr>
+          </a:lstStyle>
+          <a:p>
+            <a:pPr lvl="0"/>
+            <a:r>
+              <a:rPr lang="en-US" smtClean="0"/>
+              <a:t>Click to edit Master text styles</a:t>
+            </a:r>
+          </a:p>
+        </p:txBody>
+      </p:sp>
+      <p:sp>
+        <p:nvSpPr>
+          <p:cNvPr id="4" name="Date Placeholder 3"/>
+          <p:cNvSpPr>
+            <a:spLocks noGrp="1"/>
+          </p:cNvSpPr>
+          <p:nvPr>
+            <p:ph type="dt" sz="half" idx="10"/>
+          </p:nvPr>
+        </p:nvSpPr>
+        <p:spPr/>
+        <p:txBody>
+          <a:bodyPr/>
+          <a:lstStyle/>
+          <a:p>
+            <a:fld id="{A1B8768A-E0A2-4497-8C41-6CB92A7679F9}" type="datetimeFigureOut">
+              <a:rPr lang="en-US" smtClean="0">
+                <a:solidFill>
+                  <a:prstClr val="black">
+                    <a:tint val="75000"/>
+                  </a:prstClr>
+                </a:solidFill>
+              </a:rPr>
+              <a:pPr/>
+              <a:t>7/12/2017</a:t>
+            </a:fld>
+            <a:endParaRPr lang="en-US">
+              <a:solidFill>
+                <a:prstClr val="black">
+                  <a:tint val="75000"/>
+                </a:prstClr>
+              </a:solidFill>
+            </a:endParaRPr>
+          </a:p>
+        </p:txBody>
+      </p:sp>
+      <p:sp>
+        <p:nvSpPr>
+          <p:cNvPr id="5" name="Footer Placeholder 4"/>
+          <p:cNvSpPr>
+            <a:spLocks noGrp="1"/>
+          </p:cNvSpPr>
+          <p:nvPr>
+            <p:ph type="ftr" sz="quarter" idx="11"/>
+          </p:nvPr>
+        </p:nvSpPr>
+        <p:spPr/>
+        <p:txBody>
+          <a:bodyPr/>
+          <a:lstStyle/>
+          <a:p>
+            <a:endParaRPr lang="en-US">
+              <a:solidFill>
+                <a:prstClr val="black">
+                  <a:tint val="75000"/>
+                </a:prstClr>
+              </a:solidFill>
+            </a:endParaRPr>
+          </a:p>
+        </p:txBody>
+      </p:sp>
+      <p:sp>
+        <p:nvSpPr>
+          <p:cNvPr id="6" name="Slide Number Placeholder 5"/>
+          <p:cNvSpPr>
+            <a:spLocks noGrp="1"/>
+          </p:cNvSpPr>
+          <p:nvPr>
+            <p:ph type="sldNum" sz="quarter" idx="12"/>
+          </p:nvPr>
+        </p:nvSpPr>
+        <p:spPr/>
+        <p:txBody>
+          <a:bodyPr/>
+          <a:lstStyle/>
+          <a:p>
+            <a:fld id="{DB43158A-C944-48F4-8B68-54973077A0F1}" type="slidenum">
+              <a:rPr lang="en-US" smtClean="0">
+                <a:solidFill>
+                  <a:prstClr val="black">
+                    <a:tint val="75000"/>
+                  </a:prstClr>
+                </a:solidFill>
+              </a:rPr>
+              <a:pPr/>
+              <a:t>‹#›</a:t>
+            </a:fld>
+            <a:endParaRPr lang="en-US">
+              <a:solidFill>
+                <a:prstClr val="black">
+                  <a:tint val="75000"/>
+                </a:prstClr>
+              </a:solidFill>
+            </a:endParaRPr>
+          </a:p>
+        </p:txBody>
+      </p:sp>
+    </p:spTree>
+    <p:extLst>
+      <p:ext uri="{BB962C8B-B14F-4D97-AF65-F5344CB8AC3E}">
+        <p14:creationId xmlns:p14="http://schemas.microsoft.com/office/powerpoint/2010/main" val="3234596045"/>
+      </p:ext>
+    </p:extLst>
+  </p:cSld>
+  <p:clrMapOvr>
+    <a:masterClrMapping/>
+  </p:clrMapOvr>
+</p:sldLayout>
+</file>
+
+<file path=ppt/slideLayouts/slideLayout15.xml><?xml version="1.0" encoding="utf-8"?>
+<p:sldLayout xmlns:a="http://schemas.openxmlformats.org/drawingml/2006/main" xmlns:r="http://schemas.openxmlformats.org/officeDocument/2006/relationships" xmlns:p="http://schemas.openxmlformats.org/presentationml/2006/main" type="twoObj" preserve="1">
+  <p:cSld name="Two Content">
+    <p:spTree>
+      <p:nvGrpSpPr>
+        <p:cNvPr id="1" name=""/>
+        <p:cNvGrpSpPr/>
+        <p:nvPr/>
+      </p:nvGrpSpPr>
+      <p:grpSpPr>
+        <a:xfrm>
+          <a:off x="0" y="0"/>
+          <a:ext cx="0" cy="0"/>
+          <a:chOff x="0" y="0"/>
+          <a:chExt cx="0" cy="0"/>
+        </a:xfrm>
+      </p:grpSpPr>
+      <p:sp>
+        <p:nvSpPr>
+          <p:cNvPr id="2" name="Title 1"/>
+          <p:cNvSpPr>
+            <a:spLocks noGrp="1"/>
+          </p:cNvSpPr>
+          <p:nvPr>
+            <p:ph type="title"/>
+          </p:nvPr>
+        </p:nvSpPr>
+        <p:spPr/>
+        <p:txBody>
+          <a:bodyPr/>
+          <a:lstStyle/>
+          <a:p>
+            <a:r>
+              <a:rPr lang="en-US" smtClean="0"/>
+              <a:t>Click to edit Master title style</a:t>
+            </a:r>
+            <a:endParaRPr lang="en-US"/>
+          </a:p>
+        </p:txBody>
+      </p:sp>
+      <p:sp>
+        <p:nvSpPr>
+          <p:cNvPr id="3" name="Content Placeholder 2"/>
+          <p:cNvSpPr>
+            <a:spLocks noGrp="1"/>
+          </p:cNvSpPr>
+          <p:nvPr>
+            <p:ph sz="half" idx="1"/>
+          </p:nvPr>
+        </p:nvSpPr>
+        <p:spPr>
+          <a:xfrm>
+            <a:off x="609600" y="1600201"/>
+            <a:ext cx="5384800" cy="4525963"/>
+          </a:xfrm>
+        </p:spPr>
+        <p:txBody>
+          <a:bodyPr/>
+          <a:lstStyle>
+            <a:lvl1pPr>
+              <a:defRPr sz="2800"/>
+            </a:lvl1pPr>
+            <a:lvl2pPr>
+              <a:defRPr sz="2400"/>
+            </a:lvl2pPr>
+            <a:lvl3pPr>
+              <a:defRPr sz="2000"/>
+            </a:lvl3pPr>
+            <a:lvl4pPr>
+              <a:defRPr sz="1800"/>
+            </a:lvl4pPr>
+            <a:lvl5pPr>
+              <a:defRPr sz="1800"/>
+            </a:lvl5pPr>
+            <a:lvl6pPr>
+              <a:defRPr sz="1800"/>
+            </a:lvl6pPr>
+            <a:lvl7pPr>
+              <a:defRPr sz="1800"/>
+            </a:lvl7pPr>
+            <a:lvl8pPr>
+              <a:defRPr sz="1800"/>
+            </a:lvl8pPr>
+            <a:lvl9pPr>
+              <a:defRPr sz="1800"/>
+            </a:lvl9pPr>
+          </a:lstStyle>
+          <a:p>
+            <a:pPr lvl="0"/>
+            <a:r>
+              <a:rPr lang="en-US" smtClean="0"/>
+              <a:t>Click to edit Master text styles</a:t>
+            </a:r>
+          </a:p>
+          <a:p>
+            <a:pPr lvl="1"/>
+            <a:r>
+              <a:rPr lang="en-US" smtClean="0"/>
+              <a:t>Second level</a:t>
+            </a:r>
+          </a:p>
+          <a:p>
+            <a:pPr lvl="2"/>
+            <a:r>
+              <a:rPr lang="en-US" smtClean="0"/>
+              <a:t>Third level</a:t>
+            </a:r>
+          </a:p>
+          <a:p>
+            <a:pPr lvl="3"/>
+            <a:r>
+              <a:rPr lang="en-US" smtClean="0"/>
+              <a:t>Fourth level</a:t>
+            </a:r>
+          </a:p>
+          <a:p>
+            <a:pPr lvl="4"/>
+            <a:r>
+              <a:rPr lang="en-US" smtClean="0"/>
+              <a:t>Fifth level</a:t>
+            </a:r>
+            <a:endParaRPr lang="en-US"/>
+          </a:p>
+        </p:txBody>
+      </p:sp>
+      <p:sp>
+        <p:nvSpPr>
+          <p:cNvPr id="4" name="Content Placeholder 3"/>
+          <p:cNvSpPr>
+            <a:spLocks noGrp="1"/>
+          </p:cNvSpPr>
+          <p:nvPr>
+            <p:ph sz="half" idx="2"/>
+          </p:nvPr>
+        </p:nvSpPr>
+        <p:spPr>
+          <a:xfrm>
+            <a:off x="6197600" y="1600201"/>
+            <a:ext cx="5384800" cy="4525963"/>
+          </a:xfrm>
+        </p:spPr>
+        <p:txBody>
+          <a:bodyPr/>
+          <a:lstStyle>
+            <a:lvl1pPr>
+              <a:defRPr sz="2800"/>
+            </a:lvl1pPr>
+            <a:lvl2pPr>
+              <a:defRPr sz="2400"/>
+            </a:lvl2pPr>
+            <a:lvl3pPr>
+              <a:defRPr sz="2000"/>
+            </a:lvl3pPr>
+            <a:lvl4pPr>
+              <a:defRPr sz="1800"/>
+            </a:lvl4pPr>
+            <a:lvl5pPr>
+              <a:defRPr sz="1800"/>
+            </a:lvl5pPr>
+            <a:lvl6pPr>
+              <a:defRPr sz="1800"/>
+            </a:lvl6pPr>
+            <a:lvl7pPr>
+              <a:defRPr sz="1800"/>
+            </a:lvl7pPr>
+            <a:lvl8pPr>
+              <a:defRPr sz="1800"/>
+            </a:lvl8pPr>
+            <a:lvl9pPr>
+              <a:defRPr sz="1800"/>
+            </a:lvl9pPr>
+          </a:lstStyle>
+          <a:p>
+            <a:pPr lvl="0"/>
+            <a:r>
+              <a:rPr lang="en-US" smtClean="0"/>
+              <a:t>Click to edit Master text styles</a:t>
+            </a:r>
+          </a:p>
+          <a:p>
+            <a:pPr lvl="1"/>
+            <a:r>
+              <a:rPr lang="en-US" smtClean="0"/>
+              <a:t>Second level</a:t>
+            </a:r>
+          </a:p>
+          <a:p>
+            <a:pPr lvl="2"/>
+            <a:r>
+              <a:rPr lang="en-US" smtClean="0"/>
+              <a:t>Third level</a:t>
+            </a:r>
+          </a:p>
+          <a:p>
+            <a:pPr lvl="3"/>
+            <a:r>
+              <a:rPr lang="en-US" smtClean="0"/>
+              <a:t>Fourth level</a:t>
+            </a:r>
+          </a:p>
+          <a:p>
+            <a:pPr lvl="4"/>
+            <a:r>
+              <a:rPr lang="en-US" smtClean="0"/>
+              <a:t>Fifth level</a:t>
+            </a:r>
+            <a:endParaRPr lang="en-US"/>
+          </a:p>
+        </p:txBody>
+      </p:sp>
+      <p:sp>
+        <p:nvSpPr>
+          <p:cNvPr id="5" name="Date Placeholder 4"/>
+          <p:cNvSpPr>
+            <a:spLocks noGrp="1"/>
+          </p:cNvSpPr>
+          <p:nvPr>
+            <p:ph type="dt" sz="half" idx="10"/>
+          </p:nvPr>
+        </p:nvSpPr>
+        <p:spPr/>
+        <p:txBody>
+          <a:bodyPr/>
+          <a:lstStyle/>
+          <a:p>
+            <a:fld id="{A1B8768A-E0A2-4497-8C41-6CB92A7679F9}" type="datetimeFigureOut">
+              <a:rPr lang="en-US" smtClean="0">
+                <a:solidFill>
+                  <a:prstClr val="black">
+                    <a:tint val="75000"/>
+                  </a:prstClr>
+                </a:solidFill>
+              </a:rPr>
+              <a:pPr/>
+              <a:t>7/12/2017</a:t>
+            </a:fld>
+            <a:endParaRPr lang="en-US">
+              <a:solidFill>
+                <a:prstClr val="black">
+                  <a:tint val="75000"/>
+                </a:prstClr>
+              </a:solidFill>
+            </a:endParaRPr>
+          </a:p>
+        </p:txBody>
+      </p:sp>
+      <p:sp>
+        <p:nvSpPr>
+          <p:cNvPr id="6" name="Footer Placeholder 5"/>
+          <p:cNvSpPr>
+            <a:spLocks noGrp="1"/>
+          </p:cNvSpPr>
+          <p:nvPr>
+            <p:ph type="ftr" sz="quarter" idx="11"/>
+          </p:nvPr>
+        </p:nvSpPr>
+        <p:spPr/>
+        <p:txBody>
+          <a:bodyPr/>
+          <a:lstStyle/>
+          <a:p>
+            <a:endParaRPr lang="en-US">
+              <a:solidFill>
+                <a:prstClr val="black">
+                  <a:tint val="75000"/>
+                </a:prstClr>
+              </a:solidFill>
+            </a:endParaRPr>
+          </a:p>
+        </p:txBody>
+      </p:sp>
+      <p:sp>
+        <p:nvSpPr>
+          <p:cNvPr id="7" name="Slide Number Placeholder 6"/>
+          <p:cNvSpPr>
+            <a:spLocks noGrp="1"/>
+          </p:cNvSpPr>
+          <p:nvPr>
+            <p:ph type="sldNum" sz="quarter" idx="12"/>
+          </p:nvPr>
+        </p:nvSpPr>
+        <p:spPr/>
+        <p:txBody>
+          <a:bodyPr/>
+          <a:lstStyle/>
+          <a:p>
+            <a:fld id="{DB43158A-C944-48F4-8B68-54973077A0F1}" type="slidenum">
+              <a:rPr lang="en-US" smtClean="0">
+                <a:solidFill>
+                  <a:prstClr val="black">
+                    <a:tint val="75000"/>
+                  </a:prstClr>
+                </a:solidFill>
+              </a:rPr>
+              <a:pPr/>
+              <a:t>‹#›</a:t>
+            </a:fld>
+            <a:endParaRPr lang="en-US">
+              <a:solidFill>
+                <a:prstClr val="black">
+                  <a:tint val="75000"/>
+                </a:prstClr>
+              </a:solidFill>
+            </a:endParaRPr>
+          </a:p>
+        </p:txBody>
+      </p:sp>
+    </p:spTree>
+    <p:extLst>
+      <p:ext uri="{BB962C8B-B14F-4D97-AF65-F5344CB8AC3E}">
+        <p14:creationId xmlns:p14="http://schemas.microsoft.com/office/powerpoint/2010/main" val="1758016993"/>
+      </p:ext>
+    </p:extLst>
+  </p:cSld>
+  <p:clrMapOvr>
+    <a:masterClrMapping/>
+  </p:clrMapOvr>
+</p:sldLayout>
+</file>
+
+<file path=ppt/slideLayouts/slideLayout16.xml><?xml version="1.0" encoding="utf-8"?>
+<p:sldLayout xmlns:a="http://schemas.openxmlformats.org/drawingml/2006/main" xmlns:r="http://schemas.openxmlformats.org/officeDocument/2006/relationships" xmlns:p="http://schemas.openxmlformats.org/presentationml/2006/main" type="twoTxTwoObj" preserve="1">
+  <p:cSld name="Comparison">
+    <p:spTree>
+      <p:nvGrpSpPr>
+        <p:cNvPr id="1" name=""/>
+        <p:cNvGrpSpPr/>
+        <p:nvPr/>
+      </p:nvGrpSpPr>
+      <p:grpSpPr>
+        <a:xfrm>
+          <a:off x="0" y="0"/>
+          <a:ext cx="0" cy="0"/>
+          <a:chOff x="0" y="0"/>
+          <a:chExt cx="0" cy="0"/>
+        </a:xfrm>
+      </p:grpSpPr>
+      <p:sp>
+        <p:nvSpPr>
+          <p:cNvPr id="2" name="Title 1"/>
+          <p:cNvSpPr>
+            <a:spLocks noGrp="1"/>
+          </p:cNvSpPr>
+          <p:nvPr>
+            <p:ph type="title"/>
+          </p:nvPr>
+        </p:nvSpPr>
+        <p:spPr/>
+        <p:txBody>
+          <a:bodyPr/>
+          <a:lstStyle>
+            <a:lvl1pPr>
+              <a:defRPr/>
+            </a:lvl1pPr>
+          </a:lstStyle>
+          <a:p>
+            <a:r>
+              <a:rPr lang="en-US" smtClean="0"/>
+              <a:t>Click to edit Master title style</a:t>
+            </a:r>
+            <a:endParaRPr lang="en-US"/>
+          </a:p>
+        </p:txBody>
+      </p:sp>
+      <p:sp>
+        <p:nvSpPr>
+          <p:cNvPr id="3" name="Text Placeholder 2"/>
+          <p:cNvSpPr>
+            <a:spLocks noGrp="1"/>
+          </p:cNvSpPr>
+          <p:nvPr>
+            <p:ph type="body" idx="1"/>
+          </p:nvPr>
+        </p:nvSpPr>
+        <p:spPr>
+          <a:xfrm>
+            <a:off x="609600" y="1535113"/>
+            <a:ext cx="5386917" cy="639762"/>
+          </a:xfrm>
+        </p:spPr>
+        <p:txBody>
+          <a:bodyPr anchor="b"/>
+          <a:lstStyle>
+            <a:lvl1pPr marL="0" indent="0">
+              <a:buNone/>
+              <a:defRPr sz="2400" b="1"/>
+            </a:lvl1pPr>
+            <a:lvl2pPr marL="457200" indent="0">
+              <a:buNone/>
+              <a:defRPr sz="2000" b="1"/>
+            </a:lvl2pPr>
+            <a:lvl3pPr marL="914400" indent="0">
+              <a:buNone/>
+              <a:defRPr sz="1800" b="1"/>
+            </a:lvl3pPr>
+            <a:lvl4pPr marL="1371600" indent="0">
+              <a:buNone/>
+              <a:defRPr sz="1600" b="1"/>
+            </a:lvl4pPr>
+            <a:lvl5pPr marL="1828800" indent="0">
+              <a:buNone/>
+              <a:defRPr sz="1600" b="1"/>
+            </a:lvl5pPr>
+            <a:lvl6pPr marL="2286000" indent="0">
+              <a:buNone/>
+              <a:defRPr sz="1600" b="1"/>
+            </a:lvl6pPr>
+            <a:lvl7pPr marL="2743200" indent="0">
+              <a:buNone/>
+              <a:defRPr sz="1600" b="1"/>
+            </a:lvl7pPr>
+            <a:lvl8pPr marL="3200400" indent="0">
+              <a:buNone/>
+              <a:defRPr sz="1600" b="1"/>
+            </a:lvl8pPr>
+            <a:lvl9pPr marL="3657600" indent="0">
+              <a:buNone/>
+              <a:defRPr sz="1600" b="1"/>
+            </a:lvl9pPr>
+          </a:lstStyle>
+          <a:p>
+            <a:pPr lvl="0"/>
+            <a:r>
+              <a:rPr lang="en-US" smtClean="0"/>
+              <a:t>Click to edit Master text styles</a:t>
+            </a:r>
+          </a:p>
+        </p:txBody>
+      </p:sp>
+      <p:sp>
+        <p:nvSpPr>
+          <p:cNvPr id="4" name="Content Placeholder 3"/>
+          <p:cNvSpPr>
+            <a:spLocks noGrp="1"/>
+          </p:cNvSpPr>
+          <p:nvPr>
+            <p:ph sz="half" idx="2"/>
+          </p:nvPr>
+        </p:nvSpPr>
+        <p:spPr>
+          <a:xfrm>
+            <a:off x="609600" y="2174875"/>
+            <a:ext cx="5386917" cy="3951288"/>
+          </a:xfrm>
+        </p:spPr>
+        <p:txBody>
+          <a:bodyPr/>
+          <a:lstStyle>
+            <a:lvl1pPr>
+              <a:defRPr sz="2400"/>
+            </a:lvl1pPr>
+            <a:lvl2pPr>
+              <a:defRPr sz="2000"/>
+            </a:lvl2pPr>
+            <a:lvl3pPr>
+              <a:defRPr sz="1800"/>
+            </a:lvl3pPr>
+            <a:lvl4pPr>
+              <a:defRPr sz="1600"/>
+            </a:lvl4pPr>
+            <a:lvl5pPr>
+              <a:defRPr sz="1600"/>
+            </a:lvl5pPr>
+            <a:lvl6pPr>
+              <a:defRPr sz="1600"/>
+            </a:lvl6pPr>
+            <a:lvl7pPr>
+              <a:defRPr sz="1600"/>
+            </a:lvl7pPr>
+            <a:lvl8pPr>
+              <a:defRPr sz="1600"/>
+            </a:lvl8pPr>
+            <a:lvl9pPr>
+              <a:defRPr sz="1600"/>
+            </a:lvl9pPr>
+          </a:lstStyle>
+          <a:p>
+            <a:pPr lvl="0"/>
+            <a:r>
+              <a:rPr lang="en-US" smtClean="0"/>
+              <a:t>Click to edit Master text styles</a:t>
+            </a:r>
+          </a:p>
+          <a:p>
+            <a:pPr lvl="1"/>
+            <a:r>
+              <a:rPr lang="en-US" smtClean="0"/>
+              <a:t>Second level</a:t>
+            </a:r>
+          </a:p>
+          <a:p>
+            <a:pPr lvl="2"/>
+            <a:r>
+              <a:rPr lang="en-US" smtClean="0"/>
+              <a:t>Third level</a:t>
+            </a:r>
+          </a:p>
+          <a:p>
+            <a:pPr lvl="3"/>
+            <a:r>
+              <a:rPr lang="en-US" smtClean="0"/>
+              <a:t>Fourth level</a:t>
+            </a:r>
+          </a:p>
+          <a:p>
+            <a:pPr lvl="4"/>
+            <a:r>
+              <a:rPr lang="en-US" smtClean="0"/>
+              <a:t>Fifth level</a:t>
+            </a:r>
+            <a:endParaRPr lang="en-US"/>
+          </a:p>
+        </p:txBody>
+      </p:sp>
+      <p:sp>
+        <p:nvSpPr>
+          <p:cNvPr id="5" name="Text Placeholder 4"/>
+          <p:cNvSpPr>
+            <a:spLocks noGrp="1"/>
+          </p:cNvSpPr>
+          <p:nvPr>
+            <p:ph type="body" sz="quarter" idx="3"/>
+          </p:nvPr>
+        </p:nvSpPr>
+        <p:spPr>
+          <a:xfrm>
+            <a:off x="6193368" y="1535113"/>
+            <a:ext cx="5389033" cy="639762"/>
+          </a:xfrm>
+        </p:spPr>
+        <p:txBody>
+          <a:bodyPr anchor="b"/>
+          <a:lstStyle>
+            <a:lvl1pPr marL="0" indent="0">
+              <a:buNone/>
+              <a:defRPr sz="2400" b="1"/>
+            </a:lvl1pPr>
+            <a:lvl2pPr marL="457200" indent="0">
+              <a:buNone/>
+              <a:defRPr sz="2000" b="1"/>
+            </a:lvl2pPr>
+            <a:lvl3pPr marL="914400" indent="0">
+              <a:buNone/>
+              <a:defRPr sz="1800" b="1"/>
+            </a:lvl3pPr>
+            <a:lvl4pPr marL="1371600" indent="0">
+              <a:buNone/>
+              <a:defRPr sz="1600" b="1"/>
+            </a:lvl4pPr>
+            <a:lvl5pPr marL="1828800" indent="0">
+              <a:buNone/>
+              <a:defRPr sz="1600" b="1"/>
+            </a:lvl5pPr>
+            <a:lvl6pPr marL="2286000" indent="0">
+              <a:buNone/>
+              <a:defRPr sz="1600" b="1"/>
+            </a:lvl6pPr>
+            <a:lvl7pPr marL="2743200" indent="0">
+              <a:buNone/>
+              <a:defRPr sz="1600" b="1"/>
+            </a:lvl7pPr>
+            <a:lvl8pPr marL="3200400" indent="0">
+              <a:buNone/>
+              <a:defRPr sz="1600" b="1"/>
+            </a:lvl8pPr>
+            <a:lvl9pPr marL="3657600" indent="0">
+              <a:buNone/>
+              <a:defRPr sz="1600" b="1"/>
+            </a:lvl9pPr>
+          </a:lstStyle>
+          <a:p>
+            <a:pPr lvl="0"/>
+            <a:r>
+              <a:rPr lang="en-US" smtClean="0"/>
+              <a:t>Click to edit Master text styles</a:t>
+            </a:r>
+          </a:p>
+        </p:txBody>
+      </p:sp>
+      <p:sp>
+        <p:nvSpPr>
+          <p:cNvPr id="6" name="Content Placeholder 5"/>
+          <p:cNvSpPr>
+            <a:spLocks noGrp="1"/>
+          </p:cNvSpPr>
+          <p:nvPr>
+            <p:ph sz="quarter" idx="4"/>
+          </p:nvPr>
+        </p:nvSpPr>
+        <p:spPr>
+          <a:xfrm>
+            <a:off x="6193368" y="2174875"/>
+            <a:ext cx="5389033" cy="3951288"/>
+          </a:xfrm>
+        </p:spPr>
+        <p:txBody>
+          <a:bodyPr/>
+          <a:lstStyle>
+            <a:lvl1pPr>
+              <a:defRPr sz="2400"/>
+            </a:lvl1pPr>
+            <a:lvl2pPr>
+              <a:defRPr sz="2000"/>
+            </a:lvl2pPr>
+            <a:lvl3pPr>
+              <a:defRPr sz="1800"/>
+            </a:lvl3pPr>
+            <a:lvl4pPr>
+              <a:defRPr sz="1600"/>
+            </a:lvl4pPr>
+            <a:lvl5pPr>
+              <a:defRPr sz="1600"/>
+            </a:lvl5pPr>
+            <a:lvl6pPr>
+              <a:defRPr sz="1600"/>
+            </a:lvl6pPr>
+            <a:lvl7pPr>
+              <a:defRPr sz="1600"/>
+            </a:lvl7pPr>
+            <a:lvl8pPr>
+              <a:defRPr sz="1600"/>
+            </a:lvl8pPr>
+            <a:lvl9pPr>
+              <a:defRPr sz="1600"/>
+            </a:lvl9pPr>
+          </a:lstStyle>
+          <a:p>
+            <a:pPr lvl="0"/>
+            <a:r>
+              <a:rPr lang="en-US" smtClean="0"/>
+              <a:t>Click to edit Master text styles</a:t>
+            </a:r>
+          </a:p>
+          <a:p>
+            <a:pPr lvl="1"/>
+            <a:r>
+              <a:rPr lang="en-US" smtClean="0"/>
+              <a:t>Second level</a:t>
+            </a:r>
+          </a:p>
+          <a:p>
+            <a:pPr lvl="2"/>
+            <a:r>
+              <a:rPr lang="en-US" smtClean="0"/>
+              <a:t>Third level</a:t>
+            </a:r>
+          </a:p>
+          <a:p>
+            <a:pPr lvl="3"/>
+            <a:r>
+              <a:rPr lang="en-US" smtClean="0"/>
+              <a:t>Fourth level</a:t>
+            </a:r>
+          </a:p>
+          <a:p>
+            <a:pPr lvl="4"/>
+            <a:r>
+              <a:rPr lang="en-US" smtClean="0"/>
+              <a:t>Fifth level</a:t>
+            </a:r>
+            <a:endParaRPr lang="en-US"/>
+          </a:p>
+        </p:txBody>
+      </p:sp>
+      <p:sp>
+        <p:nvSpPr>
+          <p:cNvPr id="7" name="Date Placeholder 6"/>
+          <p:cNvSpPr>
+            <a:spLocks noGrp="1"/>
+          </p:cNvSpPr>
+          <p:nvPr>
+            <p:ph type="dt" sz="half" idx="10"/>
+          </p:nvPr>
+        </p:nvSpPr>
+        <p:spPr/>
+        <p:txBody>
+          <a:bodyPr/>
+          <a:lstStyle/>
+          <a:p>
+            <a:fld id="{A1B8768A-E0A2-4497-8C41-6CB92A7679F9}" type="datetimeFigureOut">
+              <a:rPr lang="en-US" smtClean="0">
+                <a:solidFill>
+                  <a:prstClr val="black">
+                    <a:tint val="75000"/>
+                  </a:prstClr>
+                </a:solidFill>
+              </a:rPr>
+              <a:pPr/>
+              <a:t>7/12/2017</a:t>
+            </a:fld>
+            <a:endParaRPr lang="en-US">
+              <a:solidFill>
+                <a:prstClr val="black">
+                  <a:tint val="75000"/>
+                </a:prstClr>
+              </a:solidFill>
+            </a:endParaRPr>
+          </a:p>
+        </p:txBody>
+      </p:sp>
+      <p:sp>
+        <p:nvSpPr>
+          <p:cNvPr id="8" name="Footer Placeholder 7"/>
+          <p:cNvSpPr>
+            <a:spLocks noGrp="1"/>
+          </p:cNvSpPr>
+          <p:nvPr>
+            <p:ph type="ftr" sz="quarter" idx="11"/>
+          </p:nvPr>
+        </p:nvSpPr>
+        <p:spPr/>
+        <p:txBody>
+          <a:bodyPr/>
+          <a:lstStyle/>
+          <a:p>
+            <a:endParaRPr lang="en-US">
+              <a:solidFill>
+                <a:prstClr val="black">
+                  <a:tint val="75000"/>
+                </a:prstClr>
+              </a:solidFill>
+            </a:endParaRPr>
+          </a:p>
+        </p:txBody>
+      </p:sp>
+      <p:sp>
+        <p:nvSpPr>
+          <p:cNvPr id="9" name="Slide Number Placeholder 8"/>
+          <p:cNvSpPr>
+            <a:spLocks noGrp="1"/>
+          </p:cNvSpPr>
+          <p:nvPr>
+            <p:ph type="sldNum" sz="quarter" idx="12"/>
+          </p:nvPr>
+        </p:nvSpPr>
+        <p:spPr/>
+        <p:txBody>
+          <a:bodyPr/>
+          <a:lstStyle/>
+          <a:p>
+            <a:fld id="{DB43158A-C944-48F4-8B68-54973077A0F1}" type="slidenum">
+              <a:rPr lang="en-US" smtClean="0">
+                <a:solidFill>
+                  <a:prstClr val="black">
+                    <a:tint val="75000"/>
+                  </a:prstClr>
+                </a:solidFill>
+              </a:rPr>
+              <a:pPr/>
+              <a:t>‹#›</a:t>
+            </a:fld>
+            <a:endParaRPr lang="en-US">
+              <a:solidFill>
+                <a:prstClr val="black">
+                  <a:tint val="75000"/>
+                </a:prstClr>
+              </a:solidFill>
+            </a:endParaRPr>
+          </a:p>
+        </p:txBody>
+      </p:sp>
+    </p:spTree>
+    <p:extLst>
+      <p:ext uri="{BB962C8B-B14F-4D97-AF65-F5344CB8AC3E}">
+        <p14:creationId xmlns:p14="http://schemas.microsoft.com/office/powerpoint/2010/main" val="1138841432"/>
+      </p:ext>
+    </p:extLst>
+  </p:cSld>
+  <p:clrMapOvr>
+    <a:masterClrMapping/>
+  </p:clrMapOvr>
+</p:sldLayout>
+</file>
+
+<file path=ppt/slideLayouts/slideLayout17.xml><?xml version="1.0" encoding="utf-8"?>
+<p:sldLayout xmlns:a="http://schemas.openxmlformats.org/drawingml/2006/main" xmlns:r="http://schemas.openxmlformats.org/officeDocument/2006/relationships" xmlns:p="http://schemas.openxmlformats.org/presentationml/2006/main" type="titleOnly" preserve="1">
+  <p:cSld name="Title Only">
+    <p:spTree>
+      <p:nvGrpSpPr>
+        <p:cNvPr id="1" name=""/>
+        <p:cNvGrpSpPr/>
+        <p:nvPr/>
+      </p:nvGrpSpPr>
+      <p:grpSpPr>
+        <a:xfrm>
+          <a:off x="0" y="0"/>
+          <a:ext cx="0" cy="0"/>
+          <a:chOff x="0" y="0"/>
+          <a:chExt cx="0" cy="0"/>
+        </a:xfrm>
+      </p:grpSpPr>
+      <p:sp>
+        <p:nvSpPr>
+          <p:cNvPr id="2" name="Title 1"/>
+          <p:cNvSpPr>
+            <a:spLocks noGrp="1"/>
+          </p:cNvSpPr>
+          <p:nvPr>
+            <p:ph type="title"/>
+          </p:nvPr>
+        </p:nvSpPr>
+        <p:spPr/>
+        <p:txBody>
+          <a:bodyPr/>
+          <a:lstStyle/>
+          <a:p>
+            <a:r>
+              <a:rPr lang="en-US" smtClean="0"/>
+              <a:t>Click to edit Master title style</a:t>
+            </a:r>
+            <a:endParaRPr lang="en-US"/>
+          </a:p>
+        </p:txBody>
+      </p:sp>
+      <p:sp>
+        <p:nvSpPr>
+          <p:cNvPr id="3" name="Date Placeholder 2"/>
+          <p:cNvSpPr>
+            <a:spLocks noGrp="1"/>
+          </p:cNvSpPr>
+          <p:nvPr>
+            <p:ph type="dt" sz="half" idx="10"/>
+          </p:nvPr>
+        </p:nvSpPr>
+        <p:spPr/>
+        <p:txBody>
+          <a:bodyPr/>
+          <a:lstStyle/>
+          <a:p>
+            <a:fld id="{A1B8768A-E0A2-4497-8C41-6CB92A7679F9}" type="datetimeFigureOut">
+              <a:rPr lang="en-US" smtClean="0">
+                <a:solidFill>
+                  <a:prstClr val="black">
+                    <a:tint val="75000"/>
+                  </a:prstClr>
+                </a:solidFill>
+              </a:rPr>
+              <a:pPr/>
+              <a:t>7/12/2017</a:t>
+            </a:fld>
+            <a:endParaRPr lang="en-US">
+              <a:solidFill>
+                <a:prstClr val="black">
+                  <a:tint val="75000"/>
+                </a:prstClr>
+              </a:solidFill>
+            </a:endParaRPr>
+          </a:p>
+        </p:txBody>
+      </p:sp>
+      <p:sp>
+        <p:nvSpPr>
+          <p:cNvPr id="4" name="Footer Placeholder 3"/>
+          <p:cNvSpPr>
+            <a:spLocks noGrp="1"/>
+          </p:cNvSpPr>
+          <p:nvPr>
+            <p:ph type="ftr" sz="quarter" idx="11"/>
+          </p:nvPr>
+        </p:nvSpPr>
+        <p:spPr/>
+        <p:txBody>
+          <a:bodyPr/>
+          <a:lstStyle/>
+          <a:p>
+            <a:endParaRPr lang="en-US">
+              <a:solidFill>
+                <a:prstClr val="black">
+                  <a:tint val="75000"/>
+                </a:prstClr>
+              </a:solidFill>
+            </a:endParaRPr>
+          </a:p>
+        </p:txBody>
+      </p:sp>
+      <p:sp>
+        <p:nvSpPr>
+          <p:cNvPr id="5" name="Slide Number Placeholder 4"/>
+          <p:cNvSpPr>
+            <a:spLocks noGrp="1"/>
+          </p:cNvSpPr>
+          <p:nvPr>
+            <p:ph type="sldNum" sz="quarter" idx="12"/>
+          </p:nvPr>
+        </p:nvSpPr>
+        <p:spPr/>
+        <p:txBody>
+          <a:bodyPr/>
+          <a:lstStyle/>
+          <a:p>
+            <a:fld id="{DB43158A-C944-48F4-8B68-54973077A0F1}" type="slidenum">
+              <a:rPr lang="en-US" smtClean="0">
+                <a:solidFill>
+                  <a:prstClr val="black">
+                    <a:tint val="75000"/>
+                  </a:prstClr>
+                </a:solidFill>
+              </a:rPr>
+              <a:pPr/>
+              <a:t>‹#›</a:t>
+            </a:fld>
+            <a:endParaRPr lang="en-US">
+              <a:solidFill>
+                <a:prstClr val="black">
+                  <a:tint val="75000"/>
+                </a:prstClr>
+              </a:solidFill>
+            </a:endParaRPr>
+          </a:p>
+        </p:txBody>
+      </p:sp>
+    </p:spTree>
+    <p:extLst>
+      <p:ext uri="{BB962C8B-B14F-4D97-AF65-F5344CB8AC3E}">
+        <p14:creationId xmlns:p14="http://schemas.microsoft.com/office/powerpoint/2010/main" val="1270745287"/>
+      </p:ext>
+    </p:extLst>
+  </p:cSld>
+  <p:clrMapOvr>
+    <a:masterClrMapping/>
+  </p:clrMapOvr>
+</p:sldLayout>
+</file>
+
+<file path=ppt/slideLayouts/slideLayout18.xml><?xml version="1.0" encoding="utf-8"?>
+<p:sldLayout xmlns:a="http://schemas.openxmlformats.org/drawingml/2006/main" xmlns:r="http://schemas.openxmlformats.org/officeDocument/2006/relationships" xmlns:p="http://schemas.openxmlformats.org/presentationml/2006/main" type="blank" preserve="1">
+  <p:cSld name="Blank">
+    <p:spTree>
+      <p:nvGrpSpPr>
+        <p:cNvPr id="1" name=""/>
+        <p:cNvGrpSpPr/>
+        <p:nvPr/>
+      </p:nvGrpSpPr>
+      <p:grpSpPr>
+        <a:xfrm>
+          <a:off x="0" y="0"/>
+          <a:ext cx="0" cy="0"/>
+          <a:chOff x="0" y="0"/>
+          <a:chExt cx="0" cy="0"/>
+        </a:xfrm>
+      </p:grpSpPr>
+      <p:sp>
+        <p:nvSpPr>
+          <p:cNvPr id="2" name="Date Placeholder 1"/>
+          <p:cNvSpPr>
+            <a:spLocks noGrp="1"/>
+          </p:cNvSpPr>
+          <p:nvPr>
+            <p:ph type="dt" sz="half" idx="10"/>
+          </p:nvPr>
+        </p:nvSpPr>
+        <p:spPr/>
+        <p:txBody>
+          <a:bodyPr/>
+          <a:lstStyle/>
+          <a:p>
+            <a:fld id="{A1B8768A-E0A2-4497-8C41-6CB92A7679F9}" type="datetimeFigureOut">
+              <a:rPr lang="en-US" smtClean="0">
+                <a:solidFill>
+                  <a:prstClr val="black">
+                    <a:tint val="75000"/>
+                  </a:prstClr>
+                </a:solidFill>
+              </a:rPr>
+              <a:pPr/>
+              <a:t>7/12/2017</a:t>
+            </a:fld>
+            <a:endParaRPr lang="en-US">
+              <a:solidFill>
+                <a:prstClr val="black">
+                  <a:tint val="75000"/>
+                </a:prstClr>
+              </a:solidFill>
+            </a:endParaRPr>
+          </a:p>
+        </p:txBody>
+      </p:sp>
+      <p:sp>
+        <p:nvSpPr>
+          <p:cNvPr id="3" name="Footer Placeholder 2"/>
+          <p:cNvSpPr>
+            <a:spLocks noGrp="1"/>
+          </p:cNvSpPr>
+          <p:nvPr>
+            <p:ph type="ftr" sz="quarter" idx="11"/>
+          </p:nvPr>
+        </p:nvSpPr>
+        <p:spPr/>
+        <p:txBody>
+          <a:bodyPr/>
+          <a:lstStyle/>
+          <a:p>
+            <a:endParaRPr lang="en-US">
+              <a:solidFill>
+                <a:prstClr val="black">
+                  <a:tint val="75000"/>
+                </a:prstClr>
+              </a:solidFill>
+            </a:endParaRPr>
+          </a:p>
+        </p:txBody>
+      </p:sp>
+      <p:sp>
+        <p:nvSpPr>
+          <p:cNvPr id="4" name="Slide Number Placeholder 3"/>
+          <p:cNvSpPr>
+            <a:spLocks noGrp="1"/>
+          </p:cNvSpPr>
+          <p:nvPr>
+            <p:ph type="sldNum" sz="quarter" idx="12"/>
+          </p:nvPr>
+        </p:nvSpPr>
+        <p:spPr/>
+        <p:txBody>
+          <a:bodyPr/>
+          <a:lstStyle/>
+          <a:p>
+            <a:fld id="{DB43158A-C944-48F4-8B68-54973077A0F1}" type="slidenum">
+              <a:rPr lang="en-US" smtClean="0">
+                <a:solidFill>
+                  <a:prstClr val="black">
+                    <a:tint val="75000"/>
+                  </a:prstClr>
+                </a:solidFill>
+              </a:rPr>
+              <a:pPr/>
+              <a:t>‹#›</a:t>
+            </a:fld>
+            <a:endParaRPr lang="en-US">
+              <a:solidFill>
+                <a:prstClr val="black">
+                  <a:tint val="75000"/>
+                </a:prstClr>
+              </a:solidFill>
+            </a:endParaRPr>
+          </a:p>
+        </p:txBody>
+      </p:sp>
+    </p:spTree>
+    <p:extLst>
+      <p:ext uri="{BB962C8B-B14F-4D97-AF65-F5344CB8AC3E}">
+        <p14:creationId xmlns:p14="http://schemas.microsoft.com/office/powerpoint/2010/main" val="1841973792"/>
+      </p:ext>
+    </p:extLst>
+  </p:cSld>
+  <p:clrMapOvr>
+    <a:masterClrMapping/>
+  </p:clrMapOvr>
+</p:sldLayout>
+</file>
+
+<file path=ppt/slideLayouts/slideLayout19.xml><?xml version="1.0" encoding="utf-8"?>
+<p:sldLayout xmlns:a="http://schemas.openxmlformats.org/drawingml/2006/main" xmlns:r="http://schemas.openxmlformats.org/officeDocument/2006/relationships" xmlns:p="http://schemas.openxmlformats.org/presentationml/2006/main" type="objTx" preserve="1">
+  <p:cSld name="Content with Caption">
+    <p:spTree>
+      <p:nvGrpSpPr>
+        <p:cNvPr id="1" name=""/>
+        <p:cNvGrpSpPr/>
+        <p:nvPr/>
+      </p:nvGrpSpPr>
+      <p:grpSpPr>
+        <a:xfrm>
+          <a:off x="0" y="0"/>
+          <a:ext cx="0" cy="0"/>
+          <a:chOff x="0" y="0"/>
+          <a:chExt cx="0" cy="0"/>
+        </a:xfrm>
+      </p:grpSpPr>
+      <p:sp>
+        <p:nvSpPr>
+          <p:cNvPr id="2" name="Title 1"/>
+          <p:cNvSpPr>
+            <a:spLocks noGrp="1"/>
+          </p:cNvSpPr>
+          <p:nvPr>
+            <p:ph type="title"/>
+          </p:nvPr>
+        </p:nvSpPr>
+        <p:spPr>
+          <a:xfrm>
+            <a:off x="609601" y="273050"/>
+            <a:ext cx="4011084" cy="1162050"/>
+          </a:xfrm>
+        </p:spPr>
+        <p:txBody>
+          <a:bodyPr anchor="b"/>
+          <a:lstStyle>
+            <a:lvl1pPr algn="l">
+              <a:defRPr sz="2000" b="1"/>
+            </a:lvl1pPr>
+          </a:lstStyle>
+          <a:p>
+            <a:r>
+              <a:rPr lang="en-US" smtClean="0"/>
+              <a:t>Click to edit Master title style</a:t>
+            </a:r>
+            <a:endParaRPr lang="en-US"/>
+          </a:p>
+        </p:txBody>
+      </p:sp>
+      <p:sp>
+        <p:nvSpPr>
+          <p:cNvPr id="3" name="Content Placeholder 2"/>
+          <p:cNvSpPr>
+            <a:spLocks noGrp="1"/>
+          </p:cNvSpPr>
+          <p:nvPr>
+            <p:ph idx="1"/>
+          </p:nvPr>
+        </p:nvSpPr>
+        <p:spPr>
+          <a:xfrm>
+            <a:off x="4766733" y="273051"/>
+            <a:ext cx="6815667" cy="5853113"/>
+          </a:xfrm>
+        </p:spPr>
+        <p:txBody>
+          <a:bodyPr/>
+          <a:lstStyle>
+            <a:lvl1pPr>
+              <a:defRPr sz="3200"/>
+            </a:lvl1pPr>
+            <a:lvl2pPr>
+              <a:defRPr sz="2800"/>
+            </a:lvl2pPr>
+            <a:lvl3pPr>
+              <a:defRPr sz="2400"/>
+            </a:lvl3pPr>
+            <a:lvl4pPr>
+              <a:defRPr sz="2000"/>
+            </a:lvl4pPr>
+            <a:lvl5pPr>
+              <a:defRPr sz="2000"/>
+            </a:lvl5pPr>
+            <a:lvl6pPr>
+              <a:defRPr sz="2000"/>
+            </a:lvl6pPr>
+            <a:lvl7pPr>
+              <a:defRPr sz="2000"/>
+            </a:lvl7pPr>
+            <a:lvl8pPr>
+              <a:defRPr sz="2000"/>
+            </a:lvl8pPr>
+            <a:lvl9pPr>
+              <a:defRPr sz="2000"/>
+            </a:lvl9pPr>
+          </a:lstStyle>
+          <a:p>
+            <a:pPr lvl="0"/>
+            <a:r>
+              <a:rPr lang="en-US" smtClean="0"/>
+              <a:t>Click to edit Master text styles</a:t>
+            </a:r>
+          </a:p>
+          <a:p>
+            <a:pPr lvl="1"/>
+            <a:r>
+              <a:rPr lang="en-US" smtClean="0"/>
+              <a:t>Second level</a:t>
+            </a:r>
+          </a:p>
+          <a:p>
+            <a:pPr lvl="2"/>
+            <a:r>
+              <a:rPr lang="en-US" smtClean="0"/>
+              <a:t>Third level</a:t>
+            </a:r>
+          </a:p>
+          <a:p>
+            <a:pPr lvl="3"/>
+            <a:r>
+              <a:rPr lang="en-US" smtClean="0"/>
+              <a:t>Fourth level</a:t>
+            </a:r>
+          </a:p>
+          <a:p>
+            <a:pPr lvl="4"/>
+            <a:r>
+              <a:rPr lang="en-US" smtClean="0"/>
+              <a:t>Fifth level</a:t>
+            </a:r>
+            <a:endParaRPr lang="en-US"/>
+          </a:p>
+        </p:txBody>
+      </p:sp>
+      <p:sp>
+        <p:nvSpPr>
+          <p:cNvPr id="4" name="Text Placeholder 3"/>
+          <p:cNvSpPr>
+            <a:spLocks noGrp="1"/>
+          </p:cNvSpPr>
+          <p:nvPr>
+            <p:ph type="body" sz="half" idx="2"/>
+          </p:nvPr>
+        </p:nvSpPr>
+        <p:spPr>
+          <a:xfrm>
+            <a:off x="609601" y="1435101"/>
+            <a:ext cx="4011084" cy="4691063"/>
+          </a:xfrm>
+        </p:spPr>
+        <p:txBody>
+          <a:bodyPr/>
+          <a:lstStyle>
+            <a:lvl1pPr marL="0" indent="0">
+              <a:buNone/>
+              <a:defRPr sz="1400"/>
+            </a:lvl1pPr>
+            <a:lvl2pPr marL="457200" indent="0">
+              <a:buNone/>
+              <a:defRPr sz="1200"/>
+            </a:lvl2pPr>
+            <a:lvl3pPr marL="914400" indent="0">
+              <a:buNone/>
+              <a:defRPr sz="1000"/>
+            </a:lvl3pPr>
+            <a:lvl4pPr marL="1371600" indent="0">
+              <a:buNone/>
+              <a:defRPr sz="900"/>
+            </a:lvl4pPr>
+            <a:lvl5pPr marL="1828800" indent="0">
+              <a:buNone/>
+              <a:defRPr sz="900"/>
+            </a:lvl5pPr>
+            <a:lvl6pPr marL="2286000" indent="0">
+              <a:buNone/>
+              <a:defRPr sz="900"/>
+            </a:lvl6pPr>
+            <a:lvl7pPr marL="2743200" indent="0">
+              <a:buNone/>
+              <a:defRPr sz="900"/>
+            </a:lvl7pPr>
+            <a:lvl8pPr marL="3200400" indent="0">
+              <a:buNone/>
+              <a:defRPr sz="900"/>
+            </a:lvl8pPr>
+            <a:lvl9pPr marL="3657600" indent="0">
+              <a:buNone/>
+              <a:defRPr sz="900"/>
+            </a:lvl9pPr>
+          </a:lstStyle>
+          <a:p>
+            <a:pPr lvl="0"/>
+            <a:r>
+              <a:rPr lang="en-US" smtClean="0"/>
+              <a:t>Click to edit Master text styles</a:t>
+            </a:r>
+          </a:p>
+        </p:txBody>
+      </p:sp>
+      <p:sp>
+        <p:nvSpPr>
+          <p:cNvPr id="5" name="Date Placeholder 4"/>
+          <p:cNvSpPr>
+            <a:spLocks noGrp="1"/>
+          </p:cNvSpPr>
+          <p:nvPr>
+            <p:ph type="dt" sz="half" idx="10"/>
+          </p:nvPr>
+        </p:nvSpPr>
+        <p:spPr/>
+        <p:txBody>
+          <a:bodyPr/>
+          <a:lstStyle/>
+          <a:p>
+            <a:fld id="{A1B8768A-E0A2-4497-8C41-6CB92A7679F9}" type="datetimeFigureOut">
+              <a:rPr lang="en-US" smtClean="0">
+                <a:solidFill>
+                  <a:prstClr val="black">
+                    <a:tint val="75000"/>
+                  </a:prstClr>
+                </a:solidFill>
+              </a:rPr>
+              <a:pPr/>
+              <a:t>7/12/2017</a:t>
+            </a:fld>
+            <a:endParaRPr lang="en-US">
+              <a:solidFill>
+                <a:prstClr val="black">
+                  <a:tint val="75000"/>
+                </a:prstClr>
+              </a:solidFill>
+            </a:endParaRPr>
+          </a:p>
+        </p:txBody>
+      </p:sp>
+      <p:sp>
+        <p:nvSpPr>
+          <p:cNvPr id="6" name="Footer Placeholder 5"/>
+          <p:cNvSpPr>
+            <a:spLocks noGrp="1"/>
+          </p:cNvSpPr>
+          <p:nvPr>
+            <p:ph type="ftr" sz="quarter" idx="11"/>
+          </p:nvPr>
+        </p:nvSpPr>
+        <p:spPr/>
+        <p:txBody>
+          <a:bodyPr/>
+          <a:lstStyle/>
+          <a:p>
+            <a:endParaRPr lang="en-US">
+              <a:solidFill>
+                <a:prstClr val="black">
+                  <a:tint val="75000"/>
+                </a:prstClr>
+              </a:solidFill>
+            </a:endParaRPr>
+          </a:p>
+        </p:txBody>
+      </p:sp>
+      <p:sp>
+        <p:nvSpPr>
+          <p:cNvPr id="7" name="Slide Number Placeholder 6"/>
+          <p:cNvSpPr>
+            <a:spLocks noGrp="1"/>
+          </p:cNvSpPr>
+          <p:nvPr>
+            <p:ph type="sldNum" sz="quarter" idx="12"/>
+          </p:nvPr>
+        </p:nvSpPr>
+        <p:spPr/>
+        <p:txBody>
+          <a:bodyPr/>
+          <a:lstStyle/>
+          <a:p>
+            <a:fld id="{DB43158A-C944-48F4-8B68-54973077A0F1}" type="slidenum">
+              <a:rPr lang="en-US" smtClean="0">
+                <a:solidFill>
+                  <a:prstClr val="black">
+                    <a:tint val="75000"/>
+                  </a:prstClr>
+                </a:solidFill>
+              </a:rPr>
+              <a:pPr/>
+              <a:t>‹#›</a:t>
+            </a:fld>
+            <a:endParaRPr lang="en-US">
+              <a:solidFill>
+                <a:prstClr val="black">
+                  <a:tint val="75000"/>
+                </a:prstClr>
+              </a:solidFill>
+            </a:endParaRPr>
+          </a:p>
+        </p:txBody>
+      </p:sp>
+    </p:spTree>
+    <p:extLst>
+      <p:ext uri="{BB962C8B-B14F-4D97-AF65-F5344CB8AC3E}">
+        <p14:creationId xmlns:p14="http://schemas.microsoft.com/office/powerpoint/2010/main" val="4175225842"/>
       </p:ext>
     </p:extLst>
   </p:cSld>
@@ -3582,7 +5697,7 @@
           <a:p>
             <a:fld id="{120637B1-EAAC-43C2-83FD-28F64C252A1C}" type="datetimeFigureOut">
               <a:rPr lang="en-US" smtClean="0"/>
-              <a:t>2/9/2016</a:t>
+              <a:t>7/12/2017</a:t>
             </a:fld>
             <a:endParaRPr lang="en-US"/>
           </a:p>
@@ -3634,6 +5749,705 @@
     <p:extLst>
       <p:ext uri="{BB962C8B-B14F-4D97-AF65-F5344CB8AC3E}">
         <p14:creationId xmlns:p14="http://schemas.microsoft.com/office/powerpoint/2010/main" val="2653577162"/>
+      </p:ext>
+    </p:extLst>
+  </p:cSld>
+  <p:clrMapOvr>
+    <a:masterClrMapping/>
+  </p:clrMapOvr>
+</p:sldLayout>
+</file>
+
+<file path=ppt/slideLayouts/slideLayout20.xml><?xml version="1.0" encoding="utf-8"?>
+<p:sldLayout xmlns:a="http://schemas.openxmlformats.org/drawingml/2006/main" xmlns:r="http://schemas.openxmlformats.org/officeDocument/2006/relationships" xmlns:p="http://schemas.openxmlformats.org/presentationml/2006/main" type="picTx" preserve="1">
+  <p:cSld name="Picture with Caption">
+    <p:spTree>
+      <p:nvGrpSpPr>
+        <p:cNvPr id="1" name=""/>
+        <p:cNvGrpSpPr/>
+        <p:nvPr/>
+      </p:nvGrpSpPr>
+      <p:grpSpPr>
+        <a:xfrm>
+          <a:off x="0" y="0"/>
+          <a:ext cx="0" cy="0"/>
+          <a:chOff x="0" y="0"/>
+          <a:chExt cx="0" cy="0"/>
+        </a:xfrm>
+      </p:grpSpPr>
+      <p:sp>
+        <p:nvSpPr>
+          <p:cNvPr id="2" name="Title 1"/>
+          <p:cNvSpPr>
+            <a:spLocks noGrp="1"/>
+          </p:cNvSpPr>
+          <p:nvPr>
+            <p:ph type="title"/>
+          </p:nvPr>
+        </p:nvSpPr>
+        <p:spPr>
+          <a:xfrm>
+            <a:off x="2389717" y="4800600"/>
+            <a:ext cx="7315200" cy="566738"/>
+          </a:xfrm>
+        </p:spPr>
+        <p:txBody>
+          <a:bodyPr anchor="b"/>
+          <a:lstStyle>
+            <a:lvl1pPr algn="l">
+              <a:defRPr sz="2000" b="1"/>
+            </a:lvl1pPr>
+          </a:lstStyle>
+          <a:p>
+            <a:r>
+              <a:rPr lang="en-US" smtClean="0"/>
+              <a:t>Click to edit Master title style</a:t>
+            </a:r>
+            <a:endParaRPr lang="en-US"/>
+          </a:p>
+        </p:txBody>
+      </p:sp>
+      <p:sp>
+        <p:nvSpPr>
+          <p:cNvPr id="3" name="Picture Placeholder 2"/>
+          <p:cNvSpPr>
+            <a:spLocks noGrp="1"/>
+          </p:cNvSpPr>
+          <p:nvPr>
+            <p:ph type="pic" idx="1"/>
+          </p:nvPr>
+        </p:nvSpPr>
+        <p:spPr>
+          <a:xfrm>
+            <a:off x="2389717" y="612775"/>
+            <a:ext cx="7315200" cy="4114800"/>
+          </a:xfrm>
+        </p:spPr>
+        <p:txBody>
+          <a:bodyPr/>
+          <a:lstStyle>
+            <a:lvl1pPr marL="0" indent="0">
+              <a:buNone/>
+              <a:defRPr sz="3200"/>
+            </a:lvl1pPr>
+            <a:lvl2pPr marL="457200" indent="0">
+              <a:buNone/>
+              <a:defRPr sz="2800"/>
+            </a:lvl2pPr>
+            <a:lvl3pPr marL="914400" indent="0">
+              <a:buNone/>
+              <a:defRPr sz="2400"/>
+            </a:lvl3pPr>
+            <a:lvl4pPr marL="1371600" indent="0">
+              <a:buNone/>
+              <a:defRPr sz="2000"/>
+            </a:lvl4pPr>
+            <a:lvl5pPr marL="1828800" indent="0">
+              <a:buNone/>
+              <a:defRPr sz="2000"/>
+            </a:lvl5pPr>
+            <a:lvl6pPr marL="2286000" indent="0">
+              <a:buNone/>
+              <a:defRPr sz="2000"/>
+            </a:lvl6pPr>
+            <a:lvl7pPr marL="2743200" indent="0">
+              <a:buNone/>
+              <a:defRPr sz="2000"/>
+            </a:lvl7pPr>
+            <a:lvl8pPr marL="3200400" indent="0">
+              <a:buNone/>
+              <a:defRPr sz="2000"/>
+            </a:lvl8pPr>
+            <a:lvl9pPr marL="3657600" indent="0">
+              <a:buNone/>
+              <a:defRPr sz="2000"/>
+            </a:lvl9pPr>
+          </a:lstStyle>
+          <a:p>
+            <a:endParaRPr lang="en-US"/>
+          </a:p>
+        </p:txBody>
+      </p:sp>
+      <p:sp>
+        <p:nvSpPr>
+          <p:cNvPr id="4" name="Text Placeholder 3"/>
+          <p:cNvSpPr>
+            <a:spLocks noGrp="1"/>
+          </p:cNvSpPr>
+          <p:nvPr>
+            <p:ph type="body" sz="half" idx="2"/>
+          </p:nvPr>
+        </p:nvSpPr>
+        <p:spPr>
+          <a:xfrm>
+            <a:off x="2389717" y="5367338"/>
+            <a:ext cx="7315200" cy="804862"/>
+          </a:xfrm>
+        </p:spPr>
+        <p:txBody>
+          <a:bodyPr/>
+          <a:lstStyle>
+            <a:lvl1pPr marL="0" indent="0">
+              <a:buNone/>
+              <a:defRPr sz="1400"/>
+            </a:lvl1pPr>
+            <a:lvl2pPr marL="457200" indent="0">
+              <a:buNone/>
+              <a:defRPr sz="1200"/>
+            </a:lvl2pPr>
+            <a:lvl3pPr marL="914400" indent="0">
+              <a:buNone/>
+              <a:defRPr sz="1000"/>
+            </a:lvl3pPr>
+            <a:lvl4pPr marL="1371600" indent="0">
+              <a:buNone/>
+              <a:defRPr sz="900"/>
+            </a:lvl4pPr>
+            <a:lvl5pPr marL="1828800" indent="0">
+              <a:buNone/>
+              <a:defRPr sz="900"/>
+            </a:lvl5pPr>
+            <a:lvl6pPr marL="2286000" indent="0">
+              <a:buNone/>
+              <a:defRPr sz="900"/>
+            </a:lvl6pPr>
+            <a:lvl7pPr marL="2743200" indent="0">
+              <a:buNone/>
+              <a:defRPr sz="900"/>
+            </a:lvl7pPr>
+            <a:lvl8pPr marL="3200400" indent="0">
+              <a:buNone/>
+              <a:defRPr sz="900"/>
+            </a:lvl8pPr>
+            <a:lvl9pPr marL="3657600" indent="0">
+              <a:buNone/>
+              <a:defRPr sz="900"/>
+            </a:lvl9pPr>
+          </a:lstStyle>
+          <a:p>
+            <a:pPr lvl="0"/>
+            <a:r>
+              <a:rPr lang="en-US" smtClean="0"/>
+              <a:t>Click to edit Master text styles</a:t>
+            </a:r>
+          </a:p>
+        </p:txBody>
+      </p:sp>
+      <p:sp>
+        <p:nvSpPr>
+          <p:cNvPr id="5" name="Date Placeholder 4"/>
+          <p:cNvSpPr>
+            <a:spLocks noGrp="1"/>
+          </p:cNvSpPr>
+          <p:nvPr>
+            <p:ph type="dt" sz="half" idx="10"/>
+          </p:nvPr>
+        </p:nvSpPr>
+        <p:spPr/>
+        <p:txBody>
+          <a:bodyPr/>
+          <a:lstStyle/>
+          <a:p>
+            <a:fld id="{A1B8768A-E0A2-4497-8C41-6CB92A7679F9}" type="datetimeFigureOut">
+              <a:rPr lang="en-US" smtClean="0">
+                <a:solidFill>
+                  <a:prstClr val="black">
+                    <a:tint val="75000"/>
+                  </a:prstClr>
+                </a:solidFill>
+              </a:rPr>
+              <a:pPr/>
+              <a:t>7/12/2017</a:t>
+            </a:fld>
+            <a:endParaRPr lang="en-US">
+              <a:solidFill>
+                <a:prstClr val="black">
+                  <a:tint val="75000"/>
+                </a:prstClr>
+              </a:solidFill>
+            </a:endParaRPr>
+          </a:p>
+        </p:txBody>
+      </p:sp>
+      <p:sp>
+        <p:nvSpPr>
+          <p:cNvPr id="6" name="Footer Placeholder 5"/>
+          <p:cNvSpPr>
+            <a:spLocks noGrp="1"/>
+          </p:cNvSpPr>
+          <p:nvPr>
+            <p:ph type="ftr" sz="quarter" idx="11"/>
+          </p:nvPr>
+        </p:nvSpPr>
+        <p:spPr/>
+        <p:txBody>
+          <a:bodyPr/>
+          <a:lstStyle/>
+          <a:p>
+            <a:endParaRPr lang="en-US">
+              <a:solidFill>
+                <a:prstClr val="black">
+                  <a:tint val="75000"/>
+                </a:prstClr>
+              </a:solidFill>
+            </a:endParaRPr>
+          </a:p>
+        </p:txBody>
+      </p:sp>
+      <p:sp>
+        <p:nvSpPr>
+          <p:cNvPr id="7" name="Slide Number Placeholder 6"/>
+          <p:cNvSpPr>
+            <a:spLocks noGrp="1"/>
+          </p:cNvSpPr>
+          <p:nvPr>
+            <p:ph type="sldNum" sz="quarter" idx="12"/>
+          </p:nvPr>
+        </p:nvSpPr>
+        <p:spPr/>
+        <p:txBody>
+          <a:bodyPr/>
+          <a:lstStyle/>
+          <a:p>
+            <a:fld id="{DB43158A-C944-48F4-8B68-54973077A0F1}" type="slidenum">
+              <a:rPr lang="en-US" smtClean="0">
+                <a:solidFill>
+                  <a:prstClr val="black">
+                    <a:tint val="75000"/>
+                  </a:prstClr>
+                </a:solidFill>
+              </a:rPr>
+              <a:pPr/>
+              <a:t>‹#›</a:t>
+            </a:fld>
+            <a:endParaRPr lang="en-US">
+              <a:solidFill>
+                <a:prstClr val="black">
+                  <a:tint val="75000"/>
+                </a:prstClr>
+              </a:solidFill>
+            </a:endParaRPr>
+          </a:p>
+        </p:txBody>
+      </p:sp>
+    </p:spTree>
+    <p:extLst>
+      <p:ext uri="{BB962C8B-B14F-4D97-AF65-F5344CB8AC3E}">
+        <p14:creationId xmlns:p14="http://schemas.microsoft.com/office/powerpoint/2010/main" val="3726078141"/>
+      </p:ext>
+    </p:extLst>
+  </p:cSld>
+  <p:clrMapOvr>
+    <a:masterClrMapping/>
+  </p:clrMapOvr>
+</p:sldLayout>
+</file>
+
+<file path=ppt/slideLayouts/slideLayout21.xml><?xml version="1.0" encoding="utf-8"?>
+<p:sldLayout xmlns:a="http://schemas.openxmlformats.org/drawingml/2006/main" xmlns:r="http://schemas.openxmlformats.org/officeDocument/2006/relationships" xmlns:p="http://schemas.openxmlformats.org/presentationml/2006/main" type="vertTx" preserve="1">
+  <p:cSld name="Title and Vertical Text">
+    <p:spTree>
+      <p:nvGrpSpPr>
+        <p:cNvPr id="1" name=""/>
+        <p:cNvGrpSpPr/>
+        <p:nvPr/>
+      </p:nvGrpSpPr>
+      <p:grpSpPr>
+        <a:xfrm>
+          <a:off x="0" y="0"/>
+          <a:ext cx="0" cy="0"/>
+          <a:chOff x="0" y="0"/>
+          <a:chExt cx="0" cy="0"/>
+        </a:xfrm>
+      </p:grpSpPr>
+      <p:sp>
+        <p:nvSpPr>
+          <p:cNvPr id="2" name="Title 1"/>
+          <p:cNvSpPr>
+            <a:spLocks noGrp="1"/>
+          </p:cNvSpPr>
+          <p:nvPr>
+            <p:ph type="title"/>
+          </p:nvPr>
+        </p:nvSpPr>
+        <p:spPr/>
+        <p:txBody>
+          <a:bodyPr/>
+          <a:lstStyle/>
+          <a:p>
+            <a:r>
+              <a:rPr lang="en-US" smtClean="0"/>
+              <a:t>Click to edit Master title style</a:t>
+            </a:r>
+            <a:endParaRPr lang="en-US"/>
+          </a:p>
+        </p:txBody>
+      </p:sp>
+      <p:sp>
+        <p:nvSpPr>
+          <p:cNvPr id="3" name="Vertical Text Placeholder 2"/>
+          <p:cNvSpPr>
+            <a:spLocks noGrp="1"/>
+          </p:cNvSpPr>
+          <p:nvPr>
+            <p:ph type="body" orient="vert" idx="1"/>
+          </p:nvPr>
+        </p:nvSpPr>
+        <p:spPr/>
+        <p:txBody>
+          <a:bodyPr vert="eaVert"/>
+          <a:lstStyle/>
+          <a:p>
+            <a:pPr lvl="0"/>
+            <a:r>
+              <a:rPr lang="en-US" smtClean="0"/>
+              <a:t>Click to edit Master text styles</a:t>
+            </a:r>
+          </a:p>
+          <a:p>
+            <a:pPr lvl="1"/>
+            <a:r>
+              <a:rPr lang="en-US" smtClean="0"/>
+              <a:t>Second level</a:t>
+            </a:r>
+          </a:p>
+          <a:p>
+            <a:pPr lvl="2"/>
+            <a:r>
+              <a:rPr lang="en-US" smtClean="0"/>
+              <a:t>Third level</a:t>
+            </a:r>
+          </a:p>
+          <a:p>
+            <a:pPr lvl="3"/>
+            <a:r>
+              <a:rPr lang="en-US" smtClean="0"/>
+              <a:t>Fourth level</a:t>
+            </a:r>
+          </a:p>
+          <a:p>
+            <a:pPr lvl="4"/>
+            <a:r>
+              <a:rPr lang="en-US" smtClean="0"/>
+              <a:t>Fifth level</a:t>
+            </a:r>
+            <a:endParaRPr lang="en-US"/>
+          </a:p>
+        </p:txBody>
+      </p:sp>
+      <p:sp>
+        <p:nvSpPr>
+          <p:cNvPr id="4" name="Date Placeholder 3"/>
+          <p:cNvSpPr>
+            <a:spLocks noGrp="1"/>
+          </p:cNvSpPr>
+          <p:nvPr>
+            <p:ph type="dt" sz="half" idx="10"/>
+          </p:nvPr>
+        </p:nvSpPr>
+        <p:spPr/>
+        <p:txBody>
+          <a:bodyPr/>
+          <a:lstStyle/>
+          <a:p>
+            <a:fld id="{A1B8768A-E0A2-4497-8C41-6CB92A7679F9}" type="datetimeFigureOut">
+              <a:rPr lang="en-US" smtClean="0">
+                <a:solidFill>
+                  <a:prstClr val="black">
+                    <a:tint val="75000"/>
+                  </a:prstClr>
+                </a:solidFill>
+              </a:rPr>
+              <a:pPr/>
+              <a:t>7/12/2017</a:t>
+            </a:fld>
+            <a:endParaRPr lang="en-US">
+              <a:solidFill>
+                <a:prstClr val="black">
+                  <a:tint val="75000"/>
+                </a:prstClr>
+              </a:solidFill>
+            </a:endParaRPr>
+          </a:p>
+        </p:txBody>
+      </p:sp>
+      <p:sp>
+        <p:nvSpPr>
+          <p:cNvPr id="5" name="Footer Placeholder 4"/>
+          <p:cNvSpPr>
+            <a:spLocks noGrp="1"/>
+          </p:cNvSpPr>
+          <p:nvPr>
+            <p:ph type="ftr" sz="quarter" idx="11"/>
+          </p:nvPr>
+        </p:nvSpPr>
+        <p:spPr/>
+        <p:txBody>
+          <a:bodyPr/>
+          <a:lstStyle/>
+          <a:p>
+            <a:endParaRPr lang="en-US">
+              <a:solidFill>
+                <a:prstClr val="black">
+                  <a:tint val="75000"/>
+                </a:prstClr>
+              </a:solidFill>
+            </a:endParaRPr>
+          </a:p>
+        </p:txBody>
+      </p:sp>
+      <p:sp>
+        <p:nvSpPr>
+          <p:cNvPr id="6" name="Slide Number Placeholder 5"/>
+          <p:cNvSpPr>
+            <a:spLocks noGrp="1"/>
+          </p:cNvSpPr>
+          <p:nvPr>
+            <p:ph type="sldNum" sz="quarter" idx="12"/>
+          </p:nvPr>
+        </p:nvSpPr>
+        <p:spPr/>
+        <p:txBody>
+          <a:bodyPr/>
+          <a:lstStyle/>
+          <a:p>
+            <a:fld id="{DB43158A-C944-48F4-8B68-54973077A0F1}" type="slidenum">
+              <a:rPr lang="en-US" smtClean="0">
+                <a:solidFill>
+                  <a:prstClr val="black">
+                    <a:tint val="75000"/>
+                  </a:prstClr>
+                </a:solidFill>
+              </a:rPr>
+              <a:pPr/>
+              <a:t>‹#›</a:t>
+            </a:fld>
+            <a:endParaRPr lang="en-US">
+              <a:solidFill>
+                <a:prstClr val="black">
+                  <a:tint val="75000"/>
+                </a:prstClr>
+              </a:solidFill>
+            </a:endParaRPr>
+          </a:p>
+        </p:txBody>
+      </p:sp>
+    </p:spTree>
+    <p:extLst>
+      <p:ext uri="{BB962C8B-B14F-4D97-AF65-F5344CB8AC3E}">
+        <p14:creationId xmlns:p14="http://schemas.microsoft.com/office/powerpoint/2010/main" val="2049082756"/>
+      </p:ext>
+    </p:extLst>
+  </p:cSld>
+  <p:clrMapOvr>
+    <a:masterClrMapping/>
+  </p:clrMapOvr>
+</p:sldLayout>
+</file>
+
+<file path=ppt/slideLayouts/slideLayout22.xml><?xml version="1.0" encoding="utf-8"?>
+<p:sldLayout xmlns:a="http://schemas.openxmlformats.org/drawingml/2006/main" xmlns:r="http://schemas.openxmlformats.org/officeDocument/2006/relationships" xmlns:p="http://schemas.openxmlformats.org/presentationml/2006/main" type="vertTitleAndTx" preserve="1">
+  <p:cSld name="Vertical Title and Text">
+    <p:spTree>
+      <p:nvGrpSpPr>
+        <p:cNvPr id="1" name=""/>
+        <p:cNvGrpSpPr/>
+        <p:nvPr/>
+      </p:nvGrpSpPr>
+      <p:grpSpPr>
+        <a:xfrm>
+          <a:off x="0" y="0"/>
+          <a:ext cx="0" cy="0"/>
+          <a:chOff x="0" y="0"/>
+          <a:chExt cx="0" cy="0"/>
+        </a:xfrm>
+      </p:grpSpPr>
+      <p:sp>
+        <p:nvSpPr>
+          <p:cNvPr id="2" name="Vertical Title 1"/>
+          <p:cNvSpPr>
+            <a:spLocks noGrp="1"/>
+          </p:cNvSpPr>
+          <p:nvPr>
+            <p:ph type="title" orient="vert"/>
+          </p:nvPr>
+        </p:nvSpPr>
+        <p:spPr>
+          <a:xfrm>
+            <a:off x="8839200" y="274639"/>
+            <a:ext cx="2743200" cy="5851525"/>
+          </a:xfrm>
+        </p:spPr>
+        <p:txBody>
+          <a:bodyPr vert="eaVert"/>
+          <a:lstStyle/>
+          <a:p>
+            <a:r>
+              <a:rPr lang="en-US" smtClean="0"/>
+              <a:t>Click to edit Master title style</a:t>
+            </a:r>
+            <a:endParaRPr lang="en-US"/>
+          </a:p>
+        </p:txBody>
+      </p:sp>
+      <p:sp>
+        <p:nvSpPr>
+          <p:cNvPr id="3" name="Vertical Text Placeholder 2"/>
+          <p:cNvSpPr>
+            <a:spLocks noGrp="1"/>
+          </p:cNvSpPr>
+          <p:nvPr>
+            <p:ph type="body" orient="vert" idx="1"/>
+          </p:nvPr>
+        </p:nvSpPr>
+        <p:spPr>
+          <a:xfrm>
+            <a:off x="609600" y="274639"/>
+            <a:ext cx="8026400" cy="5851525"/>
+          </a:xfrm>
+        </p:spPr>
+        <p:txBody>
+          <a:bodyPr vert="eaVert"/>
+          <a:lstStyle/>
+          <a:p>
+            <a:pPr lvl="0"/>
+            <a:r>
+              <a:rPr lang="en-US" smtClean="0"/>
+              <a:t>Click to edit Master text styles</a:t>
+            </a:r>
+          </a:p>
+          <a:p>
+            <a:pPr lvl="1"/>
+            <a:r>
+              <a:rPr lang="en-US" smtClean="0"/>
+              <a:t>Second level</a:t>
+            </a:r>
+          </a:p>
+          <a:p>
+            <a:pPr lvl="2"/>
+            <a:r>
+              <a:rPr lang="en-US" smtClean="0"/>
+              <a:t>Third level</a:t>
+            </a:r>
+          </a:p>
+          <a:p>
+            <a:pPr lvl="3"/>
+            <a:r>
+              <a:rPr lang="en-US" smtClean="0"/>
+              <a:t>Fourth level</a:t>
+            </a:r>
+          </a:p>
+          <a:p>
+            <a:pPr lvl="4"/>
+            <a:r>
+              <a:rPr lang="en-US" smtClean="0"/>
+              <a:t>Fifth level</a:t>
+            </a:r>
+            <a:endParaRPr lang="en-US"/>
+          </a:p>
+        </p:txBody>
+      </p:sp>
+      <p:sp>
+        <p:nvSpPr>
+          <p:cNvPr id="4" name="Date Placeholder 3"/>
+          <p:cNvSpPr>
+            <a:spLocks noGrp="1"/>
+          </p:cNvSpPr>
+          <p:nvPr>
+            <p:ph type="dt" sz="half" idx="10"/>
+          </p:nvPr>
+        </p:nvSpPr>
+        <p:spPr/>
+        <p:txBody>
+          <a:bodyPr/>
+          <a:lstStyle/>
+          <a:p>
+            <a:fld id="{A1B8768A-E0A2-4497-8C41-6CB92A7679F9}" type="datetimeFigureOut">
+              <a:rPr lang="en-US" smtClean="0">
+                <a:solidFill>
+                  <a:prstClr val="black">
+                    <a:tint val="75000"/>
+                  </a:prstClr>
+                </a:solidFill>
+              </a:rPr>
+              <a:pPr/>
+              <a:t>7/12/2017</a:t>
+            </a:fld>
+            <a:endParaRPr lang="en-US">
+              <a:solidFill>
+                <a:prstClr val="black">
+                  <a:tint val="75000"/>
+                </a:prstClr>
+              </a:solidFill>
+            </a:endParaRPr>
+          </a:p>
+        </p:txBody>
+      </p:sp>
+      <p:sp>
+        <p:nvSpPr>
+          <p:cNvPr id="5" name="Footer Placeholder 4"/>
+          <p:cNvSpPr>
+            <a:spLocks noGrp="1"/>
+          </p:cNvSpPr>
+          <p:nvPr>
+            <p:ph type="ftr" sz="quarter" idx="11"/>
+          </p:nvPr>
+        </p:nvSpPr>
+        <p:spPr/>
+        <p:txBody>
+          <a:bodyPr/>
+          <a:lstStyle/>
+          <a:p>
+            <a:endParaRPr lang="en-US">
+              <a:solidFill>
+                <a:prstClr val="black">
+                  <a:tint val="75000"/>
+                </a:prstClr>
+              </a:solidFill>
+            </a:endParaRPr>
+          </a:p>
+        </p:txBody>
+      </p:sp>
+      <p:sp>
+        <p:nvSpPr>
+          <p:cNvPr id="6" name="Slide Number Placeholder 5"/>
+          <p:cNvSpPr>
+            <a:spLocks noGrp="1"/>
+          </p:cNvSpPr>
+          <p:nvPr>
+            <p:ph type="sldNum" sz="quarter" idx="12"/>
+          </p:nvPr>
+        </p:nvSpPr>
+        <p:spPr/>
+        <p:txBody>
+          <a:bodyPr/>
+          <a:lstStyle/>
+          <a:p>
+            <a:fld id="{DB43158A-C944-48F4-8B68-54973077A0F1}" type="slidenum">
+              <a:rPr lang="en-US" smtClean="0">
+                <a:solidFill>
+                  <a:prstClr val="black">
+                    <a:tint val="75000"/>
+                  </a:prstClr>
+                </a:solidFill>
+              </a:rPr>
+              <a:pPr/>
+              <a:t>‹#›</a:t>
+            </a:fld>
+            <a:endParaRPr lang="en-US">
+              <a:solidFill>
+                <a:prstClr val="black">
+                  <a:tint val="75000"/>
+                </a:prstClr>
+              </a:solidFill>
+            </a:endParaRPr>
+          </a:p>
+        </p:txBody>
+      </p:sp>
+    </p:spTree>
+    <p:extLst>
+      <p:ext uri="{BB962C8B-B14F-4D97-AF65-F5344CB8AC3E}">
+        <p14:creationId xmlns:p14="http://schemas.microsoft.com/office/powerpoint/2010/main" val="30344393"/>
       </p:ext>
     </p:extLst>
   </p:cSld>
@@ -3828,7 +6642,7 @@
           <a:p>
             <a:fld id="{120637B1-EAAC-43C2-83FD-28F64C252A1C}" type="datetimeFigureOut">
               <a:rPr lang="en-US" smtClean="0"/>
-              <a:t>2/9/2016</a:t>
+              <a:t>7/12/2017</a:t>
             </a:fld>
             <a:endParaRPr lang="en-US"/>
           </a:p>
@@ -4060,7 +6874,7 @@
           <a:p>
             <a:fld id="{120637B1-EAAC-43C2-83FD-28F64C252A1C}" type="datetimeFigureOut">
               <a:rPr lang="en-US" smtClean="0"/>
-              <a:t>2/9/2016</a:t>
+              <a:t>7/12/2017</a:t>
             </a:fld>
             <a:endParaRPr lang="en-US"/>
           </a:p>
@@ -4427,7 +7241,7 @@
           <a:p>
             <a:fld id="{120637B1-EAAC-43C2-83FD-28F64C252A1C}" type="datetimeFigureOut">
               <a:rPr lang="en-US" smtClean="0"/>
-              <a:t>2/9/2016</a:t>
+              <a:t>7/12/2017</a:t>
             </a:fld>
             <a:endParaRPr lang="en-US"/>
           </a:p>
@@ -4545,7 +7359,7 @@
           <a:p>
             <a:fld id="{120637B1-EAAC-43C2-83FD-28F64C252A1C}" type="datetimeFigureOut">
               <a:rPr lang="en-US" smtClean="0"/>
-              <a:t>2/9/2016</a:t>
+              <a:t>7/12/2017</a:t>
             </a:fld>
             <a:endParaRPr lang="en-US"/>
           </a:p>
@@ -4640,7 +7454,7 @@
           <a:p>
             <a:fld id="{120637B1-EAAC-43C2-83FD-28F64C252A1C}" type="datetimeFigureOut">
               <a:rPr lang="en-US" smtClean="0"/>
-              <a:t>2/9/2016</a:t>
+              <a:t>7/12/2017</a:t>
             </a:fld>
             <a:endParaRPr lang="en-US"/>
           </a:p>
@@ -4917,7 +7731,7 @@
           <a:p>
             <a:fld id="{120637B1-EAAC-43C2-83FD-28F64C252A1C}" type="datetimeFigureOut">
               <a:rPr lang="en-US" smtClean="0"/>
-              <a:t>2/9/2016</a:t>
+              <a:t>7/12/2017</a:t>
             </a:fld>
             <a:endParaRPr lang="en-US"/>
           </a:p>
@@ -5170,7 +7984,7 @@
           <a:p>
             <a:fld id="{120637B1-EAAC-43C2-83FD-28F64C252A1C}" type="datetimeFigureOut">
               <a:rPr lang="en-US" smtClean="0"/>
-              <a:t>2/9/2016</a:t>
+              <a:t>7/12/2017</a:t>
             </a:fld>
             <a:endParaRPr lang="en-US"/>
           </a:p>
@@ -5383,7 +8197,7 @@
           <a:p>
             <a:fld id="{120637B1-EAAC-43C2-83FD-28F64C252A1C}" type="datetimeFigureOut">
               <a:rPr lang="en-US" smtClean="0"/>
-              <a:t>2/9/2016</a:t>
+              <a:t>7/12/2017</a:t>
             </a:fld>
             <a:endParaRPr lang="en-US"/>
           </a:p>
@@ -5771,6 +8585,548 @@
 </p:sldMaster>
 </file>
 
+<file path=ppt/slideMasters/slideMaster2.xml><?xml version="1.0" encoding="utf-8"?>
+<p:sldMaster xmlns:a="http://schemas.openxmlformats.org/drawingml/2006/main" xmlns:r="http://schemas.openxmlformats.org/officeDocument/2006/relationships" xmlns:p="http://schemas.openxmlformats.org/presentationml/2006/main">
+  <p:cSld>
+    <p:bg>
+      <p:bgRef idx="1001">
+        <a:schemeClr val="bg1"/>
+      </p:bgRef>
+    </p:bg>
+    <p:spTree>
+      <p:nvGrpSpPr>
+        <p:cNvPr id="1" name=""/>
+        <p:cNvGrpSpPr/>
+        <p:nvPr/>
+      </p:nvGrpSpPr>
+      <p:grpSpPr>
+        <a:xfrm>
+          <a:off x="0" y="0"/>
+          <a:ext cx="0" cy="0"/>
+          <a:chOff x="0" y="0"/>
+          <a:chExt cx="0" cy="0"/>
+        </a:xfrm>
+      </p:grpSpPr>
+      <p:sp>
+        <p:nvSpPr>
+          <p:cNvPr id="2" name="Title Placeholder 1"/>
+          <p:cNvSpPr>
+            <a:spLocks noGrp="1"/>
+          </p:cNvSpPr>
+          <p:nvPr>
+            <p:ph type="title"/>
+          </p:nvPr>
+        </p:nvSpPr>
+        <p:spPr>
+          <a:xfrm>
+            <a:off x="609600" y="274638"/>
+            <a:ext cx="10972800" cy="1143000"/>
+          </a:xfrm>
+          <a:prstGeom prst="rect">
+            <a:avLst/>
+          </a:prstGeom>
+        </p:spPr>
+        <p:txBody>
+          <a:bodyPr vert="horz" lIns="91440" tIns="45720" rIns="91440" bIns="45720" rtlCol="0" anchor="ctr">
+            <a:normAutofit/>
+          </a:bodyPr>
+          <a:lstStyle/>
+          <a:p>
+            <a:r>
+              <a:rPr lang="en-US" smtClean="0"/>
+              <a:t>Click to edit Master title style</a:t>
+            </a:r>
+            <a:endParaRPr lang="en-US"/>
+          </a:p>
+        </p:txBody>
+      </p:sp>
+      <p:sp>
+        <p:nvSpPr>
+          <p:cNvPr id="3" name="Text Placeholder 2"/>
+          <p:cNvSpPr>
+            <a:spLocks noGrp="1"/>
+          </p:cNvSpPr>
+          <p:nvPr>
+            <p:ph type="body" idx="1"/>
+          </p:nvPr>
+        </p:nvSpPr>
+        <p:spPr>
+          <a:xfrm>
+            <a:off x="609600" y="1600201"/>
+            <a:ext cx="10972800" cy="4525963"/>
+          </a:xfrm>
+          <a:prstGeom prst="rect">
+            <a:avLst/>
+          </a:prstGeom>
+        </p:spPr>
+        <p:txBody>
+          <a:bodyPr vert="horz" lIns="91440" tIns="45720" rIns="91440" bIns="45720" rtlCol="0">
+            <a:normAutofit/>
+          </a:bodyPr>
+          <a:lstStyle/>
+          <a:p>
+            <a:pPr lvl="0"/>
+            <a:r>
+              <a:rPr lang="en-US" smtClean="0"/>
+              <a:t>Click to edit Master text styles</a:t>
+            </a:r>
+          </a:p>
+          <a:p>
+            <a:pPr lvl="1"/>
+            <a:r>
+              <a:rPr lang="en-US" smtClean="0"/>
+              <a:t>Second level</a:t>
+            </a:r>
+          </a:p>
+          <a:p>
+            <a:pPr lvl="2"/>
+            <a:r>
+              <a:rPr lang="en-US" smtClean="0"/>
+              <a:t>Third level</a:t>
+            </a:r>
+          </a:p>
+          <a:p>
+            <a:pPr lvl="3"/>
+            <a:r>
+              <a:rPr lang="en-US" smtClean="0"/>
+              <a:t>Fourth level</a:t>
+            </a:r>
+          </a:p>
+          <a:p>
+            <a:pPr lvl="4"/>
+            <a:r>
+              <a:rPr lang="en-US" smtClean="0"/>
+              <a:t>Fifth level</a:t>
+            </a:r>
+            <a:endParaRPr lang="en-US"/>
+          </a:p>
+        </p:txBody>
+      </p:sp>
+      <p:sp>
+        <p:nvSpPr>
+          <p:cNvPr id="4" name="Date Placeholder 3"/>
+          <p:cNvSpPr>
+            <a:spLocks noGrp="1"/>
+          </p:cNvSpPr>
+          <p:nvPr>
+            <p:ph type="dt" sz="half" idx="2"/>
+          </p:nvPr>
+        </p:nvSpPr>
+        <p:spPr>
+          <a:xfrm>
+            <a:off x="609600" y="6356351"/>
+            <a:ext cx="2844800" cy="365125"/>
+          </a:xfrm>
+          <a:prstGeom prst="rect">
+            <a:avLst/>
+          </a:prstGeom>
+        </p:spPr>
+        <p:txBody>
+          <a:bodyPr vert="horz" lIns="91440" tIns="45720" rIns="91440" bIns="45720" rtlCol="0" anchor="ctr"/>
+          <a:lstStyle>
+            <a:lvl1pPr algn="l">
+              <a:defRPr sz="1200">
+                <a:solidFill>
+                  <a:schemeClr val="tx1">
+                    <a:tint val="75000"/>
+                  </a:schemeClr>
+                </a:solidFill>
+              </a:defRPr>
+            </a:lvl1pPr>
+          </a:lstStyle>
+          <a:p>
+            <a:fld id="{A1B8768A-E0A2-4497-8C41-6CB92A7679F9}" type="datetimeFigureOut">
+              <a:rPr lang="en-US" smtClean="0">
+                <a:solidFill>
+                  <a:prstClr val="black">
+                    <a:tint val="75000"/>
+                  </a:prstClr>
+                </a:solidFill>
+              </a:rPr>
+              <a:pPr/>
+              <a:t>7/12/2017</a:t>
+            </a:fld>
+            <a:endParaRPr lang="en-US">
+              <a:solidFill>
+                <a:prstClr val="black">
+                  <a:tint val="75000"/>
+                </a:prstClr>
+              </a:solidFill>
+            </a:endParaRPr>
+          </a:p>
+        </p:txBody>
+      </p:sp>
+      <p:sp>
+        <p:nvSpPr>
+          <p:cNvPr id="5" name="Footer Placeholder 4"/>
+          <p:cNvSpPr>
+            <a:spLocks noGrp="1"/>
+          </p:cNvSpPr>
+          <p:nvPr>
+            <p:ph type="ftr" sz="quarter" idx="3"/>
+          </p:nvPr>
+        </p:nvSpPr>
+        <p:spPr>
+          <a:xfrm>
+            <a:off x="4165600" y="6356351"/>
+            <a:ext cx="3860800" cy="365125"/>
+          </a:xfrm>
+          <a:prstGeom prst="rect">
+            <a:avLst/>
+          </a:prstGeom>
+        </p:spPr>
+        <p:txBody>
+          <a:bodyPr vert="horz" lIns="91440" tIns="45720" rIns="91440" bIns="45720" rtlCol="0" anchor="ctr"/>
+          <a:lstStyle>
+            <a:lvl1pPr algn="ctr">
+              <a:defRPr sz="1200">
+                <a:solidFill>
+                  <a:schemeClr val="tx1">
+                    <a:tint val="75000"/>
+                  </a:schemeClr>
+                </a:solidFill>
+              </a:defRPr>
+            </a:lvl1pPr>
+          </a:lstStyle>
+          <a:p>
+            <a:endParaRPr lang="en-US">
+              <a:solidFill>
+                <a:prstClr val="black">
+                  <a:tint val="75000"/>
+                </a:prstClr>
+              </a:solidFill>
+            </a:endParaRPr>
+          </a:p>
+        </p:txBody>
+      </p:sp>
+      <p:sp>
+        <p:nvSpPr>
+          <p:cNvPr id="6" name="Slide Number Placeholder 5"/>
+          <p:cNvSpPr>
+            <a:spLocks noGrp="1"/>
+          </p:cNvSpPr>
+          <p:nvPr>
+            <p:ph type="sldNum" sz="quarter" idx="4"/>
+          </p:nvPr>
+        </p:nvSpPr>
+        <p:spPr>
+          <a:xfrm>
+            <a:off x="8737600" y="6356351"/>
+            <a:ext cx="2844800" cy="365125"/>
+          </a:xfrm>
+          <a:prstGeom prst="rect">
+            <a:avLst/>
+          </a:prstGeom>
+        </p:spPr>
+        <p:txBody>
+          <a:bodyPr vert="horz" lIns="91440" tIns="45720" rIns="91440" bIns="45720" rtlCol="0" anchor="ctr"/>
+          <a:lstStyle>
+            <a:lvl1pPr algn="r">
+              <a:defRPr sz="1200">
+                <a:solidFill>
+                  <a:schemeClr val="tx1">
+                    <a:tint val="75000"/>
+                  </a:schemeClr>
+                </a:solidFill>
+              </a:defRPr>
+            </a:lvl1pPr>
+          </a:lstStyle>
+          <a:p>
+            <a:fld id="{DB43158A-C944-48F4-8B68-54973077A0F1}" type="slidenum">
+              <a:rPr lang="en-US" smtClean="0">
+                <a:solidFill>
+                  <a:prstClr val="black">
+                    <a:tint val="75000"/>
+                  </a:prstClr>
+                </a:solidFill>
+              </a:rPr>
+              <a:pPr/>
+              <a:t>‹#›</a:t>
+            </a:fld>
+            <a:endParaRPr lang="en-US">
+              <a:solidFill>
+                <a:prstClr val="black">
+                  <a:tint val="75000"/>
+                </a:prstClr>
+              </a:solidFill>
+            </a:endParaRPr>
+          </a:p>
+        </p:txBody>
+      </p:sp>
+    </p:spTree>
+    <p:extLst>
+      <p:ext uri="{BB962C8B-B14F-4D97-AF65-F5344CB8AC3E}">
+        <p14:creationId xmlns:p14="http://schemas.microsoft.com/office/powerpoint/2010/main" val="364098554"/>
+      </p:ext>
+    </p:extLst>
+  </p:cSld>
+  <p:clrMap bg1="lt1" tx1="dk1" bg2="lt2" tx2="dk2" accent1="accent1" accent2="accent2" accent3="accent3" accent4="accent4" accent5="accent5" accent6="accent6" hlink="hlink" folHlink="folHlink"/>
+  <p:sldLayoutIdLst>
+    <p:sldLayoutId id="2147483661" r:id="rId1"/>
+    <p:sldLayoutId id="2147483662" r:id="rId2"/>
+    <p:sldLayoutId id="2147483663" r:id="rId3"/>
+    <p:sldLayoutId id="2147483664" r:id="rId4"/>
+    <p:sldLayoutId id="2147483665" r:id="rId5"/>
+    <p:sldLayoutId id="2147483666" r:id="rId6"/>
+    <p:sldLayoutId id="2147483667" r:id="rId7"/>
+    <p:sldLayoutId id="2147483668" r:id="rId8"/>
+    <p:sldLayoutId id="2147483669" r:id="rId9"/>
+    <p:sldLayoutId id="2147483670" r:id="rId10"/>
+    <p:sldLayoutId id="2147483671" r:id="rId11"/>
+  </p:sldLayoutIdLst>
+  <p:txStyles>
+    <p:titleStyle>
+      <a:lvl1pPr algn="ctr" defTabSz="914400" rtl="0" eaLnBrk="1" latinLnBrk="0" hangingPunct="1">
+        <a:spcBef>
+          <a:spcPct val="0"/>
+        </a:spcBef>
+        <a:buNone/>
+        <a:defRPr sz="4400" kern="1200">
+          <a:solidFill>
+            <a:schemeClr val="tx1"/>
+          </a:solidFill>
+          <a:latin typeface="+mj-lt"/>
+          <a:ea typeface="+mj-ea"/>
+          <a:cs typeface="+mj-cs"/>
+        </a:defRPr>
+      </a:lvl1pPr>
+    </p:titleStyle>
+    <p:bodyStyle>
+      <a:lvl1pPr marL="342900" indent="-342900" algn="l" defTabSz="914400" rtl="0" eaLnBrk="1" latinLnBrk="0" hangingPunct="1">
+        <a:spcBef>
+          <a:spcPct val="20000"/>
+        </a:spcBef>
+        <a:buFont typeface="Arial" panose="020B0604020202020204" pitchFamily="34" charset="0"/>
+        <a:buChar char="•"/>
+        <a:defRPr sz="3200" kern="1200">
+          <a:solidFill>
+            <a:schemeClr val="tx1"/>
+          </a:solidFill>
+          <a:latin typeface="+mn-lt"/>
+          <a:ea typeface="+mn-ea"/>
+          <a:cs typeface="+mn-cs"/>
+        </a:defRPr>
+      </a:lvl1pPr>
+      <a:lvl2pPr marL="742950" indent="-285750" algn="l" defTabSz="914400" rtl="0" eaLnBrk="1" latinLnBrk="0" hangingPunct="1">
+        <a:spcBef>
+          <a:spcPct val="20000"/>
+        </a:spcBef>
+        <a:buFont typeface="Arial" panose="020B0604020202020204" pitchFamily="34" charset="0"/>
+        <a:buChar char="–"/>
+        <a:defRPr sz="2800" kern="1200">
+          <a:solidFill>
+            <a:schemeClr val="tx1"/>
+          </a:solidFill>
+          <a:latin typeface="+mn-lt"/>
+          <a:ea typeface="+mn-ea"/>
+          <a:cs typeface="+mn-cs"/>
+        </a:defRPr>
+      </a:lvl2pPr>
+      <a:lvl3pPr marL="1143000" indent="-228600" algn="l" defTabSz="914400" rtl="0" eaLnBrk="1" latinLnBrk="0" hangingPunct="1">
+        <a:spcBef>
+          <a:spcPct val="20000"/>
+        </a:spcBef>
+        <a:buFont typeface="Arial" panose="020B0604020202020204" pitchFamily="34" charset="0"/>
+        <a:buChar char="•"/>
+        <a:defRPr sz="2400" kern="1200">
+          <a:solidFill>
+            <a:schemeClr val="tx1"/>
+          </a:solidFill>
+          <a:latin typeface="+mn-lt"/>
+          <a:ea typeface="+mn-ea"/>
+          <a:cs typeface="+mn-cs"/>
+        </a:defRPr>
+      </a:lvl3pPr>
+      <a:lvl4pPr marL="1600200" indent="-228600" algn="l" defTabSz="914400" rtl="0" eaLnBrk="1" latinLnBrk="0" hangingPunct="1">
+        <a:spcBef>
+          <a:spcPct val="20000"/>
+        </a:spcBef>
+        <a:buFont typeface="Arial" panose="020B0604020202020204" pitchFamily="34" charset="0"/>
+        <a:buChar char="–"/>
+        <a:defRPr sz="2000" kern="1200">
+          <a:solidFill>
+            <a:schemeClr val="tx1"/>
+          </a:solidFill>
+          <a:latin typeface="+mn-lt"/>
+          <a:ea typeface="+mn-ea"/>
+          <a:cs typeface="+mn-cs"/>
+        </a:defRPr>
+      </a:lvl4pPr>
+      <a:lvl5pPr marL="2057400" indent="-228600" algn="l" defTabSz="914400" rtl="0" eaLnBrk="1" latinLnBrk="0" hangingPunct="1">
+        <a:spcBef>
+          <a:spcPct val="20000"/>
+        </a:spcBef>
+        <a:buFont typeface="Arial" panose="020B0604020202020204" pitchFamily="34" charset="0"/>
+        <a:buChar char="»"/>
+        <a:defRPr sz="2000" kern="1200">
+          <a:solidFill>
+            <a:schemeClr val="tx1"/>
+          </a:solidFill>
+          <a:latin typeface="+mn-lt"/>
+          <a:ea typeface="+mn-ea"/>
+          <a:cs typeface="+mn-cs"/>
+        </a:defRPr>
+      </a:lvl5pPr>
+      <a:lvl6pPr marL="2514600" indent="-228600" algn="l" defTabSz="914400" rtl="0" eaLnBrk="1" latinLnBrk="0" hangingPunct="1">
+        <a:spcBef>
+          <a:spcPct val="20000"/>
+        </a:spcBef>
+        <a:buFont typeface="Arial" panose="020B0604020202020204" pitchFamily="34" charset="0"/>
+        <a:buChar char="•"/>
+        <a:defRPr sz="2000" kern="1200">
+          <a:solidFill>
+            <a:schemeClr val="tx1"/>
+          </a:solidFill>
+          <a:latin typeface="+mn-lt"/>
+          <a:ea typeface="+mn-ea"/>
+          <a:cs typeface="+mn-cs"/>
+        </a:defRPr>
+      </a:lvl6pPr>
+      <a:lvl7pPr marL="2971800" indent="-228600" algn="l" defTabSz="914400" rtl="0" eaLnBrk="1" latinLnBrk="0" hangingPunct="1">
+        <a:spcBef>
+          <a:spcPct val="20000"/>
+        </a:spcBef>
+        <a:buFont typeface="Arial" panose="020B0604020202020204" pitchFamily="34" charset="0"/>
+        <a:buChar char="•"/>
+        <a:defRPr sz="2000" kern="1200">
+          <a:solidFill>
+            <a:schemeClr val="tx1"/>
+          </a:solidFill>
+          <a:latin typeface="+mn-lt"/>
+          <a:ea typeface="+mn-ea"/>
+          <a:cs typeface="+mn-cs"/>
+        </a:defRPr>
+      </a:lvl7pPr>
+      <a:lvl8pPr marL="3429000" indent="-228600" algn="l" defTabSz="914400" rtl="0" eaLnBrk="1" latinLnBrk="0" hangingPunct="1">
+        <a:spcBef>
+          <a:spcPct val="20000"/>
+        </a:spcBef>
+        <a:buFont typeface="Arial" panose="020B0604020202020204" pitchFamily="34" charset="0"/>
+        <a:buChar char="•"/>
+        <a:defRPr sz="2000" kern="1200">
+          <a:solidFill>
+            <a:schemeClr val="tx1"/>
+          </a:solidFill>
+          <a:latin typeface="+mn-lt"/>
+          <a:ea typeface="+mn-ea"/>
+          <a:cs typeface="+mn-cs"/>
+        </a:defRPr>
+      </a:lvl8pPr>
+      <a:lvl9pPr marL="3886200" indent="-228600" algn="l" defTabSz="914400" rtl="0" eaLnBrk="1" latinLnBrk="0" hangingPunct="1">
+        <a:spcBef>
+          <a:spcPct val="20000"/>
+        </a:spcBef>
+        <a:buFont typeface="Arial" panose="020B0604020202020204" pitchFamily="34" charset="0"/>
+        <a:buChar char="•"/>
+        <a:defRPr sz="2000" kern="1200">
+          <a:solidFill>
+            <a:schemeClr val="tx1"/>
+          </a:solidFill>
+          <a:latin typeface="+mn-lt"/>
+          <a:ea typeface="+mn-ea"/>
+          <a:cs typeface="+mn-cs"/>
+        </a:defRPr>
+      </a:lvl9pPr>
+    </p:bodyStyle>
+    <p:otherStyle>
+      <a:defPPr>
+        <a:defRPr lang="en-US"/>
+      </a:defPPr>
+      <a:lvl1pPr marL="0" algn="l" defTabSz="914400" rtl="0" eaLnBrk="1" latinLnBrk="0" hangingPunct="1">
+        <a:defRPr sz="1800" kern="1200">
+          <a:solidFill>
+            <a:schemeClr val="tx1"/>
+          </a:solidFill>
+          <a:latin typeface="+mn-lt"/>
+          <a:ea typeface="+mn-ea"/>
+          <a:cs typeface="+mn-cs"/>
+        </a:defRPr>
+      </a:lvl1pPr>
+      <a:lvl2pPr marL="457200" algn="l" defTabSz="914400" rtl="0" eaLnBrk="1" latinLnBrk="0" hangingPunct="1">
+        <a:defRPr sz="1800" kern="1200">
+          <a:solidFill>
+            <a:schemeClr val="tx1"/>
+          </a:solidFill>
+          <a:latin typeface="+mn-lt"/>
+          <a:ea typeface="+mn-ea"/>
+          <a:cs typeface="+mn-cs"/>
+        </a:defRPr>
+      </a:lvl2pPr>
+      <a:lvl3pPr marL="914400" algn="l" defTabSz="914400" rtl="0" eaLnBrk="1" latinLnBrk="0" hangingPunct="1">
+        <a:defRPr sz="1800" kern="1200">
+          <a:solidFill>
+            <a:schemeClr val="tx1"/>
+          </a:solidFill>
+          <a:latin typeface="+mn-lt"/>
+          <a:ea typeface="+mn-ea"/>
+          <a:cs typeface="+mn-cs"/>
+        </a:defRPr>
+      </a:lvl3pPr>
+      <a:lvl4pPr marL="1371600" algn="l" defTabSz="914400" rtl="0" eaLnBrk="1" latinLnBrk="0" hangingPunct="1">
+        <a:defRPr sz="1800" kern="1200">
+          <a:solidFill>
+            <a:schemeClr val="tx1"/>
+          </a:solidFill>
+          <a:latin typeface="+mn-lt"/>
+          <a:ea typeface="+mn-ea"/>
+          <a:cs typeface="+mn-cs"/>
+        </a:defRPr>
+      </a:lvl4pPr>
+      <a:lvl5pPr marL="1828800" algn="l" defTabSz="914400" rtl="0" eaLnBrk="1" latinLnBrk="0" hangingPunct="1">
+        <a:defRPr sz="1800" kern="1200">
+          <a:solidFill>
+            <a:schemeClr val="tx1"/>
+          </a:solidFill>
+          <a:latin typeface="+mn-lt"/>
+          <a:ea typeface="+mn-ea"/>
+          <a:cs typeface="+mn-cs"/>
+        </a:defRPr>
+      </a:lvl5pPr>
+      <a:lvl6pPr marL="2286000" algn="l" defTabSz="914400" rtl="0" eaLnBrk="1" latinLnBrk="0" hangingPunct="1">
+        <a:defRPr sz="1800" kern="1200">
+          <a:solidFill>
+            <a:schemeClr val="tx1"/>
+          </a:solidFill>
+          <a:latin typeface="+mn-lt"/>
+          <a:ea typeface="+mn-ea"/>
+          <a:cs typeface="+mn-cs"/>
+        </a:defRPr>
+      </a:lvl6pPr>
+      <a:lvl7pPr marL="2743200" algn="l" defTabSz="914400" rtl="0" eaLnBrk="1" latinLnBrk="0" hangingPunct="1">
+        <a:defRPr sz="1800" kern="1200">
+          <a:solidFill>
+            <a:schemeClr val="tx1"/>
+          </a:solidFill>
+          <a:latin typeface="+mn-lt"/>
+          <a:ea typeface="+mn-ea"/>
+          <a:cs typeface="+mn-cs"/>
+        </a:defRPr>
+      </a:lvl7pPr>
+      <a:lvl8pPr marL="3200400" algn="l" defTabSz="914400" rtl="0" eaLnBrk="1" latinLnBrk="0" hangingPunct="1">
+        <a:defRPr sz="1800" kern="1200">
+          <a:solidFill>
+            <a:schemeClr val="tx1"/>
+          </a:solidFill>
+          <a:latin typeface="+mn-lt"/>
+          <a:ea typeface="+mn-ea"/>
+          <a:cs typeface="+mn-cs"/>
+        </a:defRPr>
+      </a:lvl8pPr>
+      <a:lvl9pPr marL="3657600" algn="l" defTabSz="914400" rtl="0" eaLnBrk="1" latinLnBrk="0" hangingPunct="1">
+        <a:defRPr sz="1800" kern="1200">
+          <a:solidFill>
+            <a:schemeClr val="tx1"/>
+          </a:solidFill>
+          <a:latin typeface="+mn-lt"/>
+          <a:ea typeface="+mn-ea"/>
+          <a:cs typeface="+mn-cs"/>
+        </a:defRPr>
+      </a:lvl9pPr>
+    </p:otherStyle>
+  </p:txStyles>
+</p:sldMaster>
+</file>
+
 <file path=ppt/slides/slide1.xml><?xml version="1.0" encoding="utf-8"?>
 <p:sld xmlns:a="http://schemas.openxmlformats.org/drawingml/2006/main" xmlns:r="http://schemas.openxmlformats.org/officeDocument/2006/relationships" xmlns:p="http://schemas.openxmlformats.org/presentationml/2006/main">
   <p:cSld>
@@ -6579,59 +9935,13 @@
       </p:grpSpPr>
       <p:sp>
         <p:nvSpPr>
-          <p:cNvPr id="5" name="Title 4"/>
-          <p:cNvSpPr>
-            <a:spLocks noGrp="1"/>
-          </p:cNvSpPr>
-          <p:nvPr>
-            <p:ph type="title"/>
-          </p:nvPr>
+          <p:cNvPr id="4" name="Flowchart: Alternate Process 3"/>
+          <p:cNvSpPr/>
+          <p:nvPr/>
         </p:nvSpPr>
         <p:spPr>
           <a:xfrm>
-            <a:off x="141514" y="138385"/>
-            <a:ext cx="10199914" cy="640715"/>
-          </a:xfrm>
-        </p:spPr>
-        <p:txBody>
-          <a:bodyPr>
-            <a:normAutofit fontScale="90000"/>
-          </a:bodyPr>
-          <a:lstStyle/>
-          <a:p>
-            <a:r>
-              <a:rPr lang="en-US" dirty="0" smtClean="0"/>
-              <a:t>Stream Components    </a:t>
-            </a:r>
-            <a:r>
-              <a:rPr lang="en-US" sz="3600" dirty="0" smtClean="0"/>
-              <a:t>(</a:t>
-            </a:r>
-            <a:r>
-              <a:rPr lang="en-US" sz="3600" dirty="0" smtClean="0">
-                <a:solidFill>
-                  <a:srgbClr val="00B0F0"/>
-                </a:solidFill>
-              </a:rPr>
-              <a:t>1 stream per sample rate</a:t>
-            </a:r>
-            <a:r>
-              <a:rPr lang="en-US" sz="3600" dirty="0" smtClean="0"/>
-              <a:t>)</a:t>
-            </a:r>
-            <a:endParaRPr lang="en-US" sz="3600" dirty="0"/>
-          </a:p>
-        </p:txBody>
-      </p:sp>
-      <p:sp>
-        <p:nvSpPr>
-          <p:cNvPr id="3" name="Flowchart: Alternate Process 2"/>
-          <p:cNvSpPr/>
-          <p:nvPr/>
-        </p:nvSpPr>
-        <p:spPr>
-          <a:xfrm>
-            <a:off x="3102429" y="1366157"/>
+            <a:off x="3810000" y="1028700"/>
             <a:ext cx="1828800" cy="685800"/>
           </a:xfrm>
           <a:prstGeom prst="flowChartAlternateProcess">
@@ -6666,30 +9976,25 @@
           <a:p>
             <a:pPr algn="ctr"/>
             <a:r>
-              <a:rPr lang="en-US" dirty="0" smtClean="0">
+              <a:rPr lang="en-US" dirty="0">
                 <a:solidFill>
-                  <a:schemeClr val="tx1"/>
+                  <a:prstClr val="black"/>
                 </a:solidFill>
               </a:rPr>
               <a:t>Simulated Reader</a:t>
             </a:r>
-            <a:endParaRPr lang="en-US" dirty="0">
-              <a:solidFill>
-                <a:schemeClr val="tx1"/>
-              </a:solidFill>
-            </a:endParaRPr>
-          </a:p>
-        </p:txBody>
-      </p:sp>
-      <p:sp>
-        <p:nvSpPr>
-          <p:cNvPr id="4" name="Flowchart: Alternate Process 3"/>
+          </a:p>
+        </p:txBody>
+      </p:sp>
+      <p:sp>
+        <p:nvSpPr>
+          <p:cNvPr id="5" name="Flowchart: Alternate Process 4"/>
           <p:cNvSpPr/>
           <p:nvPr/>
         </p:nvSpPr>
         <p:spPr>
           <a:xfrm>
-            <a:off x="1125039" y="1366157"/>
+            <a:off x="1832610" y="1028700"/>
             <a:ext cx="1828800" cy="685800"/>
           </a:xfrm>
           <a:prstGeom prst="flowChartAlternateProcess">
@@ -6724,18 +10029,13 @@
           <a:p>
             <a:pPr algn="ctr"/>
             <a:r>
-              <a:rPr lang="en-US" dirty="0" smtClean="0">
+              <a:rPr lang="en-US" dirty="0">
                 <a:solidFill>
-                  <a:schemeClr val="tx1"/>
+                  <a:prstClr val="black"/>
                 </a:solidFill>
               </a:rPr>
               <a:t>Hardware Reader</a:t>
             </a:r>
-            <a:endParaRPr lang="en-US" dirty="0">
-              <a:solidFill>
-                <a:schemeClr val="tx1"/>
-              </a:solidFill>
-            </a:endParaRPr>
           </a:p>
         </p:txBody>
       </p:sp>
@@ -6747,7 +10047,7 @@
         </p:nvSpPr>
         <p:spPr>
           <a:xfrm>
-            <a:off x="2245179" y="2699657"/>
+            <a:off x="2952750" y="2362200"/>
             <a:ext cx="7410450" cy="685800"/>
           </a:xfrm>
           <a:prstGeom prst="flowChartAlternateProcess">
@@ -6781,30 +10081,25 @@
           <a:lstStyle/>
           <a:p>
             <a:r>
-              <a:rPr lang="en-US" dirty="0" smtClean="0">
+              <a:rPr lang="en-US" dirty="0">
                 <a:solidFill>
-                  <a:schemeClr val="tx1"/>
+                  <a:prstClr val="black"/>
                 </a:solidFill>
               </a:rPr>
               <a:t>AIQ Data Stream (30 sec)</a:t>
             </a:r>
-            <a:endParaRPr lang="en-US" dirty="0">
-              <a:solidFill>
-                <a:schemeClr val="tx1"/>
-              </a:solidFill>
-            </a:endParaRPr>
           </a:p>
         </p:txBody>
       </p:sp>
       <p:cxnSp>
         <p:nvCxnSpPr>
-          <p:cNvPr id="7" name="Straight Arrow Connector 6"/>
+          <p:cNvPr id="8" name="Straight Arrow Connector 7"/>
           <p:cNvCxnSpPr/>
           <p:nvPr/>
         </p:nvCxnSpPr>
         <p:spPr>
           <a:xfrm>
-            <a:off x="2154691" y="2166257"/>
+            <a:off x="2862262" y="1828800"/>
             <a:ext cx="323850" cy="457200"/>
           </a:xfrm>
           <a:prstGeom prst="straightConnector1">
@@ -6831,13 +10126,13 @@
       </p:cxnSp>
       <p:cxnSp>
         <p:nvCxnSpPr>
-          <p:cNvPr id="8" name="Straight Arrow Connector 7"/>
+          <p:cNvPr id="10" name="Straight Arrow Connector 9"/>
           <p:cNvCxnSpPr/>
           <p:nvPr/>
         </p:nvCxnSpPr>
         <p:spPr>
           <a:xfrm flipH="1">
-            <a:off x="2478541" y="2156731"/>
+            <a:off x="3186112" y="1819275"/>
             <a:ext cx="1000126" cy="466725"/>
           </a:xfrm>
           <a:prstGeom prst="straightConnector1">
@@ -6864,13 +10159,13 @@
       </p:cxnSp>
       <p:grpSp>
         <p:nvGrpSpPr>
-          <p:cNvPr id="9" name="Group 8"/>
+          <p:cNvPr id="36" name="Group 35"/>
           <p:cNvGrpSpPr/>
           <p:nvPr/>
         </p:nvGrpSpPr>
         <p:grpSpPr>
           <a:xfrm>
-            <a:off x="1502229" y="3537857"/>
+            <a:off x="2133600" y="3200400"/>
             <a:ext cx="1828800" cy="2346960"/>
             <a:chOff x="457200" y="3276600"/>
             <a:chExt cx="1828800" cy="2346960"/>
@@ -6878,7 +10173,7 @@
         </p:grpSpPr>
         <p:grpSp>
           <p:nvGrpSpPr>
-            <p:cNvPr id="10" name="Group 9"/>
+            <p:cNvPr id="27" name="Group 26"/>
             <p:cNvGrpSpPr/>
             <p:nvPr/>
           </p:nvGrpSpPr>
@@ -6892,7 +10187,7 @@
           </p:grpSpPr>
           <p:cxnSp>
             <p:nvCxnSpPr>
-              <p:cNvPr id="14" name="Straight Arrow Connector 13"/>
+              <p:cNvPr id="20" name="Straight Arrow Connector 19"/>
               <p:cNvCxnSpPr/>
               <p:nvPr/>
             </p:nvCxnSpPr>
@@ -6925,7 +10220,7 @@
           </p:cxnSp>
           <p:sp>
             <p:nvSpPr>
-              <p:cNvPr id="15" name="Flowchart: Alternate Process 14"/>
+              <p:cNvPr id="21" name="Flowchart: Alternate Process 20"/>
               <p:cNvSpPr/>
               <p:nvPr/>
             </p:nvSpPr>
@@ -6966,25 +10261,20 @@
               <a:p>
                 <a:pPr algn="ctr"/>
                 <a:r>
-                  <a:rPr lang="en-US" dirty="0" smtClean="0">
+                  <a:rPr lang="en-US" dirty="0">
                     <a:solidFill>
-                      <a:schemeClr val="tx1"/>
+                      <a:prstClr val="black"/>
                     </a:solidFill>
                   </a:rPr>
                   <a:t>Disk File</a:t>
                 </a:r>
-                <a:endParaRPr lang="en-US" dirty="0">
-                  <a:solidFill>
-                    <a:schemeClr val="tx1"/>
-                  </a:solidFill>
-                </a:endParaRPr>
               </a:p>
             </p:txBody>
           </p:sp>
         </p:grpSp>
         <p:grpSp>
           <p:nvGrpSpPr>
-            <p:cNvPr id="11" name="Group 10"/>
+            <p:cNvPr id="31" name="Group 30"/>
             <p:cNvGrpSpPr/>
             <p:nvPr/>
           </p:nvGrpSpPr>
@@ -6998,7 +10288,7 @@
           </p:grpSpPr>
           <p:cxnSp>
             <p:nvCxnSpPr>
-              <p:cNvPr id="12" name="Straight Arrow Connector 11"/>
+              <p:cNvPr id="13" name="Straight Arrow Connector 12"/>
               <p:cNvCxnSpPr/>
               <p:nvPr/>
             </p:nvCxnSpPr>
@@ -7031,7 +10321,7 @@
           </p:cxnSp>
           <p:sp>
             <p:nvSpPr>
-              <p:cNvPr id="13" name="Flowchart: Alternate Process 12"/>
+              <p:cNvPr id="15" name="Flowchart: Alternate Process 14"/>
               <p:cNvSpPr/>
               <p:nvPr/>
             </p:nvSpPr>
@@ -7072,9 +10362,9 @@
               <a:p>
                 <a:pPr algn="ctr"/>
                 <a:r>
-                  <a:rPr lang="en-US" dirty="0" smtClean="0">
+                  <a:rPr lang="en-US" dirty="0">
                     <a:solidFill>
-                      <a:schemeClr val="tx1"/>
+                      <a:prstClr val="black"/>
                     </a:solidFill>
                   </a:rPr>
                   <a:t>Trigger </a:t>
@@ -7083,18 +10373,13 @@
               <a:p>
                 <a:pPr algn="ctr"/>
                 <a:r>
-                  <a:rPr lang="en-US" dirty="0" smtClean="0">
+                  <a:rPr lang="en-US" dirty="0">
                     <a:solidFill>
-                      <a:schemeClr val="tx1"/>
+                      <a:prstClr val="black"/>
                     </a:solidFill>
                   </a:rPr>
                   <a:t>(save file)</a:t>
                 </a:r>
-                <a:endParaRPr lang="en-US" dirty="0">
-                  <a:solidFill>
-                    <a:schemeClr val="tx1"/>
-                  </a:solidFill>
-                </a:endParaRPr>
               </a:p>
             </p:txBody>
           </p:sp>
@@ -7102,13 +10387,114 @@
       </p:grpSp>
       <p:grpSp>
         <p:nvGrpSpPr>
-          <p:cNvPr id="19" name="Group 18"/>
+          <p:cNvPr id="32" name="Group 31"/>
           <p:cNvGrpSpPr/>
           <p:nvPr/>
         </p:nvGrpSpPr>
         <p:grpSpPr>
           <a:xfrm>
-            <a:off x="7464876" y="3537857"/>
+            <a:off x="6303432" y="3200400"/>
+            <a:ext cx="1828800" cy="1127760"/>
+            <a:chOff x="2444749" y="3276600"/>
+            <a:chExt cx="1828800" cy="1127760"/>
+          </a:xfrm>
+        </p:grpSpPr>
+        <p:sp>
+          <p:nvSpPr>
+            <p:cNvPr id="16" name="Flowchart: Alternate Process 15"/>
+            <p:cNvSpPr/>
+            <p:nvPr/>
+          </p:nvSpPr>
+          <p:spPr>
+            <a:xfrm>
+              <a:off x="2444749" y="3718560"/>
+              <a:ext cx="1828800" cy="685800"/>
+            </a:xfrm>
+            <a:prstGeom prst="flowChartAlternateProcess">
+              <a:avLst/>
+            </a:prstGeom>
+            <a:solidFill>
+              <a:schemeClr val="tx2">
+                <a:lumMod val="20000"/>
+                <a:lumOff val="80000"/>
+              </a:schemeClr>
+            </a:solidFill>
+          </p:spPr>
+          <p:style>
+            <a:lnRef idx="2">
+              <a:schemeClr val="accent1">
+                <a:shade val="50000"/>
+              </a:schemeClr>
+            </a:lnRef>
+            <a:fillRef idx="1">
+              <a:schemeClr val="accent1"/>
+            </a:fillRef>
+            <a:effectRef idx="0">
+              <a:schemeClr val="accent1"/>
+            </a:effectRef>
+            <a:fontRef idx="minor">
+              <a:schemeClr val="lt1"/>
+            </a:fontRef>
+          </p:style>
+          <p:txBody>
+            <a:bodyPr lIns="45720" rIns="45720" rtlCol="0" anchor="ctr"/>
+            <a:lstStyle/>
+            <a:p>
+              <a:pPr algn="ctr"/>
+              <a:r>
+                <a:rPr lang="en-US" dirty="0">
+                  <a:solidFill>
+                    <a:prstClr val="black"/>
+                  </a:solidFill>
+                </a:rPr>
+                <a:t>Audio Out</a:t>
+              </a:r>
+            </a:p>
+          </p:txBody>
+        </p:sp>
+        <p:cxnSp>
+          <p:nvCxnSpPr>
+            <p:cNvPr id="17" name="Straight Arrow Connector 16"/>
+            <p:cNvCxnSpPr/>
+            <p:nvPr/>
+          </p:nvCxnSpPr>
+          <p:spPr>
+            <a:xfrm>
+              <a:off x="3359149" y="3276600"/>
+              <a:ext cx="0" cy="365760"/>
+            </a:xfrm>
+            <a:prstGeom prst="straightConnector1">
+              <a:avLst/>
+            </a:prstGeom>
+            <a:ln w="19050">
+              <a:tailEnd type="arrow"/>
+            </a:ln>
+          </p:spPr>
+          <p:style>
+            <a:lnRef idx="1">
+              <a:schemeClr val="dk1"/>
+            </a:lnRef>
+            <a:fillRef idx="0">
+              <a:schemeClr val="dk1"/>
+            </a:fillRef>
+            <a:effectRef idx="0">
+              <a:schemeClr val="dk1"/>
+            </a:effectRef>
+            <a:fontRef idx="minor">
+              <a:schemeClr val="tx1"/>
+            </a:fontRef>
+          </p:style>
+        </p:cxnSp>
+      </p:grpSp>
+      <p:grpSp>
+        <p:nvGrpSpPr>
+          <p:cNvPr id="34" name="Group 33"/>
+          <p:cNvGrpSpPr/>
+          <p:nvPr/>
+        </p:nvGrpSpPr>
+        <p:grpSpPr>
+          <a:xfrm>
+            <a:off x="8382000" y="3200400"/>
             <a:ext cx="1828800" cy="1127760"/>
             <a:chOff x="6419847" y="3276600"/>
             <a:chExt cx="1828800" cy="1127760"/>
@@ -7116,7 +10502,7 @@
         </p:grpSpPr>
         <p:sp>
           <p:nvSpPr>
-            <p:cNvPr id="20" name="Flowchart: Alternate Process 19"/>
+            <p:cNvPr id="19" name="Flowchart: Alternate Process 18"/>
             <p:cNvSpPr/>
             <p:nvPr/>
           </p:nvSpPr>
@@ -7157,24 +10543,19 @@
             <a:p>
               <a:pPr algn="ctr"/>
               <a:r>
-                <a:rPr lang="en-US" dirty="0" smtClean="0">
+                <a:rPr lang="en-US" dirty="0">
                   <a:solidFill>
-                    <a:schemeClr val="tx1"/>
+                    <a:prstClr val="black"/>
                   </a:solidFill>
                 </a:rPr>
                 <a:t>Remote Fetch</a:t>
               </a:r>
-              <a:endParaRPr lang="en-US" dirty="0">
-                <a:solidFill>
-                  <a:schemeClr val="tx1"/>
-                </a:solidFill>
-              </a:endParaRPr>
             </a:p>
           </p:txBody>
         </p:sp>
         <p:cxnSp>
           <p:nvCxnSpPr>
-            <p:cNvPr id="21" name="Straight Arrow Connector 20"/>
+            <p:cNvPr id="24" name="Straight Arrow Connector 23"/>
             <p:cNvCxnSpPr/>
             <p:nvPr/>
           </p:nvCxnSpPr>
@@ -7208,42 +10589,42 @@
       </p:grpSp>
       <p:grpSp>
         <p:nvGrpSpPr>
-          <p:cNvPr id="22" name="Group 21"/>
+          <p:cNvPr id="35" name="Group 34"/>
           <p:cNvGrpSpPr/>
           <p:nvPr/>
         </p:nvGrpSpPr>
         <p:grpSpPr>
           <a:xfrm>
-            <a:off x="5477327" y="3537857"/>
-            <a:ext cx="1828800" cy="2362200"/>
-            <a:chOff x="4439441" y="3276600"/>
-            <a:chExt cx="1828800" cy="2362200"/>
+            <a:off x="4212167" y="3200400"/>
+            <a:ext cx="1841499" cy="2362200"/>
+            <a:chOff x="4426742" y="3276600"/>
+            <a:chExt cx="1841499" cy="2362200"/>
           </a:xfrm>
         </p:grpSpPr>
         <p:grpSp>
           <p:nvGrpSpPr>
-            <p:cNvPr id="23" name="Group 22"/>
+            <p:cNvPr id="33" name="Group 32"/>
             <p:cNvGrpSpPr/>
             <p:nvPr/>
           </p:nvGrpSpPr>
           <p:grpSpPr>
             <a:xfrm>
-              <a:off x="4439441" y="3276600"/>
-              <a:ext cx="1828800" cy="1127760"/>
-              <a:chOff x="4446585" y="3276600"/>
-              <a:chExt cx="1828800" cy="1127760"/>
+              <a:off x="4426742" y="3276600"/>
+              <a:ext cx="1841497" cy="1127760"/>
+              <a:chOff x="4433886" y="3276600"/>
+              <a:chExt cx="1841497" cy="1127760"/>
             </a:xfrm>
           </p:grpSpPr>
           <p:sp>
             <p:nvSpPr>
-              <p:cNvPr id="27" name="Flowchart: Alternate Process 26"/>
+              <p:cNvPr id="18" name="Flowchart: Alternate Process 17"/>
               <p:cNvSpPr/>
               <p:nvPr/>
             </p:nvSpPr>
             <p:spPr>
               <a:xfrm>
-                <a:off x="4446585" y="3718560"/>
-                <a:ext cx="1828800" cy="685800"/>
+                <a:off x="4433886" y="3718560"/>
+                <a:ext cx="1841497" cy="685800"/>
               </a:xfrm>
               <a:prstGeom prst="flowChartAlternateProcess">
                 <a:avLst/>
@@ -7277,24 +10658,19 @@
               <a:p>
                 <a:pPr algn="ctr"/>
                 <a:r>
-                  <a:rPr lang="en-US" dirty="0" err="1" smtClean="0">
+                  <a:rPr lang="en-US" dirty="0">
                     <a:solidFill>
-                      <a:schemeClr val="tx1"/>
+                      <a:prstClr val="black"/>
                     </a:solidFill>
                   </a:rPr>
-                  <a:t>GraphFetcher</a:t>
+                  <a:t>Graph Fetcher</a:t>
                 </a:r>
-                <a:endParaRPr lang="en-US" dirty="0">
-                  <a:solidFill>
-                    <a:schemeClr val="tx1"/>
-                  </a:solidFill>
-                </a:endParaRPr>
               </a:p>
             </p:txBody>
           </p:sp>
           <p:cxnSp>
             <p:nvCxnSpPr>
-              <p:cNvPr id="28" name="Straight Arrow Connector 27"/>
+              <p:cNvPr id="23" name="Straight Arrow Connector 22"/>
               <p:cNvCxnSpPr/>
               <p:nvPr/>
             </p:nvCxnSpPr>
@@ -7328,7 +10704,7 @@
         </p:grpSp>
         <p:grpSp>
           <p:nvGrpSpPr>
-            <p:cNvPr id="24" name="Group 23"/>
+            <p:cNvPr id="28" name="Group 27"/>
             <p:cNvGrpSpPr/>
             <p:nvPr/>
           </p:nvGrpSpPr>
@@ -7342,7 +10718,7 @@
           </p:grpSpPr>
           <p:cxnSp>
             <p:nvCxnSpPr>
-              <p:cNvPr id="25" name="Straight Arrow Connector 24"/>
+              <p:cNvPr id="22" name="Straight Arrow Connector 21"/>
               <p:cNvCxnSpPr/>
               <p:nvPr/>
             </p:nvCxnSpPr>
@@ -7416,260 +10792,94 @@
               <a:p>
                 <a:pPr algn="ctr"/>
                 <a:r>
-                  <a:rPr lang="en-US" dirty="0" smtClean="0">
+                  <a:rPr lang="en-US" dirty="0">
                     <a:solidFill>
-                      <a:schemeClr val="tx1"/>
+                      <a:prstClr val="black"/>
                     </a:solidFill>
                   </a:rPr>
                   <a:t>Viewer</a:t>
                 </a:r>
-                <a:endParaRPr lang="en-US" dirty="0">
-                  <a:solidFill>
-                    <a:schemeClr val="tx1"/>
-                  </a:solidFill>
-                </a:endParaRPr>
               </a:p>
             </p:txBody>
           </p:sp>
         </p:grpSp>
       </p:grpSp>
-      <p:grpSp>
-        <p:nvGrpSpPr>
-          <p:cNvPr id="2" name="Group 1"/>
-          <p:cNvGrpSpPr/>
+      <p:cxnSp>
+        <p:nvCxnSpPr>
+          <p:cNvPr id="29" name="Straight Arrow Connector 28"/>
+          <p:cNvCxnSpPr/>
           <p:nvPr/>
-        </p:nvGrpSpPr>
-        <p:grpSpPr>
-          <a:xfrm>
-            <a:off x="3489778" y="3537857"/>
-            <a:ext cx="1828800" cy="2362200"/>
-            <a:chOff x="3489778" y="3537857"/>
-            <a:chExt cx="1828800" cy="2362200"/>
+        </p:nvCxnSpPr>
+        <p:spPr>
+          <a:xfrm flipH="1">
+            <a:off x="5715000" y="1371600"/>
+            <a:ext cx="457200" cy="0"/>
           </a:xfrm>
-        </p:grpSpPr>
-        <p:grpSp>
-          <p:nvGrpSpPr>
-            <p:cNvPr id="16" name="Group 15"/>
-            <p:cNvGrpSpPr/>
-            <p:nvPr/>
-          </p:nvGrpSpPr>
-          <p:grpSpPr>
-            <a:xfrm>
-              <a:off x="3489778" y="3537857"/>
-              <a:ext cx="1828800" cy="1127760"/>
-              <a:chOff x="2444749" y="3276600"/>
-              <a:chExt cx="1828800" cy="1127760"/>
-            </a:xfrm>
-          </p:grpSpPr>
-          <p:sp>
-            <p:nvSpPr>
-              <p:cNvPr id="17" name="Flowchart: Alternate Process 16"/>
-              <p:cNvSpPr/>
-              <p:nvPr/>
-            </p:nvSpPr>
-            <p:spPr>
-              <a:xfrm>
-                <a:off x="2444749" y="3718560"/>
-                <a:ext cx="1828800" cy="685800"/>
-              </a:xfrm>
-              <a:prstGeom prst="flowChartAlternateProcess">
-                <a:avLst/>
-              </a:prstGeom>
-              <a:solidFill>
-                <a:schemeClr val="tx2">
-                  <a:lumMod val="20000"/>
-                  <a:lumOff val="80000"/>
-                </a:schemeClr>
-              </a:solidFill>
-            </p:spPr>
-            <p:style>
-              <a:lnRef idx="2">
-                <a:schemeClr val="accent1">
-                  <a:shade val="50000"/>
-                </a:schemeClr>
-              </a:lnRef>
-              <a:fillRef idx="1">
-                <a:schemeClr val="accent1"/>
-              </a:fillRef>
-              <a:effectRef idx="0">
-                <a:schemeClr val="accent1"/>
-              </a:effectRef>
-              <a:fontRef idx="minor">
-                <a:schemeClr val="lt1"/>
-              </a:fontRef>
-            </p:style>
-            <p:txBody>
-              <a:bodyPr lIns="45720" rIns="45720" rtlCol="0" anchor="ctr"/>
-              <a:lstStyle/>
-              <a:p>
-                <a:pPr algn="ctr"/>
-                <a:r>
-                  <a:rPr lang="en-US" dirty="0" err="1" smtClean="0">
-                    <a:solidFill>
-                      <a:schemeClr val="tx1"/>
-                    </a:solidFill>
-                  </a:rPr>
-                  <a:t>AOFetcher</a:t>
-                </a:r>
-                <a:endParaRPr lang="en-US" dirty="0">
-                  <a:solidFill>
-                    <a:schemeClr val="tx1"/>
-                  </a:solidFill>
-                </a:endParaRPr>
-              </a:p>
-            </p:txBody>
-          </p:sp>
-          <p:cxnSp>
-            <p:nvCxnSpPr>
-              <p:cNvPr id="18" name="Straight Arrow Connector 17"/>
-              <p:cNvCxnSpPr/>
-              <p:nvPr/>
-            </p:nvCxnSpPr>
-            <p:spPr>
-              <a:xfrm>
-                <a:off x="3359149" y="3276600"/>
-                <a:ext cx="0" cy="365760"/>
-              </a:xfrm>
-              <a:prstGeom prst="straightConnector1">
-                <a:avLst/>
-              </a:prstGeom>
-              <a:ln w="19050">
-                <a:tailEnd type="arrow"/>
-              </a:ln>
-            </p:spPr>
-            <p:style>
-              <a:lnRef idx="1">
-                <a:schemeClr val="dk1"/>
-              </a:lnRef>
-              <a:fillRef idx="0">
-                <a:schemeClr val="dk1"/>
-              </a:fillRef>
-              <a:effectRef idx="0">
-                <a:schemeClr val="dk1"/>
-              </a:effectRef>
-              <a:fontRef idx="minor">
-                <a:schemeClr val="tx1"/>
-              </a:fontRef>
-            </p:style>
-          </p:cxnSp>
-        </p:grpSp>
-        <p:grpSp>
-          <p:nvGrpSpPr>
-            <p:cNvPr id="29" name="Group 28"/>
-            <p:cNvGrpSpPr/>
-            <p:nvPr/>
-          </p:nvGrpSpPr>
-          <p:grpSpPr>
-            <a:xfrm>
-              <a:off x="3489778" y="4772297"/>
-              <a:ext cx="1828800" cy="1127760"/>
-              <a:chOff x="2444749" y="3276600"/>
-              <a:chExt cx="1828800" cy="1127760"/>
-            </a:xfrm>
-          </p:grpSpPr>
-          <p:sp>
-            <p:nvSpPr>
-              <p:cNvPr id="30" name="Flowchart: Alternate Process 29"/>
-              <p:cNvSpPr/>
-              <p:nvPr/>
-            </p:nvSpPr>
-            <p:spPr>
-              <a:xfrm>
-                <a:off x="2444749" y="3718560"/>
-                <a:ext cx="1828800" cy="685800"/>
-              </a:xfrm>
-              <a:prstGeom prst="flowChartAlternateProcess">
-                <a:avLst/>
-              </a:prstGeom>
-              <a:solidFill>
-                <a:schemeClr val="tx2">
-                  <a:lumMod val="20000"/>
-                  <a:lumOff val="80000"/>
-                </a:schemeClr>
-              </a:solidFill>
-            </p:spPr>
-            <p:style>
-              <a:lnRef idx="2">
-                <a:schemeClr val="accent1">
-                  <a:shade val="50000"/>
-                </a:schemeClr>
-              </a:lnRef>
-              <a:fillRef idx="1">
-                <a:schemeClr val="accent1"/>
-              </a:fillRef>
-              <a:effectRef idx="0">
-                <a:schemeClr val="accent1"/>
-              </a:effectRef>
-              <a:fontRef idx="minor">
-                <a:schemeClr val="lt1"/>
-              </a:fontRef>
-            </p:style>
-            <p:txBody>
-              <a:bodyPr lIns="45720" rIns="45720" rtlCol="0" anchor="ctr"/>
-              <a:lstStyle/>
-              <a:p>
-                <a:pPr algn="ctr"/>
-                <a:r>
-                  <a:rPr lang="en-US" dirty="0" smtClean="0">
-                    <a:solidFill>
-                      <a:schemeClr val="tx1"/>
-                    </a:solidFill>
-                  </a:rPr>
-                  <a:t>Analog Out</a:t>
-                </a:r>
-                <a:endParaRPr lang="en-US" dirty="0">
-                  <a:solidFill>
-                    <a:schemeClr val="tx1"/>
-                  </a:solidFill>
-                </a:endParaRPr>
-              </a:p>
-            </p:txBody>
-          </p:sp>
-          <p:cxnSp>
-            <p:nvCxnSpPr>
-              <p:cNvPr id="31" name="Straight Arrow Connector 30"/>
-              <p:cNvCxnSpPr/>
-              <p:nvPr/>
-            </p:nvCxnSpPr>
-            <p:spPr>
-              <a:xfrm>
-                <a:off x="3359149" y="3276600"/>
-                <a:ext cx="0" cy="365760"/>
-              </a:xfrm>
-              <a:prstGeom prst="straightConnector1">
-                <a:avLst/>
-              </a:prstGeom>
-              <a:ln w="19050">
-                <a:tailEnd type="arrow"/>
-              </a:ln>
-            </p:spPr>
-            <p:style>
-              <a:lnRef idx="1">
-                <a:schemeClr val="dk1"/>
-              </a:lnRef>
-              <a:fillRef idx="0">
-                <a:schemeClr val="dk1"/>
-              </a:fillRef>
-              <a:effectRef idx="0">
-                <a:schemeClr val="dk1"/>
-              </a:effectRef>
-              <a:fontRef idx="minor">
-                <a:schemeClr val="tx1"/>
-              </a:fontRef>
-            </p:style>
-          </p:cxnSp>
-        </p:grpSp>
-      </p:grpSp>
-      <p:sp>
-        <p:nvSpPr>
-          <p:cNvPr id="45" name="Flowchart: Alternate Process 44"/>
+          <a:prstGeom prst="straightConnector1">
+            <a:avLst/>
+          </a:prstGeom>
+          <a:ln w="19050">
+            <a:tailEnd type="arrow"/>
+          </a:ln>
+        </p:spPr>
+        <p:style>
+          <a:lnRef idx="1">
+            <a:schemeClr val="dk1"/>
+          </a:lnRef>
+          <a:fillRef idx="0">
+            <a:schemeClr val="dk1"/>
+          </a:fillRef>
+          <a:effectRef idx="0">
+            <a:schemeClr val="dk1"/>
+          </a:effectRef>
+          <a:fontRef idx="minor">
+            <a:schemeClr val="tx1"/>
+          </a:fontRef>
+        </p:style>
+      </p:cxnSp>
+      <p:cxnSp>
+        <p:nvCxnSpPr>
+          <p:cNvPr id="37" name="Straight Arrow Connector 36"/>
+          <p:cNvCxnSpPr/>
+          <p:nvPr/>
+        </p:nvCxnSpPr>
+        <p:spPr>
+          <a:xfrm flipH="1">
+            <a:off x="7848600" y="1393903"/>
+            <a:ext cx="457200" cy="0"/>
+          </a:xfrm>
+          <a:prstGeom prst="straightConnector1">
+            <a:avLst/>
+          </a:prstGeom>
+          <a:ln w="19050">
+            <a:tailEnd type="arrow"/>
+          </a:ln>
+        </p:spPr>
+        <p:style>
+          <a:lnRef idx="1">
+            <a:schemeClr val="dk1"/>
+          </a:lnRef>
+          <a:fillRef idx="0">
+            <a:schemeClr val="dk1"/>
+          </a:fillRef>
+          <a:effectRef idx="0">
+            <a:schemeClr val="dk1"/>
+          </a:effectRef>
+          <a:fontRef idx="minor">
+            <a:schemeClr val="tx1"/>
+          </a:fontRef>
+        </p:style>
+      </p:cxnSp>
+      <p:sp>
+        <p:nvSpPr>
+          <p:cNvPr id="38" name="Flowchart: Alternate Process 37"/>
           <p:cNvSpPr/>
           <p:nvPr/>
         </p:nvSpPr>
         <p:spPr>
           <a:xfrm>
-            <a:off x="5477327" y="1366157"/>
-            <a:ext cx="1828800" cy="685800"/>
+            <a:off x="6248400" y="1028700"/>
+            <a:ext cx="1524000" cy="685800"/>
           </a:xfrm>
           <a:prstGeom prst="flowChartAlternateProcess">
             <a:avLst/>
@@ -7699,129 +10909,30 @@
         </p:style>
         <p:txBody>
           <a:bodyPr lIns="45720" rIns="45720" rtlCol="0" anchor="ctr"/>
-          <a:lstStyle>
-            <a:defPPr>
-              <a:defRPr lang="en-US"/>
-            </a:defPPr>
-            <a:lvl1pPr marL="0" algn="l" defTabSz="914400" rtl="0" eaLnBrk="1" latinLnBrk="0" hangingPunct="1">
-              <a:defRPr sz="1800" kern="1200">
+          <a:lstStyle/>
+          <a:p>
+            <a:pPr algn="ctr"/>
+            <a:r>
+              <a:rPr lang="en-US" dirty="0">
                 <a:solidFill>
-                  <a:schemeClr val="lt1"/>
-                </a:solidFill>
-                <a:latin typeface="+mn-lt"/>
-                <a:ea typeface="+mn-ea"/>
-                <a:cs typeface="+mn-cs"/>
-              </a:defRPr>
-            </a:lvl1pPr>
-            <a:lvl2pPr marL="457200" algn="l" defTabSz="914400" rtl="0" eaLnBrk="1" latinLnBrk="0" hangingPunct="1">
-              <a:defRPr sz="1800" kern="1200">
-                <a:solidFill>
-                  <a:schemeClr val="lt1"/>
-                </a:solidFill>
-                <a:latin typeface="+mn-lt"/>
-                <a:ea typeface="+mn-ea"/>
-                <a:cs typeface="+mn-cs"/>
-              </a:defRPr>
-            </a:lvl2pPr>
-            <a:lvl3pPr marL="914400" algn="l" defTabSz="914400" rtl="0" eaLnBrk="1" latinLnBrk="0" hangingPunct="1">
-              <a:defRPr sz="1800" kern="1200">
-                <a:solidFill>
-                  <a:schemeClr val="lt1"/>
-                </a:solidFill>
-                <a:latin typeface="+mn-lt"/>
-                <a:ea typeface="+mn-ea"/>
-                <a:cs typeface="+mn-cs"/>
-              </a:defRPr>
-            </a:lvl3pPr>
-            <a:lvl4pPr marL="1371600" algn="l" defTabSz="914400" rtl="0" eaLnBrk="1" latinLnBrk="0" hangingPunct="1">
-              <a:defRPr sz="1800" kern="1200">
-                <a:solidFill>
-                  <a:schemeClr val="lt1"/>
-                </a:solidFill>
-                <a:latin typeface="+mn-lt"/>
-                <a:ea typeface="+mn-ea"/>
-                <a:cs typeface="+mn-cs"/>
-              </a:defRPr>
-            </a:lvl4pPr>
-            <a:lvl5pPr marL="1828800" algn="l" defTabSz="914400" rtl="0" eaLnBrk="1" latinLnBrk="0" hangingPunct="1">
-              <a:defRPr sz="1800" kern="1200">
-                <a:solidFill>
-                  <a:schemeClr val="lt1"/>
-                </a:solidFill>
-                <a:latin typeface="+mn-lt"/>
-                <a:ea typeface="+mn-ea"/>
-                <a:cs typeface="+mn-cs"/>
-              </a:defRPr>
-            </a:lvl5pPr>
-            <a:lvl6pPr marL="2286000" algn="l" defTabSz="914400" rtl="0" eaLnBrk="1" latinLnBrk="0" hangingPunct="1">
-              <a:defRPr sz="1800" kern="1200">
-                <a:solidFill>
-                  <a:schemeClr val="lt1"/>
-                </a:solidFill>
-                <a:latin typeface="+mn-lt"/>
-                <a:ea typeface="+mn-ea"/>
-                <a:cs typeface="+mn-cs"/>
-              </a:defRPr>
-            </a:lvl6pPr>
-            <a:lvl7pPr marL="2743200" algn="l" defTabSz="914400" rtl="0" eaLnBrk="1" latinLnBrk="0" hangingPunct="1">
-              <a:defRPr sz="1800" kern="1200">
-                <a:solidFill>
-                  <a:schemeClr val="lt1"/>
-                </a:solidFill>
-                <a:latin typeface="+mn-lt"/>
-                <a:ea typeface="+mn-ea"/>
-                <a:cs typeface="+mn-cs"/>
-              </a:defRPr>
-            </a:lvl7pPr>
-            <a:lvl8pPr marL="3200400" algn="l" defTabSz="914400" rtl="0" eaLnBrk="1" latinLnBrk="0" hangingPunct="1">
-              <a:defRPr sz="1800" kern="1200">
-                <a:solidFill>
-                  <a:schemeClr val="lt1"/>
-                </a:solidFill>
-                <a:latin typeface="+mn-lt"/>
-                <a:ea typeface="+mn-ea"/>
-                <a:cs typeface="+mn-cs"/>
-              </a:defRPr>
-            </a:lvl8pPr>
-            <a:lvl9pPr marL="3657600" algn="l" defTabSz="914400" rtl="0" eaLnBrk="1" latinLnBrk="0" hangingPunct="1">
-              <a:defRPr sz="1800" kern="1200">
-                <a:solidFill>
-                  <a:schemeClr val="lt1"/>
-                </a:solidFill>
-                <a:latin typeface="+mn-lt"/>
-                <a:ea typeface="+mn-ea"/>
-                <a:cs typeface="+mn-cs"/>
-              </a:defRPr>
-            </a:lvl9pPr>
-          </a:lstStyle>
-          <a:p>
-            <a:pPr algn="ctr"/>
-            <a:r>
-              <a:rPr lang="en-US" dirty="0" smtClean="0">
-                <a:solidFill>
-                  <a:schemeClr val="tx1"/>
+                  <a:prstClr val="black"/>
                 </a:solidFill>
               </a:rPr>
               <a:t>Editor Tab</a:t>
             </a:r>
-            <a:endParaRPr lang="en-US" dirty="0">
-              <a:solidFill>
-                <a:schemeClr val="tx1"/>
-              </a:solidFill>
-            </a:endParaRPr>
-          </a:p>
-        </p:txBody>
-      </p:sp>
-      <p:sp>
-        <p:nvSpPr>
-          <p:cNvPr id="47" name="Flowchart: Alternate Process 46"/>
+          </a:p>
+        </p:txBody>
+      </p:sp>
+      <p:sp>
+        <p:nvSpPr>
+          <p:cNvPr id="39" name="Flowchart: Alternate Process 38"/>
           <p:cNvSpPr/>
           <p:nvPr/>
         </p:nvSpPr>
         <p:spPr>
           <a:xfrm>
-            <a:off x="7972876" y="1366157"/>
-            <a:ext cx="1828800" cy="685800"/>
+            <a:off x="8382000" y="1028700"/>
+            <a:ext cx="1524000" cy="685800"/>
           </a:xfrm>
           <a:prstGeom prst="flowChartAlternateProcess">
             <a:avLst/>
@@ -7851,202 +10962,86 @@
         </p:style>
         <p:txBody>
           <a:bodyPr lIns="45720" rIns="45720" rtlCol="0" anchor="ctr"/>
-          <a:lstStyle>
-            <a:defPPr>
-              <a:defRPr lang="en-US"/>
-            </a:defPPr>
-            <a:lvl1pPr marL="0" algn="l" defTabSz="914400" rtl="0" eaLnBrk="1" latinLnBrk="0" hangingPunct="1">
-              <a:defRPr sz="1800" kern="1200">
+          <a:lstStyle/>
+          <a:p>
+            <a:pPr algn="ctr"/>
+            <a:r>
+              <a:rPr lang="en-US" dirty="0">
                 <a:solidFill>
-                  <a:schemeClr val="lt1"/>
-                </a:solidFill>
-                <a:latin typeface="+mn-lt"/>
-                <a:ea typeface="+mn-ea"/>
-                <a:cs typeface="+mn-cs"/>
-              </a:defRPr>
-            </a:lvl1pPr>
-            <a:lvl2pPr marL="457200" algn="l" defTabSz="914400" rtl="0" eaLnBrk="1" latinLnBrk="0" hangingPunct="1">
-              <a:defRPr sz="1800" kern="1200">
-                <a:solidFill>
-                  <a:schemeClr val="lt1"/>
-                </a:solidFill>
-                <a:latin typeface="+mn-lt"/>
-                <a:ea typeface="+mn-ea"/>
-                <a:cs typeface="+mn-cs"/>
-              </a:defRPr>
-            </a:lvl2pPr>
-            <a:lvl3pPr marL="914400" algn="l" defTabSz="914400" rtl="0" eaLnBrk="1" latinLnBrk="0" hangingPunct="1">
-              <a:defRPr sz="1800" kern="1200">
-                <a:solidFill>
-                  <a:schemeClr val="lt1"/>
-                </a:solidFill>
-                <a:latin typeface="+mn-lt"/>
-                <a:ea typeface="+mn-ea"/>
-                <a:cs typeface="+mn-cs"/>
-              </a:defRPr>
-            </a:lvl3pPr>
-            <a:lvl4pPr marL="1371600" algn="l" defTabSz="914400" rtl="0" eaLnBrk="1" latinLnBrk="0" hangingPunct="1">
-              <a:defRPr sz="1800" kern="1200">
-                <a:solidFill>
-                  <a:schemeClr val="lt1"/>
-                </a:solidFill>
-                <a:latin typeface="+mn-lt"/>
-                <a:ea typeface="+mn-ea"/>
-                <a:cs typeface="+mn-cs"/>
-              </a:defRPr>
-            </a:lvl4pPr>
-            <a:lvl5pPr marL="1828800" algn="l" defTabSz="914400" rtl="0" eaLnBrk="1" latinLnBrk="0" hangingPunct="1">
-              <a:defRPr sz="1800" kern="1200">
-                <a:solidFill>
-                  <a:schemeClr val="lt1"/>
-                </a:solidFill>
-                <a:latin typeface="+mn-lt"/>
-                <a:ea typeface="+mn-ea"/>
-                <a:cs typeface="+mn-cs"/>
-              </a:defRPr>
-            </a:lvl5pPr>
-            <a:lvl6pPr marL="2286000" algn="l" defTabSz="914400" rtl="0" eaLnBrk="1" latinLnBrk="0" hangingPunct="1">
-              <a:defRPr sz="1800" kern="1200">
-                <a:solidFill>
-                  <a:schemeClr val="lt1"/>
-                </a:solidFill>
-                <a:latin typeface="+mn-lt"/>
-                <a:ea typeface="+mn-ea"/>
-                <a:cs typeface="+mn-cs"/>
-              </a:defRPr>
-            </a:lvl6pPr>
-            <a:lvl7pPr marL="2743200" algn="l" defTabSz="914400" rtl="0" eaLnBrk="1" latinLnBrk="0" hangingPunct="1">
-              <a:defRPr sz="1800" kern="1200">
-                <a:solidFill>
-                  <a:schemeClr val="lt1"/>
-                </a:solidFill>
-                <a:latin typeface="+mn-lt"/>
-                <a:ea typeface="+mn-ea"/>
-                <a:cs typeface="+mn-cs"/>
-              </a:defRPr>
-            </a:lvl7pPr>
-            <a:lvl8pPr marL="3200400" algn="l" defTabSz="914400" rtl="0" eaLnBrk="1" latinLnBrk="0" hangingPunct="1">
-              <a:defRPr sz="1800" kern="1200">
-                <a:solidFill>
-                  <a:schemeClr val="lt1"/>
-                </a:solidFill>
-                <a:latin typeface="+mn-lt"/>
-                <a:ea typeface="+mn-ea"/>
-                <a:cs typeface="+mn-cs"/>
-              </a:defRPr>
-            </a:lvl8pPr>
-            <a:lvl9pPr marL="3657600" algn="l" defTabSz="914400" rtl="0" eaLnBrk="1" latinLnBrk="0" hangingPunct="1">
-              <a:defRPr sz="1800" kern="1200">
-                <a:solidFill>
-                  <a:schemeClr val="lt1"/>
-                </a:solidFill>
-                <a:latin typeface="+mn-lt"/>
-                <a:ea typeface="+mn-ea"/>
-                <a:cs typeface="+mn-cs"/>
-              </a:defRPr>
-            </a:lvl9pPr>
-          </a:lstStyle>
-          <a:p>
-            <a:pPr algn="ctr"/>
-            <a:r>
-              <a:rPr lang="en-US" dirty="0" smtClean="0">
-                <a:solidFill>
-                  <a:schemeClr val="tx1"/>
+                  <a:prstClr val="black"/>
                 </a:solidFill>
               </a:rPr>
               <a:t>Params</a:t>
             </a:r>
-            <a:endParaRPr lang="en-US" dirty="0">
+          </a:p>
+        </p:txBody>
+      </p:sp>
+      <p:sp>
+        <p:nvSpPr>
+          <p:cNvPr id="9" name="TextBox 8"/>
+          <p:cNvSpPr txBox="1"/>
+          <p:nvPr/>
+        </p:nvSpPr>
+        <p:spPr>
+          <a:xfrm>
+            <a:off x="1828800" y="228601"/>
+            <a:ext cx="7162800" cy="769441"/>
+          </a:xfrm>
+          <a:prstGeom prst="rect">
+            <a:avLst/>
+          </a:prstGeom>
+          <a:noFill/>
+        </p:spPr>
+        <p:txBody>
+          <a:bodyPr wrap="square" rtlCol="0">
+            <a:spAutoFit/>
+          </a:bodyPr>
+          <a:lstStyle/>
+          <a:p>
+            <a:r>
+              <a:rPr lang="en-US" sz="2400" dirty="0">
+                <a:solidFill>
+                  <a:prstClr val="black"/>
+                </a:solidFill>
+              </a:rPr>
+              <a:t>Stream Components  (</a:t>
+            </a:r>
+            <a:r>
+              <a:rPr lang="en-US" sz="2400" dirty="0">
+                <a:solidFill>
+                  <a:srgbClr val="00B0F0"/>
+                </a:solidFill>
+              </a:rPr>
+              <a:t>One stream per sample rate</a:t>
+            </a:r>
+            <a:r>
+              <a:rPr lang="en-US" sz="2400" dirty="0">
+                <a:solidFill>
+                  <a:prstClr val="black"/>
+                </a:solidFill>
+              </a:rPr>
+              <a:t>)</a:t>
+            </a:r>
+          </a:p>
+          <a:p>
+            <a:endParaRPr lang="en-US" sz="2000" dirty="0">
               <a:solidFill>
-                <a:schemeClr val="tx1"/>
+                <a:prstClr val="black"/>
               </a:solidFill>
             </a:endParaRPr>
           </a:p>
         </p:txBody>
       </p:sp>
-      <p:cxnSp>
-        <p:nvCxnSpPr>
-          <p:cNvPr id="50" name="Straight Arrow Connector 49"/>
-          <p:cNvCxnSpPr/>
-          <p:nvPr/>
-        </p:nvCxnSpPr>
-        <p:spPr>
-          <a:xfrm flipH="1" flipV="1">
-            <a:off x="5005618" y="1679892"/>
-            <a:ext cx="358315" cy="544"/>
-          </a:xfrm>
-          <a:prstGeom prst="straightConnector1">
-            <a:avLst/>
-          </a:prstGeom>
-          <a:ln w="19050">
-            <a:tailEnd type="arrow"/>
-          </a:ln>
-        </p:spPr>
-        <p:style>
-          <a:lnRef idx="1">
-            <a:schemeClr val="dk1"/>
-          </a:lnRef>
-          <a:fillRef idx="0">
-            <a:schemeClr val="dk1"/>
-          </a:fillRef>
-          <a:effectRef idx="0">
-            <a:schemeClr val="dk1"/>
-          </a:effectRef>
-          <a:fontRef idx="minor">
-            <a:schemeClr val="tx1"/>
-          </a:fontRef>
-        </p:style>
-      </p:cxnSp>
-      <p:cxnSp>
-        <p:nvCxnSpPr>
-          <p:cNvPr id="55" name="Straight Arrow Connector 54"/>
-          <p:cNvCxnSpPr/>
-          <p:nvPr/>
-        </p:nvCxnSpPr>
-        <p:spPr>
-          <a:xfrm flipH="1" flipV="1">
-            <a:off x="7464876" y="1679892"/>
-            <a:ext cx="358315" cy="544"/>
-          </a:xfrm>
-          <a:prstGeom prst="straightConnector1">
-            <a:avLst/>
-          </a:prstGeom>
-          <a:ln w="19050">
-            <a:tailEnd type="arrow"/>
-          </a:ln>
-        </p:spPr>
-        <p:style>
-          <a:lnRef idx="1">
-            <a:schemeClr val="dk1"/>
-          </a:lnRef>
-          <a:fillRef idx="0">
-            <a:schemeClr val="dk1"/>
-          </a:fillRef>
-          <a:effectRef idx="0">
-            <a:schemeClr val="dk1"/>
-          </a:effectRef>
-          <a:fontRef idx="minor">
-            <a:schemeClr val="tx1"/>
-          </a:fontRef>
-        </p:style>
-      </p:cxnSp>
     </p:spTree>
     <p:extLst>
       <p:ext uri="{BB962C8B-B14F-4D97-AF65-F5344CB8AC3E}">
-        <p14:creationId xmlns:p14="http://schemas.microsoft.com/office/powerpoint/2010/main" val="1078243039"/>
+        <p14:creationId xmlns:p14="http://schemas.microsoft.com/office/powerpoint/2010/main" val="1430139062"/>
       </p:ext>
     </p:extLst>
   </p:cSld>
   <p:clrMapOvr>
     <a:masterClrMapping/>
   </p:clrMapOvr>
-  <p:timing>
-    <p:tnLst>
-      <p:par>
-        <p:cTn id="1" dur="indefinite" restart="never" nodeType="tmRoot"/>
-      </p:par>
-    </p:tnLst>
-  </p:timing>
 </p:sld>
 </file>
 
@@ -9066,4 +12061,289 @@
     </a:ext>
   </a:extLst>
 </a:theme>
+</file>
+
+<file path=ppt/theme/theme2.xml><?xml version="1.0" encoding="utf-8"?>
+<a:theme xmlns:a="http://schemas.openxmlformats.org/drawingml/2006/main" name="1_Office Theme">
+  <a:themeElements>
+    <a:clrScheme name="Office">
+      <a:dk1>
+        <a:sysClr val="windowText" lastClr="000000"/>
+      </a:dk1>
+      <a:lt1>
+        <a:sysClr val="window" lastClr="FFFFFF"/>
+      </a:lt1>
+      <a:dk2>
+        <a:srgbClr val="1F497D"/>
+      </a:dk2>
+      <a:lt2>
+        <a:srgbClr val="EEECE1"/>
+      </a:lt2>
+      <a:accent1>
+        <a:srgbClr val="4F81BD"/>
+      </a:accent1>
+      <a:accent2>
+        <a:srgbClr val="C0504D"/>
+      </a:accent2>
+      <a:accent3>
+        <a:srgbClr val="9BBB59"/>
+      </a:accent3>
+      <a:accent4>
+        <a:srgbClr val="8064A2"/>
+      </a:accent4>
+      <a:accent5>
+        <a:srgbClr val="4BACC6"/>
+      </a:accent5>
+      <a:accent6>
+        <a:srgbClr val="F79646"/>
+      </a:accent6>
+      <a:hlink>
+        <a:srgbClr val="0000FF"/>
+      </a:hlink>
+      <a:folHlink>
+        <a:srgbClr val="800080"/>
+      </a:folHlink>
+    </a:clrScheme>
+    <a:fontScheme name="Office">
+      <a:majorFont>
+        <a:latin typeface="Calibri"/>
+        <a:ea typeface=""/>
+        <a:cs typeface=""/>
+        <a:font script="Jpan" typeface="ＭＳ Ｐゴシック"/>
+        <a:font script="Hang" typeface="맑은 고딕"/>
+        <a:font script="Hans" typeface="宋体"/>
+        <a:font script="Hant" typeface="新細明體"/>
+        <a:font script="Arab" typeface="Times New Roman"/>
+        <a:font script="Hebr" typeface="Times New Roman"/>
+        <a:font script="Thai" typeface="Angsana New"/>
+        <a:font script="Ethi" typeface="Nyala"/>
+        <a:font script="Beng" typeface="Vrinda"/>
+        <a:font script="Gujr" typeface="Shruti"/>
+        <a:font script="Khmr" typeface="MoolBoran"/>
+        <a:font script="Knda" typeface="Tunga"/>
+        <a:font script="Guru" typeface="Raavi"/>
+        <a:font script="Cans" typeface="Euphemia"/>
+        <a:font script="Cher" typeface="Plantagenet Cherokee"/>
+        <a:font script="Yiii" typeface="Microsoft Yi Baiti"/>
+        <a:font script="Tibt" typeface="Microsoft Himalaya"/>
+        <a:font script="Thaa" typeface="MV Boli"/>
+        <a:font script="Deva" typeface="Mangal"/>
+        <a:font script="Telu" typeface="Gautami"/>
+        <a:font script="Taml" typeface="Latha"/>
+        <a:font script="Syrc" typeface="Estrangelo Edessa"/>
+        <a:font script="Orya" typeface="Kalinga"/>
+        <a:font script="Mlym" typeface="Kartika"/>
+        <a:font script="Laoo" typeface="DokChampa"/>
+        <a:font script="Sinh" typeface="Iskoola Pota"/>
+        <a:font script="Mong" typeface="Mongolian Baiti"/>
+        <a:font script="Viet" typeface="Times New Roman"/>
+        <a:font script="Uigh" typeface="Microsoft Uighur"/>
+        <a:font script="Geor" typeface="Sylfaen"/>
+      </a:majorFont>
+      <a:minorFont>
+        <a:latin typeface="Calibri"/>
+        <a:ea typeface=""/>
+        <a:cs typeface=""/>
+        <a:font script="Jpan" typeface="ＭＳ Ｐゴシック"/>
+        <a:font script="Hang" typeface="맑은 고딕"/>
+        <a:font script="Hans" typeface="宋体"/>
+        <a:font script="Hant" typeface="新細明體"/>
+        <a:font script="Arab" typeface="Arial"/>
+        <a:font script="Hebr" typeface="Arial"/>
+        <a:font script="Thai" typeface="Cordia New"/>
+        <a:font script="Ethi" typeface="Nyala"/>
+        <a:font script="Beng" typeface="Vrinda"/>
+        <a:font script="Gujr" typeface="Shruti"/>
+        <a:font script="Khmr" typeface="DaunPenh"/>
+        <a:font script="Knda" typeface="Tunga"/>
+        <a:font script="Guru" typeface="Raavi"/>
+        <a:font script="Cans" typeface="Euphemia"/>
+        <a:font script="Cher" typeface="Plantagenet Cherokee"/>
+        <a:font script="Yiii" typeface="Microsoft Yi Baiti"/>
+        <a:font script="Tibt" typeface="Microsoft Himalaya"/>
+        <a:font script="Thaa" typeface="MV Boli"/>
+        <a:font script="Deva" typeface="Mangal"/>
+        <a:font script="Telu" typeface="Gautami"/>
+        <a:font script="Taml" typeface="Latha"/>
+        <a:font script="Syrc" typeface="Estrangelo Edessa"/>
+        <a:font script="Orya" typeface="Kalinga"/>
+        <a:font script="Mlym" typeface="Kartika"/>
+        <a:font script="Laoo" typeface="DokChampa"/>
+        <a:font script="Sinh" typeface="Iskoola Pota"/>
+        <a:font script="Mong" typeface="Mongolian Baiti"/>
+        <a:font script="Viet" typeface="Arial"/>
+        <a:font script="Uigh" typeface="Microsoft Uighur"/>
+        <a:font script="Geor" typeface="Sylfaen"/>
+      </a:minorFont>
+    </a:fontScheme>
+    <a:fmtScheme name="Office">
+      <a:fillStyleLst>
+        <a:solidFill>
+          <a:schemeClr val="phClr"/>
+        </a:solidFill>
+        <a:gradFill rotWithShape="1">
+          <a:gsLst>
+            <a:gs pos="0">
+              <a:schemeClr val="phClr">
+                <a:tint val="50000"/>
+                <a:satMod val="300000"/>
+              </a:schemeClr>
+            </a:gs>
+            <a:gs pos="35000">
+              <a:schemeClr val="phClr">
+                <a:tint val="37000"/>
+                <a:satMod val="300000"/>
+              </a:schemeClr>
+            </a:gs>
+            <a:gs pos="100000">
+              <a:schemeClr val="phClr">
+                <a:tint val="15000"/>
+                <a:satMod val="350000"/>
+              </a:schemeClr>
+            </a:gs>
+          </a:gsLst>
+          <a:lin ang="16200000" scaled="1"/>
+        </a:gradFill>
+        <a:gradFill rotWithShape="1">
+          <a:gsLst>
+            <a:gs pos="0">
+              <a:schemeClr val="phClr">
+                <a:shade val="51000"/>
+                <a:satMod val="130000"/>
+              </a:schemeClr>
+            </a:gs>
+            <a:gs pos="80000">
+              <a:schemeClr val="phClr">
+                <a:shade val="93000"/>
+                <a:satMod val="130000"/>
+              </a:schemeClr>
+            </a:gs>
+            <a:gs pos="100000">
+              <a:schemeClr val="phClr">
+                <a:shade val="94000"/>
+                <a:satMod val="135000"/>
+              </a:schemeClr>
+            </a:gs>
+          </a:gsLst>
+          <a:lin ang="16200000" scaled="0"/>
+        </a:gradFill>
+      </a:fillStyleLst>
+      <a:lnStyleLst>
+        <a:ln w="9525" cap="flat" cmpd="sng" algn="ctr">
+          <a:solidFill>
+            <a:schemeClr val="phClr">
+              <a:shade val="95000"/>
+              <a:satMod val="105000"/>
+            </a:schemeClr>
+          </a:solidFill>
+          <a:prstDash val="solid"/>
+        </a:ln>
+        <a:ln w="25400" cap="flat" cmpd="sng" algn="ctr">
+          <a:solidFill>
+            <a:schemeClr val="phClr"/>
+          </a:solidFill>
+          <a:prstDash val="solid"/>
+        </a:ln>
+        <a:ln w="38100" cap="flat" cmpd="sng" algn="ctr">
+          <a:solidFill>
+            <a:schemeClr val="phClr"/>
+          </a:solidFill>
+          <a:prstDash val="solid"/>
+        </a:ln>
+      </a:lnStyleLst>
+      <a:effectStyleLst>
+        <a:effectStyle>
+          <a:effectLst>
+            <a:outerShdw blurRad="40000" dist="20000" dir="5400000" rotWithShape="0">
+              <a:srgbClr val="000000">
+                <a:alpha val="38000"/>
+              </a:srgbClr>
+            </a:outerShdw>
+          </a:effectLst>
+        </a:effectStyle>
+        <a:effectStyle>
+          <a:effectLst>
+            <a:outerShdw blurRad="40000" dist="23000" dir="5400000" rotWithShape="0">
+              <a:srgbClr val="000000">
+                <a:alpha val="35000"/>
+              </a:srgbClr>
+            </a:outerShdw>
+          </a:effectLst>
+        </a:effectStyle>
+        <a:effectStyle>
+          <a:effectLst>
+            <a:outerShdw blurRad="40000" dist="23000" dir="5400000" rotWithShape="0">
+              <a:srgbClr val="000000">
+                <a:alpha val="35000"/>
+              </a:srgbClr>
+            </a:outerShdw>
+          </a:effectLst>
+          <a:scene3d>
+            <a:camera prst="orthographicFront">
+              <a:rot lat="0" lon="0" rev="0"/>
+            </a:camera>
+            <a:lightRig rig="threePt" dir="t">
+              <a:rot lat="0" lon="0" rev="1200000"/>
+            </a:lightRig>
+          </a:scene3d>
+          <a:sp3d>
+            <a:bevelT w="63500" h="25400"/>
+          </a:sp3d>
+        </a:effectStyle>
+      </a:effectStyleLst>
+      <a:bgFillStyleLst>
+        <a:solidFill>
+          <a:schemeClr val="phClr"/>
+        </a:solidFill>
+        <a:gradFill rotWithShape="1">
+          <a:gsLst>
+            <a:gs pos="0">
+              <a:schemeClr val="phClr">
+                <a:tint val="40000"/>
+                <a:satMod val="350000"/>
+              </a:schemeClr>
+            </a:gs>
+            <a:gs pos="40000">
+              <a:schemeClr val="phClr">
+                <a:tint val="45000"/>
+                <a:shade val="99000"/>
+                <a:satMod val="350000"/>
+              </a:schemeClr>
+            </a:gs>
+            <a:gs pos="100000">
+              <a:schemeClr val="phClr">
+                <a:shade val="20000"/>
+                <a:satMod val="255000"/>
+              </a:schemeClr>
+            </a:gs>
+          </a:gsLst>
+          <a:path path="circle">
+            <a:fillToRect l="50000" t="-80000" r="50000" b="180000"/>
+          </a:path>
+        </a:gradFill>
+        <a:gradFill rotWithShape="1">
+          <a:gsLst>
+            <a:gs pos="0">
+              <a:schemeClr val="phClr">
+                <a:tint val="80000"/>
+                <a:satMod val="300000"/>
+              </a:schemeClr>
+            </a:gs>
+            <a:gs pos="100000">
+              <a:schemeClr val="phClr">
+                <a:shade val="30000"/>
+                <a:satMod val="200000"/>
+              </a:schemeClr>
+            </a:gs>
+          </a:gsLst>
+          <a:path path="circle">
+            <a:fillToRect l="50000" t="50000" r="50000" b="50000"/>
+          </a:path>
+        </a:gradFill>
+      </a:bgFillStyleLst>
+    </a:fmtScheme>
+  </a:themeElements>
+  <a:objectDefaults/>
+  <a:extraClrSchemeLst/>
+</a:theme>
 </file>